--- a/plots/Plots.pptx
+++ b/plots/Plots.pptx
@@ -14,6 +14,8 @@
     <p:sldId id="262" r:id="rId8"/>
     <p:sldId id="263" r:id="rId9"/>
     <p:sldId id="264" r:id="rId10"/>
+    <p:sldId id="266" r:id="rId11"/>
+    <p:sldId id="265" r:id="rId12"/>
   </p:sldIdLst>
   <p:sldSz cx="12192000" cy="6858000"/>
   <p:notesSz cx="6858000" cy="9144000"/>
@@ -112,6 +114,11 @@
       </a:defRPr>
     </a:lvl9pPr>
   </p:defaultTextStyle>
+  <p:extLst>
+    <p:ext uri="{EFAFB233-063F-42B5-8137-9DF3F51BA10A}">
+      <p15:sldGuideLst xmlns:p15="http://schemas.microsoft.com/office/powerpoint/2012/main"/>
+    </p:ext>
+  </p:extLst>
 </p:presentation>
 </file>
 
@@ -3398,6 +3405,1307 @@
 </p:sld>
 </file>
 
+<file path=ppt/slides/slide10.xml><?xml version="1.0" encoding="utf-8"?>
+<p:sld xmlns:a="http://schemas.openxmlformats.org/drawingml/2006/main" xmlns:r="http://schemas.openxmlformats.org/officeDocument/2006/relationships" xmlns:p="http://schemas.openxmlformats.org/presentationml/2006/main">
+  <p:cSld>
+    <p:spTree>
+      <p:nvGrpSpPr>
+        <p:cNvPr id="1" name=""/>
+        <p:cNvGrpSpPr/>
+        <p:nvPr/>
+      </p:nvGrpSpPr>
+      <p:grpSpPr>
+        <a:xfrm>
+          <a:off x="0" y="0"/>
+          <a:ext cx="0" cy="0"/>
+          <a:chOff x="0" y="0"/>
+          <a:chExt cx="0" cy="0"/>
+        </a:xfrm>
+      </p:grpSpPr>
+      <p:sp>
+        <p:nvSpPr>
+          <p:cNvPr id="2" name="Title 1">
+            <a:extLst>
+              <a:ext uri="{FF2B5EF4-FFF2-40B4-BE49-F238E27FC236}">
+                <a16:creationId xmlns:a16="http://schemas.microsoft.com/office/drawing/2014/main" id="{5AFDE641-8640-3369-53EE-87374693683F}"/>
+              </a:ext>
+            </a:extLst>
+          </p:cNvPr>
+          <p:cNvSpPr>
+            <a:spLocks noGrp="1"/>
+          </p:cNvSpPr>
+          <p:nvPr>
+            <p:ph type="title"/>
+          </p:nvPr>
+        </p:nvSpPr>
+        <p:spPr/>
+        <p:txBody>
+          <a:bodyPr/>
+          <a:lstStyle/>
+          <a:p>
+            <a:r>
+              <a:rPr lang="en-US" dirty="0"/>
+              <a:t>Intermission – </a:t>
+            </a:r>
+            <a:r>
+              <a:rPr lang="en-US" dirty="0" err="1"/>
+              <a:t>PyMatching</a:t>
+            </a:r>
+            <a:r>
+              <a:rPr lang="en-US" dirty="0"/>
+              <a:t> Benchmarking</a:t>
+            </a:r>
+          </a:p>
+        </p:txBody>
+      </p:sp>
+      <p:graphicFrame>
+        <p:nvGraphicFramePr>
+          <p:cNvPr id="4" name="Content Placeholder 3">
+            <a:extLst>
+              <a:ext uri="{FF2B5EF4-FFF2-40B4-BE49-F238E27FC236}">
+                <a16:creationId xmlns:a16="http://schemas.microsoft.com/office/drawing/2014/main" id="{EE02D71F-A104-B8D4-5028-1BF55DAE8384}"/>
+              </a:ext>
+            </a:extLst>
+          </p:cNvPr>
+          <p:cNvGraphicFramePr>
+            <a:graphicFrameLocks noGrp="1"/>
+          </p:cNvGraphicFramePr>
+          <p:nvPr>
+            <p:ph idx="1"/>
+            <p:extLst>
+              <p:ext uri="{D42A27DB-BD31-4B8C-83A1-F6EECF244321}">
+                <p14:modId xmlns:p14="http://schemas.microsoft.com/office/powerpoint/2010/main" val="2415756620"/>
+              </p:ext>
+            </p:extLst>
+          </p:nvPr>
+        </p:nvGraphicFramePr>
+        <p:xfrm>
+          <a:off x="838200" y="1825625"/>
+          <a:ext cx="10515600" cy="3708400"/>
+        </p:xfrm>
+        <a:graphic>
+          <a:graphicData uri="http://schemas.openxmlformats.org/drawingml/2006/table">
+            <a:tbl>
+              <a:tblPr firstRow="1" bandRow="1">
+                <a:tableStyleId>{5C22544A-7EE6-4342-B048-85BDC9FD1C3A}</a:tableStyleId>
+              </a:tblPr>
+              <a:tblGrid>
+                <a:gridCol w="2103120">
+                  <a:extLst>
+                    <a:ext uri="{9D8B030D-6E8A-4147-A177-3AD203B41FA5}">
+                      <a16:colId xmlns:a16="http://schemas.microsoft.com/office/drawing/2014/main" val="51890159"/>
+                    </a:ext>
+                  </a:extLst>
+                </a:gridCol>
+                <a:gridCol w="2103120">
+                  <a:extLst>
+                    <a:ext uri="{9D8B030D-6E8A-4147-A177-3AD203B41FA5}">
+                      <a16:colId xmlns:a16="http://schemas.microsoft.com/office/drawing/2014/main" val="1101513692"/>
+                    </a:ext>
+                  </a:extLst>
+                </a:gridCol>
+                <a:gridCol w="2103120">
+                  <a:extLst>
+                    <a:ext uri="{9D8B030D-6E8A-4147-A177-3AD203B41FA5}">
+                      <a16:colId xmlns:a16="http://schemas.microsoft.com/office/drawing/2014/main" val="2242864883"/>
+                    </a:ext>
+                  </a:extLst>
+                </a:gridCol>
+                <a:gridCol w="2103120">
+                  <a:extLst>
+                    <a:ext uri="{9D8B030D-6E8A-4147-A177-3AD203B41FA5}">
+                      <a16:colId xmlns:a16="http://schemas.microsoft.com/office/drawing/2014/main" val="1571894125"/>
+                    </a:ext>
+                  </a:extLst>
+                </a:gridCol>
+                <a:gridCol w="2103120">
+                  <a:extLst>
+                    <a:ext uri="{9D8B030D-6E8A-4147-A177-3AD203B41FA5}">
+                      <a16:colId xmlns:a16="http://schemas.microsoft.com/office/drawing/2014/main" val="199619658"/>
+                    </a:ext>
+                  </a:extLst>
+                </a:gridCol>
+              </a:tblGrid>
+              <a:tr h="370840">
+                <a:tc>
+                  <a:txBody>
+                    <a:bodyPr/>
+                    <a:lstStyle/>
+                    <a:p>
+                      <a:r>
+                        <a:rPr lang="en-US" dirty="0"/>
+                        <a:t>L</a:t>
+                      </a:r>
+                    </a:p>
+                  </a:txBody>
+                  <a:tcPr/>
+                </a:tc>
+                <a:tc>
+                  <a:txBody>
+                    <a:bodyPr/>
+                    <a:lstStyle/>
+                    <a:p>
+                      <a:r>
+                        <a:rPr lang="en-US" dirty="0" err="1"/>
+                        <a:t>Anyon</a:t>
+                      </a:r>
+                      <a:r>
+                        <a:rPr lang="en-US" dirty="0"/>
+                        <a:t> density</a:t>
+                      </a:r>
+                    </a:p>
+                  </a:txBody>
+                  <a:tcPr/>
+                </a:tc>
+                <a:tc>
+                  <a:txBody>
+                    <a:bodyPr/>
+                    <a:lstStyle/>
+                    <a:p>
+                      <a:r>
+                        <a:rPr lang="en-US" dirty="0"/>
+                        <a:t>Overhead</a:t>
+                      </a:r>
+                    </a:p>
+                  </a:txBody>
+                  <a:tcPr/>
+                </a:tc>
+                <a:tc>
+                  <a:txBody>
+                    <a:bodyPr/>
+                    <a:lstStyle/>
+                    <a:p>
+                      <a:r>
+                        <a:rPr lang="en-US" dirty="0"/>
+                        <a:t>Time per shot</a:t>
+                      </a:r>
+                    </a:p>
+                  </a:txBody>
+                  <a:tcPr/>
+                </a:tc>
+                <a:tc>
+                  <a:txBody>
+                    <a:bodyPr/>
+                    <a:lstStyle/>
+                    <a:p>
+                      <a:r>
+                        <a:rPr lang="en-US" dirty="0"/>
+                        <a:t>Std. dev.</a:t>
+                      </a:r>
+                    </a:p>
+                  </a:txBody>
+                  <a:tcPr/>
+                </a:tc>
+                <a:extLst>
+                  <a:ext uri="{0D108BD9-81ED-4DB2-BD59-A6C34878D82A}">
+                    <a16:rowId xmlns:a16="http://schemas.microsoft.com/office/drawing/2014/main" val="1702115291"/>
+                  </a:ext>
+                </a:extLst>
+              </a:tr>
+              <a:tr h="370840">
+                <a:tc>
+                  <a:txBody>
+                    <a:bodyPr/>
+                    <a:lstStyle/>
+                    <a:p>
+                      <a:r>
+                        <a:rPr lang="en-US" dirty="0"/>
+                        <a:t>100</a:t>
+                      </a:r>
+                    </a:p>
+                  </a:txBody>
+                  <a:tcPr/>
+                </a:tc>
+                <a:tc>
+                  <a:txBody>
+                    <a:bodyPr/>
+                    <a:lstStyle/>
+                    <a:p>
+                      <a:r>
+                        <a:rPr lang="en-US" dirty="0"/>
+                        <a:t>1%</a:t>
+                      </a:r>
+                    </a:p>
+                  </a:txBody>
+                  <a:tcPr/>
+                </a:tc>
+                <a:tc rowSpan="3">
+                  <a:txBody>
+                    <a:bodyPr/>
+                    <a:lstStyle/>
+                    <a:p>
+                      <a:r>
+                        <a:rPr lang="en-US" dirty="0"/>
+                        <a:t>11 ms</a:t>
+                      </a:r>
+                    </a:p>
+                  </a:txBody>
+                  <a:tcPr/>
+                </a:tc>
+                <a:tc>
+                  <a:txBody>
+                    <a:bodyPr/>
+                    <a:lstStyle/>
+                    <a:p>
+                      <a:r>
+                        <a:rPr lang="en-US" dirty="0"/>
+                        <a:t>1 ms</a:t>
+                      </a:r>
+                    </a:p>
+                  </a:txBody>
+                  <a:tcPr/>
+                </a:tc>
+                <a:tc>
+                  <a:txBody>
+                    <a:bodyPr/>
+                    <a:lstStyle/>
+                    <a:p>
+                      <a:endParaRPr lang="en-US" dirty="0"/>
+                    </a:p>
+                  </a:txBody>
+                  <a:tcPr/>
+                </a:tc>
+                <a:extLst>
+                  <a:ext uri="{0D108BD9-81ED-4DB2-BD59-A6C34878D82A}">
+                    <a16:rowId xmlns:a16="http://schemas.microsoft.com/office/drawing/2014/main" val="726853110"/>
+                  </a:ext>
+                </a:extLst>
+              </a:tr>
+              <a:tr h="370840">
+                <a:tc>
+                  <a:txBody>
+                    <a:bodyPr/>
+                    <a:lstStyle/>
+                    <a:p>
+                      <a:r>
+                        <a:rPr lang="en-US" dirty="0"/>
+                        <a:t>100</a:t>
+                      </a:r>
+                    </a:p>
+                  </a:txBody>
+                  <a:tcPr/>
+                </a:tc>
+                <a:tc>
+                  <a:txBody>
+                    <a:bodyPr/>
+                    <a:lstStyle/>
+                    <a:p>
+                      <a:r>
+                        <a:rPr lang="en-US" dirty="0"/>
+                        <a:t>5%</a:t>
+                      </a:r>
+                    </a:p>
+                  </a:txBody>
+                  <a:tcPr/>
+                </a:tc>
+                <a:tc vMerge="1">
+                  <a:txBody>
+                    <a:bodyPr/>
+                    <a:lstStyle/>
+                    <a:p>
+                      <a:endParaRPr lang="en-US" dirty="0"/>
+                    </a:p>
+                  </a:txBody>
+                  <a:tcPr/>
+                </a:tc>
+                <a:tc>
+                  <a:txBody>
+                    <a:bodyPr/>
+                    <a:lstStyle/>
+                    <a:p>
+                      <a:r>
+                        <a:rPr lang="en-US" dirty="0"/>
+                        <a:t>2.25 ms</a:t>
+                      </a:r>
+                    </a:p>
+                  </a:txBody>
+                  <a:tcPr/>
+                </a:tc>
+                <a:tc>
+                  <a:txBody>
+                    <a:bodyPr/>
+                    <a:lstStyle/>
+                    <a:p>
+                      <a:endParaRPr lang="en-US" dirty="0"/>
+                    </a:p>
+                  </a:txBody>
+                  <a:tcPr/>
+                </a:tc>
+                <a:extLst>
+                  <a:ext uri="{0D108BD9-81ED-4DB2-BD59-A6C34878D82A}">
+                    <a16:rowId xmlns:a16="http://schemas.microsoft.com/office/drawing/2014/main" val="2173355487"/>
+                  </a:ext>
+                </a:extLst>
+              </a:tr>
+              <a:tr h="370840">
+                <a:tc>
+                  <a:txBody>
+                    <a:bodyPr/>
+                    <a:lstStyle/>
+                    <a:p>
+                      <a:r>
+                        <a:rPr lang="en-US" dirty="0"/>
+                        <a:t>100</a:t>
+                      </a:r>
+                    </a:p>
+                  </a:txBody>
+                  <a:tcPr/>
+                </a:tc>
+                <a:tc>
+                  <a:txBody>
+                    <a:bodyPr/>
+                    <a:lstStyle/>
+                    <a:p>
+                      <a:r>
+                        <a:rPr lang="en-US" dirty="0"/>
+                        <a:t>20%</a:t>
+                      </a:r>
+                    </a:p>
+                  </a:txBody>
+                  <a:tcPr/>
+                </a:tc>
+                <a:tc vMerge="1">
+                  <a:txBody>
+                    <a:bodyPr/>
+                    <a:lstStyle/>
+                    <a:p>
+                      <a:endParaRPr lang="en-US" dirty="0"/>
+                    </a:p>
+                  </a:txBody>
+                  <a:tcPr/>
+                </a:tc>
+                <a:tc>
+                  <a:txBody>
+                    <a:bodyPr/>
+                    <a:lstStyle/>
+                    <a:p>
+                      <a:r>
+                        <a:rPr lang="en-US" dirty="0"/>
+                        <a:t>63.9 ms</a:t>
+                      </a:r>
+                    </a:p>
+                  </a:txBody>
+                  <a:tcPr/>
+                </a:tc>
+                <a:tc>
+                  <a:txBody>
+                    <a:bodyPr/>
+                    <a:lstStyle/>
+                    <a:p>
+                      <a:r>
+                        <a:rPr lang="en-US" dirty="0"/>
+                        <a:t>16.5 ms</a:t>
+                      </a:r>
+                    </a:p>
+                  </a:txBody>
+                  <a:tcPr/>
+                </a:tc>
+                <a:extLst>
+                  <a:ext uri="{0D108BD9-81ED-4DB2-BD59-A6C34878D82A}">
+                    <a16:rowId xmlns:a16="http://schemas.microsoft.com/office/drawing/2014/main" val="972295022"/>
+                  </a:ext>
+                </a:extLst>
+              </a:tr>
+              <a:tr h="370840">
+                <a:tc>
+                  <a:txBody>
+                    <a:bodyPr/>
+                    <a:lstStyle/>
+                    <a:p>
+                      <a:r>
+                        <a:rPr lang="en-US" dirty="0"/>
+                        <a:t>200</a:t>
+                      </a:r>
+                    </a:p>
+                  </a:txBody>
+                  <a:tcPr/>
+                </a:tc>
+                <a:tc>
+                  <a:txBody>
+                    <a:bodyPr/>
+                    <a:lstStyle/>
+                    <a:p>
+                      <a:r>
+                        <a:rPr lang="en-US" dirty="0"/>
+                        <a:t>1%</a:t>
+                      </a:r>
+                    </a:p>
+                  </a:txBody>
+                  <a:tcPr/>
+                </a:tc>
+                <a:tc rowSpan="3">
+                  <a:txBody>
+                    <a:bodyPr/>
+                    <a:lstStyle/>
+                    <a:p>
+                      <a:r>
+                        <a:rPr lang="en-US" dirty="0"/>
+                        <a:t>37 ms</a:t>
+                      </a:r>
+                    </a:p>
+                  </a:txBody>
+                  <a:tcPr/>
+                </a:tc>
+                <a:tc>
+                  <a:txBody>
+                    <a:bodyPr/>
+                    <a:lstStyle/>
+                    <a:p>
+                      <a:r>
+                        <a:rPr lang="en-US" dirty="0"/>
+                        <a:t>3.11 ms</a:t>
+                      </a:r>
+                    </a:p>
+                  </a:txBody>
+                  <a:tcPr/>
+                </a:tc>
+                <a:tc>
+                  <a:txBody>
+                    <a:bodyPr/>
+                    <a:lstStyle/>
+                    <a:p>
+                      <a:endParaRPr lang="en-US" dirty="0"/>
+                    </a:p>
+                  </a:txBody>
+                  <a:tcPr/>
+                </a:tc>
+                <a:extLst>
+                  <a:ext uri="{0D108BD9-81ED-4DB2-BD59-A6C34878D82A}">
+                    <a16:rowId xmlns:a16="http://schemas.microsoft.com/office/drawing/2014/main" val="3620000947"/>
+                  </a:ext>
+                </a:extLst>
+              </a:tr>
+              <a:tr h="370840">
+                <a:tc>
+                  <a:txBody>
+                    <a:bodyPr/>
+                    <a:lstStyle/>
+                    <a:p>
+                      <a:r>
+                        <a:rPr lang="en-US" dirty="0"/>
+                        <a:t>200</a:t>
+                      </a:r>
+                    </a:p>
+                  </a:txBody>
+                  <a:tcPr/>
+                </a:tc>
+                <a:tc>
+                  <a:txBody>
+                    <a:bodyPr/>
+                    <a:lstStyle/>
+                    <a:p>
+                      <a:r>
+                        <a:rPr lang="en-US" dirty="0"/>
+                        <a:t>5%</a:t>
+                      </a:r>
+                    </a:p>
+                  </a:txBody>
+                  <a:tcPr/>
+                </a:tc>
+                <a:tc vMerge="1">
+                  <a:txBody>
+                    <a:bodyPr/>
+                    <a:lstStyle/>
+                    <a:p>
+                      <a:endParaRPr/>
+                    </a:p>
+                  </a:txBody>
+                  <a:tcPr/>
+                </a:tc>
+                <a:tc>
+                  <a:txBody>
+                    <a:bodyPr/>
+                    <a:lstStyle/>
+                    <a:p>
+                      <a:r>
+                        <a:rPr lang="en-US" dirty="0"/>
+                        <a:t>8.69 ms</a:t>
+                      </a:r>
+                    </a:p>
+                  </a:txBody>
+                  <a:tcPr/>
+                </a:tc>
+                <a:tc>
+                  <a:txBody>
+                    <a:bodyPr/>
+                    <a:lstStyle/>
+                    <a:p>
+                      <a:endParaRPr lang="en-US" dirty="0"/>
+                    </a:p>
+                  </a:txBody>
+                  <a:tcPr/>
+                </a:tc>
+                <a:extLst>
+                  <a:ext uri="{0D108BD9-81ED-4DB2-BD59-A6C34878D82A}">
+                    <a16:rowId xmlns:a16="http://schemas.microsoft.com/office/drawing/2014/main" val="2595605127"/>
+                  </a:ext>
+                </a:extLst>
+              </a:tr>
+              <a:tr h="370840">
+                <a:tc>
+                  <a:txBody>
+                    <a:bodyPr/>
+                    <a:lstStyle/>
+                    <a:p>
+                      <a:r>
+                        <a:rPr lang="en-US" dirty="0"/>
+                        <a:t>200</a:t>
+                      </a:r>
+                    </a:p>
+                  </a:txBody>
+                  <a:tcPr/>
+                </a:tc>
+                <a:tc>
+                  <a:txBody>
+                    <a:bodyPr/>
+                    <a:lstStyle/>
+                    <a:p>
+                      <a:r>
+                        <a:rPr lang="en-US" dirty="0"/>
+                        <a:t>20%</a:t>
+                      </a:r>
+                    </a:p>
+                  </a:txBody>
+                  <a:tcPr/>
+                </a:tc>
+                <a:tc vMerge="1">
+                  <a:txBody>
+                    <a:bodyPr/>
+                    <a:lstStyle/>
+                    <a:p>
+                      <a:endParaRPr dirty="0"/>
+                    </a:p>
+                  </a:txBody>
+                  <a:tcPr/>
+                </a:tc>
+                <a:tc>
+                  <a:txBody>
+                    <a:bodyPr/>
+                    <a:lstStyle/>
+                    <a:p>
+                      <a:r>
+                        <a:rPr lang="en-US" dirty="0"/>
+                        <a:t>10.8 s</a:t>
+                      </a:r>
+                    </a:p>
+                  </a:txBody>
+                  <a:tcPr/>
+                </a:tc>
+                <a:tc>
+                  <a:txBody>
+                    <a:bodyPr/>
+                    <a:lstStyle/>
+                    <a:p>
+                      <a:r>
+                        <a:rPr lang="en-US" dirty="0"/>
+                        <a:t>16 s</a:t>
+                      </a:r>
+                    </a:p>
+                  </a:txBody>
+                  <a:tcPr/>
+                </a:tc>
+                <a:extLst>
+                  <a:ext uri="{0D108BD9-81ED-4DB2-BD59-A6C34878D82A}">
+                    <a16:rowId xmlns:a16="http://schemas.microsoft.com/office/drawing/2014/main" val="2339826932"/>
+                  </a:ext>
+                </a:extLst>
+              </a:tr>
+              <a:tr h="370840">
+                <a:tc>
+                  <a:txBody>
+                    <a:bodyPr/>
+                    <a:lstStyle/>
+                    <a:p>
+                      <a:r>
+                        <a:rPr lang="en-US" dirty="0"/>
+                        <a:t>400</a:t>
+                      </a:r>
+                    </a:p>
+                  </a:txBody>
+                  <a:tcPr/>
+                </a:tc>
+                <a:tc>
+                  <a:txBody>
+                    <a:bodyPr/>
+                    <a:lstStyle/>
+                    <a:p>
+                      <a:r>
+                        <a:rPr lang="en-US" dirty="0"/>
+                        <a:t>1%</a:t>
+                      </a:r>
+                    </a:p>
+                  </a:txBody>
+                  <a:tcPr/>
+                </a:tc>
+                <a:tc rowSpan="3">
+                  <a:txBody>
+                    <a:bodyPr/>
+                    <a:lstStyle/>
+                    <a:p>
+                      <a:r>
+                        <a:rPr lang="en-US" dirty="0"/>
+                        <a:t>165 ms</a:t>
+                      </a:r>
+                    </a:p>
+                  </a:txBody>
+                  <a:tcPr/>
+                </a:tc>
+                <a:tc>
+                  <a:txBody>
+                    <a:bodyPr/>
+                    <a:lstStyle/>
+                    <a:p>
+                      <a:r>
+                        <a:rPr lang="en-US" dirty="0"/>
+                        <a:t>12.1 ms</a:t>
+                      </a:r>
+                    </a:p>
+                  </a:txBody>
+                  <a:tcPr/>
+                </a:tc>
+                <a:tc>
+                  <a:txBody>
+                    <a:bodyPr/>
+                    <a:lstStyle/>
+                    <a:p>
+                      <a:endParaRPr lang="en-US" dirty="0"/>
+                    </a:p>
+                  </a:txBody>
+                  <a:tcPr/>
+                </a:tc>
+                <a:extLst>
+                  <a:ext uri="{0D108BD9-81ED-4DB2-BD59-A6C34878D82A}">
+                    <a16:rowId xmlns:a16="http://schemas.microsoft.com/office/drawing/2014/main" val="1389013996"/>
+                  </a:ext>
+                </a:extLst>
+              </a:tr>
+              <a:tr h="370840">
+                <a:tc>
+                  <a:txBody>
+                    <a:bodyPr/>
+                    <a:lstStyle/>
+                    <a:p>
+                      <a:r>
+                        <a:rPr lang="en-US" dirty="0"/>
+                        <a:t>400</a:t>
+                      </a:r>
+                    </a:p>
+                  </a:txBody>
+                  <a:tcPr/>
+                </a:tc>
+                <a:tc>
+                  <a:txBody>
+                    <a:bodyPr/>
+                    <a:lstStyle/>
+                    <a:p>
+                      <a:r>
+                        <a:rPr lang="en-US" dirty="0"/>
+                        <a:t>5%</a:t>
+                      </a:r>
+                    </a:p>
+                  </a:txBody>
+                  <a:tcPr/>
+                </a:tc>
+                <a:tc vMerge="1">
+                  <a:txBody>
+                    <a:bodyPr/>
+                    <a:lstStyle/>
+                    <a:p>
+                      <a:endParaRPr lang="en-US" dirty="0"/>
+                    </a:p>
+                  </a:txBody>
+                  <a:tcPr/>
+                </a:tc>
+                <a:tc>
+                  <a:txBody>
+                    <a:bodyPr/>
+                    <a:lstStyle/>
+                    <a:p>
+                      <a:r>
+                        <a:rPr lang="en-US" dirty="0"/>
+                        <a:t>54 ms</a:t>
+                      </a:r>
+                    </a:p>
+                  </a:txBody>
+                  <a:tcPr/>
+                </a:tc>
+                <a:tc>
+                  <a:txBody>
+                    <a:bodyPr/>
+                    <a:lstStyle/>
+                    <a:p>
+                      <a:endParaRPr lang="en-US" dirty="0"/>
+                    </a:p>
+                  </a:txBody>
+                  <a:tcPr/>
+                </a:tc>
+                <a:extLst>
+                  <a:ext uri="{0D108BD9-81ED-4DB2-BD59-A6C34878D82A}">
+                    <a16:rowId xmlns:a16="http://schemas.microsoft.com/office/drawing/2014/main" val="2847840286"/>
+                  </a:ext>
+                </a:extLst>
+              </a:tr>
+              <a:tr h="370840">
+                <a:tc>
+                  <a:txBody>
+                    <a:bodyPr/>
+                    <a:lstStyle/>
+                    <a:p>
+                      <a:r>
+                        <a:rPr lang="en-US" dirty="0"/>
+                        <a:t>400</a:t>
+                      </a:r>
+                    </a:p>
+                  </a:txBody>
+                  <a:tcPr/>
+                </a:tc>
+                <a:tc>
+                  <a:txBody>
+                    <a:bodyPr/>
+                    <a:lstStyle/>
+                    <a:p>
+                      <a:r>
+                        <a:rPr lang="en-US" dirty="0"/>
+                        <a:t>20%</a:t>
+                      </a:r>
+                    </a:p>
+                  </a:txBody>
+                  <a:tcPr/>
+                </a:tc>
+                <a:tc vMerge="1">
+                  <a:txBody>
+                    <a:bodyPr/>
+                    <a:lstStyle/>
+                    <a:p>
+                      <a:endParaRPr lang="en-US" dirty="0"/>
+                    </a:p>
+                  </a:txBody>
+                  <a:tcPr/>
+                </a:tc>
+                <a:tc>
+                  <a:txBody>
+                    <a:bodyPr/>
+                    <a:lstStyle/>
+                    <a:p>
+                      <a:r>
+                        <a:rPr lang="en-US" dirty="0"/>
+                        <a:t>long</a:t>
+                      </a:r>
+                    </a:p>
+                  </a:txBody>
+                  <a:tcPr/>
+                </a:tc>
+                <a:tc>
+                  <a:txBody>
+                    <a:bodyPr/>
+                    <a:lstStyle/>
+                    <a:p>
+                      <a:endParaRPr lang="en-US" dirty="0"/>
+                    </a:p>
+                  </a:txBody>
+                  <a:tcPr/>
+                </a:tc>
+                <a:extLst>
+                  <a:ext uri="{0D108BD9-81ED-4DB2-BD59-A6C34878D82A}">
+                    <a16:rowId xmlns:a16="http://schemas.microsoft.com/office/drawing/2014/main" val="1066743496"/>
+                  </a:ext>
+                </a:extLst>
+              </a:tr>
+            </a:tbl>
+          </a:graphicData>
+        </a:graphic>
+      </p:graphicFrame>
+      <p:sp>
+        <p:nvSpPr>
+          <p:cNvPr id="5" name="TextBox 4">
+            <a:extLst>
+              <a:ext uri="{FF2B5EF4-FFF2-40B4-BE49-F238E27FC236}">
+                <a16:creationId xmlns:a16="http://schemas.microsoft.com/office/drawing/2014/main" id="{BFD8F546-DCBD-29B7-A959-85A095360B97}"/>
+              </a:ext>
+            </a:extLst>
+          </p:cNvPr>
+          <p:cNvSpPr txBox="1"/>
+          <p:nvPr/>
+        </p:nvSpPr>
+        <p:spPr>
+          <a:xfrm>
+            <a:off x="1727849" y="5895975"/>
+            <a:ext cx="8782789" cy="646331"/>
+          </a:xfrm>
+          <a:prstGeom prst="rect">
+            <a:avLst/>
+          </a:prstGeom>
+          <a:noFill/>
+        </p:spPr>
+        <p:txBody>
+          <a:bodyPr wrap="none" rtlCol="0">
+            <a:spAutoFit/>
+          </a:bodyPr>
+          <a:lstStyle/>
+          <a:p>
+            <a:pPr algn="ctr"/>
+            <a:r>
+              <a:rPr lang="en-US" dirty="0"/>
+              <a:t>Note: </a:t>
+            </a:r>
+            <a:r>
+              <a:rPr lang="en-US" dirty="0" err="1"/>
+              <a:t>PyMatching</a:t>
+            </a:r>
+            <a:r>
+              <a:rPr lang="en-US" dirty="0"/>
+              <a:t> struggles &amp; performs inconsistently with high values of </a:t>
+            </a:r>
+            <a:r>
+              <a:rPr lang="en-US" dirty="0" err="1"/>
+              <a:t>anyon</a:t>
+            </a:r>
+            <a:r>
+              <a:rPr lang="en-US" dirty="0"/>
+              <a:t> density</a:t>
+            </a:r>
+          </a:p>
+          <a:p>
+            <a:pPr algn="ctr"/>
+            <a:r>
+              <a:rPr lang="en-US" dirty="0"/>
+              <a:t>These benchmarking results are averaged over 100 runs.</a:t>
+            </a:r>
+          </a:p>
+        </p:txBody>
+      </p:sp>
+    </p:spTree>
+    <p:extLst>
+      <p:ext uri="{BB962C8B-B14F-4D97-AF65-F5344CB8AC3E}">
+        <p14:creationId xmlns:p14="http://schemas.microsoft.com/office/powerpoint/2010/main" val="3678158434"/>
+      </p:ext>
+    </p:extLst>
+  </p:cSld>
+  <p:clrMapOvr>
+    <a:masterClrMapping/>
+  </p:clrMapOvr>
+</p:sld>
+</file>
+
+<file path=ppt/slides/slide11.xml><?xml version="1.0" encoding="utf-8"?>
+<p:sld xmlns:a="http://schemas.openxmlformats.org/drawingml/2006/main" xmlns:r="http://schemas.openxmlformats.org/officeDocument/2006/relationships" xmlns:p="http://schemas.openxmlformats.org/presentationml/2006/main">
+  <p:cSld>
+    <p:spTree>
+      <p:nvGrpSpPr>
+        <p:cNvPr id="1" name=""/>
+        <p:cNvGrpSpPr/>
+        <p:nvPr/>
+      </p:nvGrpSpPr>
+      <p:grpSpPr>
+        <a:xfrm>
+          <a:off x="0" y="0"/>
+          <a:ext cx="0" cy="0"/>
+          <a:chOff x="0" y="0"/>
+          <a:chExt cx="0" cy="0"/>
+        </a:xfrm>
+      </p:grpSpPr>
+      <p:sp>
+        <p:nvSpPr>
+          <p:cNvPr id="2" name="Title 1">
+            <a:extLst>
+              <a:ext uri="{FF2B5EF4-FFF2-40B4-BE49-F238E27FC236}">
+                <a16:creationId xmlns:a16="http://schemas.microsoft.com/office/drawing/2014/main" id="{B797A52D-8C56-4CC5-48D0-88D222D029E4}"/>
+              </a:ext>
+            </a:extLst>
+          </p:cNvPr>
+          <p:cNvSpPr>
+            <a:spLocks noGrp="1"/>
+          </p:cNvSpPr>
+          <p:nvPr>
+            <p:ph type="title"/>
+          </p:nvPr>
+        </p:nvSpPr>
+        <p:spPr/>
+        <p:txBody>
+          <a:bodyPr/>
+          <a:lstStyle/>
+          <a:p>
+            <a:r>
+              <a:rPr lang="en-US" dirty="0"/>
+              <a:t>Run 4</a:t>
+            </a:r>
+          </a:p>
+        </p:txBody>
+      </p:sp>
+      <mc:AlternateContent xmlns:mc="http://schemas.openxmlformats.org/markup-compatibility/2006">
+        <mc:Choice xmlns:a14="http://schemas.microsoft.com/office/drawing/2010/main" Requires="a14">
+          <p:sp>
+            <p:nvSpPr>
+              <p:cNvPr id="3" name="Content Placeholder 2">
+                <a:extLst>
+                  <a:ext uri="{FF2B5EF4-FFF2-40B4-BE49-F238E27FC236}">
+                    <a16:creationId xmlns:a16="http://schemas.microsoft.com/office/drawing/2014/main" id="{F567ADB7-F744-B166-BEF6-BB2549F8A4D4}"/>
+                  </a:ext>
+                </a:extLst>
+              </p:cNvPr>
+              <p:cNvSpPr>
+                <a:spLocks noGrp="1"/>
+              </p:cNvSpPr>
+              <p:nvPr>
+                <p:ph idx="1"/>
+              </p:nvPr>
+            </p:nvSpPr>
+            <p:spPr/>
+            <p:txBody>
+              <a:bodyPr/>
+              <a:lstStyle/>
+              <a:p>
+                <a14:m>
+                  <m:oMath xmlns:m="http://schemas.openxmlformats.org/officeDocument/2006/math">
+                    <m:r>
+                      <a:rPr lang="en-US" i="1" dirty="0" smtClean="0">
+                        <a:latin typeface="Cambria Math" panose="02040503050406030204" pitchFamily="18" charset="0"/>
+                      </a:rPr>
+                      <m:t>𝐿</m:t>
+                    </m:r>
+                    <m:r>
+                      <a:rPr lang="en-US" i="1" dirty="0" smtClean="0">
+                        <a:latin typeface="Cambria Math" panose="02040503050406030204" pitchFamily="18" charset="0"/>
+                      </a:rPr>
+                      <m:t>∈</m:t>
+                    </m:r>
+                    <m:r>
+                      <m:rPr>
+                        <m:lit/>
+                      </m:rPr>
+                      <a:rPr lang="en-US" i="1" dirty="0" smtClean="0">
+                        <a:latin typeface="Cambria Math" panose="02040503050406030204" pitchFamily="18" charset="0"/>
+                      </a:rPr>
+                      <m:t>{</m:t>
+                    </m:r>
+                    <m:r>
+                      <a:rPr lang="en-US" i="1" dirty="0" smtClean="0">
+                        <a:latin typeface="Cambria Math" panose="02040503050406030204" pitchFamily="18" charset="0"/>
+                      </a:rPr>
+                      <m:t>20,40,60</m:t>
+                    </m:r>
+                    <m:r>
+                      <a:rPr lang="en-US" b="0" i="1" dirty="0" smtClean="0">
+                        <a:latin typeface="Cambria Math" panose="02040503050406030204" pitchFamily="18" charset="0"/>
+                      </a:rPr>
+                      <m:t>,…</m:t>
+                    </m:r>
+                    <m:r>
+                      <a:rPr lang="en-US" i="1" dirty="0" smtClean="0">
+                        <a:latin typeface="Cambria Math" panose="02040503050406030204" pitchFamily="18" charset="0"/>
+                      </a:rPr>
+                      <m:t>,</m:t>
+                    </m:r>
+                    <m:r>
+                      <a:rPr lang="en-US" b="0" i="1" dirty="0" smtClean="0">
+                        <a:latin typeface="Cambria Math" panose="02040503050406030204" pitchFamily="18" charset="0"/>
+                      </a:rPr>
+                      <m:t>100</m:t>
+                    </m:r>
+                    <m:r>
+                      <m:rPr>
+                        <m:lit/>
+                      </m:rPr>
+                      <a:rPr lang="en-US" i="1" dirty="0" smtClean="0">
+                        <a:latin typeface="Cambria Math" panose="02040503050406030204" pitchFamily="18" charset="0"/>
+                      </a:rPr>
+                      <m:t>}</m:t>
+                    </m:r>
+                  </m:oMath>
+                </a14:m>
+                <a:endParaRPr lang="en-US" dirty="0"/>
+              </a:p>
+              <a:p>
+                <a14:m>
+                  <m:oMath xmlns:m="http://schemas.openxmlformats.org/officeDocument/2006/math">
+                    <m:r>
+                      <a:rPr lang="en-US" i="1" dirty="0" smtClean="0">
+                        <a:latin typeface="Cambria Math" panose="02040503050406030204" pitchFamily="18" charset="0"/>
+                      </a:rPr>
+                      <m:t>𝑐</m:t>
+                    </m:r>
+                    <m:r>
+                      <a:rPr lang="en-US" i="1" dirty="0" smtClean="0">
+                        <a:latin typeface="Cambria Math" panose="02040503050406030204" pitchFamily="18" charset="0"/>
+                      </a:rPr>
+                      <m:t>=16</m:t>
+                    </m:r>
+                  </m:oMath>
+                </a14:m>
+                <a:endParaRPr lang="en-US" dirty="0"/>
+              </a:p>
+              <a:p>
+                <a14:m>
+                  <m:oMath xmlns:m="http://schemas.openxmlformats.org/officeDocument/2006/math">
+                    <m:r>
+                      <a:rPr lang="en-US" i="1" dirty="0" smtClean="0">
+                        <a:latin typeface="Cambria Math" panose="02040503050406030204" pitchFamily="18" charset="0"/>
+                      </a:rPr>
+                      <m:t>𝑇</m:t>
+                    </m:r>
+                    <m:r>
+                      <a:rPr lang="en-US" i="1" dirty="0" smtClean="0">
+                        <a:latin typeface="Cambria Math" panose="02040503050406030204" pitchFamily="18" charset="0"/>
+                      </a:rPr>
+                      <m:t>=</m:t>
+                    </m:r>
+                    <m:r>
+                      <a:rPr lang="en-US" i="1" dirty="0" smtClean="0">
+                        <a:latin typeface="Cambria Math" panose="02040503050406030204" pitchFamily="18" charset="0"/>
+                      </a:rPr>
+                      <m:t>𝐿</m:t>
+                    </m:r>
+                  </m:oMath>
+                </a14:m>
+                <a:endParaRPr lang="en-US" dirty="0"/>
+              </a:p>
+              <a:p>
+                <a14:m>
+                  <m:oMath xmlns:m="http://schemas.openxmlformats.org/officeDocument/2006/math">
+                    <m:r>
+                      <a:rPr lang="en-US" i="1" dirty="0" smtClean="0">
+                        <a:latin typeface="Cambria Math" panose="02040503050406030204" pitchFamily="18" charset="0"/>
+                      </a:rPr>
+                      <m:t>𝑝</m:t>
+                    </m:r>
+                    <m:r>
+                      <a:rPr lang="en-US" i="1" dirty="0" smtClean="0">
+                        <a:latin typeface="Cambria Math" panose="02040503050406030204" pitchFamily="18" charset="0"/>
+                      </a:rPr>
+                      <m:t>∈{</m:t>
+                    </m:r>
+                    <m:sSup>
+                      <m:sSupPr>
+                        <m:ctrlPr>
+                          <a:rPr lang="en-US" b="0" i="1" dirty="0" smtClean="0">
+                            <a:latin typeface="Cambria Math" panose="02040503050406030204" pitchFamily="18" charset="0"/>
+                          </a:rPr>
+                        </m:ctrlPr>
+                      </m:sSupPr>
+                      <m:e>
+                        <m:r>
+                          <a:rPr lang="en-US" b="0" i="1" dirty="0" smtClean="0">
+                            <a:latin typeface="Cambria Math" panose="02040503050406030204" pitchFamily="18" charset="0"/>
+                          </a:rPr>
+                          <m:t>2</m:t>
+                        </m:r>
+                      </m:e>
+                      <m:sup>
+                        <m:r>
+                          <a:rPr lang="en-US" b="0" i="1" dirty="0" smtClean="0">
+                            <a:latin typeface="Cambria Math" panose="02040503050406030204" pitchFamily="18" charset="0"/>
+                          </a:rPr>
+                          <m:t>−6</m:t>
+                        </m:r>
+                      </m:sup>
+                    </m:sSup>
+                    <m:r>
+                      <a:rPr lang="en-US" b="0" i="1" dirty="0" smtClean="0">
+                        <a:latin typeface="Cambria Math" panose="02040503050406030204" pitchFamily="18" charset="0"/>
+                      </a:rPr>
+                      <m:t>,</m:t>
+                    </m:r>
+                    <m:sSup>
+                      <m:sSupPr>
+                        <m:ctrlPr>
+                          <a:rPr lang="en-US" b="0" i="1" dirty="0" smtClean="0">
+                            <a:latin typeface="Cambria Math" panose="02040503050406030204" pitchFamily="18" charset="0"/>
+                          </a:rPr>
+                        </m:ctrlPr>
+                      </m:sSupPr>
+                      <m:e>
+                        <m:r>
+                          <a:rPr lang="en-US" b="0" i="1" dirty="0" smtClean="0">
+                            <a:latin typeface="Cambria Math" panose="02040503050406030204" pitchFamily="18" charset="0"/>
+                          </a:rPr>
+                          <m:t>2</m:t>
+                        </m:r>
+                      </m:e>
+                      <m:sup>
+                        <m:r>
+                          <a:rPr lang="en-US" b="0" i="1" dirty="0" smtClean="0">
+                            <a:latin typeface="Cambria Math" panose="02040503050406030204" pitchFamily="18" charset="0"/>
+                          </a:rPr>
+                          <m:t>−7</m:t>
+                        </m:r>
+                      </m:sup>
+                    </m:sSup>
+                    <m:r>
+                      <a:rPr lang="en-US" b="0" i="1" dirty="0" smtClean="0">
+                        <a:latin typeface="Cambria Math" panose="02040503050406030204" pitchFamily="18" charset="0"/>
+                      </a:rPr>
+                      <m:t>,</m:t>
+                    </m:r>
+                    <m:sSup>
+                      <m:sSupPr>
+                        <m:ctrlPr>
+                          <a:rPr lang="en-US" b="0" i="1" dirty="0" smtClean="0">
+                            <a:latin typeface="Cambria Math" panose="02040503050406030204" pitchFamily="18" charset="0"/>
+                          </a:rPr>
+                        </m:ctrlPr>
+                      </m:sSupPr>
+                      <m:e>
+                        <m:r>
+                          <a:rPr lang="en-US" b="0" i="1" dirty="0" smtClean="0">
+                            <a:latin typeface="Cambria Math" panose="02040503050406030204" pitchFamily="18" charset="0"/>
+                          </a:rPr>
+                          <m:t>2</m:t>
+                        </m:r>
+                      </m:e>
+                      <m:sup>
+                        <m:r>
+                          <a:rPr lang="en-US" b="0" i="1" dirty="0" smtClean="0">
+                            <a:latin typeface="Cambria Math" panose="02040503050406030204" pitchFamily="18" charset="0"/>
+                          </a:rPr>
+                          <m:t>−8</m:t>
+                        </m:r>
+                      </m:sup>
+                    </m:sSup>
+                    <m:r>
+                      <a:rPr lang="en-US" b="0" i="1" dirty="0" smtClean="0">
+                        <a:latin typeface="Cambria Math" panose="02040503050406030204" pitchFamily="18" charset="0"/>
+                      </a:rPr>
+                      <m:t>,…,</m:t>
+                    </m:r>
+                    <m:sSup>
+                      <m:sSupPr>
+                        <m:ctrlPr>
+                          <a:rPr lang="en-US" b="0" i="1" dirty="0" smtClean="0">
+                            <a:latin typeface="Cambria Math" panose="02040503050406030204" pitchFamily="18" charset="0"/>
+                          </a:rPr>
+                        </m:ctrlPr>
+                      </m:sSupPr>
+                      <m:e>
+                        <m:r>
+                          <a:rPr lang="en-US" b="0" i="1" dirty="0" smtClean="0">
+                            <a:latin typeface="Cambria Math" panose="02040503050406030204" pitchFamily="18" charset="0"/>
+                          </a:rPr>
+                          <m:t>2</m:t>
+                        </m:r>
+                      </m:e>
+                      <m:sup>
+                        <m:r>
+                          <a:rPr lang="en-US" b="0" i="1" dirty="0" smtClean="0">
+                            <a:latin typeface="Cambria Math" panose="02040503050406030204" pitchFamily="18" charset="0"/>
+                          </a:rPr>
+                          <m:t>−10</m:t>
+                        </m:r>
+                      </m:sup>
+                    </m:sSup>
+                    <m:r>
+                      <m:rPr>
+                        <m:lit/>
+                      </m:rPr>
+                      <a:rPr lang="en-US" i="1" dirty="0" smtClean="0">
+                        <a:latin typeface="Cambria Math" panose="02040503050406030204" pitchFamily="18" charset="0"/>
+                      </a:rPr>
+                      <m:t>}</m:t>
+                    </m:r>
+                  </m:oMath>
+                </a14:m>
+                <a:endParaRPr lang="en-US" dirty="0"/>
+              </a:p>
+              <a:p>
+                <a14:m>
+                  <m:oMath xmlns:m="http://schemas.openxmlformats.org/officeDocument/2006/math">
+                    <m:r>
+                      <a:rPr lang="en-US" i="1" dirty="0" smtClean="0">
+                        <a:latin typeface="Cambria Math" panose="02040503050406030204" pitchFamily="18" charset="0"/>
+                      </a:rPr>
+                      <m:t>𝜂</m:t>
+                    </m:r>
+                    <m:r>
+                      <a:rPr lang="en-US" i="1" dirty="0" smtClean="0">
+                        <a:latin typeface="Cambria Math" panose="02040503050406030204" pitchFamily="18" charset="0"/>
+                      </a:rPr>
+                      <m:t>=0.1</m:t>
+                    </m:r>
+                  </m:oMath>
+                </a14:m>
+                <a:endParaRPr lang="en-US" dirty="0"/>
+              </a:p>
+              <a:p>
+                <a:r>
+                  <a:rPr lang="en-US" dirty="0"/>
+                  <a:t>10000 shots</a:t>
+                </a:r>
+              </a:p>
+              <a:p>
+                <a:r>
+                  <a:rPr lang="en-US" dirty="0"/>
+                  <a:t>1 hour, 8 CPUs per task</a:t>
+                </a:r>
+              </a:p>
+              <a:p>
+                <a:r>
+                  <a:rPr lang="en-US" dirty="0"/>
+                  <a:t>Record: failure rate, </a:t>
+                </a:r>
+                <a:r>
+                  <a:rPr lang="en-US" dirty="0" err="1"/>
+                  <a:t>anyon</a:t>
+                </a:r>
+                <a:r>
+                  <a:rPr lang="en-US" dirty="0"/>
+                  <a:t> density over time.</a:t>
+                </a:r>
+              </a:p>
+            </p:txBody>
+          </p:sp>
+        </mc:Choice>
+        <mc:Fallback>
+          <p:sp>
+            <p:nvSpPr>
+              <p:cNvPr id="3" name="Content Placeholder 2">
+                <a:extLst>
+                  <a:ext uri="{FF2B5EF4-FFF2-40B4-BE49-F238E27FC236}">
+                    <a16:creationId xmlns:a16="http://schemas.microsoft.com/office/drawing/2014/main" id="{F567ADB7-F744-B166-BEF6-BB2549F8A4D4}"/>
+                  </a:ext>
+                </a:extLst>
+              </p:cNvPr>
+              <p:cNvSpPr>
+                <a:spLocks noGrp="1" noRot="1" noChangeAspect="1" noMove="1" noResize="1" noEditPoints="1" noAdjustHandles="1" noChangeArrowheads="1" noChangeShapeType="1" noTextEdit="1"/>
+              </p:cNvSpPr>
+              <p:nvPr>
+                <p:ph idx="1"/>
+              </p:nvPr>
+            </p:nvSpPr>
+            <p:spPr>
+              <a:blipFill>
+                <a:blip r:embed="rId2"/>
+                <a:stretch>
+                  <a:fillRect l="-1043"/>
+                </a:stretch>
+              </a:blipFill>
+            </p:spPr>
+            <p:txBody>
+              <a:bodyPr/>
+              <a:lstStyle/>
+              <a:p>
+                <a:r>
+                  <a:rPr lang="en-US">
+                    <a:noFill/>
+                  </a:rPr>
+                  <a:t> </a:t>
+                </a:r>
+              </a:p>
+            </p:txBody>
+          </p:sp>
+        </mc:Fallback>
+      </mc:AlternateContent>
+    </p:spTree>
+    <p:extLst>
+      <p:ext uri="{BB962C8B-B14F-4D97-AF65-F5344CB8AC3E}">
+        <p14:creationId xmlns:p14="http://schemas.microsoft.com/office/powerpoint/2010/main" val="2463136519"/>
+      </p:ext>
+    </p:extLst>
+  </p:cSld>
+  <p:clrMapOvr>
+    <a:masterClrMapping/>
+  </p:clrMapOvr>
+</p:sld>
+</file>
+
 <file path=ppt/slides/slide2.xml><?xml version="1.0" encoding="utf-8"?>
 <p:sld xmlns:a="http://schemas.openxmlformats.org/drawingml/2006/main" xmlns:r="http://schemas.openxmlformats.org/officeDocument/2006/relationships" xmlns:p="http://schemas.openxmlformats.org/presentationml/2006/main">
   <p:cSld>
@@ -3443,8 +4751,8 @@
           </a:p>
         </p:txBody>
       </p:sp>
-      <mc:AlternateContent xmlns:mc="http://schemas.openxmlformats.org/markup-compatibility/2006">
-        <mc:Choice xmlns:a14="http://schemas.microsoft.com/office/drawing/2010/main" Requires="a14">
+      <mc:AlternateContent xmlns:mc="http://schemas.openxmlformats.org/markup-compatibility/2006" xmlns:a14="http://schemas.microsoft.com/office/drawing/2010/main">
+        <mc:Choice Requires="a14">
           <p:sp>
             <p:nvSpPr>
               <p:cNvPr id="3" name="Content Placeholder 2">
@@ -3686,7 +4994,7 @@
             </p:txBody>
           </p:sp>
         </mc:Choice>
-        <mc:Fallback>
+        <mc:Fallback xmlns="">
           <p:sp>
             <p:nvSpPr>
               <p:cNvPr id="3" name="Content Placeholder 2">
@@ -3999,16 +5307,13 @@
                       <a:rPr lang="en-US" i="1" dirty="0" smtClean="0">
                         <a:latin typeface="Cambria Math" panose="02040503050406030204" pitchFamily="18" charset="0"/>
                       </a:rPr>
-                      <m:t>20,40,60,\</m:t>
-                    </m:r>
-                    <m:r>
-                      <m:rPr>
-                        <m:sty m:val="p"/>
-                      </m:rPr>
-                      <a:rPr lang="en-US" i="1" dirty="0" smtClean="0">
-                        <a:latin typeface="Cambria Math" panose="02040503050406030204" pitchFamily="18" charset="0"/>
-                      </a:rPr>
-                      <m:t>dotsc</m:t>
+                      <m:t>20,40,60,</m:t>
+                    </m:r>
+                    <m:r>
+                      <a:rPr lang="en-US" b="0" i="1" dirty="0" smtClean="0">
+                        <a:latin typeface="Cambria Math" panose="02040503050406030204" pitchFamily="18" charset="0"/>
+                      </a:rPr>
+                      <m:t>…</m:t>
                     </m:r>
                     <m:r>
                       <a:rPr lang="en-US" i="1" dirty="0" smtClean="0">
@@ -4057,16 +5362,13 @@
                       <a:rPr lang="en-US" i="1" dirty="0" smtClean="0">
                         <a:latin typeface="Cambria Math" panose="02040503050406030204" pitchFamily="18" charset="0"/>
                       </a:rPr>
-                      <m:t>2,4,8,\</m:t>
-                    </m:r>
-                    <m:r>
-                      <m:rPr>
-                        <m:sty m:val="p"/>
-                      </m:rPr>
-                      <a:rPr lang="en-US" i="1" dirty="0" smtClean="0">
-                        <a:latin typeface="Cambria Math" panose="02040503050406030204" pitchFamily="18" charset="0"/>
-                      </a:rPr>
-                      <m:t>dotsc</m:t>
+                      <m:t>2,4,8,</m:t>
+                    </m:r>
+                    <m:r>
+                      <a:rPr lang="en-US" b="0" i="1" dirty="0" smtClean="0">
+                        <a:latin typeface="Cambria Math" panose="02040503050406030204" pitchFamily="18" charset="0"/>
+                      </a:rPr>
+                      <m:t>…</m:t>
                     </m:r>
                     <m:r>
                       <a:rPr lang="en-US" i="1" dirty="0" smtClean="0">
@@ -4442,16 +5744,13 @@
                       <a:rPr lang="en-US" i="1" dirty="0" smtClean="0">
                         <a:latin typeface="Cambria Math" panose="02040503050406030204" pitchFamily="18" charset="0"/>
                       </a:rPr>
-                      <m:t>20,40,60,\</m:t>
-                    </m:r>
-                    <m:r>
-                      <m:rPr>
-                        <m:sty m:val="p"/>
-                      </m:rPr>
-                      <a:rPr lang="en-US" i="1" dirty="0" smtClean="0">
-                        <a:latin typeface="Cambria Math" panose="02040503050406030204" pitchFamily="18" charset="0"/>
-                      </a:rPr>
-                      <m:t>dotsc</m:t>
+                      <m:t>20,40,60,</m:t>
+                    </m:r>
+                    <m:r>
+                      <a:rPr lang="en-US" b="0" i="1" dirty="0" smtClean="0">
+                        <a:latin typeface="Cambria Math" panose="02040503050406030204" pitchFamily="18" charset="0"/>
+                      </a:rPr>
+                      <m:t>…</m:t>
                     </m:r>
                     <m:r>
                       <a:rPr lang="en-US" i="1" dirty="0" smtClean="0">
@@ -4544,16 +5843,13 @@
                       <a:rPr lang="en-US" i="1" dirty="0" smtClean="0">
                         <a:latin typeface="Cambria Math" panose="02040503050406030204" pitchFamily="18" charset="0"/>
                       </a:rPr>
-                      <m:t>0.01,0.02,0.03,\</m:t>
-                    </m:r>
-                    <m:r>
-                      <m:rPr>
-                        <m:sty m:val="p"/>
-                      </m:rPr>
-                      <a:rPr lang="en-US" i="1" dirty="0" smtClean="0">
-                        <a:latin typeface="Cambria Math" panose="02040503050406030204" pitchFamily="18" charset="0"/>
-                      </a:rPr>
-                      <m:t>dotsc</m:t>
+                      <m:t>0.01,0.02,0.03,</m:t>
+                    </m:r>
+                    <m:r>
+                      <a:rPr lang="en-US" b="0" i="1" dirty="0" smtClean="0">
+                        <a:latin typeface="Cambria Math" panose="02040503050406030204" pitchFamily="18" charset="0"/>
+                      </a:rPr>
+                      <m:t>…</m:t>
                     </m:r>
                     <m:r>
                       <a:rPr lang="en-US" i="1" dirty="0" smtClean="0">
@@ -4992,8 +6288,8 @@
         </p:blipFill>
         <p:spPr>
           <a:xfrm>
-            <a:off x="3195108" y="1825625"/>
-            <a:ext cx="5801784" cy="4351338"/>
+            <a:off x="2747433" y="168275"/>
+            <a:ext cx="8432800" cy="6324600"/>
           </a:xfrm>
           <a:prstGeom prst="rect">
             <a:avLst/>

--- a/plots/Plots.pptx
+++ b/plots/Plots.pptx
@@ -16,6 +16,10 @@
     <p:sldId id="264" r:id="rId10"/>
     <p:sldId id="266" r:id="rId11"/>
     <p:sldId id="265" r:id="rId12"/>
+    <p:sldId id="267" r:id="rId13"/>
+    <p:sldId id="268" r:id="rId14"/>
+    <p:sldId id="269" r:id="rId15"/>
+    <p:sldId id="270" r:id="rId16"/>
   </p:sldIdLst>
   <p:sldSz cx="12192000" cy="6858000"/>
   <p:notesSz cx="6858000" cy="9144000"/>
@@ -4332,8 +4336,8 @@
           </a:p>
         </p:txBody>
       </p:sp>
-      <mc:AlternateContent xmlns:mc="http://schemas.openxmlformats.org/markup-compatibility/2006">
-        <mc:Choice xmlns:a14="http://schemas.microsoft.com/office/drawing/2010/main" Requires="a14">
+      <mc:AlternateContent xmlns:mc="http://schemas.openxmlformats.org/markup-compatibility/2006" xmlns:a14="http://schemas.microsoft.com/office/drawing/2010/main">
+        <mc:Choice Requires="a14">
           <p:sp>
             <p:nvSpPr>
               <p:cNvPr id="3" name="Content Placeholder 2">
@@ -4653,7 +4657,7 @@
             </p:txBody>
           </p:sp>
         </mc:Choice>
-        <mc:Fallback>
+        <mc:Fallback xmlns="">
           <p:sp>
             <p:nvSpPr>
               <p:cNvPr id="3" name="Content Placeholder 2">
@@ -4697,6 +4701,486 @@
     <p:extLst>
       <p:ext uri="{BB962C8B-B14F-4D97-AF65-F5344CB8AC3E}">
         <p14:creationId xmlns:p14="http://schemas.microsoft.com/office/powerpoint/2010/main" val="2463136519"/>
+      </p:ext>
+    </p:extLst>
+  </p:cSld>
+  <p:clrMapOvr>
+    <a:masterClrMapping/>
+  </p:clrMapOvr>
+</p:sld>
+</file>
+
+<file path=ppt/slides/slide12.xml><?xml version="1.0" encoding="utf-8"?>
+<p:sld xmlns:a="http://schemas.openxmlformats.org/drawingml/2006/main" xmlns:r="http://schemas.openxmlformats.org/officeDocument/2006/relationships" xmlns:p="http://schemas.openxmlformats.org/presentationml/2006/main">
+  <p:cSld>
+    <p:spTree>
+      <p:nvGrpSpPr>
+        <p:cNvPr id="1" name=""/>
+        <p:cNvGrpSpPr/>
+        <p:nvPr/>
+      </p:nvGrpSpPr>
+      <p:grpSpPr>
+        <a:xfrm>
+          <a:off x="0" y="0"/>
+          <a:ext cx="0" cy="0"/>
+          <a:chOff x="0" y="0"/>
+          <a:chExt cx="0" cy="0"/>
+        </a:xfrm>
+      </p:grpSpPr>
+      <p:sp>
+        <p:nvSpPr>
+          <p:cNvPr id="2" name="Title 1">
+            <a:extLst>
+              <a:ext uri="{FF2B5EF4-FFF2-40B4-BE49-F238E27FC236}">
+                <a16:creationId xmlns:a16="http://schemas.microsoft.com/office/drawing/2014/main" id="{DFDB42A9-6878-4223-01B4-D78C26B1ABD3}"/>
+              </a:ext>
+            </a:extLst>
+          </p:cNvPr>
+          <p:cNvSpPr>
+            <a:spLocks noGrp="1"/>
+          </p:cNvSpPr>
+          <p:nvPr>
+            <p:ph type="title"/>
+          </p:nvPr>
+        </p:nvSpPr>
+        <p:spPr/>
+        <p:txBody>
+          <a:bodyPr/>
+          <a:lstStyle/>
+          <a:p>
+            <a:r>
+              <a:rPr lang="en-US" dirty="0"/>
+              <a:t>Run 4</a:t>
+            </a:r>
+          </a:p>
+        </p:txBody>
+      </p:sp>
+      <p:pic>
+        <p:nvPicPr>
+          <p:cNvPr id="5" name="Content Placeholder 4" descr="A graph of different colors&#10;&#10;Description automatically generated">
+            <a:extLst>
+              <a:ext uri="{FF2B5EF4-FFF2-40B4-BE49-F238E27FC236}">
+                <a16:creationId xmlns:a16="http://schemas.microsoft.com/office/drawing/2014/main" id="{AA608F04-6D0B-49BE-6C20-2BD0DEE3C4C7}"/>
+              </a:ext>
+            </a:extLst>
+          </p:cNvPr>
+          <p:cNvPicPr>
+            <a:picLocks noGrp="1" noChangeAspect="1"/>
+          </p:cNvPicPr>
+          <p:nvPr>
+            <p:ph idx="1"/>
+          </p:nvPr>
+        </p:nvPicPr>
+        <p:blipFill>
+          <a:blip r:embed="rId2">
+            <a:extLst>
+              <a:ext uri="{28A0092B-C50C-407E-A947-70E740481C1C}">
+                <a14:useLocalDpi xmlns:a14="http://schemas.microsoft.com/office/drawing/2010/main" val="0"/>
+              </a:ext>
+            </a:extLst>
+          </a:blip>
+          <a:stretch>
+            <a:fillRect/>
+          </a:stretch>
+        </p:blipFill>
+        <p:spPr>
+          <a:xfrm>
+            <a:off x="6634654" y="944914"/>
+            <a:ext cx="4351338" cy="4351338"/>
+          </a:xfrm>
+        </p:spPr>
+      </p:pic>
+      <p:pic>
+        <p:nvPicPr>
+          <p:cNvPr id="7" name="Picture 6" descr="A graph of a failure rate&#10;&#10;Description automatically generated">
+            <a:extLst>
+              <a:ext uri="{FF2B5EF4-FFF2-40B4-BE49-F238E27FC236}">
+                <a16:creationId xmlns:a16="http://schemas.microsoft.com/office/drawing/2014/main" id="{AA90CD36-8FBF-EE69-239D-3DDA106261AD}"/>
+              </a:ext>
+            </a:extLst>
+          </p:cNvPr>
+          <p:cNvPicPr>
+            <a:picLocks noChangeAspect="1"/>
+          </p:cNvPicPr>
+          <p:nvPr/>
+        </p:nvPicPr>
+        <p:blipFill>
+          <a:blip r:embed="rId3">
+            <a:extLst>
+              <a:ext uri="{28A0092B-C50C-407E-A947-70E740481C1C}">
+                <a14:useLocalDpi xmlns:a14="http://schemas.microsoft.com/office/drawing/2010/main" val="0"/>
+              </a:ext>
+            </a:extLst>
+          </a:blip>
+          <a:stretch>
+            <a:fillRect/>
+          </a:stretch>
+        </p:blipFill>
+        <p:spPr>
+          <a:xfrm>
+            <a:off x="730097" y="1446377"/>
+            <a:ext cx="4388757" cy="4388757"/>
+          </a:xfrm>
+          <a:prstGeom prst="rect">
+            <a:avLst/>
+          </a:prstGeom>
+        </p:spPr>
+      </p:pic>
+    </p:spTree>
+    <p:extLst>
+      <p:ext uri="{BB962C8B-B14F-4D97-AF65-F5344CB8AC3E}">
+        <p14:creationId xmlns:p14="http://schemas.microsoft.com/office/powerpoint/2010/main" val="1028633011"/>
+      </p:ext>
+    </p:extLst>
+  </p:cSld>
+  <p:clrMapOvr>
+    <a:masterClrMapping/>
+  </p:clrMapOvr>
+</p:sld>
+</file>
+
+<file path=ppt/slides/slide13.xml><?xml version="1.0" encoding="utf-8"?>
+<p:sld xmlns:a="http://schemas.openxmlformats.org/drawingml/2006/main" xmlns:r="http://schemas.openxmlformats.org/officeDocument/2006/relationships" xmlns:p="http://schemas.openxmlformats.org/presentationml/2006/main">
+  <p:cSld>
+    <p:spTree>
+      <p:nvGrpSpPr>
+        <p:cNvPr id="1" name=""/>
+        <p:cNvGrpSpPr/>
+        <p:nvPr/>
+      </p:nvGrpSpPr>
+      <p:grpSpPr>
+        <a:xfrm>
+          <a:off x="0" y="0"/>
+          <a:ext cx="0" cy="0"/>
+          <a:chOff x="0" y="0"/>
+          <a:chExt cx="0" cy="0"/>
+        </a:xfrm>
+      </p:grpSpPr>
+      <p:sp>
+        <p:nvSpPr>
+          <p:cNvPr id="2" name="Title 1">
+            <a:extLst>
+              <a:ext uri="{FF2B5EF4-FFF2-40B4-BE49-F238E27FC236}">
+                <a16:creationId xmlns:a16="http://schemas.microsoft.com/office/drawing/2014/main" id="{ADDF2086-6093-FA3D-3965-B9566ACD4E63}"/>
+              </a:ext>
+            </a:extLst>
+          </p:cNvPr>
+          <p:cNvSpPr>
+            <a:spLocks noGrp="1"/>
+          </p:cNvSpPr>
+          <p:nvPr>
+            <p:ph type="title"/>
+          </p:nvPr>
+        </p:nvSpPr>
+        <p:spPr/>
+        <p:txBody>
+          <a:bodyPr/>
+          <a:lstStyle/>
+          <a:p>
+            <a:r>
+              <a:rPr lang="en-US" dirty="0"/>
+              <a:t>Run 4</a:t>
+            </a:r>
+          </a:p>
+        </p:txBody>
+      </p:sp>
+      <p:pic>
+        <p:nvPicPr>
+          <p:cNvPr id="5" name="Content Placeholder 4" descr="A graph of a failure rate&#10;&#10;Description automatically generated">
+            <a:extLst>
+              <a:ext uri="{FF2B5EF4-FFF2-40B4-BE49-F238E27FC236}">
+                <a16:creationId xmlns:a16="http://schemas.microsoft.com/office/drawing/2014/main" id="{FDE393AD-F8CD-C6E9-4127-54861C86BDA4}"/>
+              </a:ext>
+            </a:extLst>
+          </p:cNvPr>
+          <p:cNvPicPr>
+            <a:picLocks noGrp="1" noChangeAspect="1"/>
+          </p:cNvPicPr>
+          <p:nvPr>
+            <p:ph idx="1"/>
+          </p:nvPr>
+        </p:nvPicPr>
+        <p:blipFill>
+          <a:blip r:embed="rId2">
+            <a:extLst>
+              <a:ext uri="{28A0092B-C50C-407E-A947-70E740481C1C}">
+                <a14:useLocalDpi xmlns:a14="http://schemas.microsoft.com/office/drawing/2010/main" val="0"/>
+              </a:ext>
+            </a:extLst>
+          </a:blip>
+          <a:stretch>
+            <a:fillRect/>
+          </a:stretch>
+        </p:blipFill>
+        <p:spPr>
+          <a:xfrm>
+            <a:off x="6530262" y="1253331"/>
+            <a:ext cx="5801784" cy="4351338"/>
+          </a:xfrm>
+        </p:spPr>
+      </p:pic>
+      <p:pic>
+        <p:nvPicPr>
+          <p:cNvPr id="7" name="Picture 6" descr="A graph of a failure rate&#10;&#10;Description automatically generated">
+            <a:extLst>
+              <a:ext uri="{FF2B5EF4-FFF2-40B4-BE49-F238E27FC236}">
+                <a16:creationId xmlns:a16="http://schemas.microsoft.com/office/drawing/2014/main" id="{CA387693-CBD5-1DBC-3335-710455E56A76}"/>
+              </a:ext>
+            </a:extLst>
+          </p:cNvPr>
+          <p:cNvPicPr>
+            <a:picLocks noChangeAspect="1"/>
+          </p:cNvPicPr>
+          <p:nvPr/>
+        </p:nvPicPr>
+        <p:blipFill>
+          <a:blip r:embed="rId3">
+            <a:extLst>
+              <a:ext uri="{28A0092B-C50C-407E-A947-70E740481C1C}">
+                <a14:useLocalDpi xmlns:a14="http://schemas.microsoft.com/office/drawing/2010/main" val="0"/>
+              </a:ext>
+            </a:extLst>
+          </a:blip>
+          <a:stretch>
+            <a:fillRect/>
+          </a:stretch>
+        </p:blipFill>
+        <p:spPr>
+          <a:xfrm>
+            <a:off x="398086" y="1523379"/>
+            <a:ext cx="5851676" cy="4388757"/>
+          </a:xfrm>
+          <a:prstGeom prst="rect">
+            <a:avLst/>
+          </a:prstGeom>
+        </p:spPr>
+      </p:pic>
+    </p:spTree>
+    <p:extLst>
+      <p:ext uri="{BB962C8B-B14F-4D97-AF65-F5344CB8AC3E}">
+        <p14:creationId xmlns:p14="http://schemas.microsoft.com/office/powerpoint/2010/main" val="1432437518"/>
+      </p:ext>
+    </p:extLst>
+  </p:cSld>
+  <p:clrMapOvr>
+    <a:masterClrMapping/>
+  </p:clrMapOvr>
+</p:sld>
+</file>
+
+<file path=ppt/slides/slide14.xml><?xml version="1.0" encoding="utf-8"?>
+<p:sld xmlns:a="http://schemas.openxmlformats.org/drawingml/2006/main" xmlns:r="http://schemas.openxmlformats.org/officeDocument/2006/relationships" xmlns:p="http://schemas.openxmlformats.org/presentationml/2006/main">
+  <p:cSld>
+    <p:spTree>
+      <p:nvGrpSpPr>
+        <p:cNvPr id="1" name=""/>
+        <p:cNvGrpSpPr/>
+        <p:nvPr/>
+      </p:nvGrpSpPr>
+      <p:grpSpPr>
+        <a:xfrm>
+          <a:off x="0" y="0"/>
+          <a:ext cx="0" cy="0"/>
+          <a:chOff x="0" y="0"/>
+          <a:chExt cx="0" cy="0"/>
+        </a:xfrm>
+      </p:grpSpPr>
+      <p:sp>
+        <p:nvSpPr>
+          <p:cNvPr id="2" name="Title 1">
+            <a:extLst>
+              <a:ext uri="{FF2B5EF4-FFF2-40B4-BE49-F238E27FC236}">
+                <a16:creationId xmlns:a16="http://schemas.microsoft.com/office/drawing/2014/main" id="{7131E7C2-5250-CD3A-B758-DA98D4F7850A}"/>
+              </a:ext>
+            </a:extLst>
+          </p:cNvPr>
+          <p:cNvSpPr>
+            <a:spLocks noGrp="1"/>
+          </p:cNvSpPr>
+          <p:nvPr>
+            <p:ph type="title"/>
+          </p:nvPr>
+        </p:nvSpPr>
+        <p:spPr/>
+        <p:txBody>
+          <a:bodyPr/>
+          <a:lstStyle/>
+          <a:p>
+            <a:r>
+              <a:rPr lang="en-US" dirty="0"/>
+              <a:t>Run 4</a:t>
+            </a:r>
+          </a:p>
+        </p:txBody>
+      </p:sp>
+      <p:pic>
+        <p:nvPicPr>
+          <p:cNvPr id="5" name="Content Placeholder 4" descr="A graph of a number of numbers and a line&#10;&#10;Description automatically generated">
+            <a:extLst>
+              <a:ext uri="{FF2B5EF4-FFF2-40B4-BE49-F238E27FC236}">
+                <a16:creationId xmlns:a16="http://schemas.microsoft.com/office/drawing/2014/main" id="{5A586292-3389-3135-0CA8-4A33936174A6}"/>
+              </a:ext>
+            </a:extLst>
+          </p:cNvPr>
+          <p:cNvPicPr>
+            <a:picLocks noGrp="1" noChangeAspect="1"/>
+          </p:cNvPicPr>
+          <p:nvPr>
+            <p:ph idx="1"/>
+          </p:nvPr>
+        </p:nvPicPr>
+        <p:blipFill>
+          <a:blip r:embed="rId2">
+            <a:extLst>
+              <a:ext uri="{28A0092B-C50C-407E-A947-70E740481C1C}">
+                <a14:useLocalDpi xmlns:a14="http://schemas.microsoft.com/office/drawing/2010/main" val="0"/>
+              </a:ext>
+            </a:extLst>
+          </a:blip>
+          <a:stretch>
+            <a:fillRect/>
+          </a:stretch>
+        </p:blipFill>
+        <p:spPr>
+          <a:xfrm>
+            <a:off x="4474143" y="1426176"/>
+            <a:ext cx="5801784" cy="4351338"/>
+          </a:xfrm>
+        </p:spPr>
+      </p:pic>
+    </p:spTree>
+    <p:extLst>
+      <p:ext uri="{BB962C8B-B14F-4D97-AF65-F5344CB8AC3E}">
+        <p14:creationId xmlns:p14="http://schemas.microsoft.com/office/powerpoint/2010/main" val="700810837"/>
+      </p:ext>
+    </p:extLst>
+  </p:cSld>
+  <p:clrMapOvr>
+    <a:masterClrMapping/>
+  </p:clrMapOvr>
+</p:sld>
+</file>
+
+<file path=ppt/slides/slide15.xml><?xml version="1.0" encoding="utf-8"?>
+<p:sld xmlns:a="http://schemas.openxmlformats.org/drawingml/2006/main" xmlns:r="http://schemas.openxmlformats.org/officeDocument/2006/relationships" xmlns:p="http://schemas.openxmlformats.org/presentationml/2006/main">
+  <p:cSld>
+    <p:spTree>
+      <p:nvGrpSpPr>
+        <p:cNvPr id="1" name=""/>
+        <p:cNvGrpSpPr/>
+        <p:nvPr/>
+      </p:nvGrpSpPr>
+      <p:grpSpPr>
+        <a:xfrm>
+          <a:off x="0" y="0"/>
+          <a:ext cx="0" cy="0"/>
+          <a:chOff x="0" y="0"/>
+          <a:chExt cx="0" cy="0"/>
+        </a:xfrm>
+      </p:grpSpPr>
+      <p:sp>
+        <p:nvSpPr>
+          <p:cNvPr id="2" name="Title 1">
+            <a:extLst>
+              <a:ext uri="{FF2B5EF4-FFF2-40B4-BE49-F238E27FC236}">
+                <a16:creationId xmlns:a16="http://schemas.microsoft.com/office/drawing/2014/main" id="{AE4E6647-4207-7788-20D4-90A575DEF7D1}"/>
+              </a:ext>
+            </a:extLst>
+          </p:cNvPr>
+          <p:cNvSpPr>
+            <a:spLocks noGrp="1"/>
+          </p:cNvSpPr>
+          <p:nvPr>
+            <p:ph type="title"/>
+          </p:nvPr>
+        </p:nvSpPr>
+        <p:spPr/>
+        <p:txBody>
+          <a:bodyPr/>
+          <a:lstStyle/>
+          <a:p>
+            <a:r>
+              <a:rPr lang="en-US" dirty="0"/>
+              <a:t>Run 4</a:t>
+            </a:r>
+          </a:p>
+        </p:txBody>
+      </p:sp>
+      <p:pic>
+        <p:nvPicPr>
+          <p:cNvPr id="5" name="Content Placeholder 4" descr="A graph of a number of numbers&#10;&#10;Description automatically generated with medium confidence">
+            <a:extLst>
+              <a:ext uri="{FF2B5EF4-FFF2-40B4-BE49-F238E27FC236}">
+                <a16:creationId xmlns:a16="http://schemas.microsoft.com/office/drawing/2014/main" id="{75F03EE7-9011-F31D-0158-10E81B4D4461}"/>
+              </a:ext>
+            </a:extLst>
+          </p:cNvPr>
+          <p:cNvPicPr>
+            <a:picLocks noGrp="1" noChangeAspect="1"/>
+          </p:cNvPicPr>
+          <p:nvPr>
+            <p:ph idx="1"/>
+          </p:nvPr>
+        </p:nvPicPr>
+        <p:blipFill>
+          <a:blip r:embed="rId2">
+            <a:extLst>
+              <a:ext uri="{28A0092B-C50C-407E-A947-70E740481C1C}">
+                <a14:useLocalDpi xmlns:a14="http://schemas.microsoft.com/office/drawing/2010/main" val="0"/>
+              </a:ext>
+            </a:extLst>
+          </a:blip>
+          <a:stretch>
+            <a:fillRect/>
+          </a:stretch>
+        </p:blipFill>
+        <p:spPr>
+          <a:xfrm>
+            <a:off x="2832496" y="1825625"/>
+            <a:ext cx="6527007" cy="4351338"/>
+          </a:xfrm>
+        </p:spPr>
+      </p:pic>
+      <p:pic>
+        <p:nvPicPr>
+          <p:cNvPr id="7" name="Picture 6" descr="A graph of a function&#10;&#10;Description automatically generated with medium confidence">
+            <a:extLst>
+              <a:ext uri="{FF2B5EF4-FFF2-40B4-BE49-F238E27FC236}">
+                <a16:creationId xmlns:a16="http://schemas.microsoft.com/office/drawing/2014/main" id="{186BF046-C4F9-FFFD-9DA4-342D235774F6}"/>
+              </a:ext>
+            </a:extLst>
+          </p:cNvPr>
+          <p:cNvPicPr>
+            <a:picLocks noChangeAspect="1"/>
+          </p:cNvPicPr>
+          <p:nvPr/>
+        </p:nvPicPr>
+        <p:blipFill>
+          <a:blip r:embed="rId3">
+            <a:extLst>
+              <a:ext uri="{28A0092B-C50C-407E-A947-70E740481C1C}">
+                <a14:useLocalDpi xmlns:a14="http://schemas.microsoft.com/office/drawing/2010/main" val="0"/>
+              </a:ext>
+            </a:extLst>
+          </a:blip>
+          <a:stretch>
+            <a:fillRect/>
+          </a:stretch>
+        </p:blipFill>
+        <p:spPr>
+          <a:xfrm>
+            <a:off x="2459254" y="268612"/>
+            <a:ext cx="9638637" cy="6425758"/>
+          </a:xfrm>
+          <a:prstGeom prst="rect">
+            <a:avLst/>
+          </a:prstGeom>
+        </p:spPr>
+      </p:pic>
+    </p:spTree>
+    <p:extLst>
+      <p:ext uri="{BB962C8B-B14F-4D97-AF65-F5344CB8AC3E}">
+        <p14:creationId xmlns:p14="http://schemas.microsoft.com/office/powerpoint/2010/main" val="3143113504"/>
       </p:ext>
     </p:extLst>
   </p:cSld>
@@ -5257,8 +5741,8 @@
           </a:p>
         </p:txBody>
       </p:sp>
-      <mc:AlternateContent xmlns:mc="http://schemas.openxmlformats.org/markup-compatibility/2006">
-        <mc:Choice xmlns:a14="http://schemas.microsoft.com/office/drawing/2010/main" Requires="a14">
+      <mc:AlternateContent xmlns:mc="http://schemas.openxmlformats.org/markup-compatibility/2006" xmlns:a14="http://schemas.microsoft.com/office/drawing/2010/main">
+        <mc:Choice Requires="a14">
           <p:sp>
             <p:nvSpPr>
               <p:cNvPr id="3" name="Content Placeholder 2">
@@ -5467,7 +5951,7 @@
             </p:txBody>
           </p:sp>
         </mc:Choice>
-        <mc:Fallback>
+        <mc:Fallback xmlns="">
           <p:sp>
             <p:nvSpPr>
               <p:cNvPr id="3" name="Content Placeholder 2">
@@ -5694,8 +6178,8 @@
           </a:p>
         </p:txBody>
       </p:sp>
-      <mc:AlternateContent xmlns:mc="http://schemas.openxmlformats.org/markup-compatibility/2006">
-        <mc:Choice xmlns:a14="http://schemas.microsoft.com/office/drawing/2010/main" Requires="a14">
+      <mc:AlternateContent xmlns:mc="http://schemas.openxmlformats.org/markup-compatibility/2006" xmlns:a14="http://schemas.microsoft.com/office/drawing/2010/main">
+        <mc:Choice Requires="a14">
           <p:sp>
             <p:nvSpPr>
               <p:cNvPr id="3" name="Content Placeholder 2">
@@ -5904,7 +6388,7 @@
             </p:txBody>
           </p:sp>
         </mc:Choice>
-        <mc:Fallback>
+        <mc:Fallback xmlns="">
           <p:sp>
             <p:nvSpPr>
               <p:cNvPr id="3" name="Content Placeholder 2">

--- a/plots/Plots.pptx
+++ b/plots/Plots.pptx
@@ -3478,7 +3478,7 @@
             <p:ph idx="1"/>
             <p:extLst>
               <p:ext uri="{D42A27DB-BD31-4B8C-83A1-F6EECF244321}">
-                <p14:modId xmlns:p14="http://schemas.microsoft.com/office/powerpoint/2010/main" val="2415756620"/>
+                <p14:modId xmlns:p14="http://schemas.microsoft.com/office/powerpoint/2010/main" val="4162345245"/>
               </p:ext>
             </p:extLst>
           </p:nvPr>
@@ -4193,7 +4193,7 @@
                     <a:p>
                       <a:r>
                         <a:rPr lang="en-US" dirty="0"/>
-                        <a:t>long</a:t>
+                        <a:t>TIMEOUT</a:t>
                       </a:r>
                     </a:p>
                   </a:txBody>

--- a/plots/Plots.pptx
+++ b/plots/Plots.pptx
@@ -20,6 +20,7 @@
     <p:sldId id="268" r:id="rId14"/>
     <p:sldId id="269" r:id="rId15"/>
     <p:sldId id="270" r:id="rId16"/>
+    <p:sldId id="272" r:id="rId17"/>
   </p:sldIdLst>
   <p:sldSz cx="12192000" cy="6858000"/>
   <p:notesSz cx="6858000" cy="9144000"/>
@@ -5190,6 +5191,477 @@
 </p:sld>
 </file>
 
+<file path=ppt/slides/slide16.xml><?xml version="1.0" encoding="utf-8"?>
+<p:sld xmlns:a="http://schemas.openxmlformats.org/drawingml/2006/main" xmlns:r="http://schemas.openxmlformats.org/officeDocument/2006/relationships" xmlns:p="http://schemas.openxmlformats.org/presentationml/2006/main">
+  <p:cSld>
+    <p:spTree>
+      <p:nvGrpSpPr>
+        <p:cNvPr id="1" name=""/>
+        <p:cNvGrpSpPr/>
+        <p:nvPr/>
+      </p:nvGrpSpPr>
+      <p:grpSpPr>
+        <a:xfrm>
+          <a:off x="0" y="0"/>
+          <a:ext cx="0" cy="0"/>
+          <a:chOff x="0" y="0"/>
+          <a:chExt cx="0" cy="0"/>
+        </a:xfrm>
+      </p:grpSpPr>
+      <p:sp>
+        <p:nvSpPr>
+          <p:cNvPr id="2" name="Title 1">
+            <a:extLst>
+              <a:ext uri="{FF2B5EF4-FFF2-40B4-BE49-F238E27FC236}">
+                <a16:creationId xmlns:a16="http://schemas.microsoft.com/office/drawing/2014/main" id="{B797A52D-8C56-4CC5-48D0-88D222D029E4}"/>
+              </a:ext>
+            </a:extLst>
+          </p:cNvPr>
+          <p:cNvSpPr>
+            <a:spLocks noGrp="1"/>
+          </p:cNvSpPr>
+          <p:nvPr>
+            <p:ph type="title"/>
+          </p:nvPr>
+        </p:nvSpPr>
+        <p:spPr/>
+        <p:txBody>
+          <a:bodyPr/>
+          <a:lstStyle/>
+          <a:p>
+            <a:r>
+              <a:rPr lang="en-US" dirty="0"/>
+              <a:t>Run 5</a:t>
+            </a:r>
+          </a:p>
+        </p:txBody>
+      </p:sp>
+      <mc:AlternateContent xmlns:mc="http://schemas.openxmlformats.org/markup-compatibility/2006">
+        <mc:Choice xmlns:a14="http://schemas.microsoft.com/office/drawing/2010/main" Requires="a14">
+          <p:sp>
+            <p:nvSpPr>
+              <p:cNvPr id="3" name="Content Placeholder 2">
+                <a:extLst>
+                  <a:ext uri="{FF2B5EF4-FFF2-40B4-BE49-F238E27FC236}">
+                    <a16:creationId xmlns:a16="http://schemas.microsoft.com/office/drawing/2014/main" id="{F567ADB7-F744-B166-BEF6-BB2549F8A4D4}"/>
+                  </a:ext>
+                </a:extLst>
+              </p:cNvPr>
+              <p:cNvSpPr>
+                <a:spLocks noGrp="1"/>
+              </p:cNvSpPr>
+              <p:nvPr>
+                <p:ph idx="1"/>
+              </p:nvPr>
+            </p:nvSpPr>
+            <p:spPr/>
+            <p:txBody>
+              <a:bodyPr/>
+              <a:lstStyle/>
+              <a:p>
+                <a14:m>
+                  <m:oMath xmlns:m="http://schemas.openxmlformats.org/officeDocument/2006/math">
+                    <m:r>
+                      <a:rPr lang="en-US" i="1" dirty="0" smtClean="0">
+                        <a:latin typeface="Cambria Math" panose="02040503050406030204" pitchFamily="18" charset="0"/>
+                      </a:rPr>
+                      <m:t>𝐿</m:t>
+                    </m:r>
+                    <m:r>
+                      <a:rPr lang="en-US" i="1" dirty="0" smtClean="0">
+                        <a:latin typeface="Cambria Math" panose="02040503050406030204" pitchFamily="18" charset="0"/>
+                      </a:rPr>
+                      <m:t>∈</m:t>
+                    </m:r>
+                    <m:r>
+                      <m:rPr>
+                        <m:lit/>
+                      </m:rPr>
+                      <a:rPr lang="en-US" i="1" dirty="0" smtClean="0">
+                        <a:latin typeface="Cambria Math" panose="02040503050406030204" pitchFamily="18" charset="0"/>
+                      </a:rPr>
+                      <m:t>{</m:t>
+                    </m:r>
+                    <m:r>
+                      <a:rPr lang="en-US" b="0" i="1" dirty="0" smtClean="0">
+                        <a:latin typeface="Cambria Math" panose="02040503050406030204" pitchFamily="18" charset="0"/>
+                      </a:rPr>
+                      <m:t>100</m:t>
+                    </m:r>
+                    <m:r>
+                      <a:rPr lang="en-US" i="1" dirty="0" smtClean="0">
+                        <a:latin typeface="Cambria Math" panose="02040503050406030204" pitchFamily="18" charset="0"/>
+                      </a:rPr>
+                      <m:t>,</m:t>
+                    </m:r>
+                    <m:r>
+                      <a:rPr lang="en-US" b="0" i="1" dirty="0" smtClean="0">
+                        <a:latin typeface="Cambria Math" panose="02040503050406030204" pitchFamily="18" charset="0"/>
+                      </a:rPr>
+                      <m:t>200</m:t>
+                    </m:r>
+                    <m:r>
+                      <a:rPr lang="en-US" i="1" dirty="0" smtClean="0">
+                        <a:latin typeface="Cambria Math" panose="02040503050406030204" pitchFamily="18" charset="0"/>
+                      </a:rPr>
+                      <m:t>,</m:t>
+                    </m:r>
+                    <m:r>
+                      <a:rPr lang="en-US" b="0" i="1" dirty="0" smtClean="0">
+                        <a:latin typeface="Cambria Math" panose="02040503050406030204" pitchFamily="18" charset="0"/>
+                      </a:rPr>
+                      <m:t>300</m:t>
+                    </m:r>
+                    <m:r>
+                      <a:rPr lang="en-US" b="0" i="1" dirty="0" smtClean="0">
+                        <a:latin typeface="Cambria Math" panose="02040503050406030204" pitchFamily="18" charset="0"/>
+                      </a:rPr>
+                      <m:t>,…</m:t>
+                    </m:r>
+                    <m:r>
+                      <a:rPr lang="en-US" i="1" dirty="0" smtClean="0">
+                        <a:latin typeface="Cambria Math" panose="02040503050406030204" pitchFamily="18" charset="0"/>
+                      </a:rPr>
+                      <m:t>,</m:t>
+                    </m:r>
+                    <m:r>
+                      <a:rPr lang="en-US" b="0" i="1" dirty="0" smtClean="0">
+                        <a:latin typeface="Cambria Math" panose="02040503050406030204" pitchFamily="18" charset="0"/>
+                      </a:rPr>
+                      <m:t>5</m:t>
+                    </m:r>
+                    <m:r>
+                      <a:rPr lang="en-US" b="0" i="1" dirty="0" smtClean="0">
+                        <a:latin typeface="Cambria Math" panose="02040503050406030204" pitchFamily="18" charset="0"/>
+                      </a:rPr>
+                      <m:t>00</m:t>
+                    </m:r>
+                    <m:r>
+                      <m:rPr>
+                        <m:lit/>
+                      </m:rPr>
+                      <a:rPr lang="en-US" i="1" dirty="0" smtClean="0">
+                        <a:latin typeface="Cambria Math" panose="02040503050406030204" pitchFamily="18" charset="0"/>
+                      </a:rPr>
+                      <m:t>}</m:t>
+                    </m:r>
+                  </m:oMath>
+                </a14:m>
+                <a:endParaRPr lang="en-US" dirty="0"/>
+              </a:p>
+              <a:p>
+                <a14:m>
+                  <m:oMath xmlns:m="http://schemas.openxmlformats.org/officeDocument/2006/math">
+                    <m:r>
+                      <a:rPr lang="en-US" i="1" dirty="0" smtClean="0">
+                        <a:latin typeface="Cambria Math" panose="02040503050406030204" pitchFamily="18" charset="0"/>
+                      </a:rPr>
+                      <m:t>𝑐</m:t>
+                    </m:r>
+                    <m:r>
+                      <a:rPr lang="en-US" i="1" dirty="0" smtClean="0">
+                        <a:latin typeface="Cambria Math" panose="02040503050406030204" pitchFamily="18" charset="0"/>
+                      </a:rPr>
+                      <m:t>=16</m:t>
+                    </m:r>
+                  </m:oMath>
+                </a14:m>
+                <a:endParaRPr lang="en-US" dirty="0"/>
+              </a:p>
+              <a:p>
+                <a14:m>
+                  <m:oMath xmlns:m="http://schemas.openxmlformats.org/officeDocument/2006/math">
+                    <m:r>
+                      <a:rPr lang="en-US" i="1" dirty="0" smtClean="0">
+                        <a:latin typeface="Cambria Math" panose="02040503050406030204" pitchFamily="18" charset="0"/>
+                      </a:rPr>
+                      <m:t>𝑇</m:t>
+                    </m:r>
+                    <m:r>
+                      <a:rPr lang="en-US" i="1" dirty="0" smtClean="0">
+                        <a:latin typeface="Cambria Math" panose="02040503050406030204" pitchFamily="18" charset="0"/>
+                      </a:rPr>
+                      <m:t>=</m:t>
+                    </m:r>
+                    <m:r>
+                      <a:rPr lang="en-US" i="1" dirty="0" smtClean="0">
+                        <a:latin typeface="Cambria Math" panose="02040503050406030204" pitchFamily="18" charset="0"/>
+                      </a:rPr>
+                      <m:t>𝐿</m:t>
+                    </m:r>
+                  </m:oMath>
+                </a14:m>
+                <a:endParaRPr lang="en-US" dirty="0"/>
+              </a:p>
+              <a:p>
+                <a14:m>
+                  <m:oMath xmlns:m="http://schemas.openxmlformats.org/officeDocument/2006/math">
+                    <m:r>
+                      <a:rPr lang="en-US" i="1" dirty="0" smtClean="0">
+                        <a:latin typeface="Cambria Math" panose="02040503050406030204" pitchFamily="18" charset="0"/>
+                      </a:rPr>
+                      <m:t>𝑝</m:t>
+                    </m:r>
+                    <m:r>
+                      <a:rPr lang="en-US" i="1" dirty="0" smtClean="0">
+                        <a:latin typeface="Cambria Math" panose="02040503050406030204" pitchFamily="18" charset="0"/>
+                      </a:rPr>
+                      <m:t>∈{</m:t>
+                    </m:r>
+                    <m:sSup>
+                      <m:sSupPr>
+                        <m:ctrlPr>
+                          <a:rPr lang="en-US" b="0" i="1" dirty="0" smtClean="0">
+                            <a:latin typeface="Cambria Math" panose="02040503050406030204" pitchFamily="18" charset="0"/>
+                          </a:rPr>
+                        </m:ctrlPr>
+                      </m:sSupPr>
+                      <m:e>
+                        <m:r>
+                          <a:rPr lang="en-US" b="0" i="1" dirty="0" smtClean="0">
+                            <a:latin typeface="Cambria Math" panose="02040503050406030204" pitchFamily="18" charset="0"/>
+                          </a:rPr>
+                          <m:t>2</m:t>
+                        </m:r>
+                      </m:e>
+                      <m:sup>
+                        <m:r>
+                          <a:rPr lang="en-US" b="0" i="1" dirty="0" smtClean="0">
+                            <a:latin typeface="Cambria Math" panose="02040503050406030204" pitchFamily="18" charset="0"/>
+                          </a:rPr>
+                          <m:t>−</m:t>
+                        </m:r>
+                        <m:r>
+                          <a:rPr lang="en-US" b="0" i="1" dirty="0" smtClean="0">
+                            <a:latin typeface="Cambria Math" panose="02040503050406030204" pitchFamily="18" charset="0"/>
+                          </a:rPr>
+                          <m:t>1</m:t>
+                        </m:r>
+                      </m:sup>
+                    </m:sSup>
+                    <m:r>
+                      <a:rPr lang="en-US" b="0" i="1" dirty="0" smtClean="0">
+                        <a:latin typeface="Cambria Math" panose="02040503050406030204" pitchFamily="18" charset="0"/>
+                      </a:rPr>
+                      <m:t>,</m:t>
+                    </m:r>
+                    <m:sSup>
+                      <m:sSupPr>
+                        <m:ctrlPr>
+                          <a:rPr lang="en-US" b="0" i="1" dirty="0" smtClean="0">
+                            <a:latin typeface="Cambria Math" panose="02040503050406030204" pitchFamily="18" charset="0"/>
+                          </a:rPr>
+                        </m:ctrlPr>
+                      </m:sSupPr>
+                      <m:e>
+                        <m:r>
+                          <a:rPr lang="en-US" b="0" i="1" dirty="0" smtClean="0">
+                            <a:latin typeface="Cambria Math" panose="02040503050406030204" pitchFamily="18" charset="0"/>
+                          </a:rPr>
+                          <m:t>2</m:t>
+                        </m:r>
+                      </m:e>
+                      <m:sup>
+                        <m:r>
+                          <a:rPr lang="en-US" b="0" i="1" dirty="0" smtClean="0">
+                            <a:latin typeface="Cambria Math" panose="02040503050406030204" pitchFamily="18" charset="0"/>
+                          </a:rPr>
+                          <m:t>−</m:t>
+                        </m:r>
+                        <m:r>
+                          <a:rPr lang="en-US" b="0" i="1" dirty="0" smtClean="0">
+                            <a:latin typeface="Cambria Math" panose="02040503050406030204" pitchFamily="18" charset="0"/>
+                          </a:rPr>
+                          <m:t>2</m:t>
+                        </m:r>
+                      </m:sup>
+                    </m:sSup>
+                    <m:r>
+                      <a:rPr lang="en-US" b="0" i="1" dirty="0" smtClean="0">
+                        <a:latin typeface="Cambria Math" panose="02040503050406030204" pitchFamily="18" charset="0"/>
+                      </a:rPr>
+                      <m:t>,</m:t>
+                    </m:r>
+                    <m:sSup>
+                      <m:sSupPr>
+                        <m:ctrlPr>
+                          <a:rPr lang="en-US" b="0" i="1" dirty="0" smtClean="0">
+                            <a:latin typeface="Cambria Math" panose="02040503050406030204" pitchFamily="18" charset="0"/>
+                          </a:rPr>
+                        </m:ctrlPr>
+                      </m:sSupPr>
+                      <m:e>
+                        <m:r>
+                          <a:rPr lang="en-US" b="0" i="1" dirty="0" smtClean="0">
+                            <a:latin typeface="Cambria Math" panose="02040503050406030204" pitchFamily="18" charset="0"/>
+                          </a:rPr>
+                          <m:t>2</m:t>
+                        </m:r>
+                      </m:e>
+                      <m:sup>
+                        <m:r>
+                          <a:rPr lang="en-US" b="0" i="1" dirty="0" smtClean="0">
+                            <a:latin typeface="Cambria Math" panose="02040503050406030204" pitchFamily="18" charset="0"/>
+                          </a:rPr>
+                          <m:t>−</m:t>
+                        </m:r>
+                        <m:r>
+                          <a:rPr lang="en-US" b="0" i="1" dirty="0" smtClean="0">
+                            <a:latin typeface="Cambria Math" panose="02040503050406030204" pitchFamily="18" charset="0"/>
+                          </a:rPr>
+                          <m:t>3</m:t>
+                        </m:r>
+                      </m:sup>
+                    </m:sSup>
+                    <m:r>
+                      <a:rPr lang="en-US" b="0" i="1" dirty="0" smtClean="0">
+                        <a:latin typeface="Cambria Math" panose="02040503050406030204" pitchFamily="18" charset="0"/>
+                      </a:rPr>
+                      <m:t>,…,</m:t>
+                    </m:r>
+                    <m:sSup>
+                      <m:sSupPr>
+                        <m:ctrlPr>
+                          <a:rPr lang="en-US" b="0" i="1" dirty="0" smtClean="0">
+                            <a:latin typeface="Cambria Math" panose="02040503050406030204" pitchFamily="18" charset="0"/>
+                          </a:rPr>
+                        </m:ctrlPr>
+                      </m:sSupPr>
+                      <m:e>
+                        <m:r>
+                          <a:rPr lang="en-US" b="0" i="1" dirty="0" smtClean="0">
+                            <a:latin typeface="Cambria Math" panose="02040503050406030204" pitchFamily="18" charset="0"/>
+                          </a:rPr>
+                          <m:t>2</m:t>
+                        </m:r>
+                      </m:e>
+                      <m:sup>
+                        <m:r>
+                          <a:rPr lang="en-US" b="0" i="1" dirty="0" smtClean="0">
+                            <a:latin typeface="Cambria Math" panose="02040503050406030204" pitchFamily="18" charset="0"/>
+                          </a:rPr>
+                          <m:t>−10</m:t>
+                        </m:r>
+                      </m:sup>
+                    </m:sSup>
+                    <m:r>
+                      <m:rPr>
+                        <m:lit/>
+                      </m:rPr>
+                      <a:rPr lang="en-US" i="1" dirty="0" smtClean="0">
+                        <a:latin typeface="Cambria Math" panose="02040503050406030204" pitchFamily="18" charset="0"/>
+                      </a:rPr>
+                      <m:t>}</m:t>
+                    </m:r>
+                  </m:oMath>
+                </a14:m>
+                <a:endParaRPr lang="en-US" dirty="0"/>
+              </a:p>
+              <a:p>
+                <a14:m>
+                  <m:oMath xmlns:m="http://schemas.openxmlformats.org/officeDocument/2006/math">
+                    <m:r>
+                      <a:rPr lang="en-US" i="1" dirty="0" smtClean="0">
+                        <a:latin typeface="Cambria Math" panose="02040503050406030204" pitchFamily="18" charset="0"/>
+                      </a:rPr>
+                      <m:t>𝜂</m:t>
+                    </m:r>
+                    <m:r>
+                      <a:rPr lang="en-US" i="1" dirty="0" smtClean="0">
+                        <a:latin typeface="Cambria Math" panose="02040503050406030204" pitchFamily="18" charset="0"/>
+                      </a:rPr>
+                      <m:t>=0.1</m:t>
+                    </m:r>
+                  </m:oMath>
+                </a14:m>
+                <a:endParaRPr lang="en-US" dirty="0"/>
+              </a:p>
+              <a:p>
+                <a:r>
+                  <a:rPr lang="en-US" dirty="0"/>
+                  <a:t>10000 shots</a:t>
+                </a:r>
+              </a:p>
+              <a:p>
+                <a:r>
+                  <a:rPr lang="en-US"/>
+                  <a:t>4 hours, </a:t>
+                </a:r>
+                <a:r>
+                  <a:rPr lang="en-US" dirty="0"/>
+                  <a:t>8 CPUs per task</a:t>
+                </a:r>
+              </a:p>
+              <a:p>
+                <a:r>
+                  <a:rPr lang="en-US" dirty="0"/>
+                  <a:t>Record: final </a:t>
+                </a:r>
+                <a:r>
+                  <a:rPr lang="en-US" dirty="0" err="1"/>
+                  <a:t>anyon</a:t>
+                </a:r>
+                <a:r>
+                  <a:rPr lang="en-US" dirty="0"/>
+                  <a:t> density</a:t>
+                </a:r>
+              </a:p>
+            </p:txBody>
+          </p:sp>
+        </mc:Choice>
+        <mc:Fallback>
+          <p:sp>
+            <p:nvSpPr>
+              <p:cNvPr id="3" name="Content Placeholder 2">
+                <a:extLst>
+                  <a:ext uri="{FF2B5EF4-FFF2-40B4-BE49-F238E27FC236}">
+                    <a16:creationId xmlns:a16="http://schemas.microsoft.com/office/drawing/2014/main" id="{F567ADB7-F744-B166-BEF6-BB2549F8A4D4}"/>
+                  </a:ext>
+                </a:extLst>
+              </p:cNvPr>
+              <p:cNvSpPr>
+                <a:spLocks noGrp="1" noRot="1" noChangeAspect="1" noMove="1" noResize="1" noEditPoints="1" noAdjustHandles="1" noChangeArrowheads="1" noChangeShapeType="1" noTextEdit="1"/>
+              </p:cNvSpPr>
+              <p:nvPr>
+                <p:ph idx="1"/>
+              </p:nvPr>
+            </p:nvSpPr>
+            <p:spPr>
+              <a:blipFill>
+                <a:blip r:embed="rId2"/>
+                <a:stretch>
+                  <a:fillRect l="-1043"/>
+                </a:stretch>
+              </a:blipFill>
+            </p:spPr>
+            <p:txBody>
+              <a:bodyPr/>
+              <a:lstStyle/>
+              <a:p>
+                <a:r>
+                  <a:rPr lang="en-US">
+                    <a:noFill/>
+                  </a:rPr>
+                  <a:t> </a:t>
+                </a:r>
+              </a:p>
+            </p:txBody>
+          </p:sp>
+        </mc:Fallback>
+      </mc:AlternateContent>
+    </p:spTree>
+    <p:extLst>
+      <p:ext uri="{BB962C8B-B14F-4D97-AF65-F5344CB8AC3E}">
+        <p14:creationId xmlns:p14="http://schemas.microsoft.com/office/powerpoint/2010/main" val="817566729"/>
+      </p:ext>
+    </p:extLst>
+  </p:cSld>
+  <p:clrMapOvr>
+    <a:masterClrMapping/>
+  </p:clrMapOvr>
+</p:sld>
+</file>
+
 <file path=ppt/slides/slide2.xml><?xml version="1.0" encoding="utf-8"?>
 <p:sld xmlns:a="http://schemas.openxmlformats.org/drawingml/2006/main" xmlns:r="http://schemas.openxmlformats.org/officeDocument/2006/relationships" xmlns:p="http://schemas.openxmlformats.org/presentationml/2006/main">
   <p:cSld>

--- a/plots/Plots.pptx
+++ b/plots/Plots.pptx
@@ -21,6 +21,7 @@
     <p:sldId id="269" r:id="rId15"/>
     <p:sldId id="270" r:id="rId16"/>
     <p:sldId id="272" r:id="rId17"/>
+    <p:sldId id="273" r:id="rId18"/>
   </p:sldIdLst>
   <p:sldSz cx="12192000" cy="6858000"/>
   <p:notesSz cx="6858000" cy="9144000"/>
@@ -274,7 +275,7 @@
           <a:p>
             <a:fld id="{E4B0A79A-3997-4F54-9D51-15EE0C15CBF2}" type="datetimeFigureOut">
               <a:rPr lang="en-US" smtClean="0"/>
-              <a:t>2024-08-07</a:t>
+              <a:t>2024-08-08</a:t>
             </a:fld>
             <a:endParaRPr lang="en-US"/>
           </a:p>
@@ -472,7 +473,7 @@
           <a:p>
             <a:fld id="{E4B0A79A-3997-4F54-9D51-15EE0C15CBF2}" type="datetimeFigureOut">
               <a:rPr lang="en-US" smtClean="0"/>
-              <a:t>2024-08-07</a:t>
+              <a:t>2024-08-08</a:t>
             </a:fld>
             <a:endParaRPr lang="en-US"/>
           </a:p>
@@ -680,7 +681,7 @@
           <a:p>
             <a:fld id="{E4B0A79A-3997-4F54-9D51-15EE0C15CBF2}" type="datetimeFigureOut">
               <a:rPr lang="en-US" smtClean="0"/>
-              <a:t>2024-08-07</a:t>
+              <a:t>2024-08-08</a:t>
             </a:fld>
             <a:endParaRPr lang="en-US"/>
           </a:p>
@@ -878,7 +879,7 @@
           <a:p>
             <a:fld id="{E4B0A79A-3997-4F54-9D51-15EE0C15CBF2}" type="datetimeFigureOut">
               <a:rPr lang="en-US" smtClean="0"/>
-              <a:t>2024-08-07</a:t>
+              <a:t>2024-08-08</a:t>
             </a:fld>
             <a:endParaRPr lang="en-US"/>
           </a:p>
@@ -1153,7 +1154,7 @@
           <a:p>
             <a:fld id="{E4B0A79A-3997-4F54-9D51-15EE0C15CBF2}" type="datetimeFigureOut">
               <a:rPr lang="en-US" smtClean="0"/>
-              <a:t>2024-08-07</a:t>
+              <a:t>2024-08-08</a:t>
             </a:fld>
             <a:endParaRPr lang="en-US"/>
           </a:p>
@@ -1418,7 +1419,7 @@
           <a:p>
             <a:fld id="{E4B0A79A-3997-4F54-9D51-15EE0C15CBF2}" type="datetimeFigureOut">
               <a:rPr lang="en-US" smtClean="0"/>
-              <a:t>2024-08-07</a:t>
+              <a:t>2024-08-08</a:t>
             </a:fld>
             <a:endParaRPr lang="en-US"/>
           </a:p>
@@ -1830,7 +1831,7 @@
           <a:p>
             <a:fld id="{E4B0A79A-3997-4F54-9D51-15EE0C15CBF2}" type="datetimeFigureOut">
               <a:rPr lang="en-US" smtClean="0"/>
-              <a:t>2024-08-07</a:t>
+              <a:t>2024-08-08</a:t>
             </a:fld>
             <a:endParaRPr lang="en-US"/>
           </a:p>
@@ -1971,7 +1972,7 @@
           <a:p>
             <a:fld id="{E4B0A79A-3997-4F54-9D51-15EE0C15CBF2}" type="datetimeFigureOut">
               <a:rPr lang="en-US" smtClean="0"/>
-              <a:t>2024-08-07</a:t>
+              <a:t>2024-08-08</a:t>
             </a:fld>
             <a:endParaRPr lang="en-US"/>
           </a:p>
@@ -2084,7 +2085,7 @@
           <a:p>
             <a:fld id="{E4B0A79A-3997-4F54-9D51-15EE0C15CBF2}" type="datetimeFigureOut">
               <a:rPr lang="en-US" smtClean="0"/>
-              <a:t>2024-08-07</a:t>
+              <a:t>2024-08-08</a:t>
             </a:fld>
             <a:endParaRPr lang="en-US"/>
           </a:p>
@@ -2395,7 +2396,7 @@
           <a:p>
             <a:fld id="{E4B0A79A-3997-4F54-9D51-15EE0C15CBF2}" type="datetimeFigureOut">
               <a:rPr lang="en-US" smtClean="0"/>
-              <a:t>2024-08-07</a:t>
+              <a:t>2024-08-08</a:t>
             </a:fld>
             <a:endParaRPr lang="en-US"/>
           </a:p>
@@ -2683,7 +2684,7 @@
           <a:p>
             <a:fld id="{E4B0A79A-3997-4F54-9D51-15EE0C15CBF2}" type="datetimeFigureOut">
               <a:rPr lang="en-US" smtClean="0"/>
-              <a:t>2024-08-07</a:t>
+              <a:t>2024-08-08</a:t>
             </a:fld>
             <a:endParaRPr lang="en-US"/>
           </a:p>
@@ -2924,7 +2925,7 @@
           <a:p>
             <a:fld id="{E4B0A79A-3997-4F54-9D51-15EE0C15CBF2}" type="datetimeFigureOut">
               <a:rPr lang="en-US" smtClean="0"/>
-              <a:t>2024-08-07</a:t>
+              <a:t>2024-08-08</a:t>
             </a:fld>
             <a:endParaRPr lang="en-US"/>
           </a:p>
@@ -5236,8 +5237,8 @@
           </a:p>
         </p:txBody>
       </p:sp>
-      <mc:AlternateContent xmlns:mc="http://schemas.openxmlformats.org/markup-compatibility/2006">
-        <mc:Choice xmlns:a14="http://schemas.microsoft.com/office/drawing/2010/main" Requires="a14">
+      <mc:AlternateContent xmlns:mc="http://schemas.openxmlformats.org/markup-compatibility/2006" xmlns:a14="http://schemas.microsoft.com/office/drawing/2010/main">
+        <mc:Choice Requires="a14">
           <p:sp>
             <p:nvSpPr>
               <p:cNvPr id="3" name="Content Placeholder 2">
@@ -5310,31 +5311,19 @@
                       <a:rPr lang="en-US" b="0" i="1" dirty="0" smtClean="0">
                         <a:latin typeface="Cambria Math" panose="02040503050406030204" pitchFamily="18" charset="0"/>
                       </a:rPr>
-                      <m:t>300</m:t>
+                      <m:t>300,…</m:t>
+                    </m:r>
+                    <m:r>
+                      <a:rPr lang="en-US" i="1" dirty="0" smtClean="0">
+                        <a:latin typeface="Cambria Math" panose="02040503050406030204" pitchFamily="18" charset="0"/>
+                      </a:rPr>
+                      <m:t>,</m:t>
                     </m:r>
                     <m:r>
                       <a:rPr lang="en-US" b="0" i="1" dirty="0" smtClean="0">
                         <a:latin typeface="Cambria Math" panose="02040503050406030204" pitchFamily="18" charset="0"/>
                       </a:rPr>
-                      <m:t>,…</m:t>
-                    </m:r>
-                    <m:r>
-                      <a:rPr lang="en-US" i="1" dirty="0" smtClean="0">
-                        <a:latin typeface="Cambria Math" panose="02040503050406030204" pitchFamily="18" charset="0"/>
-                      </a:rPr>
-                      <m:t>,</m:t>
-                    </m:r>
-                    <m:r>
-                      <a:rPr lang="en-US" b="0" i="1" dirty="0" smtClean="0">
-                        <a:latin typeface="Cambria Math" panose="02040503050406030204" pitchFamily="18" charset="0"/>
-                      </a:rPr>
-                      <m:t>5</m:t>
-                    </m:r>
-                    <m:r>
-                      <a:rPr lang="en-US" b="0" i="1" dirty="0" smtClean="0">
-                        <a:latin typeface="Cambria Math" panose="02040503050406030204" pitchFamily="18" charset="0"/>
-                      </a:rPr>
-                      <m:t>00</m:t>
+                      <m:t>500</m:t>
                     </m:r>
                     <m:r>
                       <m:rPr>
@@ -5429,13 +5418,7 @@
                           <a:rPr lang="en-US" b="0" i="1" dirty="0" smtClean="0">
                             <a:latin typeface="Cambria Math" panose="02040503050406030204" pitchFamily="18" charset="0"/>
                           </a:rPr>
-                          <m:t>−</m:t>
-                        </m:r>
-                        <m:r>
-                          <a:rPr lang="en-US" b="0" i="1" dirty="0" smtClean="0">
-                            <a:latin typeface="Cambria Math" panose="02040503050406030204" pitchFamily="18" charset="0"/>
-                          </a:rPr>
-                          <m:t>1</m:t>
+                          <m:t>−1</m:t>
                         </m:r>
                       </m:sup>
                     </m:sSup>
@@ -5466,13 +5449,7 @@
                           <a:rPr lang="en-US" b="0" i="1" dirty="0" smtClean="0">
                             <a:latin typeface="Cambria Math" panose="02040503050406030204" pitchFamily="18" charset="0"/>
                           </a:rPr>
-                          <m:t>−</m:t>
-                        </m:r>
-                        <m:r>
-                          <a:rPr lang="en-US" b="0" i="1" dirty="0" smtClean="0">
-                            <a:latin typeface="Cambria Math" panose="02040503050406030204" pitchFamily="18" charset="0"/>
-                          </a:rPr>
-                          <m:t>2</m:t>
+                          <m:t>−2</m:t>
                         </m:r>
                       </m:sup>
                     </m:sSup>
@@ -5503,13 +5480,7 @@
                           <a:rPr lang="en-US" b="0" i="1" dirty="0" smtClean="0">
                             <a:latin typeface="Cambria Math" panose="02040503050406030204" pitchFamily="18" charset="0"/>
                           </a:rPr>
-                          <m:t>−</m:t>
-                        </m:r>
-                        <m:r>
-                          <a:rPr lang="en-US" b="0" i="1" dirty="0" smtClean="0">
-                            <a:latin typeface="Cambria Math" panose="02040503050406030204" pitchFamily="18" charset="0"/>
-                          </a:rPr>
-                          <m:t>3</m:t>
+                          <m:t>−3</m:t>
                         </m:r>
                       </m:sup>
                     </m:sSup>
@@ -5604,6 +5575,313 @@
                 <a:r>
                   <a:rPr lang="en-US" dirty="0"/>
                   <a:t> density</a:t>
+                </a:r>
+              </a:p>
+            </p:txBody>
+          </p:sp>
+        </mc:Choice>
+        <mc:Fallback xmlns="">
+          <p:sp>
+            <p:nvSpPr>
+              <p:cNvPr id="3" name="Content Placeholder 2">
+                <a:extLst>
+                  <a:ext uri="{FF2B5EF4-FFF2-40B4-BE49-F238E27FC236}">
+                    <a16:creationId xmlns:a16="http://schemas.microsoft.com/office/drawing/2014/main" id="{F567ADB7-F744-B166-BEF6-BB2549F8A4D4}"/>
+                  </a:ext>
+                </a:extLst>
+              </p:cNvPr>
+              <p:cNvSpPr>
+                <a:spLocks noGrp="1" noRot="1" noChangeAspect="1" noMove="1" noResize="1" noEditPoints="1" noAdjustHandles="1" noChangeArrowheads="1" noChangeShapeType="1" noTextEdit="1"/>
+              </p:cNvSpPr>
+              <p:nvPr>
+                <p:ph idx="1"/>
+              </p:nvPr>
+            </p:nvSpPr>
+            <p:spPr>
+              <a:blipFill>
+                <a:blip r:embed="rId2"/>
+                <a:stretch>
+                  <a:fillRect l="-1043"/>
+                </a:stretch>
+              </a:blipFill>
+            </p:spPr>
+            <p:txBody>
+              <a:bodyPr/>
+              <a:lstStyle/>
+              <a:p>
+                <a:r>
+                  <a:rPr lang="en-US">
+                    <a:noFill/>
+                  </a:rPr>
+                  <a:t> </a:t>
+                </a:r>
+              </a:p>
+            </p:txBody>
+          </p:sp>
+        </mc:Fallback>
+      </mc:AlternateContent>
+    </p:spTree>
+    <p:extLst>
+      <p:ext uri="{BB962C8B-B14F-4D97-AF65-F5344CB8AC3E}">
+        <p14:creationId xmlns:p14="http://schemas.microsoft.com/office/powerpoint/2010/main" val="817566729"/>
+      </p:ext>
+    </p:extLst>
+  </p:cSld>
+  <p:clrMapOvr>
+    <a:masterClrMapping/>
+  </p:clrMapOvr>
+</p:sld>
+</file>
+
+<file path=ppt/slides/slide17.xml><?xml version="1.0" encoding="utf-8"?>
+<p:sld xmlns:a="http://schemas.openxmlformats.org/drawingml/2006/main" xmlns:r="http://schemas.openxmlformats.org/officeDocument/2006/relationships" xmlns:p="http://schemas.openxmlformats.org/presentationml/2006/main">
+  <p:cSld>
+    <p:spTree>
+      <p:nvGrpSpPr>
+        <p:cNvPr id="1" name=""/>
+        <p:cNvGrpSpPr/>
+        <p:nvPr/>
+      </p:nvGrpSpPr>
+      <p:grpSpPr>
+        <a:xfrm>
+          <a:off x="0" y="0"/>
+          <a:ext cx="0" cy="0"/>
+          <a:chOff x="0" y="0"/>
+          <a:chExt cx="0" cy="0"/>
+        </a:xfrm>
+      </p:grpSpPr>
+      <p:sp>
+        <p:nvSpPr>
+          <p:cNvPr id="2" name="Title 1">
+            <a:extLst>
+              <a:ext uri="{FF2B5EF4-FFF2-40B4-BE49-F238E27FC236}">
+                <a16:creationId xmlns:a16="http://schemas.microsoft.com/office/drawing/2014/main" id="{B797A52D-8C56-4CC5-48D0-88D222D029E4}"/>
+              </a:ext>
+            </a:extLst>
+          </p:cNvPr>
+          <p:cNvSpPr>
+            <a:spLocks noGrp="1"/>
+          </p:cNvSpPr>
+          <p:nvPr>
+            <p:ph type="title"/>
+          </p:nvPr>
+        </p:nvSpPr>
+        <p:spPr/>
+        <p:txBody>
+          <a:bodyPr/>
+          <a:lstStyle/>
+          <a:p>
+            <a:r>
+              <a:rPr lang="en-US" dirty="0"/>
+              <a:t>Run 6</a:t>
+            </a:r>
+          </a:p>
+        </p:txBody>
+      </p:sp>
+      <mc:AlternateContent xmlns:mc="http://schemas.openxmlformats.org/markup-compatibility/2006">
+        <mc:Choice xmlns:a14="http://schemas.microsoft.com/office/drawing/2010/main" Requires="a14">
+          <p:sp>
+            <p:nvSpPr>
+              <p:cNvPr id="3" name="Content Placeholder 2">
+                <a:extLst>
+                  <a:ext uri="{FF2B5EF4-FFF2-40B4-BE49-F238E27FC236}">
+                    <a16:creationId xmlns:a16="http://schemas.microsoft.com/office/drawing/2014/main" id="{F567ADB7-F744-B166-BEF6-BB2549F8A4D4}"/>
+                  </a:ext>
+                </a:extLst>
+              </p:cNvPr>
+              <p:cNvSpPr>
+                <a:spLocks noGrp="1"/>
+              </p:cNvSpPr>
+              <p:nvPr>
+                <p:ph idx="1"/>
+              </p:nvPr>
+            </p:nvSpPr>
+            <p:spPr/>
+            <p:txBody>
+              <a:bodyPr/>
+              <a:lstStyle/>
+              <a:p>
+                <a14:m>
+                  <m:oMath xmlns:m="http://schemas.openxmlformats.org/officeDocument/2006/math">
+                    <m:r>
+                      <a:rPr lang="en-US" i="1" dirty="0" smtClean="0">
+                        <a:latin typeface="Cambria Math" panose="02040503050406030204" pitchFamily="18" charset="0"/>
+                      </a:rPr>
+                      <m:t>𝐿</m:t>
+                    </m:r>
+                    <m:r>
+                      <a:rPr lang="en-US" i="1" dirty="0" smtClean="0">
+                        <a:latin typeface="Cambria Math" panose="02040503050406030204" pitchFamily="18" charset="0"/>
+                      </a:rPr>
+                      <m:t>∈</m:t>
+                    </m:r>
+                    <m:r>
+                      <m:rPr>
+                        <m:lit/>
+                      </m:rPr>
+                      <a:rPr lang="en-US" i="1" dirty="0" smtClean="0">
+                        <a:latin typeface="Cambria Math" panose="02040503050406030204" pitchFamily="18" charset="0"/>
+                      </a:rPr>
+                      <m:t>{</m:t>
+                    </m:r>
+                    <m:r>
+                      <a:rPr lang="en-US" i="1" dirty="0" smtClean="0">
+                        <a:latin typeface="Cambria Math" panose="02040503050406030204" pitchFamily="18" charset="0"/>
+                      </a:rPr>
+                      <m:t>20,40,60</m:t>
+                    </m:r>
+                    <m:r>
+                      <a:rPr lang="en-US" b="0" i="1" dirty="0" smtClean="0">
+                        <a:latin typeface="Cambria Math" panose="02040503050406030204" pitchFamily="18" charset="0"/>
+                      </a:rPr>
+                      <m:t>,…</m:t>
+                    </m:r>
+                    <m:r>
+                      <a:rPr lang="en-US" i="1" dirty="0" smtClean="0">
+                        <a:latin typeface="Cambria Math" panose="02040503050406030204" pitchFamily="18" charset="0"/>
+                      </a:rPr>
+                      <m:t>,</m:t>
+                    </m:r>
+                    <m:r>
+                      <a:rPr lang="en-US" b="0" i="1" dirty="0" smtClean="0">
+                        <a:latin typeface="Cambria Math" panose="02040503050406030204" pitchFamily="18" charset="0"/>
+                      </a:rPr>
+                      <m:t>100</m:t>
+                    </m:r>
+                    <m:r>
+                      <m:rPr>
+                        <m:lit/>
+                      </m:rPr>
+                      <a:rPr lang="en-US" i="1" dirty="0" smtClean="0">
+                        <a:latin typeface="Cambria Math" panose="02040503050406030204" pitchFamily="18" charset="0"/>
+                      </a:rPr>
+                      <m:t>}</m:t>
+                    </m:r>
+                  </m:oMath>
+                </a14:m>
+                <a:endParaRPr lang="en-US" dirty="0"/>
+              </a:p>
+              <a:p>
+                <a14:m>
+                  <m:oMath xmlns:m="http://schemas.openxmlformats.org/officeDocument/2006/math">
+                    <m:r>
+                      <a:rPr lang="en-US" i="1" dirty="0" smtClean="0">
+                        <a:latin typeface="Cambria Math" panose="02040503050406030204" pitchFamily="18" charset="0"/>
+                      </a:rPr>
+                      <m:t>𝑐</m:t>
+                    </m:r>
+                    <m:r>
+                      <a:rPr lang="en-US" i="1" dirty="0" smtClean="0">
+                        <a:latin typeface="Cambria Math" panose="02040503050406030204" pitchFamily="18" charset="0"/>
+                      </a:rPr>
+                      <m:t>=16</m:t>
+                    </m:r>
+                  </m:oMath>
+                </a14:m>
+                <a:endParaRPr lang="en-US" dirty="0"/>
+              </a:p>
+              <a:p>
+                <a14:m>
+                  <m:oMath xmlns:m="http://schemas.openxmlformats.org/officeDocument/2006/math">
+                    <m:r>
+                      <a:rPr lang="en-US" i="1" dirty="0" smtClean="0">
+                        <a:latin typeface="Cambria Math" panose="02040503050406030204" pitchFamily="18" charset="0"/>
+                      </a:rPr>
+                      <m:t>𝑇</m:t>
+                    </m:r>
+                    <m:r>
+                      <a:rPr lang="en-US" i="1" dirty="0" smtClean="0">
+                        <a:latin typeface="Cambria Math" panose="02040503050406030204" pitchFamily="18" charset="0"/>
+                      </a:rPr>
+                      <m:t>=</m:t>
+                    </m:r>
+                    <m:r>
+                      <a:rPr lang="en-US" i="1" dirty="0" smtClean="0">
+                        <a:latin typeface="Cambria Math" panose="02040503050406030204" pitchFamily="18" charset="0"/>
+                      </a:rPr>
+                      <m:t>𝐿</m:t>
+                    </m:r>
+                  </m:oMath>
+                </a14:m>
+                <a:endParaRPr lang="en-US" dirty="0"/>
+              </a:p>
+              <a:p>
+                <a14:m>
+                  <m:oMath xmlns:m="http://schemas.openxmlformats.org/officeDocument/2006/math">
+                    <m:r>
+                      <a:rPr lang="en-US" i="1" dirty="0" smtClean="0">
+                        <a:latin typeface="Cambria Math" panose="02040503050406030204" pitchFamily="18" charset="0"/>
+                      </a:rPr>
+                      <m:t>𝑝</m:t>
+                    </m:r>
+                    <m:r>
+                      <a:rPr lang="en-US" i="1" dirty="0" smtClean="0">
+                        <a:latin typeface="Cambria Math" panose="02040503050406030204" pitchFamily="18" charset="0"/>
+                      </a:rPr>
+                      <m:t>∈{0.00</m:t>
+                    </m:r>
+                    <m:r>
+                      <a:rPr lang="en-US" b="0" i="1" dirty="0" smtClean="0">
+                        <a:latin typeface="Cambria Math" panose="02040503050406030204" pitchFamily="18" charset="0"/>
+                      </a:rPr>
+                      <m:t>1,0.002,0.003,…,0.010</m:t>
+                    </m:r>
+                    <m:r>
+                      <m:rPr>
+                        <m:lit/>
+                      </m:rPr>
+                      <a:rPr lang="en-US" i="1" dirty="0" smtClean="0">
+                        <a:latin typeface="Cambria Math" panose="02040503050406030204" pitchFamily="18" charset="0"/>
+                      </a:rPr>
+                      <m:t>}</m:t>
+                    </m:r>
+                  </m:oMath>
+                </a14:m>
+                <a:endParaRPr lang="en-US" dirty="0"/>
+              </a:p>
+              <a:p>
+                <a14:m>
+                  <m:oMath xmlns:m="http://schemas.openxmlformats.org/officeDocument/2006/math">
+                    <m:r>
+                      <a:rPr lang="en-US" i="1" dirty="0" smtClean="0">
+                        <a:latin typeface="Cambria Math" panose="02040503050406030204" pitchFamily="18" charset="0"/>
+                      </a:rPr>
+                      <m:t>𝜂</m:t>
+                    </m:r>
+                    <m:r>
+                      <a:rPr lang="en-US" i="1" dirty="0" smtClean="0">
+                        <a:latin typeface="Cambria Math" panose="02040503050406030204" pitchFamily="18" charset="0"/>
+                      </a:rPr>
+                      <m:t>=0.1</m:t>
+                    </m:r>
+                  </m:oMath>
+                </a14:m>
+                <a:endParaRPr lang="en-US" dirty="0"/>
+              </a:p>
+              <a:p>
+                <a:r>
+                  <a:rPr lang="en-US" dirty="0"/>
+                  <a:t>100,000 shots</a:t>
+                </a:r>
+              </a:p>
+              <a:p>
+                <a:r>
+                  <a:rPr lang="en-US" dirty="0"/>
+                  <a:t>4 hours, 8 CPUs per task</a:t>
+                </a:r>
+              </a:p>
+              <a:p>
+                <a:r>
+                  <a:rPr lang="en-US" dirty="0"/>
+                  <a:t>Record: failure rate, </a:t>
+                </a:r>
+                <a:r>
+                  <a:rPr lang="en-US" dirty="0" err="1"/>
+                  <a:t>anyon</a:t>
+                </a:r>
+                <a:r>
+                  <a:rPr lang="en-US" dirty="0"/>
+                  <a:t> density over time.</a:t>
                 </a:r>
               </a:p>
             </p:txBody>
@@ -5652,7 +5930,7 @@
     </p:spTree>
     <p:extLst>
       <p:ext uri="{BB962C8B-B14F-4D97-AF65-F5344CB8AC3E}">
-        <p14:creationId xmlns:p14="http://schemas.microsoft.com/office/powerpoint/2010/main" val="817566729"/>
+        <p14:creationId xmlns:p14="http://schemas.microsoft.com/office/powerpoint/2010/main" val="2157572792"/>
       </p:ext>
     </p:extLst>
   </p:cSld>

--- a/plots/Plots.pptx
+++ b/plots/Plots.pptx
@@ -6,22 +6,29 @@
   </p:sldMasterIdLst>
   <p:sldIdLst>
     <p:sldId id="256" r:id="rId2"/>
-    <p:sldId id="257" r:id="rId3"/>
-    <p:sldId id="258" r:id="rId4"/>
-    <p:sldId id="259" r:id="rId5"/>
-    <p:sldId id="260" r:id="rId6"/>
-    <p:sldId id="261" r:id="rId7"/>
-    <p:sldId id="262" r:id="rId8"/>
-    <p:sldId id="263" r:id="rId9"/>
-    <p:sldId id="264" r:id="rId10"/>
-    <p:sldId id="266" r:id="rId11"/>
-    <p:sldId id="265" r:id="rId12"/>
-    <p:sldId id="267" r:id="rId13"/>
-    <p:sldId id="268" r:id="rId14"/>
-    <p:sldId id="269" r:id="rId15"/>
-    <p:sldId id="270" r:id="rId16"/>
-    <p:sldId id="272" r:id="rId17"/>
-    <p:sldId id="273" r:id="rId18"/>
+    <p:sldId id="274" r:id="rId3"/>
+    <p:sldId id="257" r:id="rId4"/>
+    <p:sldId id="258" r:id="rId5"/>
+    <p:sldId id="259" r:id="rId6"/>
+    <p:sldId id="260" r:id="rId7"/>
+    <p:sldId id="261" r:id="rId8"/>
+    <p:sldId id="262" r:id="rId9"/>
+    <p:sldId id="263" r:id="rId10"/>
+    <p:sldId id="264" r:id="rId11"/>
+    <p:sldId id="266" r:id="rId12"/>
+    <p:sldId id="265" r:id="rId13"/>
+    <p:sldId id="267" r:id="rId14"/>
+    <p:sldId id="268" r:id="rId15"/>
+    <p:sldId id="269" r:id="rId16"/>
+    <p:sldId id="270" r:id="rId17"/>
+    <p:sldId id="272" r:id="rId18"/>
+    <p:sldId id="275" r:id="rId19"/>
+    <p:sldId id="276" r:id="rId20"/>
+    <p:sldId id="273" r:id="rId21"/>
+    <p:sldId id="277" r:id="rId22"/>
+    <p:sldId id="278" r:id="rId23"/>
+    <p:sldId id="279" r:id="rId24"/>
+    <p:sldId id="280" r:id="rId25"/>
   </p:sldIdLst>
   <p:sldSz cx="12192000" cy="6858000"/>
   <p:notesSz cx="6858000" cy="9144000"/>
@@ -275,7 +282,7 @@
           <a:p>
             <a:fld id="{E4B0A79A-3997-4F54-9D51-15EE0C15CBF2}" type="datetimeFigureOut">
               <a:rPr lang="en-US" smtClean="0"/>
-              <a:t>2024-08-08</a:t>
+              <a:t>2024-08-09</a:t>
             </a:fld>
             <a:endParaRPr lang="en-US"/>
           </a:p>
@@ -473,7 +480,7 @@
           <a:p>
             <a:fld id="{E4B0A79A-3997-4F54-9D51-15EE0C15CBF2}" type="datetimeFigureOut">
               <a:rPr lang="en-US" smtClean="0"/>
-              <a:t>2024-08-08</a:t>
+              <a:t>2024-08-09</a:t>
             </a:fld>
             <a:endParaRPr lang="en-US"/>
           </a:p>
@@ -681,7 +688,7 @@
           <a:p>
             <a:fld id="{E4B0A79A-3997-4F54-9D51-15EE0C15CBF2}" type="datetimeFigureOut">
               <a:rPr lang="en-US" smtClean="0"/>
-              <a:t>2024-08-08</a:t>
+              <a:t>2024-08-09</a:t>
             </a:fld>
             <a:endParaRPr lang="en-US"/>
           </a:p>
@@ -879,7 +886,7 @@
           <a:p>
             <a:fld id="{E4B0A79A-3997-4F54-9D51-15EE0C15CBF2}" type="datetimeFigureOut">
               <a:rPr lang="en-US" smtClean="0"/>
-              <a:t>2024-08-08</a:t>
+              <a:t>2024-08-09</a:t>
             </a:fld>
             <a:endParaRPr lang="en-US"/>
           </a:p>
@@ -1154,7 +1161,7 @@
           <a:p>
             <a:fld id="{E4B0A79A-3997-4F54-9D51-15EE0C15CBF2}" type="datetimeFigureOut">
               <a:rPr lang="en-US" smtClean="0"/>
-              <a:t>2024-08-08</a:t>
+              <a:t>2024-08-09</a:t>
             </a:fld>
             <a:endParaRPr lang="en-US"/>
           </a:p>
@@ -1419,7 +1426,7 @@
           <a:p>
             <a:fld id="{E4B0A79A-3997-4F54-9D51-15EE0C15CBF2}" type="datetimeFigureOut">
               <a:rPr lang="en-US" smtClean="0"/>
-              <a:t>2024-08-08</a:t>
+              <a:t>2024-08-09</a:t>
             </a:fld>
             <a:endParaRPr lang="en-US"/>
           </a:p>
@@ -1831,7 +1838,7 @@
           <a:p>
             <a:fld id="{E4B0A79A-3997-4F54-9D51-15EE0C15CBF2}" type="datetimeFigureOut">
               <a:rPr lang="en-US" smtClean="0"/>
-              <a:t>2024-08-08</a:t>
+              <a:t>2024-08-09</a:t>
             </a:fld>
             <a:endParaRPr lang="en-US"/>
           </a:p>
@@ -1972,7 +1979,7 @@
           <a:p>
             <a:fld id="{E4B0A79A-3997-4F54-9D51-15EE0C15CBF2}" type="datetimeFigureOut">
               <a:rPr lang="en-US" smtClean="0"/>
-              <a:t>2024-08-08</a:t>
+              <a:t>2024-08-09</a:t>
             </a:fld>
             <a:endParaRPr lang="en-US"/>
           </a:p>
@@ -2085,7 +2092,7 @@
           <a:p>
             <a:fld id="{E4B0A79A-3997-4F54-9D51-15EE0C15CBF2}" type="datetimeFigureOut">
               <a:rPr lang="en-US" smtClean="0"/>
-              <a:t>2024-08-08</a:t>
+              <a:t>2024-08-09</a:t>
             </a:fld>
             <a:endParaRPr lang="en-US"/>
           </a:p>
@@ -2396,7 +2403,7 @@
           <a:p>
             <a:fld id="{E4B0A79A-3997-4F54-9D51-15EE0C15CBF2}" type="datetimeFigureOut">
               <a:rPr lang="en-US" smtClean="0"/>
-              <a:t>2024-08-08</a:t>
+              <a:t>2024-08-09</a:t>
             </a:fld>
             <a:endParaRPr lang="en-US"/>
           </a:p>
@@ -2684,7 +2691,7 @@
           <a:p>
             <a:fld id="{E4B0A79A-3997-4F54-9D51-15EE0C15CBF2}" type="datetimeFigureOut">
               <a:rPr lang="en-US" smtClean="0"/>
-              <a:t>2024-08-08</a:t>
+              <a:t>2024-08-09</a:t>
             </a:fld>
             <a:endParaRPr lang="en-US"/>
           </a:p>
@@ -2925,7 +2932,7 @@
           <a:p>
             <a:fld id="{E4B0A79A-3997-4F54-9D51-15EE0C15CBF2}" type="datetimeFigureOut">
               <a:rPr lang="en-US" smtClean="0"/>
-              <a:t>2024-08-08</a:t>
+              <a:t>2024-08-09</a:t>
             </a:fld>
             <a:endParaRPr lang="en-US"/>
           </a:p>
@@ -3365,7 +3372,14 @@
           <a:p>
             <a:r>
               <a:rPr lang="en-US" dirty="0"/>
-              <a:t>Toric Decoder Plots</a:t>
+              <a:t>Local, Real-Time</a:t>
+            </a:r>
+            <a:br>
+              <a:rPr lang="en-US" dirty="0"/>
+            </a:br>
+            <a:r>
+              <a:rPr lang="en-US" dirty="0"/>
+              <a:t>Toric Decoder</a:t>
             </a:r>
           </a:p>
         </p:txBody>
@@ -3388,12 +3402,28 @@
         </p:nvSpPr>
         <p:spPr/>
         <p:txBody>
-          <a:bodyPr/>
+          <a:bodyPr>
+            <a:normAutofit/>
+          </a:bodyPr>
           <a:lstStyle/>
           <a:p>
             <a:r>
               <a:rPr lang="en-US" dirty="0"/>
-              <a:t>Daniel Sun</a:t>
+              <a:t>Daniel Sun &amp; Yaodong Li</a:t>
+            </a:r>
+          </a:p>
+          <a:p>
+            <a:r>
+              <a:rPr lang="en-US" dirty="0"/>
+              <a:t>Khemani Group, </a:t>
+            </a:r>
+            <a:r>
+              <a:rPr lang="en-US" dirty="0" err="1"/>
+              <a:t>Geballe</a:t>
+            </a:r>
+            <a:r>
+              <a:rPr lang="en-US" dirty="0"/>
+              <a:t> Laboratory for Advanced Materials, Stanford University</a:t>
             </a:r>
           </a:p>
         </p:txBody>
@@ -3412,6 +3442,99 @@
 </file>
 
 <file path=ppt/slides/slide10.xml><?xml version="1.0" encoding="utf-8"?>
+<p:sld xmlns:a="http://schemas.openxmlformats.org/drawingml/2006/main" xmlns:r="http://schemas.openxmlformats.org/officeDocument/2006/relationships" xmlns:p="http://schemas.openxmlformats.org/presentationml/2006/main">
+  <p:cSld>
+    <p:spTree>
+      <p:nvGrpSpPr>
+        <p:cNvPr id="1" name=""/>
+        <p:cNvGrpSpPr/>
+        <p:nvPr/>
+      </p:nvGrpSpPr>
+      <p:grpSpPr>
+        <a:xfrm>
+          <a:off x="0" y="0"/>
+          <a:ext cx="0" cy="0"/>
+          <a:chOff x="0" y="0"/>
+          <a:chExt cx="0" cy="0"/>
+        </a:xfrm>
+      </p:grpSpPr>
+      <p:sp>
+        <p:nvSpPr>
+          <p:cNvPr id="2" name="Title 1">
+            <a:extLst>
+              <a:ext uri="{FF2B5EF4-FFF2-40B4-BE49-F238E27FC236}">
+                <a16:creationId xmlns:a16="http://schemas.microsoft.com/office/drawing/2014/main" id="{BFE5DEE6-D7B2-00D6-81E1-D9FEDE243F7C}"/>
+              </a:ext>
+            </a:extLst>
+          </p:cNvPr>
+          <p:cNvSpPr>
+            <a:spLocks noGrp="1"/>
+          </p:cNvSpPr>
+          <p:nvPr>
+            <p:ph type="title"/>
+          </p:nvPr>
+        </p:nvSpPr>
+        <p:spPr/>
+        <p:txBody>
+          <a:bodyPr/>
+          <a:lstStyle/>
+          <a:p>
+            <a:r>
+              <a:rPr lang="en-US" dirty="0"/>
+              <a:t>Run 3</a:t>
+            </a:r>
+          </a:p>
+        </p:txBody>
+      </p:sp>
+      <p:pic>
+        <p:nvPicPr>
+          <p:cNvPr id="6" name="Content Placeholder 5" descr="A graph with colorful lines and numbers&#10;&#10;Description automatically generated">
+            <a:extLst>
+              <a:ext uri="{FF2B5EF4-FFF2-40B4-BE49-F238E27FC236}">
+                <a16:creationId xmlns:a16="http://schemas.microsoft.com/office/drawing/2014/main" id="{78308844-3A96-08AB-17CB-A32392C49ABF}"/>
+              </a:ext>
+            </a:extLst>
+          </p:cNvPr>
+          <p:cNvPicPr>
+            <a:picLocks noGrp="1" noChangeAspect="1"/>
+          </p:cNvPicPr>
+          <p:nvPr>
+            <p:ph idx="1"/>
+          </p:nvPr>
+        </p:nvPicPr>
+        <p:blipFill>
+          <a:blip r:embed="rId2">
+            <a:extLst>
+              <a:ext uri="{28A0092B-C50C-407E-A947-70E740481C1C}">
+                <a14:useLocalDpi xmlns:a14="http://schemas.microsoft.com/office/drawing/2010/main" val="0"/>
+              </a:ext>
+            </a:extLst>
+          </a:blip>
+          <a:stretch>
+            <a:fillRect/>
+          </a:stretch>
+        </p:blipFill>
+        <p:spPr>
+          <a:xfrm>
+            <a:off x="3035301" y="100417"/>
+            <a:ext cx="8591549" cy="6657165"/>
+          </a:xfrm>
+        </p:spPr>
+      </p:pic>
+    </p:spTree>
+    <p:extLst>
+      <p:ext uri="{BB962C8B-B14F-4D97-AF65-F5344CB8AC3E}">
+        <p14:creationId xmlns:p14="http://schemas.microsoft.com/office/powerpoint/2010/main" val="125608296"/>
+      </p:ext>
+    </p:extLst>
+  </p:cSld>
+  <p:clrMapOvr>
+    <a:masterClrMapping/>
+  </p:clrMapOvr>
+</p:sld>
+</file>
+
+<file path=ppt/slides/slide11.xml><?xml version="1.0" encoding="utf-8"?>
 <p:sld xmlns:a="http://schemas.openxmlformats.org/drawingml/2006/main" xmlns:r="http://schemas.openxmlformats.org/officeDocument/2006/relationships" xmlns:p="http://schemas.openxmlformats.org/presentationml/2006/main">
   <p:cSld>
     <p:spTree>
@@ -4235,8 +4358,8 @@
         </p:nvSpPr>
         <p:spPr>
           <a:xfrm>
-            <a:off x="1727849" y="5895975"/>
-            <a:ext cx="8782789" cy="646331"/>
+            <a:off x="1837751" y="5895975"/>
+            <a:ext cx="8562985" cy="369332"/>
           </a:xfrm>
           <a:prstGeom prst="rect">
             <a:avLst/>
@@ -4251,31 +4374,24 @@
           <a:p>
             <a:pPr algn="ctr"/>
             <a:r>
-              <a:rPr lang="en-US" dirty="0"/>
-              <a:t>Note: </a:t>
-            </a:r>
-            <a:r>
               <a:rPr lang="en-US" dirty="0" err="1"/>
               <a:t>PyMatching</a:t>
             </a:r>
             <a:r>
               <a:rPr lang="en-US" dirty="0"/>
-              <a:t> struggles &amp; performs inconsistently with high values of </a:t>
-            </a:r>
-            <a:r>
-              <a:rPr lang="en-US" dirty="0" err="1"/>
+              <a:t> struggles &amp; performs inconsistently with </a:t>
+            </a:r>
+            <a:r>
+              <a:rPr lang="en-US" b="1" dirty="0"/>
+              <a:t>high values of </a:t>
+            </a:r>
+            <a:r>
+              <a:rPr lang="en-US" b="1" dirty="0" err="1"/>
               <a:t>anyon</a:t>
             </a:r>
             <a:r>
-              <a:rPr lang="en-US" dirty="0"/>
-              <a:t> density</a:t>
-            </a:r>
-          </a:p>
-          <a:p>
-            <a:pPr algn="ctr"/>
-            <a:r>
-              <a:rPr lang="en-US" dirty="0"/>
-              <a:t>These benchmarking results are averaged over 100 runs.</a:t>
+              <a:rPr lang="en-US" b="1" dirty="0"/>
+              <a:t> density.</a:t>
             </a:r>
           </a:p>
         </p:txBody>
@@ -4284,425 +4400,6 @@
     <p:extLst>
       <p:ext uri="{BB962C8B-B14F-4D97-AF65-F5344CB8AC3E}">
         <p14:creationId xmlns:p14="http://schemas.microsoft.com/office/powerpoint/2010/main" val="3678158434"/>
-      </p:ext>
-    </p:extLst>
-  </p:cSld>
-  <p:clrMapOvr>
-    <a:masterClrMapping/>
-  </p:clrMapOvr>
-</p:sld>
-</file>
-
-<file path=ppt/slides/slide11.xml><?xml version="1.0" encoding="utf-8"?>
-<p:sld xmlns:a="http://schemas.openxmlformats.org/drawingml/2006/main" xmlns:r="http://schemas.openxmlformats.org/officeDocument/2006/relationships" xmlns:p="http://schemas.openxmlformats.org/presentationml/2006/main">
-  <p:cSld>
-    <p:spTree>
-      <p:nvGrpSpPr>
-        <p:cNvPr id="1" name=""/>
-        <p:cNvGrpSpPr/>
-        <p:nvPr/>
-      </p:nvGrpSpPr>
-      <p:grpSpPr>
-        <a:xfrm>
-          <a:off x="0" y="0"/>
-          <a:ext cx="0" cy="0"/>
-          <a:chOff x="0" y="0"/>
-          <a:chExt cx="0" cy="0"/>
-        </a:xfrm>
-      </p:grpSpPr>
-      <p:sp>
-        <p:nvSpPr>
-          <p:cNvPr id="2" name="Title 1">
-            <a:extLst>
-              <a:ext uri="{FF2B5EF4-FFF2-40B4-BE49-F238E27FC236}">
-                <a16:creationId xmlns:a16="http://schemas.microsoft.com/office/drawing/2014/main" id="{B797A52D-8C56-4CC5-48D0-88D222D029E4}"/>
-              </a:ext>
-            </a:extLst>
-          </p:cNvPr>
-          <p:cNvSpPr>
-            <a:spLocks noGrp="1"/>
-          </p:cNvSpPr>
-          <p:nvPr>
-            <p:ph type="title"/>
-          </p:nvPr>
-        </p:nvSpPr>
-        <p:spPr/>
-        <p:txBody>
-          <a:bodyPr/>
-          <a:lstStyle/>
-          <a:p>
-            <a:r>
-              <a:rPr lang="en-US" dirty="0"/>
-              <a:t>Run 4</a:t>
-            </a:r>
-          </a:p>
-        </p:txBody>
-      </p:sp>
-      <mc:AlternateContent xmlns:mc="http://schemas.openxmlformats.org/markup-compatibility/2006" xmlns:a14="http://schemas.microsoft.com/office/drawing/2010/main">
-        <mc:Choice Requires="a14">
-          <p:sp>
-            <p:nvSpPr>
-              <p:cNvPr id="3" name="Content Placeholder 2">
-                <a:extLst>
-                  <a:ext uri="{FF2B5EF4-FFF2-40B4-BE49-F238E27FC236}">
-                    <a16:creationId xmlns:a16="http://schemas.microsoft.com/office/drawing/2014/main" id="{F567ADB7-F744-B166-BEF6-BB2549F8A4D4}"/>
-                  </a:ext>
-                </a:extLst>
-              </p:cNvPr>
-              <p:cNvSpPr>
-                <a:spLocks noGrp="1"/>
-              </p:cNvSpPr>
-              <p:nvPr>
-                <p:ph idx="1"/>
-              </p:nvPr>
-            </p:nvSpPr>
-            <p:spPr/>
-            <p:txBody>
-              <a:bodyPr/>
-              <a:lstStyle/>
-              <a:p>
-                <a14:m>
-                  <m:oMath xmlns:m="http://schemas.openxmlformats.org/officeDocument/2006/math">
-                    <m:r>
-                      <a:rPr lang="en-US" i="1" dirty="0" smtClean="0">
-                        <a:latin typeface="Cambria Math" panose="02040503050406030204" pitchFamily="18" charset="0"/>
-                      </a:rPr>
-                      <m:t>𝐿</m:t>
-                    </m:r>
-                    <m:r>
-                      <a:rPr lang="en-US" i="1" dirty="0" smtClean="0">
-                        <a:latin typeface="Cambria Math" panose="02040503050406030204" pitchFamily="18" charset="0"/>
-                      </a:rPr>
-                      <m:t>∈</m:t>
-                    </m:r>
-                    <m:r>
-                      <m:rPr>
-                        <m:lit/>
-                      </m:rPr>
-                      <a:rPr lang="en-US" i="1" dirty="0" smtClean="0">
-                        <a:latin typeface="Cambria Math" panose="02040503050406030204" pitchFamily="18" charset="0"/>
-                      </a:rPr>
-                      <m:t>{</m:t>
-                    </m:r>
-                    <m:r>
-                      <a:rPr lang="en-US" i="1" dirty="0" smtClean="0">
-                        <a:latin typeface="Cambria Math" panose="02040503050406030204" pitchFamily="18" charset="0"/>
-                      </a:rPr>
-                      <m:t>20,40,60</m:t>
-                    </m:r>
-                    <m:r>
-                      <a:rPr lang="en-US" b="0" i="1" dirty="0" smtClean="0">
-                        <a:latin typeface="Cambria Math" panose="02040503050406030204" pitchFamily="18" charset="0"/>
-                      </a:rPr>
-                      <m:t>,…</m:t>
-                    </m:r>
-                    <m:r>
-                      <a:rPr lang="en-US" i="1" dirty="0" smtClean="0">
-                        <a:latin typeface="Cambria Math" panose="02040503050406030204" pitchFamily="18" charset="0"/>
-                      </a:rPr>
-                      <m:t>,</m:t>
-                    </m:r>
-                    <m:r>
-                      <a:rPr lang="en-US" b="0" i="1" dirty="0" smtClean="0">
-                        <a:latin typeface="Cambria Math" panose="02040503050406030204" pitchFamily="18" charset="0"/>
-                      </a:rPr>
-                      <m:t>100</m:t>
-                    </m:r>
-                    <m:r>
-                      <m:rPr>
-                        <m:lit/>
-                      </m:rPr>
-                      <a:rPr lang="en-US" i="1" dirty="0" smtClean="0">
-                        <a:latin typeface="Cambria Math" panose="02040503050406030204" pitchFamily="18" charset="0"/>
-                      </a:rPr>
-                      <m:t>}</m:t>
-                    </m:r>
-                  </m:oMath>
-                </a14:m>
-                <a:endParaRPr lang="en-US" dirty="0"/>
-              </a:p>
-              <a:p>
-                <a14:m>
-                  <m:oMath xmlns:m="http://schemas.openxmlformats.org/officeDocument/2006/math">
-                    <m:r>
-                      <a:rPr lang="en-US" i="1" dirty="0" smtClean="0">
-                        <a:latin typeface="Cambria Math" panose="02040503050406030204" pitchFamily="18" charset="0"/>
-                      </a:rPr>
-                      <m:t>𝑐</m:t>
-                    </m:r>
-                    <m:r>
-                      <a:rPr lang="en-US" i="1" dirty="0" smtClean="0">
-                        <a:latin typeface="Cambria Math" panose="02040503050406030204" pitchFamily="18" charset="0"/>
-                      </a:rPr>
-                      <m:t>=16</m:t>
-                    </m:r>
-                  </m:oMath>
-                </a14:m>
-                <a:endParaRPr lang="en-US" dirty="0"/>
-              </a:p>
-              <a:p>
-                <a14:m>
-                  <m:oMath xmlns:m="http://schemas.openxmlformats.org/officeDocument/2006/math">
-                    <m:r>
-                      <a:rPr lang="en-US" i="1" dirty="0" smtClean="0">
-                        <a:latin typeface="Cambria Math" panose="02040503050406030204" pitchFamily="18" charset="0"/>
-                      </a:rPr>
-                      <m:t>𝑇</m:t>
-                    </m:r>
-                    <m:r>
-                      <a:rPr lang="en-US" i="1" dirty="0" smtClean="0">
-                        <a:latin typeface="Cambria Math" panose="02040503050406030204" pitchFamily="18" charset="0"/>
-                      </a:rPr>
-                      <m:t>=</m:t>
-                    </m:r>
-                    <m:r>
-                      <a:rPr lang="en-US" i="1" dirty="0" smtClean="0">
-                        <a:latin typeface="Cambria Math" panose="02040503050406030204" pitchFamily="18" charset="0"/>
-                      </a:rPr>
-                      <m:t>𝐿</m:t>
-                    </m:r>
-                  </m:oMath>
-                </a14:m>
-                <a:endParaRPr lang="en-US" dirty="0"/>
-              </a:p>
-              <a:p>
-                <a14:m>
-                  <m:oMath xmlns:m="http://schemas.openxmlformats.org/officeDocument/2006/math">
-                    <m:r>
-                      <a:rPr lang="en-US" i="1" dirty="0" smtClean="0">
-                        <a:latin typeface="Cambria Math" panose="02040503050406030204" pitchFamily="18" charset="0"/>
-                      </a:rPr>
-                      <m:t>𝑝</m:t>
-                    </m:r>
-                    <m:r>
-                      <a:rPr lang="en-US" i="1" dirty="0" smtClean="0">
-                        <a:latin typeface="Cambria Math" panose="02040503050406030204" pitchFamily="18" charset="0"/>
-                      </a:rPr>
-                      <m:t>∈{</m:t>
-                    </m:r>
-                    <m:sSup>
-                      <m:sSupPr>
-                        <m:ctrlPr>
-                          <a:rPr lang="en-US" b="0" i="1" dirty="0" smtClean="0">
-                            <a:latin typeface="Cambria Math" panose="02040503050406030204" pitchFamily="18" charset="0"/>
-                          </a:rPr>
-                        </m:ctrlPr>
-                      </m:sSupPr>
-                      <m:e>
-                        <m:r>
-                          <a:rPr lang="en-US" b="0" i="1" dirty="0" smtClean="0">
-                            <a:latin typeface="Cambria Math" panose="02040503050406030204" pitchFamily="18" charset="0"/>
-                          </a:rPr>
-                          <m:t>2</m:t>
-                        </m:r>
-                      </m:e>
-                      <m:sup>
-                        <m:r>
-                          <a:rPr lang="en-US" b="0" i="1" dirty="0" smtClean="0">
-                            <a:latin typeface="Cambria Math" panose="02040503050406030204" pitchFamily="18" charset="0"/>
-                          </a:rPr>
-                          <m:t>−6</m:t>
-                        </m:r>
-                      </m:sup>
-                    </m:sSup>
-                    <m:r>
-                      <a:rPr lang="en-US" b="0" i="1" dirty="0" smtClean="0">
-                        <a:latin typeface="Cambria Math" panose="02040503050406030204" pitchFamily="18" charset="0"/>
-                      </a:rPr>
-                      <m:t>,</m:t>
-                    </m:r>
-                    <m:sSup>
-                      <m:sSupPr>
-                        <m:ctrlPr>
-                          <a:rPr lang="en-US" b="0" i="1" dirty="0" smtClean="0">
-                            <a:latin typeface="Cambria Math" panose="02040503050406030204" pitchFamily="18" charset="0"/>
-                          </a:rPr>
-                        </m:ctrlPr>
-                      </m:sSupPr>
-                      <m:e>
-                        <m:r>
-                          <a:rPr lang="en-US" b="0" i="1" dirty="0" smtClean="0">
-                            <a:latin typeface="Cambria Math" panose="02040503050406030204" pitchFamily="18" charset="0"/>
-                          </a:rPr>
-                          <m:t>2</m:t>
-                        </m:r>
-                      </m:e>
-                      <m:sup>
-                        <m:r>
-                          <a:rPr lang="en-US" b="0" i="1" dirty="0" smtClean="0">
-                            <a:latin typeface="Cambria Math" panose="02040503050406030204" pitchFamily="18" charset="0"/>
-                          </a:rPr>
-                          <m:t>−7</m:t>
-                        </m:r>
-                      </m:sup>
-                    </m:sSup>
-                    <m:r>
-                      <a:rPr lang="en-US" b="0" i="1" dirty="0" smtClean="0">
-                        <a:latin typeface="Cambria Math" panose="02040503050406030204" pitchFamily="18" charset="0"/>
-                      </a:rPr>
-                      <m:t>,</m:t>
-                    </m:r>
-                    <m:sSup>
-                      <m:sSupPr>
-                        <m:ctrlPr>
-                          <a:rPr lang="en-US" b="0" i="1" dirty="0" smtClean="0">
-                            <a:latin typeface="Cambria Math" panose="02040503050406030204" pitchFamily="18" charset="0"/>
-                          </a:rPr>
-                        </m:ctrlPr>
-                      </m:sSupPr>
-                      <m:e>
-                        <m:r>
-                          <a:rPr lang="en-US" b="0" i="1" dirty="0" smtClean="0">
-                            <a:latin typeface="Cambria Math" panose="02040503050406030204" pitchFamily="18" charset="0"/>
-                          </a:rPr>
-                          <m:t>2</m:t>
-                        </m:r>
-                      </m:e>
-                      <m:sup>
-                        <m:r>
-                          <a:rPr lang="en-US" b="0" i="1" dirty="0" smtClean="0">
-                            <a:latin typeface="Cambria Math" panose="02040503050406030204" pitchFamily="18" charset="0"/>
-                          </a:rPr>
-                          <m:t>−8</m:t>
-                        </m:r>
-                      </m:sup>
-                    </m:sSup>
-                    <m:r>
-                      <a:rPr lang="en-US" b="0" i="1" dirty="0" smtClean="0">
-                        <a:latin typeface="Cambria Math" panose="02040503050406030204" pitchFamily="18" charset="0"/>
-                      </a:rPr>
-                      <m:t>,…,</m:t>
-                    </m:r>
-                    <m:sSup>
-                      <m:sSupPr>
-                        <m:ctrlPr>
-                          <a:rPr lang="en-US" b="0" i="1" dirty="0" smtClean="0">
-                            <a:latin typeface="Cambria Math" panose="02040503050406030204" pitchFamily="18" charset="0"/>
-                          </a:rPr>
-                        </m:ctrlPr>
-                      </m:sSupPr>
-                      <m:e>
-                        <m:r>
-                          <a:rPr lang="en-US" b="0" i="1" dirty="0" smtClean="0">
-                            <a:latin typeface="Cambria Math" panose="02040503050406030204" pitchFamily="18" charset="0"/>
-                          </a:rPr>
-                          <m:t>2</m:t>
-                        </m:r>
-                      </m:e>
-                      <m:sup>
-                        <m:r>
-                          <a:rPr lang="en-US" b="0" i="1" dirty="0" smtClean="0">
-                            <a:latin typeface="Cambria Math" panose="02040503050406030204" pitchFamily="18" charset="0"/>
-                          </a:rPr>
-                          <m:t>−10</m:t>
-                        </m:r>
-                      </m:sup>
-                    </m:sSup>
-                    <m:r>
-                      <m:rPr>
-                        <m:lit/>
-                      </m:rPr>
-                      <a:rPr lang="en-US" i="1" dirty="0" smtClean="0">
-                        <a:latin typeface="Cambria Math" panose="02040503050406030204" pitchFamily="18" charset="0"/>
-                      </a:rPr>
-                      <m:t>}</m:t>
-                    </m:r>
-                  </m:oMath>
-                </a14:m>
-                <a:endParaRPr lang="en-US" dirty="0"/>
-              </a:p>
-              <a:p>
-                <a14:m>
-                  <m:oMath xmlns:m="http://schemas.openxmlformats.org/officeDocument/2006/math">
-                    <m:r>
-                      <a:rPr lang="en-US" i="1" dirty="0" smtClean="0">
-                        <a:latin typeface="Cambria Math" panose="02040503050406030204" pitchFamily="18" charset="0"/>
-                      </a:rPr>
-                      <m:t>𝜂</m:t>
-                    </m:r>
-                    <m:r>
-                      <a:rPr lang="en-US" i="1" dirty="0" smtClean="0">
-                        <a:latin typeface="Cambria Math" panose="02040503050406030204" pitchFamily="18" charset="0"/>
-                      </a:rPr>
-                      <m:t>=0.1</m:t>
-                    </m:r>
-                  </m:oMath>
-                </a14:m>
-                <a:endParaRPr lang="en-US" dirty="0"/>
-              </a:p>
-              <a:p>
-                <a:r>
-                  <a:rPr lang="en-US" dirty="0"/>
-                  <a:t>10000 shots</a:t>
-                </a:r>
-              </a:p>
-              <a:p>
-                <a:r>
-                  <a:rPr lang="en-US" dirty="0"/>
-                  <a:t>1 hour, 8 CPUs per task</a:t>
-                </a:r>
-              </a:p>
-              <a:p>
-                <a:r>
-                  <a:rPr lang="en-US" dirty="0"/>
-                  <a:t>Record: failure rate, </a:t>
-                </a:r>
-                <a:r>
-                  <a:rPr lang="en-US" dirty="0" err="1"/>
-                  <a:t>anyon</a:t>
-                </a:r>
-                <a:r>
-                  <a:rPr lang="en-US" dirty="0"/>
-                  <a:t> density over time.</a:t>
-                </a:r>
-              </a:p>
-            </p:txBody>
-          </p:sp>
-        </mc:Choice>
-        <mc:Fallback xmlns="">
-          <p:sp>
-            <p:nvSpPr>
-              <p:cNvPr id="3" name="Content Placeholder 2">
-                <a:extLst>
-                  <a:ext uri="{FF2B5EF4-FFF2-40B4-BE49-F238E27FC236}">
-                    <a16:creationId xmlns:a16="http://schemas.microsoft.com/office/drawing/2014/main" id="{F567ADB7-F744-B166-BEF6-BB2549F8A4D4}"/>
-                  </a:ext>
-                </a:extLst>
-              </p:cNvPr>
-              <p:cNvSpPr>
-                <a:spLocks noGrp="1" noRot="1" noChangeAspect="1" noMove="1" noResize="1" noEditPoints="1" noAdjustHandles="1" noChangeArrowheads="1" noChangeShapeType="1" noTextEdit="1"/>
-              </p:cNvSpPr>
-              <p:nvPr>
-                <p:ph idx="1"/>
-              </p:nvPr>
-            </p:nvSpPr>
-            <p:spPr>
-              <a:blipFill>
-                <a:blip r:embed="rId2"/>
-                <a:stretch>
-                  <a:fillRect l="-1043"/>
-                </a:stretch>
-              </a:blipFill>
-            </p:spPr>
-            <p:txBody>
-              <a:bodyPr/>
-              <a:lstStyle/>
-              <a:p>
-                <a:r>
-                  <a:rPr lang="en-US">
-                    <a:noFill/>
-                  </a:rPr>
-                  <a:t> </a:t>
-                </a:r>
-              </a:p>
-            </p:txBody>
-          </p:sp>
-        </mc:Fallback>
-      </mc:AlternateContent>
-    </p:spTree>
-    <p:extLst>
-      <p:ext uri="{BB962C8B-B14F-4D97-AF65-F5344CB8AC3E}">
-        <p14:creationId xmlns:p14="http://schemas.microsoft.com/office/powerpoint/2010/main" val="2463136519"/>
       </p:ext>
     </p:extLst>
   </p:cSld>
@@ -4729,99 +4426,501 @@
           <a:chExt cx="0" cy="0"/>
         </a:xfrm>
       </p:grpSpPr>
-      <p:sp>
-        <p:nvSpPr>
-          <p:cNvPr id="2" name="Title 1">
-            <a:extLst>
-              <a:ext uri="{FF2B5EF4-FFF2-40B4-BE49-F238E27FC236}">
-                <a16:creationId xmlns:a16="http://schemas.microsoft.com/office/drawing/2014/main" id="{DFDB42A9-6878-4223-01B4-D78C26B1ABD3}"/>
-              </a:ext>
-            </a:extLst>
-          </p:cNvPr>
-          <p:cNvSpPr>
-            <a:spLocks noGrp="1"/>
-          </p:cNvSpPr>
-          <p:nvPr>
-            <p:ph type="title"/>
-          </p:nvPr>
-        </p:nvSpPr>
-        <p:spPr/>
-        <p:txBody>
-          <a:bodyPr/>
-          <a:lstStyle/>
-          <a:p>
-            <a:r>
-              <a:rPr lang="en-US" dirty="0"/>
-              <a:t>Run 4</a:t>
-            </a:r>
-          </a:p>
-        </p:txBody>
-      </p:sp>
+      <mc:AlternateContent xmlns:mc="http://schemas.openxmlformats.org/markup-compatibility/2006">
+        <mc:Choice xmlns:a14="http://schemas.microsoft.com/office/drawing/2010/main" Requires="a14">
+          <p:sp>
+            <p:nvSpPr>
+              <p:cNvPr id="2" name="Title 1">
+                <a:extLst>
+                  <a:ext uri="{FF2B5EF4-FFF2-40B4-BE49-F238E27FC236}">
+                    <a16:creationId xmlns:a16="http://schemas.microsoft.com/office/drawing/2014/main" id="{B797A52D-8C56-4CC5-48D0-88D222D029E4}"/>
+                  </a:ext>
+                </a:extLst>
+              </p:cNvPr>
+              <p:cNvSpPr>
+                <a:spLocks noGrp="1"/>
+              </p:cNvSpPr>
+              <p:nvPr>
+                <p:ph type="title"/>
+              </p:nvPr>
+            </p:nvSpPr>
+            <p:spPr/>
+            <p:txBody>
+              <a:bodyPr/>
+              <a:lstStyle/>
+              <a:p>
+                <a:r>
+                  <a:rPr lang="en-US" dirty="0"/>
+                  <a:t>Run 4 – even smaller </a:t>
+                </a:r>
+                <a14:m>
+                  <m:oMath xmlns:m="http://schemas.openxmlformats.org/officeDocument/2006/math">
+                    <m:r>
+                      <a:rPr lang="en-US" b="0" i="1" smtClean="0">
+                        <a:latin typeface="Cambria Math" panose="02040503050406030204" pitchFamily="18" charset="0"/>
+                      </a:rPr>
+                      <m:t>𝑝</m:t>
+                    </m:r>
+                  </m:oMath>
+                </a14:m>
+                <a:endParaRPr lang="en-US" dirty="0"/>
+              </a:p>
+            </p:txBody>
+          </p:sp>
+        </mc:Choice>
+        <mc:Fallback>
+          <p:sp>
+            <p:nvSpPr>
+              <p:cNvPr id="2" name="Title 1">
+                <a:extLst>
+                  <a:ext uri="{FF2B5EF4-FFF2-40B4-BE49-F238E27FC236}">
+                    <a16:creationId xmlns:a16="http://schemas.microsoft.com/office/drawing/2014/main" id="{B797A52D-8C56-4CC5-48D0-88D222D029E4}"/>
+                  </a:ext>
+                </a:extLst>
+              </p:cNvPr>
+              <p:cNvSpPr>
+                <a:spLocks noGrp="1" noRot="1" noChangeAspect="1" noMove="1" noResize="1" noEditPoints="1" noAdjustHandles="1" noChangeArrowheads="1" noChangeShapeType="1" noTextEdit="1"/>
+              </p:cNvSpPr>
+              <p:nvPr>
+                <p:ph type="title"/>
+              </p:nvPr>
+            </p:nvSpPr>
+            <p:spPr>
+              <a:blipFill>
+                <a:blip r:embed="rId2"/>
+                <a:stretch>
+                  <a:fillRect l="-2377"/>
+                </a:stretch>
+              </a:blipFill>
+            </p:spPr>
+            <p:txBody>
+              <a:bodyPr/>
+              <a:lstStyle/>
+              <a:p>
+                <a:r>
+                  <a:rPr lang="en-US">
+                    <a:noFill/>
+                  </a:rPr>
+                  <a:t> </a:t>
+                </a:r>
+              </a:p>
+            </p:txBody>
+          </p:sp>
+        </mc:Fallback>
+      </mc:AlternateContent>
+      <mc:AlternateContent xmlns:mc="http://schemas.openxmlformats.org/markup-compatibility/2006">
+        <mc:Choice xmlns:a14="http://schemas.microsoft.com/office/drawing/2010/main" Requires="a14">
+          <p:sp>
+            <p:nvSpPr>
+              <p:cNvPr id="3" name="Content Placeholder 2">
+                <a:extLst>
+                  <a:ext uri="{FF2B5EF4-FFF2-40B4-BE49-F238E27FC236}">
+                    <a16:creationId xmlns:a16="http://schemas.microsoft.com/office/drawing/2014/main" id="{F567ADB7-F744-B166-BEF6-BB2549F8A4D4}"/>
+                  </a:ext>
+                </a:extLst>
+              </p:cNvPr>
+              <p:cNvSpPr>
+                <a:spLocks noGrp="1"/>
+              </p:cNvSpPr>
+              <p:nvPr>
+                <p:ph idx="1"/>
+              </p:nvPr>
+            </p:nvSpPr>
+            <p:spPr/>
+            <p:txBody>
+              <a:bodyPr/>
+              <a:lstStyle/>
+              <a:p>
+                <a14:m>
+                  <m:oMath xmlns:m="http://schemas.openxmlformats.org/officeDocument/2006/math">
+                    <m:r>
+                      <a:rPr lang="en-US" b="1" i="1" dirty="0" smtClean="0">
+                        <a:latin typeface="Cambria Math" panose="02040503050406030204" pitchFamily="18" charset="0"/>
+                      </a:rPr>
+                      <m:t>𝑳</m:t>
+                    </m:r>
+                    <m:r>
+                      <a:rPr lang="en-US" b="1" i="1" dirty="0" smtClean="0">
+                        <a:latin typeface="Cambria Math" panose="02040503050406030204" pitchFamily="18" charset="0"/>
+                      </a:rPr>
+                      <m:t>∈</m:t>
+                    </m:r>
+                    <m:r>
+                      <m:rPr>
+                        <m:lit/>
+                      </m:rPr>
+                      <a:rPr lang="en-US" b="1" i="1" dirty="0" smtClean="0">
+                        <a:latin typeface="Cambria Math" panose="02040503050406030204" pitchFamily="18" charset="0"/>
+                      </a:rPr>
+                      <m:t>{</m:t>
+                    </m:r>
+                    <m:r>
+                      <a:rPr lang="en-US" b="1" i="1" dirty="0" smtClean="0">
+                        <a:latin typeface="Cambria Math" panose="02040503050406030204" pitchFamily="18" charset="0"/>
+                      </a:rPr>
+                      <m:t>𝟐𝟎</m:t>
+                    </m:r>
+                    <m:r>
+                      <a:rPr lang="en-US" b="1" i="1" dirty="0" smtClean="0">
+                        <a:latin typeface="Cambria Math" panose="02040503050406030204" pitchFamily="18" charset="0"/>
+                      </a:rPr>
+                      <m:t>,</m:t>
+                    </m:r>
+                    <m:r>
+                      <a:rPr lang="en-US" b="1" i="1" dirty="0" smtClean="0">
+                        <a:latin typeface="Cambria Math" panose="02040503050406030204" pitchFamily="18" charset="0"/>
+                      </a:rPr>
+                      <m:t>𝟒𝟎</m:t>
+                    </m:r>
+                    <m:r>
+                      <a:rPr lang="en-US" b="1" i="1" dirty="0" smtClean="0">
+                        <a:latin typeface="Cambria Math" panose="02040503050406030204" pitchFamily="18" charset="0"/>
+                      </a:rPr>
+                      <m:t>,</m:t>
+                    </m:r>
+                    <m:r>
+                      <a:rPr lang="en-US" b="1" i="1" dirty="0" smtClean="0">
+                        <a:latin typeface="Cambria Math" panose="02040503050406030204" pitchFamily="18" charset="0"/>
+                      </a:rPr>
+                      <m:t>𝟔𝟎</m:t>
+                    </m:r>
+                    <m:r>
+                      <a:rPr lang="en-US" b="1" i="1" dirty="0" smtClean="0">
+                        <a:latin typeface="Cambria Math" panose="02040503050406030204" pitchFamily="18" charset="0"/>
+                      </a:rPr>
+                      <m:t>,…,</m:t>
+                    </m:r>
+                    <m:r>
+                      <a:rPr lang="en-US" b="1" i="1" dirty="0" smtClean="0">
+                        <a:latin typeface="Cambria Math" panose="02040503050406030204" pitchFamily="18" charset="0"/>
+                      </a:rPr>
+                      <m:t>𝟏𝟎𝟎</m:t>
+                    </m:r>
+                    <m:r>
+                      <m:rPr>
+                        <m:lit/>
+                      </m:rPr>
+                      <a:rPr lang="en-US" b="1" i="1" dirty="0" smtClean="0">
+                        <a:latin typeface="Cambria Math" panose="02040503050406030204" pitchFamily="18" charset="0"/>
+                      </a:rPr>
+                      <m:t>}</m:t>
+                    </m:r>
+                  </m:oMath>
+                </a14:m>
+                <a:endParaRPr lang="en-US" b="1" dirty="0"/>
+              </a:p>
+              <a:p>
+                <a14:m>
+                  <m:oMath xmlns:m="http://schemas.openxmlformats.org/officeDocument/2006/math">
+                    <m:r>
+                      <a:rPr lang="en-US" i="1" dirty="0" smtClean="0">
+                        <a:latin typeface="Cambria Math" panose="02040503050406030204" pitchFamily="18" charset="0"/>
+                      </a:rPr>
+                      <m:t>𝑐</m:t>
+                    </m:r>
+                    <m:r>
+                      <a:rPr lang="en-US" i="1" dirty="0" smtClean="0">
+                        <a:latin typeface="Cambria Math" panose="02040503050406030204" pitchFamily="18" charset="0"/>
+                      </a:rPr>
+                      <m:t>=16</m:t>
+                    </m:r>
+                  </m:oMath>
+                </a14:m>
+                <a:endParaRPr lang="en-US" dirty="0"/>
+              </a:p>
+              <a:p>
+                <a14:m>
+                  <m:oMath xmlns:m="http://schemas.openxmlformats.org/officeDocument/2006/math">
+                    <m:r>
+                      <a:rPr lang="en-US" i="1" dirty="0" smtClean="0">
+                        <a:latin typeface="Cambria Math" panose="02040503050406030204" pitchFamily="18" charset="0"/>
+                      </a:rPr>
+                      <m:t>𝑇</m:t>
+                    </m:r>
+                    <m:r>
+                      <a:rPr lang="en-US" i="1" dirty="0" smtClean="0">
+                        <a:latin typeface="Cambria Math" panose="02040503050406030204" pitchFamily="18" charset="0"/>
+                      </a:rPr>
+                      <m:t>=</m:t>
+                    </m:r>
+                    <m:r>
+                      <a:rPr lang="en-US" i="1" dirty="0" smtClean="0">
+                        <a:latin typeface="Cambria Math" panose="02040503050406030204" pitchFamily="18" charset="0"/>
+                      </a:rPr>
+                      <m:t>𝐿</m:t>
+                    </m:r>
+                  </m:oMath>
+                </a14:m>
+                <a:endParaRPr lang="en-US" dirty="0"/>
+              </a:p>
+              <a:p>
+                <a14:m>
+                  <m:oMath xmlns:m="http://schemas.openxmlformats.org/officeDocument/2006/math">
+                    <m:r>
+                      <a:rPr lang="en-US" b="1" i="1" dirty="0" smtClean="0">
+                        <a:latin typeface="Cambria Math" panose="02040503050406030204" pitchFamily="18" charset="0"/>
+                      </a:rPr>
+                      <m:t>𝒑</m:t>
+                    </m:r>
+                    <m:r>
+                      <a:rPr lang="en-US" b="1" i="1" dirty="0" smtClean="0">
+                        <a:latin typeface="Cambria Math" panose="02040503050406030204" pitchFamily="18" charset="0"/>
+                      </a:rPr>
+                      <m:t>∈{</m:t>
+                    </m:r>
+                    <m:sSup>
+                      <m:sSupPr>
+                        <m:ctrlPr>
+                          <a:rPr lang="en-US" b="1" i="1" dirty="0" smtClean="0">
+                            <a:latin typeface="Cambria Math" panose="02040503050406030204" pitchFamily="18" charset="0"/>
+                          </a:rPr>
+                        </m:ctrlPr>
+                      </m:sSupPr>
+                      <m:e>
+                        <m:r>
+                          <a:rPr lang="en-US" b="1" i="1" dirty="0" smtClean="0">
+                            <a:latin typeface="Cambria Math" panose="02040503050406030204" pitchFamily="18" charset="0"/>
+                          </a:rPr>
+                          <m:t>𝟐</m:t>
+                        </m:r>
+                      </m:e>
+                      <m:sup>
+                        <m:r>
+                          <a:rPr lang="en-US" b="1" i="1" dirty="0" smtClean="0">
+                            <a:latin typeface="Cambria Math" panose="02040503050406030204" pitchFamily="18" charset="0"/>
+                          </a:rPr>
+                          <m:t>−</m:t>
+                        </m:r>
+                        <m:r>
+                          <a:rPr lang="en-US" b="1" i="1" dirty="0" smtClean="0">
+                            <a:latin typeface="Cambria Math" panose="02040503050406030204" pitchFamily="18" charset="0"/>
+                          </a:rPr>
+                          <m:t>𝟔</m:t>
+                        </m:r>
+                      </m:sup>
+                    </m:sSup>
+                    <m:r>
+                      <a:rPr lang="en-US" b="1" i="1" dirty="0" smtClean="0">
+                        <a:latin typeface="Cambria Math" panose="02040503050406030204" pitchFamily="18" charset="0"/>
+                      </a:rPr>
+                      <m:t>,</m:t>
+                    </m:r>
+                    <m:sSup>
+                      <m:sSupPr>
+                        <m:ctrlPr>
+                          <a:rPr lang="en-US" b="1" i="1" dirty="0" smtClean="0">
+                            <a:latin typeface="Cambria Math" panose="02040503050406030204" pitchFamily="18" charset="0"/>
+                          </a:rPr>
+                        </m:ctrlPr>
+                      </m:sSupPr>
+                      <m:e>
+                        <m:r>
+                          <a:rPr lang="en-US" b="1" i="1" dirty="0" smtClean="0">
+                            <a:latin typeface="Cambria Math" panose="02040503050406030204" pitchFamily="18" charset="0"/>
+                          </a:rPr>
+                          <m:t>𝟐</m:t>
+                        </m:r>
+                      </m:e>
+                      <m:sup>
+                        <m:r>
+                          <a:rPr lang="en-US" b="1" i="1" dirty="0" smtClean="0">
+                            <a:latin typeface="Cambria Math" panose="02040503050406030204" pitchFamily="18" charset="0"/>
+                          </a:rPr>
+                          <m:t>−</m:t>
+                        </m:r>
+                        <m:r>
+                          <a:rPr lang="en-US" b="1" i="1" dirty="0" smtClean="0">
+                            <a:latin typeface="Cambria Math" panose="02040503050406030204" pitchFamily="18" charset="0"/>
+                          </a:rPr>
+                          <m:t>𝟕</m:t>
+                        </m:r>
+                      </m:sup>
+                    </m:sSup>
+                    <m:r>
+                      <a:rPr lang="en-US" b="1" i="1" dirty="0" smtClean="0">
+                        <a:latin typeface="Cambria Math" panose="02040503050406030204" pitchFamily="18" charset="0"/>
+                      </a:rPr>
+                      <m:t>,</m:t>
+                    </m:r>
+                    <m:sSup>
+                      <m:sSupPr>
+                        <m:ctrlPr>
+                          <a:rPr lang="en-US" b="1" i="1" dirty="0" smtClean="0">
+                            <a:latin typeface="Cambria Math" panose="02040503050406030204" pitchFamily="18" charset="0"/>
+                          </a:rPr>
+                        </m:ctrlPr>
+                      </m:sSupPr>
+                      <m:e>
+                        <m:r>
+                          <a:rPr lang="en-US" b="1" i="1" dirty="0" smtClean="0">
+                            <a:latin typeface="Cambria Math" panose="02040503050406030204" pitchFamily="18" charset="0"/>
+                          </a:rPr>
+                          <m:t>𝟐</m:t>
+                        </m:r>
+                      </m:e>
+                      <m:sup>
+                        <m:r>
+                          <a:rPr lang="en-US" b="1" i="1" dirty="0" smtClean="0">
+                            <a:latin typeface="Cambria Math" panose="02040503050406030204" pitchFamily="18" charset="0"/>
+                          </a:rPr>
+                          <m:t>−</m:t>
+                        </m:r>
+                        <m:r>
+                          <a:rPr lang="en-US" b="1" i="1" dirty="0" smtClean="0">
+                            <a:latin typeface="Cambria Math" panose="02040503050406030204" pitchFamily="18" charset="0"/>
+                          </a:rPr>
+                          <m:t>𝟖</m:t>
+                        </m:r>
+                      </m:sup>
+                    </m:sSup>
+                    <m:r>
+                      <a:rPr lang="en-US" b="1" i="1" dirty="0" smtClean="0">
+                        <a:latin typeface="Cambria Math" panose="02040503050406030204" pitchFamily="18" charset="0"/>
+                      </a:rPr>
+                      <m:t>,…,</m:t>
+                    </m:r>
+                    <m:sSup>
+                      <m:sSupPr>
+                        <m:ctrlPr>
+                          <a:rPr lang="en-US" b="1" i="1" dirty="0" smtClean="0">
+                            <a:latin typeface="Cambria Math" panose="02040503050406030204" pitchFamily="18" charset="0"/>
+                          </a:rPr>
+                        </m:ctrlPr>
+                      </m:sSupPr>
+                      <m:e>
+                        <m:r>
+                          <a:rPr lang="en-US" b="1" i="1" dirty="0" smtClean="0">
+                            <a:latin typeface="Cambria Math" panose="02040503050406030204" pitchFamily="18" charset="0"/>
+                          </a:rPr>
+                          <m:t>𝟐</m:t>
+                        </m:r>
+                      </m:e>
+                      <m:sup>
+                        <m:r>
+                          <a:rPr lang="en-US" b="1" i="1" dirty="0" smtClean="0">
+                            <a:latin typeface="Cambria Math" panose="02040503050406030204" pitchFamily="18" charset="0"/>
+                          </a:rPr>
+                          <m:t>−</m:t>
+                        </m:r>
+                        <m:r>
+                          <a:rPr lang="en-US" b="1" i="1" dirty="0" smtClean="0">
+                            <a:latin typeface="Cambria Math" panose="02040503050406030204" pitchFamily="18" charset="0"/>
+                          </a:rPr>
+                          <m:t>𝟏𝟎</m:t>
+                        </m:r>
+                      </m:sup>
+                    </m:sSup>
+                    <m:r>
+                      <m:rPr>
+                        <m:lit/>
+                      </m:rPr>
+                      <a:rPr lang="en-US" b="1" i="1" dirty="0" smtClean="0">
+                        <a:latin typeface="Cambria Math" panose="02040503050406030204" pitchFamily="18" charset="0"/>
+                      </a:rPr>
+                      <m:t>}</m:t>
+                    </m:r>
+                  </m:oMath>
+                </a14:m>
+                <a:endParaRPr lang="en-US" b="1" dirty="0"/>
+              </a:p>
+              <a:p>
+                <a14:m>
+                  <m:oMath xmlns:m="http://schemas.openxmlformats.org/officeDocument/2006/math">
+                    <m:r>
+                      <a:rPr lang="en-US" i="1" dirty="0" smtClean="0">
+                        <a:latin typeface="Cambria Math" panose="02040503050406030204" pitchFamily="18" charset="0"/>
+                      </a:rPr>
+                      <m:t>𝜂</m:t>
+                    </m:r>
+                    <m:r>
+                      <a:rPr lang="en-US" i="1" dirty="0" smtClean="0">
+                        <a:latin typeface="Cambria Math" panose="02040503050406030204" pitchFamily="18" charset="0"/>
+                      </a:rPr>
+                      <m:t>=0.1</m:t>
+                    </m:r>
+                  </m:oMath>
+                </a14:m>
+                <a:endParaRPr lang="en-US" dirty="0"/>
+              </a:p>
+              <a:p>
+                <a:r>
+                  <a:rPr lang="en-US" dirty="0"/>
+                  <a:t>10000 shots</a:t>
+                </a:r>
+              </a:p>
+              <a:p>
+                <a:r>
+                  <a:rPr lang="en-US" dirty="0"/>
+                  <a:t>1 hour, 8 CPUs / task</a:t>
+                </a:r>
+              </a:p>
+            </p:txBody>
+          </p:sp>
+        </mc:Choice>
+        <mc:Fallback>
+          <p:sp>
+            <p:nvSpPr>
+              <p:cNvPr id="3" name="Content Placeholder 2">
+                <a:extLst>
+                  <a:ext uri="{FF2B5EF4-FFF2-40B4-BE49-F238E27FC236}">
+                    <a16:creationId xmlns:a16="http://schemas.microsoft.com/office/drawing/2014/main" id="{F567ADB7-F744-B166-BEF6-BB2549F8A4D4}"/>
+                  </a:ext>
+                </a:extLst>
+              </p:cNvPr>
+              <p:cNvSpPr>
+                <a:spLocks noGrp="1" noRot="1" noChangeAspect="1" noMove="1" noResize="1" noEditPoints="1" noAdjustHandles="1" noChangeArrowheads="1" noChangeShapeType="1" noTextEdit="1"/>
+              </p:cNvSpPr>
+              <p:nvPr>
+                <p:ph idx="1"/>
+              </p:nvPr>
+            </p:nvSpPr>
+            <p:spPr>
+              <a:blipFill>
+                <a:blip r:embed="rId3"/>
+                <a:stretch>
+                  <a:fillRect l="-1043"/>
+                </a:stretch>
+              </a:blipFill>
+            </p:spPr>
+            <p:txBody>
+              <a:bodyPr/>
+              <a:lstStyle/>
+              <a:p>
+                <a:r>
+                  <a:rPr lang="en-US">
+                    <a:noFill/>
+                  </a:rPr>
+                  <a:t> </a:t>
+                </a:r>
+              </a:p>
+            </p:txBody>
+          </p:sp>
+        </mc:Fallback>
+      </mc:AlternateContent>
       <p:pic>
         <p:nvPicPr>
-          <p:cNvPr id="5" name="Content Placeholder 4" descr="A graph of different colors&#10;&#10;Description automatically generated">
-            <a:extLst>
-              <a:ext uri="{FF2B5EF4-FFF2-40B4-BE49-F238E27FC236}">
-                <a16:creationId xmlns:a16="http://schemas.microsoft.com/office/drawing/2014/main" id="{AA608F04-6D0B-49BE-6C20-2BD0DEE3C4C7}"/>
+          <p:cNvPr id="7" name="Picture 6">
+            <a:extLst>
+              <a:ext uri="{FF2B5EF4-FFF2-40B4-BE49-F238E27FC236}">
+                <a16:creationId xmlns:a16="http://schemas.microsoft.com/office/drawing/2014/main" id="{A259EE76-E1E9-F63F-D295-6854BF004EC3}"/>
               </a:ext>
             </a:extLst>
           </p:cNvPr>
           <p:cNvPicPr>
-            <a:picLocks noGrp="1" noChangeAspect="1"/>
+            <a:picLocks noChangeAspect="1"/>
           </p:cNvPicPr>
-          <p:nvPr>
-            <p:ph idx="1"/>
-          </p:nvPr>
+          <p:nvPr/>
         </p:nvPicPr>
         <p:blipFill>
-          <a:blip r:embed="rId2">
-            <a:extLst>
-              <a:ext uri="{28A0092B-C50C-407E-A947-70E740481C1C}">
-                <a14:useLocalDpi xmlns:a14="http://schemas.microsoft.com/office/drawing/2010/main" val="0"/>
-              </a:ext>
-            </a:extLst>
-          </a:blip>
+          <a:blip r:embed="rId4"/>
           <a:stretch>
             <a:fillRect/>
           </a:stretch>
         </p:blipFill>
         <p:spPr>
           <a:xfrm>
-            <a:off x="6634654" y="944914"/>
-            <a:ext cx="4351338" cy="4351338"/>
-          </a:xfrm>
-        </p:spPr>
-      </p:pic>
-      <p:pic>
-        <p:nvPicPr>
-          <p:cNvPr id="7" name="Picture 6" descr="A graph of a failure rate&#10;&#10;Description automatically generated">
-            <a:extLst>
-              <a:ext uri="{FF2B5EF4-FFF2-40B4-BE49-F238E27FC236}">
-                <a16:creationId xmlns:a16="http://schemas.microsoft.com/office/drawing/2014/main" id="{AA90CD36-8FBF-EE69-239D-3DDA106261AD}"/>
-              </a:ext>
-            </a:extLst>
-          </p:cNvPr>
-          <p:cNvPicPr>
-            <a:picLocks noChangeAspect="1"/>
-          </p:cNvPicPr>
-          <p:nvPr/>
-        </p:nvPicPr>
-        <p:blipFill>
-          <a:blip r:embed="rId3">
-            <a:extLst>
-              <a:ext uri="{28A0092B-C50C-407E-A947-70E740481C1C}">
-                <a14:useLocalDpi xmlns:a14="http://schemas.microsoft.com/office/drawing/2010/main" val="0"/>
-              </a:ext>
-            </a:extLst>
-          </a:blip>
-          <a:stretch>
-            <a:fillRect/>
-          </a:stretch>
-        </p:blipFill>
-        <p:spPr>
-          <a:xfrm>
-            <a:off x="730097" y="1446377"/>
-            <a:ext cx="4388757" cy="4388757"/>
+            <a:off x="7015925" y="1451298"/>
+            <a:ext cx="3766375" cy="4693915"/>
           </a:xfrm>
           <a:prstGeom prst="rect">
             <a:avLst/>
@@ -4831,7 +4930,7 @@
     </p:spTree>
     <p:extLst>
       <p:ext uri="{BB962C8B-B14F-4D97-AF65-F5344CB8AC3E}">
-        <p14:creationId xmlns:p14="http://schemas.microsoft.com/office/powerpoint/2010/main" val="1028633011"/>
+        <p14:creationId xmlns:p14="http://schemas.microsoft.com/office/powerpoint/2010/main" val="2463136519"/>
       </p:ext>
     </p:extLst>
   </p:cSld>
@@ -4863,7 +4962,7 @@
           <p:cNvPr id="2" name="Title 1">
             <a:extLst>
               <a:ext uri="{FF2B5EF4-FFF2-40B4-BE49-F238E27FC236}">
-                <a16:creationId xmlns:a16="http://schemas.microsoft.com/office/drawing/2014/main" id="{ADDF2086-6093-FA3D-3965-B9566ACD4E63}"/>
+                <a16:creationId xmlns:a16="http://schemas.microsoft.com/office/drawing/2014/main" id="{DFDB42A9-6878-4223-01B4-D78C26B1ABD3}"/>
               </a:ext>
             </a:extLst>
           </p:cNvPr>
@@ -4888,10 +4987,10 @@
       </p:sp>
       <p:pic>
         <p:nvPicPr>
-          <p:cNvPr id="5" name="Content Placeholder 4" descr="A graph of a failure rate&#10;&#10;Description automatically generated">
-            <a:extLst>
-              <a:ext uri="{FF2B5EF4-FFF2-40B4-BE49-F238E27FC236}">
-                <a16:creationId xmlns:a16="http://schemas.microsoft.com/office/drawing/2014/main" id="{FDE393AD-F8CD-C6E9-4127-54861C86BDA4}"/>
+          <p:cNvPr id="8" name="Content Placeholder 7" descr="A graph with different colored squares&#10;&#10;Description automatically generated">
+            <a:extLst>
+              <a:ext uri="{FF2B5EF4-FFF2-40B4-BE49-F238E27FC236}">
+                <a16:creationId xmlns:a16="http://schemas.microsoft.com/office/drawing/2014/main" id="{69FCD4C0-FB7C-F914-C68D-BC71C9A0FD2F}"/>
               </a:ext>
             </a:extLst>
           </p:cNvPr>
@@ -4916,17 +5015,17 @@
         </p:blipFill>
         <p:spPr>
           <a:xfrm>
-            <a:off x="6530262" y="1253331"/>
-            <a:ext cx="5801784" cy="4351338"/>
+            <a:off x="0" y="1409328"/>
+            <a:ext cx="5794537" cy="5008388"/>
           </a:xfrm>
         </p:spPr>
       </p:pic>
       <p:pic>
         <p:nvPicPr>
-          <p:cNvPr id="7" name="Picture 6" descr="A graph of a failure rate&#10;&#10;Description automatically generated">
-            <a:extLst>
-              <a:ext uri="{FF2B5EF4-FFF2-40B4-BE49-F238E27FC236}">
-                <a16:creationId xmlns:a16="http://schemas.microsoft.com/office/drawing/2014/main" id="{CA387693-CBD5-1DBC-3335-710455E56A76}"/>
+          <p:cNvPr id="10" name="Picture 9" descr="A graph with different colors&#10;&#10;Description automatically generated">
+            <a:extLst>
+              <a:ext uri="{FF2B5EF4-FFF2-40B4-BE49-F238E27FC236}">
+                <a16:creationId xmlns:a16="http://schemas.microsoft.com/office/drawing/2014/main" id="{A46F1494-FE67-E99E-2D1A-FF0C87398879}"/>
               </a:ext>
             </a:extLst>
           </p:cNvPr>
@@ -4949,8 +5048,8 @@
         </p:blipFill>
         <p:spPr>
           <a:xfrm>
-            <a:off x="398086" y="1523379"/>
-            <a:ext cx="5851676" cy="4388757"/>
+            <a:off x="6096000" y="1431411"/>
+            <a:ext cx="5918200" cy="4964222"/>
           </a:xfrm>
           <a:prstGeom prst="rect">
             <a:avLst/>
@@ -4960,7 +5059,7 @@
     </p:spTree>
     <p:extLst>
       <p:ext uri="{BB962C8B-B14F-4D97-AF65-F5344CB8AC3E}">
-        <p14:creationId xmlns:p14="http://schemas.microsoft.com/office/powerpoint/2010/main" val="1432437518"/>
+        <p14:creationId xmlns:p14="http://schemas.microsoft.com/office/powerpoint/2010/main" val="1028633011"/>
       </p:ext>
     </p:extLst>
   </p:cSld>
@@ -4992,7 +5091,7 @@
           <p:cNvPr id="2" name="Title 1">
             <a:extLst>
               <a:ext uri="{FF2B5EF4-FFF2-40B4-BE49-F238E27FC236}">
-                <a16:creationId xmlns:a16="http://schemas.microsoft.com/office/drawing/2014/main" id="{7131E7C2-5250-CD3A-B758-DA98D4F7850A}"/>
+                <a16:creationId xmlns:a16="http://schemas.microsoft.com/office/drawing/2014/main" id="{ADDF2086-6093-FA3D-3965-B9566ACD4E63}"/>
               </a:ext>
             </a:extLst>
           </p:cNvPr>
@@ -5017,10 +5116,10 @@
       </p:sp>
       <p:pic>
         <p:nvPicPr>
-          <p:cNvPr id="5" name="Content Placeholder 4" descr="A graph of a number of numbers and a line&#10;&#10;Description automatically generated">
-            <a:extLst>
-              <a:ext uri="{FF2B5EF4-FFF2-40B4-BE49-F238E27FC236}">
-                <a16:creationId xmlns:a16="http://schemas.microsoft.com/office/drawing/2014/main" id="{5A586292-3389-3135-0CA8-4A33936174A6}"/>
+          <p:cNvPr id="8" name="Content Placeholder 7" descr="A screen shot of a graph&#10;&#10;Description automatically generated">
+            <a:extLst>
+              <a:ext uri="{FF2B5EF4-FFF2-40B4-BE49-F238E27FC236}">
+                <a16:creationId xmlns:a16="http://schemas.microsoft.com/office/drawing/2014/main" id="{A0B1A35E-A334-301A-B2EB-F8722B422CA5}"/>
               </a:ext>
             </a:extLst>
           </p:cNvPr>
@@ -5045,15 +5144,51 @@
         </p:blipFill>
         <p:spPr>
           <a:xfrm>
-            <a:off x="4474143" y="1426176"/>
-            <a:ext cx="5801784" cy="4351338"/>
+            <a:off x="6096000" y="1544636"/>
+            <a:ext cx="5935733" cy="4582839"/>
           </a:xfrm>
+        </p:spPr>
+      </p:pic>
+      <p:pic>
+        <p:nvPicPr>
+          <p:cNvPr id="10" name="Picture 9" descr="A screen shot of a graph&#10;&#10;Description automatically generated">
+            <a:extLst>
+              <a:ext uri="{FF2B5EF4-FFF2-40B4-BE49-F238E27FC236}">
+                <a16:creationId xmlns:a16="http://schemas.microsoft.com/office/drawing/2014/main" id="{3C4F5454-F7C3-DAF0-2942-9B138E8F7FD5}"/>
+              </a:ext>
+            </a:extLst>
+          </p:cNvPr>
+          <p:cNvPicPr>
+            <a:picLocks noChangeAspect="1"/>
+          </p:cNvPicPr>
+          <p:nvPr/>
+        </p:nvPicPr>
+        <p:blipFill>
+          <a:blip r:embed="rId3">
+            <a:extLst>
+              <a:ext uri="{28A0092B-C50C-407E-A947-70E740481C1C}">
+                <a14:useLocalDpi xmlns:a14="http://schemas.microsoft.com/office/drawing/2010/main" val="0"/>
+              </a:ext>
+            </a:extLst>
+          </a:blip>
+          <a:stretch>
+            <a:fillRect/>
+          </a:stretch>
+        </p:blipFill>
+        <p:spPr>
+          <a:xfrm>
+            <a:off x="78018" y="1544637"/>
+            <a:ext cx="5822401" cy="4582839"/>
+          </a:xfrm>
+          <a:prstGeom prst="rect">
+            <a:avLst/>
+          </a:prstGeom>
         </p:spPr>
       </p:pic>
     </p:spTree>
     <p:extLst>
       <p:ext uri="{BB962C8B-B14F-4D97-AF65-F5344CB8AC3E}">
-        <p14:creationId xmlns:p14="http://schemas.microsoft.com/office/powerpoint/2010/main" val="700810837"/>
+        <p14:creationId xmlns:p14="http://schemas.microsoft.com/office/powerpoint/2010/main" val="1432437518"/>
       </p:ext>
     </p:extLst>
   </p:cSld>
@@ -5085,7 +5220,7 @@
           <p:cNvPr id="2" name="Title 1">
             <a:extLst>
               <a:ext uri="{FF2B5EF4-FFF2-40B4-BE49-F238E27FC236}">
-                <a16:creationId xmlns:a16="http://schemas.microsoft.com/office/drawing/2014/main" id="{AE4E6647-4207-7788-20D4-90A575DEF7D1}"/>
+                <a16:creationId xmlns:a16="http://schemas.microsoft.com/office/drawing/2014/main" id="{7131E7C2-5250-CD3A-B758-DA98D4F7850A}"/>
               </a:ext>
             </a:extLst>
           </p:cNvPr>
@@ -5110,10 +5245,10 @@
       </p:sp>
       <p:pic>
         <p:nvPicPr>
-          <p:cNvPr id="5" name="Content Placeholder 4" descr="A graph of a number of numbers&#10;&#10;Description automatically generated with medium confidence">
-            <a:extLst>
-              <a:ext uri="{FF2B5EF4-FFF2-40B4-BE49-F238E27FC236}">
-                <a16:creationId xmlns:a16="http://schemas.microsoft.com/office/drawing/2014/main" id="{75F03EE7-9011-F31D-0158-10E81B4D4461}"/>
+          <p:cNvPr id="7" name="Content Placeholder 6" descr="A graph with colorful lines and numbers&#10;&#10;Description automatically generated">
+            <a:extLst>
+              <a:ext uri="{FF2B5EF4-FFF2-40B4-BE49-F238E27FC236}">
+                <a16:creationId xmlns:a16="http://schemas.microsoft.com/office/drawing/2014/main" id="{7CEF5DDA-E79F-44F7-D5EC-F8D6D02AF8A2}"/>
               </a:ext>
             </a:extLst>
           </p:cNvPr>
@@ -5138,51 +5273,15 @@
         </p:blipFill>
         <p:spPr>
           <a:xfrm>
-            <a:off x="2832496" y="1825625"/>
-            <a:ext cx="6527007" cy="4351338"/>
+            <a:off x="2901951" y="88481"/>
+            <a:ext cx="8736550" cy="6769519"/>
           </a:xfrm>
-        </p:spPr>
-      </p:pic>
-      <p:pic>
-        <p:nvPicPr>
-          <p:cNvPr id="7" name="Picture 6" descr="A graph of a function&#10;&#10;Description automatically generated with medium confidence">
-            <a:extLst>
-              <a:ext uri="{FF2B5EF4-FFF2-40B4-BE49-F238E27FC236}">
-                <a16:creationId xmlns:a16="http://schemas.microsoft.com/office/drawing/2014/main" id="{186BF046-C4F9-FFFD-9DA4-342D235774F6}"/>
-              </a:ext>
-            </a:extLst>
-          </p:cNvPr>
-          <p:cNvPicPr>
-            <a:picLocks noChangeAspect="1"/>
-          </p:cNvPicPr>
-          <p:nvPr/>
-        </p:nvPicPr>
-        <p:blipFill>
-          <a:blip r:embed="rId3">
-            <a:extLst>
-              <a:ext uri="{28A0092B-C50C-407E-A947-70E740481C1C}">
-                <a14:useLocalDpi xmlns:a14="http://schemas.microsoft.com/office/drawing/2010/main" val="0"/>
-              </a:ext>
-            </a:extLst>
-          </a:blip>
-          <a:stretch>
-            <a:fillRect/>
-          </a:stretch>
-        </p:blipFill>
-        <p:spPr>
-          <a:xfrm>
-            <a:off x="2459254" y="268612"/>
-            <a:ext cx="9638637" cy="6425758"/>
-          </a:xfrm>
-          <a:prstGeom prst="rect">
-            <a:avLst/>
-          </a:prstGeom>
         </p:spPr>
       </p:pic>
     </p:spTree>
     <p:extLst>
       <p:ext uri="{BB962C8B-B14F-4D97-AF65-F5344CB8AC3E}">
-        <p14:creationId xmlns:p14="http://schemas.microsoft.com/office/powerpoint/2010/main" val="3143113504"/>
+        <p14:creationId xmlns:p14="http://schemas.microsoft.com/office/powerpoint/2010/main" val="700810837"/>
       </p:ext>
     </p:extLst>
   </p:cSld>
@@ -5214,7 +5313,7 @@
           <p:cNvPr id="2" name="Title 1">
             <a:extLst>
               <a:ext uri="{FF2B5EF4-FFF2-40B4-BE49-F238E27FC236}">
-                <a16:creationId xmlns:a16="http://schemas.microsoft.com/office/drawing/2014/main" id="{B797A52D-8C56-4CC5-48D0-88D222D029E4}"/>
+                <a16:creationId xmlns:a16="http://schemas.microsoft.com/office/drawing/2014/main" id="{AE4E6647-4207-7788-20D4-90A575DEF7D1}"/>
               </a:ext>
             </a:extLst>
           </p:cNvPr>
@@ -5232,398 +5331,50 @@
           <a:p>
             <a:r>
               <a:rPr lang="en-US" dirty="0"/>
-              <a:t>Run 5</a:t>
+              <a:t>Run 4</a:t>
             </a:r>
           </a:p>
         </p:txBody>
       </p:sp>
-      <mc:AlternateContent xmlns:mc="http://schemas.openxmlformats.org/markup-compatibility/2006" xmlns:a14="http://schemas.microsoft.com/office/drawing/2010/main">
-        <mc:Choice Requires="a14">
-          <p:sp>
-            <p:nvSpPr>
-              <p:cNvPr id="3" name="Content Placeholder 2">
-                <a:extLst>
-                  <a:ext uri="{FF2B5EF4-FFF2-40B4-BE49-F238E27FC236}">
-                    <a16:creationId xmlns:a16="http://schemas.microsoft.com/office/drawing/2014/main" id="{F567ADB7-F744-B166-BEF6-BB2549F8A4D4}"/>
-                  </a:ext>
-                </a:extLst>
-              </p:cNvPr>
-              <p:cNvSpPr>
-                <a:spLocks noGrp="1"/>
-              </p:cNvSpPr>
-              <p:nvPr>
-                <p:ph idx="1"/>
-              </p:nvPr>
-            </p:nvSpPr>
-            <p:spPr/>
-            <p:txBody>
-              <a:bodyPr/>
-              <a:lstStyle/>
-              <a:p>
-                <a14:m>
-                  <m:oMath xmlns:m="http://schemas.openxmlformats.org/officeDocument/2006/math">
-                    <m:r>
-                      <a:rPr lang="en-US" i="1" dirty="0" smtClean="0">
-                        <a:latin typeface="Cambria Math" panose="02040503050406030204" pitchFamily="18" charset="0"/>
-                      </a:rPr>
-                      <m:t>𝐿</m:t>
-                    </m:r>
-                    <m:r>
-                      <a:rPr lang="en-US" i="1" dirty="0" smtClean="0">
-                        <a:latin typeface="Cambria Math" panose="02040503050406030204" pitchFamily="18" charset="0"/>
-                      </a:rPr>
-                      <m:t>∈</m:t>
-                    </m:r>
-                    <m:r>
-                      <m:rPr>
-                        <m:lit/>
-                      </m:rPr>
-                      <a:rPr lang="en-US" i="1" dirty="0" smtClean="0">
-                        <a:latin typeface="Cambria Math" panose="02040503050406030204" pitchFamily="18" charset="0"/>
-                      </a:rPr>
-                      <m:t>{</m:t>
-                    </m:r>
-                    <m:r>
-                      <a:rPr lang="en-US" b="0" i="1" dirty="0" smtClean="0">
-                        <a:latin typeface="Cambria Math" panose="02040503050406030204" pitchFamily="18" charset="0"/>
-                      </a:rPr>
-                      <m:t>100</m:t>
-                    </m:r>
-                    <m:r>
-                      <a:rPr lang="en-US" i="1" dirty="0" smtClean="0">
-                        <a:latin typeface="Cambria Math" panose="02040503050406030204" pitchFamily="18" charset="0"/>
-                      </a:rPr>
-                      <m:t>,</m:t>
-                    </m:r>
-                    <m:r>
-                      <a:rPr lang="en-US" b="0" i="1" dirty="0" smtClean="0">
-                        <a:latin typeface="Cambria Math" panose="02040503050406030204" pitchFamily="18" charset="0"/>
-                      </a:rPr>
-                      <m:t>200</m:t>
-                    </m:r>
-                    <m:r>
-                      <a:rPr lang="en-US" i="1" dirty="0" smtClean="0">
-                        <a:latin typeface="Cambria Math" panose="02040503050406030204" pitchFamily="18" charset="0"/>
-                      </a:rPr>
-                      <m:t>,</m:t>
-                    </m:r>
-                    <m:r>
-                      <a:rPr lang="en-US" b="0" i="1" dirty="0" smtClean="0">
-                        <a:latin typeface="Cambria Math" panose="02040503050406030204" pitchFamily="18" charset="0"/>
-                      </a:rPr>
-                      <m:t>300,…</m:t>
-                    </m:r>
-                    <m:r>
-                      <a:rPr lang="en-US" i="1" dirty="0" smtClean="0">
-                        <a:latin typeface="Cambria Math" panose="02040503050406030204" pitchFamily="18" charset="0"/>
-                      </a:rPr>
-                      <m:t>,</m:t>
-                    </m:r>
-                    <m:r>
-                      <a:rPr lang="en-US" b="0" i="1" dirty="0" smtClean="0">
-                        <a:latin typeface="Cambria Math" panose="02040503050406030204" pitchFamily="18" charset="0"/>
-                      </a:rPr>
-                      <m:t>500</m:t>
-                    </m:r>
-                    <m:r>
-                      <m:rPr>
-                        <m:lit/>
-                      </m:rPr>
-                      <a:rPr lang="en-US" i="1" dirty="0" smtClean="0">
-                        <a:latin typeface="Cambria Math" panose="02040503050406030204" pitchFamily="18" charset="0"/>
-                      </a:rPr>
-                      <m:t>}</m:t>
-                    </m:r>
-                  </m:oMath>
-                </a14:m>
-                <a:endParaRPr lang="en-US" dirty="0"/>
-              </a:p>
-              <a:p>
-                <a14:m>
-                  <m:oMath xmlns:m="http://schemas.openxmlformats.org/officeDocument/2006/math">
-                    <m:r>
-                      <a:rPr lang="en-US" i="1" dirty="0" smtClean="0">
-                        <a:latin typeface="Cambria Math" panose="02040503050406030204" pitchFamily="18" charset="0"/>
-                      </a:rPr>
-                      <m:t>𝑐</m:t>
-                    </m:r>
-                    <m:r>
-                      <a:rPr lang="en-US" i="1" dirty="0" smtClean="0">
-                        <a:latin typeface="Cambria Math" panose="02040503050406030204" pitchFamily="18" charset="0"/>
-                      </a:rPr>
-                      <m:t>=16</m:t>
-                    </m:r>
-                  </m:oMath>
-                </a14:m>
-                <a:endParaRPr lang="en-US" dirty="0"/>
-              </a:p>
-              <a:p>
-                <a14:m>
-                  <m:oMath xmlns:m="http://schemas.openxmlformats.org/officeDocument/2006/math">
-                    <m:r>
-                      <a:rPr lang="en-US" i="1" dirty="0" smtClean="0">
-                        <a:latin typeface="Cambria Math" panose="02040503050406030204" pitchFamily="18" charset="0"/>
-                      </a:rPr>
-                      <m:t>𝑇</m:t>
-                    </m:r>
-                    <m:r>
-                      <a:rPr lang="en-US" i="1" dirty="0" smtClean="0">
-                        <a:latin typeface="Cambria Math" panose="02040503050406030204" pitchFamily="18" charset="0"/>
-                      </a:rPr>
-                      <m:t>=</m:t>
-                    </m:r>
-                    <m:r>
-                      <a:rPr lang="en-US" i="1" dirty="0" smtClean="0">
-                        <a:latin typeface="Cambria Math" panose="02040503050406030204" pitchFamily="18" charset="0"/>
-                      </a:rPr>
-                      <m:t>𝐿</m:t>
-                    </m:r>
-                  </m:oMath>
-                </a14:m>
-                <a:endParaRPr lang="en-US" dirty="0"/>
-              </a:p>
-              <a:p>
-                <a14:m>
-                  <m:oMath xmlns:m="http://schemas.openxmlformats.org/officeDocument/2006/math">
-                    <m:r>
-                      <a:rPr lang="en-US" i="1" dirty="0" smtClean="0">
-                        <a:latin typeface="Cambria Math" panose="02040503050406030204" pitchFamily="18" charset="0"/>
-                      </a:rPr>
-                      <m:t>𝑝</m:t>
-                    </m:r>
-                    <m:r>
-                      <a:rPr lang="en-US" i="1" dirty="0" smtClean="0">
-                        <a:latin typeface="Cambria Math" panose="02040503050406030204" pitchFamily="18" charset="0"/>
-                      </a:rPr>
-                      <m:t>∈{</m:t>
-                    </m:r>
-                    <m:sSup>
-                      <m:sSupPr>
-                        <m:ctrlPr>
-                          <a:rPr lang="en-US" b="0" i="1" dirty="0" smtClean="0">
-                            <a:latin typeface="Cambria Math" panose="02040503050406030204" pitchFamily="18" charset="0"/>
-                          </a:rPr>
-                        </m:ctrlPr>
-                      </m:sSupPr>
-                      <m:e>
-                        <m:r>
-                          <a:rPr lang="en-US" b="0" i="1" dirty="0" smtClean="0">
-                            <a:latin typeface="Cambria Math" panose="02040503050406030204" pitchFamily="18" charset="0"/>
-                          </a:rPr>
-                          <m:t>2</m:t>
-                        </m:r>
-                      </m:e>
-                      <m:sup>
-                        <m:r>
-                          <a:rPr lang="en-US" b="0" i="1" dirty="0" smtClean="0">
-                            <a:latin typeface="Cambria Math" panose="02040503050406030204" pitchFamily="18" charset="0"/>
-                          </a:rPr>
-                          <m:t>−1</m:t>
-                        </m:r>
-                      </m:sup>
-                    </m:sSup>
-                    <m:r>
-                      <a:rPr lang="en-US" b="0" i="1" dirty="0" smtClean="0">
-                        <a:latin typeface="Cambria Math" panose="02040503050406030204" pitchFamily="18" charset="0"/>
-                      </a:rPr>
-                      <m:t>,</m:t>
-                    </m:r>
-                    <m:sSup>
-                      <m:sSupPr>
-                        <m:ctrlPr>
-                          <a:rPr lang="en-US" b="0" i="1" dirty="0" smtClean="0">
-                            <a:latin typeface="Cambria Math" panose="02040503050406030204" pitchFamily="18" charset="0"/>
-                          </a:rPr>
-                        </m:ctrlPr>
-                      </m:sSupPr>
-                      <m:e>
-                        <m:r>
-                          <a:rPr lang="en-US" b="0" i="1" dirty="0" smtClean="0">
-                            <a:latin typeface="Cambria Math" panose="02040503050406030204" pitchFamily="18" charset="0"/>
-                          </a:rPr>
-                          <m:t>2</m:t>
-                        </m:r>
-                      </m:e>
-                      <m:sup>
-                        <m:r>
-                          <a:rPr lang="en-US" b="0" i="1" dirty="0" smtClean="0">
-                            <a:latin typeface="Cambria Math" panose="02040503050406030204" pitchFamily="18" charset="0"/>
-                          </a:rPr>
-                          <m:t>−2</m:t>
-                        </m:r>
-                      </m:sup>
-                    </m:sSup>
-                    <m:r>
-                      <a:rPr lang="en-US" b="0" i="1" dirty="0" smtClean="0">
-                        <a:latin typeface="Cambria Math" panose="02040503050406030204" pitchFamily="18" charset="0"/>
-                      </a:rPr>
-                      <m:t>,</m:t>
-                    </m:r>
-                    <m:sSup>
-                      <m:sSupPr>
-                        <m:ctrlPr>
-                          <a:rPr lang="en-US" b="0" i="1" dirty="0" smtClean="0">
-                            <a:latin typeface="Cambria Math" panose="02040503050406030204" pitchFamily="18" charset="0"/>
-                          </a:rPr>
-                        </m:ctrlPr>
-                      </m:sSupPr>
-                      <m:e>
-                        <m:r>
-                          <a:rPr lang="en-US" b="0" i="1" dirty="0" smtClean="0">
-                            <a:latin typeface="Cambria Math" panose="02040503050406030204" pitchFamily="18" charset="0"/>
-                          </a:rPr>
-                          <m:t>2</m:t>
-                        </m:r>
-                      </m:e>
-                      <m:sup>
-                        <m:r>
-                          <a:rPr lang="en-US" b="0" i="1" dirty="0" smtClean="0">
-                            <a:latin typeface="Cambria Math" panose="02040503050406030204" pitchFamily="18" charset="0"/>
-                          </a:rPr>
-                          <m:t>−3</m:t>
-                        </m:r>
-                      </m:sup>
-                    </m:sSup>
-                    <m:r>
-                      <a:rPr lang="en-US" b="0" i="1" dirty="0" smtClean="0">
-                        <a:latin typeface="Cambria Math" panose="02040503050406030204" pitchFamily="18" charset="0"/>
-                      </a:rPr>
-                      <m:t>,…,</m:t>
-                    </m:r>
-                    <m:sSup>
-                      <m:sSupPr>
-                        <m:ctrlPr>
-                          <a:rPr lang="en-US" b="0" i="1" dirty="0" smtClean="0">
-                            <a:latin typeface="Cambria Math" panose="02040503050406030204" pitchFamily="18" charset="0"/>
-                          </a:rPr>
-                        </m:ctrlPr>
-                      </m:sSupPr>
-                      <m:e>
-                        <m:r>
-                          <a:rPr lang="en-US" b="0" i="1" dirty="0" smtClean="0">
-                            <a:latin typeface="Cambria Math" panose="02040503050406030204" pitchFamily="18" charset="0"/>
-                          </a:rPr>
-                          <m:t>2</m:t>
-                        </m:r>
-                      </m:e>
-                      <m:sup>
-                        <m:r>
-                          <a:rPr lang="en-US" b="0" i="1" dirty="0" smtClean="0">
-                            <a:latin typeface="Cambria Math" panose="02040503050406030204" pitchFamily="18" charset="0"/>
-                          </a:rPr>
-                          <m:t>−10</m:t>
-                        </m:r>
-                      </m:sup>
-                    </m:sSup>
-                    <m:r>
-                      <m:rPr>
-                        <m:lit/>
-                      </m:rPr>
-                      <a:rPr lang="en-US" i="1" dirty="0" smtClean="0">
-                        <a:latin typeface="Cambria Math" panose="02040503050406030204" pitchFamily="18" charset="0"/>
-                      </a:rPr>
-                      <m:t>}</m:t>
-                    </m:r>
-                  </m:oMath>
-                </a14:m>
-                <a:endParaRPr lang="en-US" dirty="0"/>
-              </a:p>
-              <a:p>
-                <a14:m>
-                  <m:oMath xmlns:m="http://schemas.openxmlformats.org/officeDocument/2006/math">
-                    <m:r>
-                      <a:rPr lang="en-US" i="1" dirty="0" smtClean="0">
-                        <a:latin typeface="Cambria Math" panose="02040503050406030204" pitchFamily="18" charset="0"/>
-                      </a:rPr>
-                      <m:t>𝜂</m:t>
-                    </m:r>
-                    <m:r>
-                      <a:rPr lang="en-US" i="1" dirty="0" smtClean="0">
-                        <a:latin typeface="Cambria Math" panose="02040503050406030204" pitchFamily="18" charset="0"/>
-                      </a:rPr>
-                      <m:t>=0.1</m:t>
-                    </m:r>
-                  </m:oMath>
-                </a14:m>
-                <a:endParaRPr lang="en-US" dirty="0"/>
-              </a:p>
-              <a:p>
-                <a:r>
-                  <a:rPr lang="en-US" dirty="0"/>
-                  <a:t>10000 shots</a:t>
-                </a:r>
-              </a:p>
-              <a:p>
-                <a:r>
-                  <a:rPr lang="en-US"/>
-                  <a:t>4 hours, </a:t>
-                </a:r>
-                <a:r>
-                  <a:rPr lang="en-US" dirty="0"/>
-                  <a:t>8 CPUs per task</a:t>
-                </a:r>
-              </a:p>
-              <a:p>
-                <a:r>
-                  <a:rPr lang="en-US" dirty="0"/>
-                  <a:t>Record: final </a:t>
-                </a:r>
-                <a:r>
-                  <a:rPr lang="en-US" dirty="0" err="1"/>
-                  <a:t>anyon</a:t>
-                </a:r>
-                <a:r>
-                  <a:rPr lang="en-US" dirty="0"/>
-                  <a:t> density</a:t>
-                </a:r>
-              </a:p>
-            </p:txBody>
-          </p:sp>
-        </mc:Choice>
-        <mc:Fallback xmlns="">
-          <p:sp>
-            <p:nvSpPr>
-              <p:cNvPr id="3" name="Content Placeholder 2">
-                <a:extLst>
-                  <a:ext uri="{FF2B5EF4-FFF2-40B4-BE49-F238E27FC236}">
-                    <a16:creationId xmlns:a16="http://schemas.microsoft.com/office/drawing/2014/main" id="{F567ADB7-F744-B166-BEF6-BB2549F8A4D4}"/>
-                  </a:ext>
-                </a:extLst>
-              </p:cNvPr>
-              <p:cNvSpPr>
-                <a:spLocks noGrp="1" noRot="1" noChangeAspect="1" noMove="1" noResize="1" noEditPoints="1" noAdjustHandles="1" noChangeArrowheads="1" noChangeShapeType="1" noTextEdit="1"/>
-              </p:cNvSpPr>
-              <p:nvPr>
-                <p:ph idx="1"/>
-              </p:nvPr>
-            </p:nvSpPr>
-            <p:spPr>
-              <a:blipFill>
-                <a:blip r:embed="rId2"/>
-                <a:stretch>
-                  <a:fillRect l="-1043"/>
-                </a:stretch>
-              </a:blipFill>
-            </p:spPr>
-            <p:txBody>
-              <a:bodyPr/>
-              <a:lstStyle/>
-              <a:p>
-                <a:r>
-                  <a:rPr lang="en-US">
-                    <a:noFill/>
-                  </a:rPr>
-                  <a:t> </a:t>
-                </a:r>
-              </a:p>
-            </p:txBody>
-          </p:sp>
-        </mc:Fallback>
-      </mc:AlternateContent>
+      <p:pic>
+        <p:nvPicPr>
+          <p:cNvPr id="8" name="Content Placeholder 7" descr="A screenshot of a graph&#10;&#10;Description automatically generated">
+            <a:extLst>
+              <a:ext uri="{FF2B5EF4-FFF2-40B4-BE49-F238E27FC236}">
+                <a16:creationId xmlns:a16="http://schemas.microsoft.com/office/drawing/2014/main" id="{6A317005-5137-12EE-AE9F-434D242D0E7D}"/>
+              </a:ext>
+            </a:extLst>
+          </p:cNvPr>
+          <p:cNvPicPr>
+            <a:picLocks noGrp="1" noChangeAspect="1"/>
+          </p:cNvPicPr>
+          <p:nvPr>
+            <p:ph idx="1"/>
+          </p:nvPr>
+        </p:nvPicPr>
+        <p:blipFill>
+          <a:blip r:embed="rId2">
+            <a:extLst>
+              <a:ext uri="{28A0092B-C50C-407E-A947-70E740481C1C}">
+                <a14:useLocalDpi xmlns:a14="http://schemas.microsoft.com/office/drawing/2010/main" val="0"/>
+              </a:ext>
+            </a:extLst>
+          </a:blip>
+          <a:stretch>
+            <a:fillRect/>
+          </a:stretch>
+        </p:blipFill>
+        <p:spPr>
+          <a:xfrm>
+            <a:off x="2403334" y="182562"/>
+            <a:ext cx="9788666" cy="6492875"/>
+          </a:xfrm>
+        </p:spPr>
+      </p:pic>
     </p:spTree>
     <p:extLst>
       <p:ext uri="{BB962C8B-B14F-4D97-AF65-F5344CB8AC3E}">
-        <p14:creationId xmlns:p14="http://schemas.microsoft.com/office/powerpoint/2010/main" val="817566729"/>
+        <p14:creationId xmlns:p14="http://schemas.microsoft.com/office/powerpoint/2010/main" val="3143113504"/>
       </p:ext>
     </p:extLst>
   </p:cSld>
@@ -5673,7 +5424,15 @@
           <a:p>
             <a:r>
               <a:rPr lang="en-US" dirty="0"/>
-              <a:t>Run 6</a:t>
+              <a:t>Run 5 – </a:t>
+            </a:r>
+            <a:r>
+              <a:rPr lang="en-US" dirty="0" err="1"/>
+              <a:t>anyon</a:t>
+            </a:r>
+            <a:r>
+              <a:rPr lang="en-US" dirty="0"/>
+              <a:t> density</a:t>
             </a:r>
           </a:p>
         </p:txBody>
@@ -5704,13 +5463,13 @@
                 <a14:m>
                   <m:oMath xmlns:m="http://schemas.openxmlformats.org/officeDocument/2006/math">
                     <m:r>
-                      <a:rPr lang="en-US" i="1" dirty="0" smtClean="0">
-                        <a:latin typeface="Cambria Math" panose="02040503050406030204" pitchFamily="18" charset="0"/>
-                      </a:rPr>
-                      <m:t>𝐿</m:t>
-                    </m:r>
-                    <m:r>
-                      <a:rPr lang="en-US" i="1" dirty="0" smtClean="0">
+                      <a:rPr lang="en-US" b="1" i="1" dirty="0" smtClean="0">
+                        <a:latin typeface="Cambria Math" panose="02040503050406030204" pitchFamily="18" charset="0"/>
+                      </a:rPr>
+                      <m:t>𝑳</m:t>
+                    </m:r>
+                    <m:r>
+                      <a:rPr lang="en-US" b="1" i="1" dirty="0" smtClean="0">
                         <a:latin typeface="Cambria Math" panose="02040503050406030204" pitchFamily="18" charset="0"/>
                       </a:rPr>
                       <m:t>∈</m:t>
@@ -5719,43 +5478,80 @@
                       <m:rPr>
                         <m:lit/>
                       </m:rPr>
-                      <a:rPr lang="en-US" i="1" dirty="0" smtClean="0">
+                      <a:rPr lang="en-US" b="1" i="1" dirty="0" smtClean="0">
                         <a:latin typeface="Cambria Math" panose="02040503050406030204" pitchFamily="18" charset="0"/>
                       </a:rPr>
                       <m:t>{</m:t>
                     </m:r>
                     <m:r>
-                      <a:rPr lang="en-US" i="1" dirty="0" smtClean="0">
-                        <a:latin typeface="Cambria Math" panose="02040503050406030204" pitchFamily="18" charset="0"/>
-                      </a:rPr>
-                      <m:t>20,40,60</m:t>
-                    </m:r>
-                    <m:r>
-                      <a:rPr lang="en-US" b="0" i="1" dirty="0" smtClean="0">
-                        <a:latin typeface="Cambria Math" panose="02040503050406030204" pitchFamily="18" charset="0"/>
-                      </a:rPr>
-                      <m:t>,…</m:t>
-                    </m:r>
-                    <m:r>
-                      <a:rPr lang="en-US" i="1" dirty="0" smtClean="0">
+                      <a:rPr lang="en-US" b="1" i="1" dirty="0" smtClean="0">
+                        <a:latin typeface="Cambria Math" panose="02040503050406030204" pitchFamily="18" charset="0"/>
+                      </a:rPr>
+                      <m:t>𝟏𝟎𝟎</m:t>
+                    </m:r>
+                    <m:r>
+                      <a:rPr lang="en-US" b="1" i="1" dirty="0" smtClean="0">
                         <a:latin typeface="Cambria Math" panose="02040503050406030204" pitchFamily="18" charset="0"/>
                       </a:rPr>
                       <m:t>,</m:t>
                     </m:r>
                     <m:r>
-                      <a:rPr lang="en-US" b="0" i="1" dirty="0" smtClean="0">
-                        <a:latin typeface="Cambria Math" panose="02040503050406030204" pitchFamily="18" charset="0"/>
-                      </a:rPr>
-                      <m:t>100</m:t>
+                      <a:rPr lang="en-US" b="1" i="1" dirty="0" smtClean="0">
+                        <a:latin typeface="Cambria Math" panose="02040503050406030204" pitchFamily="18" charset="0"/>
+                      </a:rPr>
+                      <m:t>𝟐𝟎𝟎</m:t>
+                    </m:r>
+                    <m:r>
+                      <a:rPr lang="en-US" b="1" i="1" dirty="0" smtClean="0">
+                        <a:latin typeface="Cambria Math" panose="02040503050406030204" pitchFamily="18" charset="0"/>
+                      </a:rPr>
+                      <m:t>,</m:t>
+                    </m:r>
+                    <m:r>
+                      <a:rPr lang="en-US" b="1" i="1" dirty="0" smtClean="0">
+                        <a:latin typeface="Cambria Math" panose="02040503050406030204" pitchFamily="18" charset="0"/>
+                      </a:rPr>
+                      <m:t>𝟑𝟎𝟎</m:t>
+                    </m:r>
+                    <m:r>
+                      <a:rPr lang="en-US" b="1" i="1" dirty="0" smtClean="0">
+                        <a:latin typeface="Cambria Math" panose="02040503050406030204" pitchFamily="18" charset="0"/>
+                      </a:rPr>
+                      <m:t>,…,</m:t>
+                    </m:r>
+                    <m:r>
+                      <a:rPr lang="en-US" b="1" i="1" dirty="0" smtClean="0">
+                        <a:latin typeface="Cambria Math" panose="02040503050406030204" pitchFamily="18" charset="0"/>
+                      </a:rPr>
+                      <m:t>𝟓𝟎𝟎</m:t>
                     </m:r>
                     <m:r>
                       <m:rPr>
                         <m:lit/>
                       </m:rPr>
+                      <a:rPr lang="en-US" b="1" i="1" dirty="0" smtClean="0">
+                        <a:latin typeface="Cambria Math" panose="02040503050406030204" pitchFamily="18" charset="0"/>
+                      </a:rPr>
+                      <m:t>}</m:t>
+                    </m:r>
+                  </m:oMath>
+                </a14:m>
+                <a:endParaRPr lang="en-US" b="1" dirty="0"/>
+              </a:p>
+              <a:p>
+                <a14:m>
+                  <m:oMath xmlns:m="http://schemas.openxmlformats.org/officeDocument/2006/math">
+                    <m:r>
                       <a:rPr lang="en-US" i="1" dirty="0" smtClean="0">
                         <a:latin typeface="Cambria Math" panose="02040503050406030204" pitchFamily="18" charset="0"/>
                       </a:rPr>
-                      <m:t>}</m:t>
+                      <m:t>𝑐</m:t>
+                    </m:r>
+                    <m:r>
+                      <a:rPr lang="en-US" i="1" dirty="0" smtClean="0">
+                        <a:latin typeface="Cambria Math" panose="02040503050406030204" pitchFamily="18" charset="0"/>
+                      </a:rPr>
+                      <m:t>=16</m:t>
                     </m:r>
                   </m:oMath>
                 </a14:m>
@@ -5768,13 +5564,19 @@
                       <a:rPr lang="en-US" i="1" dirty="0" smtClean="0">
                         <a:latin typeface="Cambria Math" panose="02040503050406030204" pitchFamily="18" charset="0"/>
                       </a:rPr>
-                      <m:t>𝑐</m:t>
+                      <m:t>𝑇</m:t>
                     </m:r>
                     <m:r>
                       <a:rPr lang="en-US" i="1" dirty="0" smtClean="0">
                         <a:latin typeface="Cambria Math" panose="02040503050406030204" pitchFamily="18" charset="0"/>
                       </a:rPr>
-                      <m:t>=16</m:t>
+                      <m:t>=</m:t>
+                    </m:r>
+                    <m:r>
+                      <a:rPr lang="en-US" i="1" dirty="0" smtClean="0">
+                        <a:latin typeface="Cambria Math" panose="02040503050406030204" pitchFamily="18" charset="0"/>
+                      </a:rPr>
+                      <m:t>𝐿</m:t>
                     </m:r>
                   </m:oMath>
                 </a14:m>
@@ -5784,60 +5586,171 @@
                 <a14:m>
                   <m:oMath xmlns:m="http://schemas.openxmlformats.org/officeDocument/2006/math">
                     <m:r>
-                      <a:rPr lang="en-US" i="1" dirty="0" smtClean="0">
-                        <a:latin typeface="Cambria Math" panose="02040503050406030204" pitchFamily="18" charset="0"/>
-                      </a:rPr>
-                      <m:t>𝑇</m:t>
-                    </m:r>
-                    <m:r>
-                      <a:rPr lang="en-US" i="1" dirty="0" smtClean="0">
-                        <a:latin typeface="Cambria Math" panose="02040503050406030204" pitchFamily="18" charset="0"/>
-                      </a:rPr>
-                      <m:t>=</m:t>
-                    </m:r>
-                    <m:r>
-                      <a:rPr lang="en-US" i="1" dirty="0" smtClean="0">
-                        <a:latin typeface="Cambria Math" panose="02040503050406030204" pitchFamily="18" charset="0"/>
-                      </a:rPr>
-                      <m:t>𝐿</m:t>
-                    </m:r>
-                  </m:oMath>
-                </a14:m>
-                <a:endParaRPr lang="en-US" dirty="0"/>
-              </a:p>
-              <a:p>
-                <a14:m>
-                  <m:oMath xmlns:m="http://schemas.openxmlformats.org/officeDocument/2006/math">
-                    <m:r>
-                      <a:rPr lang="en-US" i="1" dirty="0" smtClean="0">
-                        <a:latin typeface="Cambria Math" panose="02040503050406030204" pitchFamily="18" charset="0"/>
-                      </a:rPr>
-                      <m:t>𝑝</m:t>
-                    </m:r>
-                    <m:r>
-                      <a:rPr lang="en-US" i="1" dirty="0" smtClean="0">
-                        <a:latin typeface="Cambria Math" panose="02040503050406030204" pitchFamily="18" charset="0"/>
-                      </a:rPr>
-                      <m:t>∈{0.00</m:t>
-                    </m:r>
-                    <m:r>
-                      <a:rPr lang="en-US" b="0" i="1" dirty="0" smtClean="0">
-                        <a:latin typeface="Cambria Math" panose="02040503050406030204" pitchFamily="18" charset="0"/>
-                      </a:rPr>
-                      <m:t>1,0.002,0.003,…,0.010</m:t>
-                    </m:r>
+                      <a:rPr lang="en-US" b="1" i="1" dirty="0" smtClean="0">
+                        <a:latin typeface="Cambria Math" panose="02040503050406030204" pitchFamily="18" charset="0"/>
+                      </a:rPr>
+                      <m:t>𝒑</m:t>
+                    </m:r>
+                    <m:r>
+                      <a:rPr lang="en-US" b="1" i="1" dirty="0" smtClean="0">
+                        <a:latin typeface="Cambria Math" panose="02040503050406030204" pitchFamily="18" charset="0"/>
+                      </a:rPr>
+                      <m:t>∈{</m:t>
+                    </m:r>
+                    <m:sSup>
+                      <m:sSupPr>
+                        <m:ctrlPr>
+                          <a:rPr lang="en-US" b="1" i="1" dirty="0" smtClean="0">
+                            <a:latin typeface="Cambria Math" panose="02040503050406030204" pitchFamily="18" charset="0"/>
+                          </a:rPr>
+                        </m:ctrlPr>
+                      </m:sSupPr>
+                      <m:e>
+                        <m:r>
+                          <a:rPr lang="en-US" b="1" i="1" dirty="0" smtClean="0">
+                            <a:latin typeface="Cambria Math" panose="02040503050406030204" pitchFamily="18" charset="0"/>
+                          </a:rPr>
+                          <m:t>𝟐</m:t>
+                        </m:r>
+                      </m:e>
+                      <m:sup>
+                        <m:r>
+                          <a:rPr lang="en-US" b="1" i="1" dirty="0" smtClean="0">
+                            <a:latin typeface="Cambria Math" panose="02040503050406030204" pitchFamily="18" charset="0"/>
+                          </a:rPr>
+                          <m:t>−</m:t>
+                        </m:r>
+                        <m:r>
+                          <a:rPr lang="en-US" b="1" i="1" dirty="0" smtClean="0">
+                            <a:latin typeface="Cambria Math" panose="02040503050406030204" pitchFamily="18" charset="0"/>
+                          </a:rPr>
+                          <m:t>𝟏</m:t>
+                        </m:r>
+                      </m:sup>
+                    </m:sSup>
+                    <m:r>
+                      <a:rPr lang="en-US" b="1" i="1" dirty="0" smtClean="0">
+                        <a:latin typeface="Cambria Math" panose="02040503050406030204" pitchFamily="18" charset="0"/>
+                      </a:rPr>
+                      <m:t>,</m:t>
+                    </m:r>
+                    <m:sSup>
+                      <m:sSupPr>
+                        <m:ctrlPr>
+                          <a:rPr lang="en-US" b="1" i="1" dirty="0" smtClean="0">
+                            <a:latin typeface="Cambria Math" panose="02040503050406030204" pitchFamily="18" charset="0"/>
+                          </a:rPr>
+                        </m:ctrlPr>
+                      </m:sSupPr>
+                      <m:e>
+                        <m:r>
+                          <a:rPr lang="en-US" b="1" i="1" dirty="0" smtClean="0">
+                            <a:latin typeface="Cambria Math" panose="02040503050406030204" pitchFamily="18" charset="0"/>
+                          </a:rPr>
+                          <m:t>𝟐</m:t>
+                        </m:r>
+                      </m:e>
+                      <m:sup>
+                        <m:r>
+                          <a:rPr lang="en-US" b="1" i="1" dirty="0" smtClean="0">
+                            <a:latin typeface="Cambria Math" panose="02040503050406030204" pitchFamily="18" charset="0"/>
+                          </a:rPr>
+                          <m:t>−</m:t>
+                        </m:r>
+                        <m:r>
+                          <a:rPr lang="en-US" b="1" i="1" dirty="0" smtClean="0">
+                            <a:latin typeface="Cambria Math" panose="02040503050406030204" pitchFamily="18" charset="0"/>
+                          </a:rPr>
+                          <m:t>𝟐</m:t>
+                        </m:r>
+                      </m:sup>
+                    </m:sSup>
+                    <m:r>
+                      <a:rPr lang="en-US" b="1" i="1" dirty="0" smtClean="0">
+                        <a:latin typeface="Cambria Math" panose="02040503050406030204" pitchFamily="18" charset="0"/>
+                      </a:rPr>
+                      <m:t>,</m:t>
+                    </m:r>
+                    <m:sSup>
+                      <m:sSupPr>
+                        <m:ctrlPr>
+                          <a:rPr lang="en-US" b="1" i="1" dirty="0" smtClean="0">
+                            <a:latin typeface="Cambria Math" panose="02040503050406030204" pitchFamily="18" charset="0"/>
+                          </a:rPr>
+                        </m:ctrlPr>
+                      </m:sSupPr>
+                      <m:e>
+                        <m:r>
+                          <a:rPr lang="en-US" b="1" i="1" dirty="0" smtClean="0">
+                            <a:latin typeface="Cambria Math" panose="02040503050406030204" pitchFamily="18" charset="0"/>
+                          </a:rPr>
+                          <m:t>𝟐</m:t>
+                        </m:r>
+                      </m:e>
+                      <m:sup>
+                        <m:r>
+                          <a:rPr lang="en-US" b="1" i="1" dirty="0" smtClean="0">
+                            <a:latin typeface="Cambria Math" panose="02040503050406030204" pitchFamily="18" charset="0"/>
+                          </a:rPr>
+                          <m:t>−</m:t>
+                        </m:r>
+                        <m:r>
+                          <a:rPr lang="en-US" b="1" i="1" dirty="0" smtClean="0">
+                            <a:latin typeface="Cambria Math" panose="02040503050406030204" pitchFamily="18" charset="0"/>
+                          </a:rPr>
+                          <m:t>𝟑</m:t>
+                        </m:r>
+                      </m:sup>
+                    </m:sSup>
+                    <m:r>
+                      <a:rPr lang="en-US" b="1" i="1" dirty="0" smtClean="0">
+                        <a:latin typeface="Cambria Math" panose="02040503050406030204" pitchFamily="18" charset="0"/>
+                      </a:rPr>
+                      <m:t>,…,</m:t>
+                    </m:r>
+                    <m:sSup>
+                      <m:sSupPr>
+                        <m:ctrlPr>
+                          <a:rPr lang="en-US" b="1" i="1" dirty="0" smtClean="0">
+                            <a:latin typeface="Cambria Math" panose="02040503050406030204" pitchFamily="18" charset="0"/>
+                          </a:rPr>
+                        </m:ctrlPr>
+                      </m:sSupPr>
+                      <m:e>
+                        <m:r>
+                          <a:rPr lang="en-US" b="1" i="1" dirty="0" smtClean="0">
+                            <a:latin typeface="Cambria Math" panose="02040503050406030204" pitchFamily="18" charset="0"/>
+                          </a:rPr>
+                          <m:t>𝟐</m:t>
+                        </m:r>
+                      </m:e>
+                      <m:sup>
+                        <m:r>
+                          <a:rPr lang="en-US" b="1" i="1" dirty="0" smtClean="0">
+                            <a:latin typeface="Cambria Math" panose="02040503050406030204" pitchFamily="18" charset="0"/>
+                          </a:rPr>
+                          <m:t>−</m:t>
+                        </m:r>
+                        <m:r>
+                          <a:rPr lang="en-US" b="1" i="1" dirty="0" smtClean="0">
+                            <a:latin typeface="Cambria Math" panose="02040503050406030204" pitchFamily="18" charset="0"/>
+                          </a:rPr>
+                          <m:t>𝟏𝟎</m:t>
+                        </m:r>
+                      </m:sup>
+                    </m:sSup>
                     <m:r>
                       <m:rPr>
                         <m:lit/>
                       </m:rPr>
-                      <a:rPr lang="en-US" i="1" dirty="0" smtClean="0">
+                      <a:rPr lang="en-US" b="1" i="1" dirty="0" smtClean="0">
                         <a:latin typeface="Cambria Math" panose="02040503050406030204" pitchFamily="18" charset="0"/>
                       </a:rPr>
                       <m:t>}</m:t>
                     </m:r>
                   </m:oMath>
                 </a14:m>
-                <a:endParaRPr lang="en-US" dirty="0"/>
+                <a:endParaRPr lang="en-US" b="1" dirty="0"/>
               </a:p>
               <a:p>
                 <a14:m>
@@ -5861,27 +5774,13 @@
               <a:p>
                 <a:r>
                   <a:rPr lang="en-US" dirty="0"/>
-                  <a:t>100,000 shots</a:t>
+                  <a:t>10000 shots</a:t>
                 </a:r>
               </a:p>
               <a:p>
                 <a:r>
                   <a:rPr lang="en-US" dirty="0"/>
-                  <a:t>4 hours, 8 CPUs per task</a:t>
-                </a:r>
-              </a:p>
-              <a:p>
-                <a:r>
-                  <a:rPr lang="en-US" dirty="0"/>
-                  <a:t>Record: failure rate, </a:t>
-                </a:r>
-                <a:r>
-                  <a:rPr lang="en-US" dirty="0" err="1"/>
-                  <a:t>anyon</a:t>
-                </a:r>
-                <a:r>
-                  <a:rPr lang="en-US" dirty="0"/>
-                  <a:t> density over time.</a:t>
+                  <a:t>4 hours, 8 CPUs / task</a:t>
                 </a:r>
               </a:p>
             </p:txBody>
@@ -5927,10 +5826,262 @@
           </p:sp>
         </mc:Fallback>
       </mc:AlternateContent>
+      <p:pic>
+        <p:nvPicPr>
+          <p:cNvPr id="7" name="Picture 6">
+            <a:extLst>
+              <a:ext uri="{FF2B5EF4-FFF2-40B4-BE49-F238E27FC236}">
+                <a16:creationId xmlns:a16="http://schemas.microsoft.com/office/drawing/2014/main" id="{DE0EB914-3428-2226-016C-3D0FDC24DD48}"/>
+              </a:ext>
+            </a:extLst>
+          </p:cNvPr>
+          <p:cNvPicPr>
+            <a:picLocks noChangeAspect="1"/>
+          </p:cNvPicPr>
+          <p:nvPr/>
+        </p:nvPicPr>
+        <p:blipFill>
+          <a:blip r:embed="rId3"/>
+          <a:stretch>
+            <a:fillRect/>
+          </a:stretch>
+        </p:blipFill>
+        <p:spPr>
+          <a:xfrm>
+            <a:off x="5607051" y="1808070"/>
+            <a:ext cx="6584950" cy="4986429"/>
+          </a:xfrm>
+          <a:prstGeom prst="rect">
+            <a:avLst/>
+          </a:prstGeom>
+        </p:spPr>
+      </p:pic>
     </p:spTree>
     <p:extLst>
       <p:ext uri="{BB962C8B-B14F-4D97-AF65-F5344CB8AC3E}">
-        <p14:creationId xmlns:p14="http://schemas.microsoft.com/office/powerpoint/2010/main" val="2157572792"/>
+        <p14:creationId xmlns:p14="http://schemas.microsoft.com/office/powerpoint/2010/main" val="817566729"/>
+      </p:ext>
+    </p:extLst>
+  </p:cSld>
+  <p:clrMapOvr>
+    <a:masterClrMapping/>
+  </p:clrMapOvr>
+</p:sld>
+</file>
+
+<file path=ppt/slides/slide18.xml><?xml version="1.0" encoding="utf-8"?>
+<p:sld xmlns:a="http://schemas.openxmlformats.org/drawingml/2006/main" xmlns:r="http://schemas.openxmlformats.org/officeDocument/2006/relationships" xmlns:p="http://schemas.openxmlformats.org/presentationml/2006/main">
+  <p:cSld>
+    <p:spTree>
+      <p:nvGrpSpPr>
+        <p:cNvPr id="1" name=""/>
+        <p:cNvGrpSpPr/>
+        <p:nvPr/>
+      </p:nvGrpSpPr>
+      <p:grpSpPr>
+        <a:xfrm>
+          <a:off x="0" y="0"/>
+          <a:ext cx="0" cy="0"/>
+          <a:chOff x="0" y="0"/>
+          <a:chExt cx="0" cy="0"/>
+        </a:xfrm>
+      </p:grpSpPr>
+      <p:sp>
+        <p:nvSpPr>
+          <p:cNvPr id="2" name="Title 1">
+            <a:extLst>
+              <a:ext uri="{FF2B5EF4-FFF2-40B4-BE49-F238E27FC236}">
+                <a16:creationId xmlns:a16="http://schemas.microsoft.com/office/drawing/2014/main" id="{6E1BF6DF-0C8A-C94F-B1D0-930EE558E982}"/>
+              </a:ext>
+            </a:extLst>
+          </p:cNvPr>
+          <p:cNvSpPr>
+            <a:spLocks noGrp="1"/>
+          </p:cNvSpPr>
+          <p:nvPr>
+            <p:ph type="title"/>
+          </p:nvPr>
+        </p:nvSpPr>
+        <p:spPr/>
+        <p:txBody>
+          <a:bodyPr/>
+          <a:lstStyle/>
+          <a:p>
+            <a:r>
+              <a:rPr lang="en-US" dirty="0"/>
+              <a:t>Run 5</a:t>
+            </a:r>
+          </a:p>
+        </p:txBody>
+      </p:sp>
+      <p:pic>
+        <p:nvPicPr>
+          <p:cNvPr id="5" name="Content Placeholder 4" descr="A screenshot of a computer screen&#10;&#10;Description automatically generated">
+            <a:extLst>
+              <a:ext uri="{FF2B5EF4-FFF2-40B4-BE49-F238E27FC236}">
+                <a16:creationId xmlns:a16="http://schemas.microsoft.com/office/drawing/2014/main" id="{445C9535-098E-1AD7-F1FF-A7D49E88F6C2}"/>
+              </a:ext>
+            </a:extLst>
+          </p:cNvPr>
+          <p:cNvPicPr>
+            <a:picLocks noGrp="1" noChangeAspect="1"/>
+          </p:cNvPicPr>
+          <p:nvPr>
+            <p:ph idx="1"/>
+          </p:nvPr>
+        </p:nvPicPr>
+        <p:blipFill>
+          <a:blip r:embed="rId2">
+            <a:extLst>
+              <a:ext uri="{28A0092B-C50C-407E-A947-70E740481C1C}">
+                <a14:useLocalDpi xmlns:a14="http://schemas.microsoft.com/office/drawing/2010/main" val="0"/>
+              </a:ext>
+            </a:extLst>
+          </a:blip>
+          <a:stretch>
+            <a:fillRect/>
+          </a:stretch>
+        </p:blipFill>
+        <p:spPr>
+          <a:xfrm>
+            <a:off x="61387" y="2692400"/>
+            <a:ext cx="12069225" cy="2717800"/>
+          </a:xfrm>
+        </p:spPr>
+      </p:pic>
+    </p:spTree>
+    <p:extLst>
+      <p:ext uri="{BB962C8B-B14F-4D97-AF65-F5344CB8AC3E}">
+        <p14:creationId xmlns:p14="http://schemas.microsoft.com/office/powerpoint/2010/main" val="3499898180"/>
+      </p:ext>
+    </p:extLst>
+  </p:cSld>
+  <p:clrMapOvr>
+    <a:masterClrMapping/>
+  </p:clrMapOvr>
+</p:sld>
+</file>
+
+<file path=ppt/slides/slide19.xml><?xml version="1.0" encoding="utf-8"?>
+<p:sld xmlns:a="http://schemas.openxmlformats.org/drawingml/2006/main" xmlns:r="http://schemas.openxmlformats.org/officeDocument/2006/relationships" xmlns:p="http://schemas.openxmlformats.org/presentationml/2006/main">
+  <p:cSld>
+    <p:spTree>
+      <p:nvGrpSpPr>
+        <p:cNvPr id="1" name=""/>
+        <p:cNvGrpSpPr/>
+        <p:nvPr/>
+      </p:nvGrpSpPr>
+      <p:grpSpPr>
+        <a:xfrm>
+          <a:off x="0" y="0"/>
+          <a:ext cx="0" cy="0"/>
+          <a:chOff x="0" y="0"/>
+          <a:chExt cx="0" cy="0"/>
+        </a:xfrm>
+      </p:grpSpPr>
+      <p:sp>
+        <p:nvSpPr>
+          <p:cNvPr id="2" name="Title 1">
+            <a:extLst>
+              <a:ext uri="{FF2B5EF4-FFF2-40B4-BE49-F238E27FC236}">
+                <a16:creationId xmlns:a16="http://schemas.microsoft.com/office/drawing/2014/main" id="{DD1C56AE-B0AC-FCC0-7593-479D26A8F584}"/>
+              </a:ext>
+            </a:extLst>
+          </p:cNvPr>
+          <p:cNvSpPr>
+            <a:spLocks noGrp="1"/>
+          </p:cNvSpPr>
+          <p:nvPr>
+            <p:ph type="title"/>
+          </p:nvPr>
+        </p:nvSpPr>
+        <p:spPr/>
+        <p:txBody>
+          <a:bodyPr/>
+          <a:lstStyle/>
+          <a:p>
+            <a:r>
+              <a:rPr lang="en-US" dirty="0"/>
+              <a:t>Run 5</a:t>
+            </a:r>
+          </a:p>
+        </p:txBody>
+      </p:sp>
+      <p:pic>
+        <p:nvPicPr>
+          <p:cNvPr id="5" name="Content Placeholder 4" descr="A graph with blue and orange lines&#10;&#10;Description automatically generated">
+            <a:extLst>
+              <a:ext uri="{FF2B5EF4-FFF2-40B4-BE49-F238E27FC236}">
+                <a16:creationId xmlns:a16="http://schemas.microsoft.com/office/drawing/2014/main" id="{B2A8BCB7-7630-73B3-47D6-9E12E4C324CD}"/>
+              </a:ext>
+            </a:extLst>
+          </p:cNvPr>
+          <p:cNvPicPr>
+            <a:picLocks noGrp="1" noChangeAspect="1"/>
+          </p:cNvPicPr>
+          <p:nvPr>
+            <p:ph idx="1"/>
+          </p:nvPr>
+        </p:nvPicPr>
+        <p:blipFill>
+          <a:blip r:embed="rId2">
+            <a:extLst>
+              <a:ext uri="{28A0092B-C50C-407E-A947-70E740481C1C}">
+                <a14:useLocalDpi xmlns:a14="http://schemas.microsoft.com/office/drawing/2010/main" val="0"/>
+              </a:ext>
+            </a:extLst>
+          </a:blip>
+          <a:stretch>
+            <a:fillRect/>
+          </a:stretch>
+        </p:blipFill>
+        <p:spPr>
+          <a:xfrm>
+            <a:off x="0" y="1196423"/>
+            <a:ext cx="5858473" cy="4611232"/>
+          </a:xfrm>
+        </p:spPr>
+      </p:pic>
+      <p:pic>
+        <p:nvPicPr>
+          <p:cNvPr id="7" name="Picture 6" descr="A graph on a black background&#10;&#10;Description automatically generated">
+            <a:extLst>
+              <a:ext uri="{FF2B5EF4-FFF2-40B4-BE49-F238E27FC236}">
+                <a16:creationId xmlns:a16="http://schemas.microsoft.com/office/drawing/2014/main" id="{19F83320-41BE-5596-DE71-4EBD5AF70DF8}"/>
+              </a:ext>
+            </a:extLst>
+          </p:cNvPr>
+          <p:cNvPicPr>
+            <a:picLocks noChangeAspect="1"/>
+          </p:cNvPicPr>
+          <p:nvPr/>
+        </p:nvPicPr>
+        <p:blipFill>
+          <a:blip r:embed="rId3">
+            <a:extLst>
+              <a:ext uri="{28A0092B-C50C-407E-A947-70E740481C1C}">
+                <a14:useLocalDpi xmlns:a14="http://schemas.microsoft.com/office/drawing/2010/main" val="0"/>
+              </a:ext>
+            </a:extLst>
+          </a:blip>
+          <a:stretch>
+            <a:fillRect/>
+          </a:stretch>
+        </p:blipFill>
+        <p:spPr>
+          <a:xfrm>
+            <a:off x="6172200" y="1196423"/>
+            <a:ext cx="5858473" cy="4611232"/>
+          </a:xfrm>
+          <a:prstGeom prst="rect">
+            <a:avLst/>
+          </a:prstGeom>
+        </p:spPr>
+      </p:pic>
+    </p:spTree>
+    <p:extLst>
+      <p:ext uri="{BB962C8B-B14F-4D97-AF65-F5344CB8AC3E}">
+        <p14:creationId xmlns:p14="http://schemas.microsoft.com/office/powerpoint/2010/main" val="723466150"/>
       </p:ext>
     </p:extLst>
   </p:cSld>
@@ -5962,7 +6113,7 @@
           <p:cNvPr id="2" name="Title 1">
             <a:extLst>
               <a:ext uri="{FF2B5EF4-FFF2-40B4-BE49-F238E27FC236}">
-                <a16:creationId xmlns:a16="http://schemas.microsoft.com/office/drawing/2014/main" id="{89B55B7C-E959-6E5B-8FF2-2171A00BBA90}"/>
+                <a16:creationId xmlns:a16="http://schemas.microsoft.com/office/drawing/2014/main" id="{14B3A9D8-17AD-BFAA-9008-C960B71F8070}"/>
               </a:ext>
             </a:extLst>
           </p:cNvPr>
@@ -5980,13 +6131,1256 @@
           <a:p>
             <a:r>
               <a:rPr lang="en-US" dirty="0"/>
-              <a:t>Run 1</a:t>
+              <a:t>Algorithm</a:t>
             </a:r>
           </a:p>
         </p:txBody>
       </p:sp>
-      <mc:AlternateContent xmlns:mc="http://schemas.openxmlformats.org/markup-compatibility/2006" xmlns:a14="http://schemas.microsoft.com/office/drawing/2010/main">
-        <mc:Choice Requires="a14">
+      <mc:AlternateContent xmlns:mc="http://schemas.openxmlformats.org/markup-compatibility/2006">
+        <mc:Choice xmlns:a14="http://schemas.microsoft.com/office/drawing/2010/main" Requires="a14">
+          <p:sp>
+            <p:nvSpPr>
+              <p:cNvPr id="3" name="Content Placeholder 2">
+                <a:extLst>
+                  <a:ext uri="{FF2B5EF4-FFF2-40B4-BE49-F238E27FC236}">
+                    <a16:creationId xmlns:a16="http://schemas.microsoft.com/office/drawing/2014/main" id="{2BBFDCB2-EE3F-2470-4A15-029CFBFCEA68}"/>
+                  </a:ext>
+                </a:extLst>
+              </p:cNvPr>
+              <p:cNvSpPr>
+                <a:spLocks noGrp="1"/>
+              </p:cNvSpPr>
+              <p:nvPr>
+                <p:ph idx="1"/>
+              </p:nvPr>
+            </p:nvSpPr>
+            <p:spPr/>
+            <p:txBody>
+              <a:bodyPr/>
+              <a:lstStyle/>
+              <a:p>
+                <a:r>
+                  <a:rPr lang="en-US" dirty="0"/>
+                  <a:t>Initialize an </a:t>
+                </a:r>
+                <a14:m>
+                  <m:oMath xmlns:m="http://schemas.openxmlformats.org/officeDocument/2006/math">
+                    <m:r>
+                      <a:rPr lang="en-US" b="0" i="1" smtClean="0">
+                        <a:latin typeface="Cambria Math" panose="02040503050406030204" pitchFamily="18" charset="0"/>
+                      </a:rPr>
+                      <m:t>𝐿</m:t>
+                    </m:r>
+                    <m:r>
+                      <a:rPr lang="en-US" b="0" i="1" smtClean="0">
+                        <a:latin typeface="Cambria Math" panose="02040503050406030204" pitchFamily="18" charset="0"/>
+                      </a:rPr>
+                      <m:t>×</m:t>
+                    </m:r>
+                    <m:r>
+                      <a:rPr lang="en-US" b="0" i="1" smtClean="0">
+                        <a:latin typeface="Cambria Math" panose="02040503050406030204" pitchFamily="18" charset="0"/>
+                      </a:rPr>
+                      <m:t>𝐿</m:t>
+                    </m:r>
+                  </m:oMath>
+                </a14:m>
+                <a:r>
+                  <a:rPr lang="en-US" dirty="0"/>
+                  <a:t> state, with error rate </a:t>
+                </a:r>
+                <a14:m>
+                  <m:oMath xmlns:m="http://schemas.openxmlformats.org/officeDocument/2006/math">
+                    <m:r>
+                      <a:rPr lang="en-US" b="0" i="1" smtClean="0">
+                        <a:latin typeface="Cambria Math" panose="02040503050406030204" pitchFamily="18" charset="0"/>
+                      </a:rPr>
+                      <m:t>𝑝</m:t>
+                    </m:r>
+                  </m:oMath>
+                </a14:m>
+                <a:endParaRPr lang="en-US" dirty="0"/>
+              </a:p>
+              <a:p>
+                <a:r>
+                  <a:rPr lang="en-US" dirty="0"/>
+                  <a:t>Repeat </a:t>
+                </a:r>
+                <a14:m>
+                  <m:oMath xmlns:m="http://schemas.openxmlformats.org/officeDocument/2006/math">
+                    <m:r>
+                      <a:rPr lang="en-US" b="0" i="1" smtClean="0">
+                        <a:latin typeface="Cambria Math" panose="02040503050406030204" pitchFamily="18" charset="0"/>
+                      </a:rPr>
+                      <m:t>𝑇</m:t>
+                    </m:r>
+                  </m:oMath>
+                </a14:m>
+                <a:r>
+                  <a:rPr lang="en-US" dirty="0"/>
+                  <a:t> times:</a:t>
+                </a:r>
+              </a:p>
+              <a:p>
+                <a:pPr marL="914400" lvl="1" indent="-457200">
+                  <a:buFont typeface="+mj-lt"/>
+                  <a:buAutoNum type="arabicPeriod"/>
+                </a:pPr>
+                <a:r>
+                  <a:rPr lang="en-US" dirty="0"/>
+                  <a:t>Run one step of the </a:t>
+                </a:r>
+                <a:r>
+                  <a:rPr lang="en-US" dirty="0">
+                    <a:hlinkClick r:id="rId2"/>
+                  </a:rPr>
+                  <a:t>2D decoder</a:t>
+                </a:r>
+                <a:r>
+                  <a:rPr lang="en-US" dirty="0"/>
+                  <a:t> (</a:t>
+                </a:r>
+                <a14:m>
+                  <m:oMath xmlns:m="http://schemas.openxmlformats.org/officeDocument/2006/math">
+                    <m:r>
+                      <a:rPr lang="en-US" b="0" i="1" smtClean="0">
+                        <a:latin typeface="Cambria Math" panose="02040503050406030204" pitchFamily="18" charset="0"/>
+                      </a:rPr>
+                      <m:t>𝑐</m:t>
+                    </m:r>
+                  </m:oMath>
+                </a14:m>
+                <a:r>
+                  <a:rPr lang="en-US" dirty="0"/>
+                  <a:t> field updates and 1 </a:t>
+                </a:r>
+                <a:r>
+                  <a:rPr lang="en-US" dirty="0" err="1"/>
+                  <a:t>anyon</a:t>
+                </a:r>
+                <a:r>
+                  <a:rPr lang="en-US" dirty="0"/>
+                  <a:t> update)</a:t>
+                </a:r>
+              </a:p>
+              <a:p>
+                <a:pPr marL="914400" lvl="1" indent="-457200">
+                  <a:buFont typeface="+mj-lt"/>
+                  <a:buAutoNum type="arabicPeriod"/>
+                </a:pPr>
+                <a:r>
+                  <a:rPr lang="en-US" dirty="0"/>
+                  <a:t>Add </a:t>
+                </a:r>
+                <a:r>
+                  <a:rPr lang="en-US" dirty="0" err="1"/>
+                  <a:t>i.i.d.</a:t>
+                </a:r>
+                <a:r>
+                  <a:rPr lang="en-US" dirty="0"/>
+                  <a:t> </a:t>
+                </a:r>
+                <a14:m>
+                  <m:oMath xmlns:m="http://schemas.openxmlformats.org/officeDocument/2006/math">
+                    <m:r>
+                      <a:rPr lang="en-US" b="0" i="1" smtClean="0">
+                        <a:latin typeface="Cambria Math" panose="02040503050406030204" pitchFamily="18" charset="0"/>
+                      </a:rPr>
+                      <m:t>𝑋</m:t>
+                    </m:r>
+                  </m:oMath>
+                </a14:m>
+                <a:r>
+                  <a:rPr lang="en-US" dirty="0"/>
+                  <a:t> errors on lattice qubits with probability </a:t>
+                </a:r>
+                <a14:m>
+                  <m:oMath xmlns:m="http://schemas.openxmlformats.org/officeDocument/2006/math">
+                    <m:r>
+                      <a:rPr lang="en-US" b="0" i="1" smtClean="0">
+                        <a:latin typeface="Cambria Math" panose="02040503050406030204" pitchFamily="18" charset="0"/>
+                      </a:rPr>
+                      <m:t>𝑝</m:t>
+                    </m:r>
+                  </m:oMath>
+                </a14:m>
+                <a:endParaRPr lang="en-US" dirty="0"/>
+              </a:p>
+              <a:p>
+                <a:r>
+                  <a:rPr lang="en-US" dirty="0"/>
+                  <a:t>Apply </a:t>
+                </a:r>
+                <a:r>
+                  <a:rPr lang="en-US" dirty="0">
+                    <a:hlinkClick r:id="rId3"/>
+                  </a:rPr>
+                  <a:t>MWPM</a:t>
+                </a:r>
+                <a:r>
+                  <a:rPr lang="en-US" dirty="0"/>
+                  <a:t> to calculate the most likely error</a:t>
+                </a:r>
+              </a:p>
+              <a:p>
+                <a:r>
+                  <a:rPr lang="en-US" dirty="0"/>
+                  <a:t>See if a logical error has occurred</a:t>
+                </a:r>
+              </a:p>
+            </p:txBody>
+          </p:sp>
+        </mc:Choice>
+        <mc:Fallback>
+          <p:sp>
+            <p:nvSpPr>
+              <p:cNvPr id="3" name="Content Placeholder 2">
+                <a:extLst>
+                  <a:ext uri="{FF2B5EF4-FFF2-40B4-BE49-F238E27FC236}">
+                    <a16:creationId xmlns:a16="http://schemas.microsoft.com/office/drawing/2014/main" id="{2BBFDCB2-EE3F-2470-4A15-029CFBFCEA68}"/>
+                  </a:ext>
+                </a:extLst>
+              </p:cNvPr>
+              <p:cNvSpPr>
+                <a:spLocks noGrp="1" noRot="1" noChangeAspect="1" noMove="1" noResize="1" noEditPoints="1" noAdjustHandles="1" noChangeArrowheads="1" noChangeShapeType="1" noTextEdit="1"/>
+              </p:cNvSpPr>
+              <p:nvPr>
+                <p:ph idx="1"/>
+              </p:nvPr>
+            </p:nvSpPr>
+            <p:spPr>
+              <a:blipFill>
+                <a:blip r:embed="rId4"/>
+                <a:stretch>
+                  <a:fillRect l="-1043" t="-2381"/>
+                </a:stretch>
+              </a:blipFill>
+            </p:spPr>
+            <p:txBody>
+              <a:bodyPr/>
+              <a:lstStyle/>
+              <a:p>
+                <a:r>
+                  <a:rPr lang="en-US">
+                    <a:noFill/>
+                  </a:rPr>
+                  <a:t> </a:t>
+                </a:r>
+              </a:p>
+            </p:txBody>
+          </p:sp>
+        </mc:Fallback>
+      </mc:AlternateContent>
+    </p:spTree>
+    <p:extLst>
+      <p:ext uri="{BB962C8B-B14F-4D97-AF65-F5344CB8AC3E}">
+        <p14:creationId xmlns:p14="http://schemas.microsoft.com/office/powerpoint/2010/main" val="3126933251"/>
+      </p:ext>
+    </p:extLst>
+  </p:cSld>
+  <p:clrMapOvr>
+    <a:masterClrMapping/>
+  </p:clrMapOvr>
+</p:sld>
+</file>
+
+<file path=ppt/slides/slide20.xml><?xml version="1.0" encoding="utf-8"?>
+<p:sld xmlns:a="http://schemas.openxmlformats.org/drawingml/2006/main" xmlns:r="http://schemas.openxmlformats.org/officeDocument/2006/relationships" xmlns:p="http://schemas.openxmlformats.org/presentationml/2006/main">
+  <p:cSld>
+    <p:spTree>
+      <p:nvGrpSpPr>
+        <p:cNvPr id="1" name=""/>
+        <p:cNvGrpSpPr/>
+        <p:nvPr/>
+      </p:nvGrpSpPr>
+      <p:grpSpPr>
+        <a:xfrm>
+          <a:off x="0" y="0"/>
+          <a:ext cx="0" cy="0"/>
+          <a:chOff x="0" y="0"/>
+          <a:chExt cx="0" cy="0"/>
+        </a:xfrm>
+      </p:grpSpPr>
+      <p:sp>
+        <p:nvSpPr>
+          <p:cNvPr id="2" name="Title 1">
+            <a:extLst>
+              <a:ext uri="{FF2B5EF4-FFF2-40B4-BE49-F238E27FC236}">
+                <a16:creationId xmlns:a16="http://schemas.microsoft.com/office/drawing/2014/main" id="{B797A52D-8C56-4CC5-48D0-88D222D029E4}"/>
+              </a:ext>
+            </a:extLst>
+          </p:cNvPr>
+          <p:cNvSpPr>
+            <a:spLocks noGrp="1"/>
+          </p:cNvSpPr>
+          <p:nvPr>
+            <p:ph type="title"/>
+          </p:nvPr>
+        </p:nvSpPr>
+        <p:spPr/>
+        <p:txBody>
+          <a:bodyPr/>
+          <a:lstStyle/>
+          <a:p>
+            <a:r>
+              <a:rPr lang="en-US" dirty="0"/>
+              <a:t>Run 6 – increase sensitivity</a:t>
+            </a:r>
+          </a:p>
+        </p:txBody>
+      </p:sp>
+      <mc:AlternateContent xmlns:mc="http://schemas.openxmlformats.org/markup-compatibility/2006">
+        <mc:Choice xmlns:a14="http://schemas.microsoft.com/office/drawing/2010/main" Requires="a14">
+          <p:sp>
+            <p:nvSpPr>
+              <p:cNvPr id="3" name="Content Placeholder 2">
+                <a:extLst>
+                  <a:ext uri="{FF2B5EF4-FFF2-40B4-BE49-F238E27FC236}">
+                    <a16:creationId xmlns:a16="http://schemas.microsoft.com/office/drawing/2014/main" id="{F567ADB7-F744-B166-BEF6-BB2549F8A4D4}"/>
+                  </a:ext>
+                </a:extLst>
+              </p:cNvPr>
+              <p:cNvSpPr>
+                <a:spLocks noGrp="1"/>
+              </p:cNvSpPr>
+              <p:nvPr>
+                <p:ph idx="1"/>
+              </p:nvPr>
+            </p:nvSpPr>
+            <p:spPr/>
+            <p:txBody>
+              <a:bodyPr/>
+              <a:lstStyle/>
+              <a:p>
+                <a14:m>
+                  <m:oMath xmlns:m="http://schemas.openxmlformats.org/officeDocument/2006/math">
+                    <m:r>
+                      <a:rPr lang="en-US" b="1" i="1" dirty="0" smtClean="0">
+                        <a:latin typeface="Cambria Math" panose="02040503050406030204" pitchFamily="18" charset="0"/>
+                      </a:rPr>
+                      <m:t>𝑳</m:t>
+                    </m:r>
+                    <m:r>
+                      <a:rPr lang="en-US" b="1" i="1" dirty="0" smtClean="0">
+                        <a:latin typeface="Cambria Math" panose="02040503050406030204" pitchFamily="18" charset="0"/>
+                      </a:rPr>
+                      <m:t>∈</m:t>
+                    </m:r>
+                    <m:r>
+                      <m:rPr>
+                        <m:lit/>
+                      </m:rPr>
+                      <a:rPr lang="en-US" b="1" i="1" dirty="0" smtClean="0">
+                        <a:latin typeface="Cambria Math" panose="02040503050406030204" pitchFamily="18" charset="0"/>
+                      </a:rPr>
+                      <m:t>{</m:t>
+                    </m:r>
+                    <m:r>
+                      <a:rPr lang="en-US" b="1" i="1" dirty="0" smtClean="0">
+                        <a:latin typeface="Cambria Math" panose="02040503050406030204" pitchFamily="18" charset="0"/>
+                      </a:rPr>
+                      <m:t>𝟐𝟎</m:t>
+                    </m:r>
+                    <m:r>
+                      <a:rPr lang="en-US" b="1" i="1" dirty="0" smtClean="0">
+                        <a:latin typeface="Cambria Math" panose="02040503050406030204" pitchFamily="18" charset="0"/>
+                      </a:rPr>
+                      <m:t>,</m:t>
+                    </m:r>
+                    <m:r>
+                      <a:rPr lang="en-US" b="1" i="1" dirty="0" smtClean="0">
+                        <a:latin typeface="Cambria Math" panose="02040503050406030204" pitchFamily="18" charset="0"/>
+                      </a:rPr>
+                      <m:t>𝟒𝟎</m:t>
+                    </m:r>
+                    <m:r>
+                      <a:rPr lang="en-US" b="1" i="1" dirty="0" smtClean="0">
+                        <a:latin typeface="Cambria Math" panose="02040503050406030204" pitchFamily="18" charset="0"/>
+                      </a:rPr>
+                      <m:t>,</m:t>
+                    </m:r>
+                    <m:r>
+                      <a:rPr lang="en-US" b="1" i="1" dirty="0" smtClean="0">
+                        <a:latin typeface="Cambria Math" panose="02040503050406030204" pitchFamily="18" charset="0"/>
+                      </a:rPr>
+                      <m:t>𝟔𝟎</m:t>
+                    </m:r>
+                    <m:r>
+                      <a:rPr lang="en-US" b="1" i="1" dirty="0" smtClean="0">
+                        <a:latin typeface="Cambria Math" panose="02040503050406030204" pitchFamily="18" charset="0"/>
+                      </a:rPr>
+                      <m:t>,…,</m:t>
+                    </m:r>
+                    <m:r>
+                      <a:rPr lang="en-US" b="1" i="1" dirty="0" smtClean="0">
+                        <a:latin typeface="Cambria Math" panose="02040503050406030204" pitchFamily="18" charset="0"/>
+                      </a:rPr>
+                      <m:t>𝟏𝟎𝟎</m:t>
+                    </m:r>
+                    <m:r>
+                      <m:rPr>
+                        <m:lit/>
+                      </m:rPr>
+                      <a:rPr lang="en-US" b="1" i="1" dirty="0" smtClean="0">
+                        <a:latin typeface="Cambria Math" panose="02040503050406030204" pitchFamily="18" charset="0"/>
+                      </a:rPr>
+                      <m:t>}</m:t>
+                    </m:r>
+                  </m:oMath>
+                </a14:m>
+                <a:endParaRPr lang="en-US" b="1" dirty="0"/>
+              </a:p>
+              <a:p>
+                <a14:m>
+                  <m:oMath xmlns:m="http://schemas.openxmlformats.org/officeDocument/2006/math">
+                    <m:r>
+                      <a:rPr lang="en-US" i="1" dirty="0" smtClean="0">
+                        <a:latin typeface="Cambria Math" panose="02040503050406030204" pitchFamily="18" charset="0"/>
+                      </a:rPr>
+                      <m:t>𝑐</m:t>
+                    </m:r>
+                    <m:r>
+                      <a:rPr lang="en-US" i="1" dirty="0" smtClean="0">
+                        <a:latin typeface="Cambria Math" panose="02040503050406030204" pitchFamily="18" charset="0"/>
+                      </a:rPr>
+                      <m:t>=16</m:t>
+                    </m:r>
+                  </m:oMath>
+                </a14:m>
+                <a:endParaRPr lang="en-US" dirty="0"/>
+              </a:p>
+              <a:p>
+                <a14:m>
+                  <m:oMath xmlns:m="http://schemas.openxmlformats.org/officeDocument/2006/math">
+                    <m:r>
+                      <a:rPr lang="en-US" i="1" dirty="0" smtClean="0">
+                        <a:latin typeface="Cambria Math" panose="02040503050406030204" pitchFamily="18" charset="0"/>
+                      </a:rPr>
+                      <m:t>𝑇</m:t>
+                    </m:r>
+                    <m:r>
+                      <a:rPr lang="en-US" i="1" dirty="0" smtClean="0">
+                        <a:latin typeface="Cambria Math" panose="02040503050406030204" pitchFamily="18" charset="0"/>
+                      </a:rPr>
+                      <m:t>=</m:t>
+                    </m:r>
+                    <m:r>
+                      <a:rPr lang="en-US" i="1" dirty="0" smtClean="0">
+                        <a:latin typeface="Cambria Math" panose="02040503050406030204" pitchFamily="18" charset="0"/>
+                      </a:rPr>
+                      <m:t>𝐿</m:t>
+                    </m:r>
+                  </m:oMath>
+                </a14:m>
+                <a:endParaRPr lang="en-US" dirty="0"/>
+              </a:p>
+              <a:p>
+                <a14:m>
+                  <m:oMath xmlns:m="http://schemas.openxmlformats.org/officeDocument/2006/math">
+                    <m:r>
+                      <a:rPr lang="en-US" b="1" i="1" dirty="0" smtClean="0">
+                        <a:latin typeface="Cambria Math" panose="02040503050406030204" pitchFamily="18" charset="0"/>
+                      </a:rPr>
+                      <m:t>𝒑</m:t>
+                    </m:r>
+                    <m:r>
+                      <a:rPr lang="en-US" b="1" i="1" dirty="0" smtClean="0">
+                        <a:latin typeface="Cambria Math" panose="02040503050406030204" pitchFamily="18" charset="0"/>
+                      </a:rPr>
+                      <m:t>∈{</m:t>
+                    </m:r>
+                    <m:r>
+                      <a:rPr lang="en-US" b="1" i="1" dirty="0" smtClean="0">
+                        <a:latin typeface="Cambria Math" panose="02040503050406030204" pitchFamily="18" charset="0"/>
+                      </a:rPr>
+                      <m:t>𝟎</m:t>
+                    </m:r>
+                    <m:r>
+                      <a:rPr lang="en-US" b="1" i="1" dirty="0" smtClean="0">
+                        <a:latin typeface="Cambria Math" panose="02040503050406030204" pitchFamily="18" charset="0"/>
+                      </a:rPr>
+                      <m:t>.</m:t>
+                    </m:r>
+                    <m:r>
+                      <a:rPr lang="en-US" b="1" i="1" dirty="0" smtClean="0">
+                        <a:latin typeface="Cambria Math" panose="02040503050406030204" pitchFamily="18" charset="0"/>
+                      </a:rPr>
+                      <m:t>𝟎𝟎𝟏</m:t>
+                    </m:r>
+                    <m:r>
+                      <a:rPr lang="en-US" b="1" i="1" dirty="0" smtClean="0">
+                        <a:latin typeface="Cambria Math" panose="02040503050406030204" pitchFamily="18" charset="0"/>
+                      </a:rPr>
+                      <m:t>,</m:t>
+                    </m:r>
+                    <m:r>
+                      <a:rPr lang="en-US" b="1" i="1" dirty="0" smtClean="0">
+                        <a:latin typeface="Cambria Math" panose="02040503050406030204" pitchFamily="18" charset="0"/>
+                      </a:rPr>
+                      <m:t>𝟎</m:t>
+                    </m:r>
+                    <m:r>
+                      <a:rPr lang="en-US" b="1" i="1" dirty="0" smtClean="0">
+                        <a:latin typeface="Cambria Math" panose="02040503050406030204" pitchFamily="18" charset="0"/>
+                      </a:rPr>
+                      <m:t>.</m:t>
+                    </m:r>
+                    <m:r>
+                      <a:rPr lang="en-US" b="1" i="1" dirty="0" smtClean="0">
+                        <a:latin typeface="Cambria Math" panose="02040503050406030204" pitchFamily="18" charset="0"/>
+                      </a:rPr>
+                      <m:t>𝟎𝟎𝟐</m:t>
+                    </m:r>
+                    <m:r>
+                      <a:rPr lang="en-US" b="1" i="1" dirty="0" smtClean="0">
+                        <a:latin typeface="Cambria Math" panose="02040503050406030204" pitchFamily="18" charset="0"/>
+                      </a:rPr>
+                      <m:t>,</m:t>
+                    </m:r>
+                    <m:r>
+                      <a:rPr lang="en-US" b="1" i="1" dirty="0" smtClean="0">
+                        <a:latin typeface="Cambria Math" panose="02040503050406030204" pitchFamily="18" charset="0"/>
+                      </a:rPr>
+                      <m:t>𝟎</m:t>
+                    </m:r>
+                    <m:r>
+                      <a:rPr lang="en-US" b="1" i="1" dirty="0" smtClean="0">
+                        <a:latin typeface="Cambria Math" panose="02040503050406030204" pitchFamily="18" charset="0"/>
+                      </a:rPr>
+                      <m:t>.</m:t>
+                    </m:r>
+                    <m:r>
+                      <a:rPr lang="en-US" b="1" i="1" dirty="0" smtClean="0">
+                        <a:latin typeface="Cambria Math" panose="02040503050406030204" pitchFamily="18" charset="0"/>
+                      </a:rPr>
+                      <m:t>𝟎𝟎𝟑</m:t>
+                    </m:r>
+                    <m:r>
+                      <a:rPr lang="en-US" b="1" i="1" dirty="0" smtClean="0">
+                        <a:latin typeface="Cambria Math" panose="02040503050406030204" pitchFamily="18" charset="0"/>
+                      </a:rPr>
+                      <m:t>,…,</m:t>
+                    </m:r>
+                    <m:r>
+                      <a:rPr lang="en-US" b="1" i="1" dirty="0" smtClean="0">
+                        <a:latin typeface="Cambria Math" panose="02040503050406030204" pitchFamily="18" charset="0"/>
+                      </a:rPr>
+                      <m:t>𝟎</m:t>
+                    </m:r>
+                    <m:r>
+                      <a:rPr lang="en-US" b="1" i="1" dirty="0" smtClean="0">
+                        <a:latin typeface="Cambria Math" panose="02040503050406030204" pitchFamily="18" charset="0"/>
+                      </a:rPr>
+                      <m:t>.</m:t>
+                    </m:r>
+                    <m:r>
+                      <a:rPr lang="en-US" b="1" i="1" dirty="0" smtClean="0">
+                        <a:latin typeface="Cambria Math" panose="02040503050406030204" pitchFamily="18" charset="0"/>
+                      </a:rPr>
+                      <m:t>𝟎𝟏𝟎</m:t>
+                    </m:r>
+                    <m:r>
+                      <m:rPr>
+                        <m:lit/>
+                      </m:rPr>
+                      <a:rPr lang="en-US" b="1" i="1" dirty="0" smtClean="0">
+                        <a:latin typeface="Cambria Math" panose="02040503050406030204" pitchFamily="18" charset="0"/>
+                      </a:rPr>
+                      <m:t>}</m:t>
+                    </m:r>
+                  </m:oMath>
+                </a14:m>
+                <a:endParaRPr lang="en-US" b="1" dirty="0"/>
+              </a:p>
+              <a:p>
+                <a14:m>
+                  <m:oMath xmlns:m="http://schemas.openxmlformats.org/officeDocument/2006/math">
+                    <m:r>
+                      <a:rPr lang="en-US" i="1" dirty="0" smtClean="0">
+                        <a:latin typeface="Cambria Math" panose="02040503050406030204" pitchFamily="18" charset="0"/>
+                      </a:rPr>
+                      <m:t>𝜂</m:t>
+                    </m:r>
+                    <m:r>
+                      <a:rPr lang="en-US" i="1" dirty="0" smtClean="0">
+                        <a:latin typeface="Cambria Math" panose="02040503050406030204" pitchFamily="18" charset="0"/>
+                      </a:rPr>
+                      <m:t>=0.1</m:t>
+                    </m:r>
+                  </m:oMath>
+                </a14:m>
+                <a:endParaRPr lang="en-US" dirty="0"/>
+              </a:p>
+              <a:p>
+                <a:r>
+                  <a:rPr lang="en-US" dirty="0"/>
+                  <a:t>100000 shots</a:t>
+                </a:r>
+              </a:p>
+              <a:p>
+                <a:r>
+                  <a:rPr lang="en-US" dirty="0"/>
+                  <a:t>4 hours, 8 CPUs / task</a:t>
+                </a:r>
+              </a:p>
+            </p:txBody>
+          </p:sp>
+        </mc:Choice>
+        <mc:Fallback>
+          <p:sp>
+            <p:nvSpPr>
+              <p:cNvPr id="3" name="Content Placeholder 2">
+                <a:extLst>
+                  <a:ext uri="{FF2B5EF4-FFF2-40B4-BE49-F238E27FC236}">
+                    <a16:creationId xmlns:a16="http://schemas.microsoft.com/office/drawing/2014/main" id="{F567ADB7-F744-B166-BEF6-BB2549F8A4D4}"/>
+                  </a:ext>
+                </a:extLst>
+              </p:cNvPr>
+              <p:cNvSpPr>
+                <a:spLocks noGrp="1" noRot="1" noChangeAspect="1" noMove="1" noResize="1" noEditPoints="1" noAdjustHandles="1" noChangeArrowheads="1" noChangeShapeType="1" noTextEdit="1"/>
+              </p:cNvSpPr>
+              <p:nvPr>
+                <p:ph idx="1"/>
+              </p:nvPr>
+            </p:nvSpPr>
+            <p:spPr>
+              <a:blipFill>
+                <a:blip r:embed="rId2"/>
+                <a:stretch>
+                  <a:fillRect l="-1043"/>
+                </a:stretch>
+              </a:blipFill>
+            </p:spPr>
+            <p:txBody>
+              <a:bodyPr/>
+              <a:lstStyle/>
+              <a:p>
+                <a:r>
+                  <a:rPr lang="en-US">
+                    <a:noFill/>
+                  </a:rPr>
+                  <a:t> </a:t>
+                </a:r>
+              </a:p>
+            </p:txBody>
+          </p:sp>
+        </mc:Fallback>
+      </mc:AlternateContent>
+      <p:pic>
+        <p:nvPicPr>
+          <p:cNvPr id="7" name="Picture 6">
+            <a:extLst>
+              <a:ext uri="{FF2B5EF4-FFF2-40B4-BE49-F238E27FC236}">
+                <a16:creationId xmlns:a16="http://schemas.microsoft.com/office/drawing/2014/main" id="{A0D53BD6-DDB5-0DD2-E276-3600C6EDA4CA}"/>
+              </a:ext>
+            </a:extLst>
+          </p:cNvPr>
+          <p:cNvPicPr>
+            <a:picLocks noChangeAspect="1"/>
+          </p:cNvPicPr>
+          <p:nvPr/>
+        </p:nvPicPr>
+        <p:blipFill>
+          <a:blip r:embed="rId3"/>
+          <a:stretch>
+            <a:fillRect/>
+          </a:stretch>
+        </p:blipFill>
+        <p:spPr>
+          <a:xfrm>
+            <a:off x="7002484" y="407988"/>
+            <a:ext cx="5030766" cy="6235700"/>
+          </a:xfrm>
+          <a:prstGeom prst="rect">
+            <a:avLst/>
+          </a:prstGeom>
+        </p:spPr>
+      </p:pic>
+    </p:spTree>
+    <p:extLst>
+      <p:ext uri="{BB962C8B-B14F-4D97-AF65-F5344CB8AC3E}">
+        <p14:creationId xmlns:p14="http://schemas.microsoft.com/office/powerpoint/2010/main" val="2157572792"/>
+      </p:ext>
+    </p:extLst>
+  </p:cSld>
+  <p:clrMapOvr>
+    <a:masterClrMapping/>
+  </p:clrMapOvr>
+</p:sld>
+</file>
+
+<file path=ppt/slides/slide21.xml><?xml version="1.0" encoding="utf-8"?>
+<p:sld xmlns:a="http://schemas.openxmlformats.org/drawingml/2006/main" xmlns:r="http://schemas.openxmlformats.org/officeDocument/2006/relationships" xmlns:p="http://schemas.openxmlformats.org/presentationml/2006/main">
+  <p:cSld>
+    <p:spTree>
+      <p:nvGrpSpPr>
+        <p:cNvPr id="1" name=""/>
+        <p:cNvGrpSpPr/>
+        <p:nvPr/>
+      </p:nvGrpSpPr>
+      <p:grpSpPr>
+        <a:xfrm>
+          <a:off x="0" y="0"/>
+          <a:ext cx="0" cy="0"/>
+          <a:chOff x="0" y="0"/>
+          <a:chExt cx="0" cy="0"/>
+        </a:xfrm>
+      </p:grpSpPr>
+      <p:sp>
+        <p:nvSpPr>
+          <p:cNvPr id="2" name="Title 1">
+            <a:extLst>
+              <a:ext uri="{FF2B5EF4-FFF2-40B4-BE49-F238E27FC236}">
+                <a16:creationId xmlns:a16="http://schemas.microsoft.com/office/drawing/2014/main" id="{9CD4C48A-C923-03BF-F19D-240CCD30BD58}"/>
+              </a:ext>
+            </a:extLst>
+          </p:cNvPr>
+          <p:cNvSpPr>
+            <a:spLocks noGrp="1"/>
+          </p:cNvSpPr>
+          <p:nvPr>
+            <p:ph type="title"/>
+          </p:nvPr>
+        </p:nvSpPr>
+        <p:spPr/>
+        <p:txBody>
+          <a:bodyPr/>
+          <a:lstStyle/>
+          <a:p>
+            <a:r>
+              <a:rPr lang="en-US" dirty="0"/>
+              <a:t>Run 6</a:t>
+            </a:r>
+          </a:p>
+        </p:txBody>
+      </p:sp>
+      <p:pic>
+        <p:nvPicPr>
+          <p:cNvPr id="5" name="Content Placeholder 4" descr="A screenshot of a computer&#10;&#10;Description automatically generated">
+            <a:extLst>
+              <a:ext uri="{FF2B5EF4-FFF2-40B4-BE49-F238E27FC236}">
+                <a16:creationId xmlns:a16="http://schemas.microsoft.com/office/drawing/2014/main" id="{184B0F5E-F38B-B548-3FCA-BBF650752C61}"/>
+              </a:ext>
+            </a:extLst>
+          </p:cNvPr>
+          <p:cNvPicPr>
+            <a:picLocks noGrp="1" noChangeAspect="1"/>
+          </p:cNvPicPr>
+          <p:nvPr>
+            <p:ph idx="1"/>
+          </p:nvPr>
+        </p:nvPicPr>
+        <p:blipFill>
+          <a:blip r:embed="rId2">
+            <a:extLst>
+              <a:ext uri="{28A0092B-C50C-407E-A947-70E740481C1C}">
+                <a14:useLocalDpi xmlns:a14="http://schemas.microsoft.com/office/drawing/2010/main" val="0"/>
+              </a:ext>
+            </a:extLst>
+          </a:blip>
+          <a:stretch>
+            <a:fillRect/>
+          </a:stretch>
+        </p:blipFill>
+        <p:spPr>
+          <a:xfrm>
+            <a:off x="3340100" y="-37678"/>
+            <a:ext cx="6742760" cy="3456732"/>
+          </a:xfrm>
+        </p:spPr>
+      </p:pic>
+      <p:pic>
+        <p:nvPicPr>
+          <p:cNvPr id="7" name="Picture 6" descr="A screenshot of a color chart&#10;&#10;Description automatically generated">
+            <a:extLst>
+              <a:ext uri="{FF2B5EF4-FFF2-40B4-BE49-F238E27FC236}">
+                <a16:creationId xmlns:a16="http://schemas.microsoft.com/office/drawing/2014/main" id="{0CABD6FB-0365-D2BF-6E0E-92215391B301}"/>
+              </a:ext>
+            </a:extLst>
+          </p:cNvPr>
+          <p:cNvPicPr>
+            <a:picLocks noChangeAspect="1"/>
+          </p:cNvPicPr>
+          <p:nvPr/>
+        </p:nvPicPr>
+        <p:blipFill>
+          <a:blip r:embed="rId3">
+            <a:extLst>
+              <a:ext uri="{28A0092B-C50C-407E-A947-70E740481C1C}">
+                <a14:useLocalDpi xmlns:a14="http://schemas.microsoft.com/office/drawing/2010/main" val="0"/>
+              </a:ext>
+            </a:extLst>
+          </a:blip>
+          <a:stretch>
+            <a:fillRect/>
+          </a:stretch>
+        </p:blipFill>
+        <p:spPr>
+          <a:xfrm>
+            <a:off x="3340100" y="3438947"/>
+            <a:ext cx="6828112" cy="3438442"/>
+          </a:xfrm>
+          <a:prstGeom prst="rect">
+            <a:avLst/>
+          </a:prstGeom>
+        </p:spPr>
+      </p:pic>
+    </p:spTree>
+    <p:extLst>
+      <p:ext uri="{BB962C8B-B14F-4D97-AF65-F5344CB8AC3E}">
+        <p14:creationId xmlns:p14="http://schemas.microsoft.com/office/powerpoint/2010/main" val="2539788770"/>
+      </p:ext>
+    </p:extLst>
+  </p:cSld>
+  <p:clrMapOvr>
+    <a:masterClrMapping/>
+  </p:clrMapOvr>
+</p:sld>
+</file>
+
+<file path=ppt/slides/slide22.xml><?xml version="1.0" encoding="utf-8"?>
+<p:sld xmlns:a="http://schemas.openxmlformats.org/drawingml/2006/main" xmlns:r="http://schemas.openxmlformats.org/officeDocument/2006/relationships" xmlns:p="http://schemas.openxmlformats.org/presentationml/2006/main">
+  <p:cSld>
+    <p:spTree>
+      <p:nvGrpSpPr>
+        <p:cNvPr id="1" name=""/>
+        <p:cNvGrpSpPr/>
+        <p:nvPr/>
+      </p:nvGrpSpPr>
+      <p:grpSpPr>
+        <a:xfrm>
+          <a:off x="0" y="0"/>
+          <a:ext cx="0" cy="0"/>
+          <a:chOff x="0" y="0"/>
+          <a:chExt cx="0" cy="0"/>
+        </a:xfrm>
+      </p:grpSpPr>
+      <p:sp>
+        <p:nvSpPr>
+          <p:cNvPr id="2" name="Title 1">
+            <a:extLst>
+              <a:ext uri="{FF2B5EF4-FFF2-40B4-BE49-F238E27FC236}">
+                <a16:creationId xmlns:a16="http://schemas.microsoft.com/office/drawing/2014/main" id="{CFE9B9A5-EBB6-ABB5-A716-4548F343C040}"/>
+              </a:ext>
+            </a:extLst>
+          </p:cNvPr>
+          <p:cNvSpPr>
+            <a:spLocks noGrp="1"/>
+          </p:cNvSpPr>
+          <p:nvPr>
+            <p:ph type="title"/>
+          </p:nvPr>
+        </p:nvSpPr>
+        <p:spPr/>
+        <p:txBody>
+          <a:bodyPr/>
+          <a:lstStyle/>
+          <a:p>
+            <a:r>
+              <a:rPr lang="en-US" dirty="0"/>
+              <a:t>Run 6</a:t>
+            </a:r>
+          </a:p>
+        </p:txBody>
+      </p:sp>
+      <p:pic>
+        <p:nvPicPr>
+          <p:cNvPr id="5" name="Content Placeholder 4" descr="A graph of different colored lines&#10;&#10;Description automatically generated">
+            <a:extLst>
+              <a:ext uri="{FF2B5EF4-FFF2-40B4-BE49-F238E27FC236}">
+                <a16:creationId xmlns:a16="http://schemas.microsoft.com/office/drawing/2014/main" id="{EB2D58DD-3478-46CC-4C0A-C85AFE593333}"/>
+              </a:ext>
+            </a:extLst>
+          </p:cNvPr>
+          <p:cNvPicPr>
+            <a:picLocks noGrp="1" noChangeAspect="1"/>
+          </p:cNvPicPr>
+          <p:nvPr>
+            <p:ph idx="1"/>
+          </p:nvPr>
+        </p:nvPicPr>
+        <p:blipFill>
+          <a:blip r:embed="rId2">
+            <a:extLst>
+              <a:ext uri="{28A0092B-C50C-407E-A947-70E740481C1C}">
+                <a14:useLocalDpi xmlns:a14="http://schemas.microsoft.com/office/drawing/2010/main" val="0"/>
+              </a:ext>
+            </a:extLst>
+          </a:blip>
+          <a:stretch>
+            <a:fillRect/>
+          </a:stretch>
+        </p:blipFill>
+        <p:spPr>
+          <a:xfrm>
+            <a:off x="5995096" y="1444866"/>
+            <a:ext cx="6196904" cy="4784483"/>
+          </a:xfrm>
+        </p:spPr>
+      </p:pic>
+      <p:pic>
+        <p:nvPicPr>
+          <p:cNvPr id="7" name="Picture 6" descr="A screen shot of a graph&#10;&#10;Description automatically generated">
+            <a:extLst>
+              <a:ext uri="{FF2B5EF4-FFF2-40B4-BE49-F238E27FC236}">
+                <a16:creationId xmlns:a16="http://schemas.microsoft.com/office/drawing/2014/main" id="{7D472D08-44B6-5135-1898-2D029D4DBD6B}"/>
+              </a:ext>
+            </a:extLst>
+          </p:cNvPr>
+          <p:cNvPicPr>
+            <a:picLocks noChangeAspect="1"/>
+          </p:cNvPicPr>
+          <p:nvPr/>
+        </p:nvPicPr>
+        <p:blipFill>
+          <a:blip r:embed="rId3">
+            <a:extLst>
+              <a:ext uri="{28A0092B-C50C-407E-A947-70E740481C1C}">
+                <a14:useLocalDpi xmlns:a14="http://schemas.microsoft.com/office/drawing/2010/main" val="0"/>
+              </a:ext>
+            </a:extLst>
+          </a:blip>
+          <a:stretch>
+            <a:fillRect/>
+          </a:stretch>
+        </p:blipFill>
+        <p:spPr>
+          <a:xfrm>
+            <a:off x="17415" y="1444866"/>
+            <a:ext cx="6078585" cy="4784483"/>
+          </a:xfrm>
+          <a:prstGeom prst="rect">
+            <a:avLst/>
+          </a:prstGeom>
+        </p:spPr>
+      </p:pic>
+    </p:spTree>
+    <p:extLst>
+      <p:ext uri="{BB962C8B-B14F-4D97-AF65-F5344CB8AC3E}">
+        <p14:creationId xmlns:p14="http://schemas.microsoft.com/office/powerpoint/2010/main" val="3606006579"/>
+      </p:ext>
+    </p:extLst>
+  </p:cSld>
+  <p:clrMapOvr>
+    <a:masterClrMapping/>
+  </p:clrMapOvr>
+</p:sld>
+</file>
+
+<file path=ppt/slides/slide23.xml><?xml version="1.0" encoding="utf-8"?>
+<p:sld xmlns:a="http://schemas.openxmlformats.org/drawingml/2006/main" xmlns:r="http://schemas.openxmlformats.org/officeDocument/2006/relationships" xmlns:p="http://schemas.openxmlformats.org/presentationml/2006/main">
+  <p:cSld>
+    <p:spTree>
+      <p:nvGrpSpPr>
+        <p:cNvPr id="1" name=""/>
+        <p:cNvGrpSpPr/>
+        <p:nvPr/>
+      </p:nvGrpSpPr>
+      <p:grpSpPr>
+        <a:xfrm>
+          <a:off x="0" y="0"/>
+          <a:ext cx="0" cy="0"/>
+          <a:chOff x="0" y="0"/>
+          <a:chExt cx="0" cy="0"/>
+        </a:xfrm>
+      </p:grpSpPr>
+      <p:sp>
+        <p:nvSpPr>
+          <p:cNvPr id="2" name="Title 1">
+            <a:extLst>
+              <a:ext uri="{FF2B5EF4-FFF2-40B4-BE49-F238E27FC236}">
+                <a16:creationId xmlns:a16="http://schemas.microsoft.com/office/drawing/2014/main" id="{5D55241D-794D-D205-3091-E9062EF1F8E7}"/>
+              </a:ext>
+            </a:extLst>
+          </p:cNvPr>
+          <p:cNvSpPr>
+            <a:spLocks noGrp="1"/>
+          </p:cNvSpPr>
+          <p:nvPr>
+            <p:ph type="title"/>
+          </p:nvPr>
+        </p:nvSpPr>
+        <p:spPr/>
+        <p:txBody>
+          <a:bodyPr/>
+          <a:lstStyle/>
+          <a:p>
+            <a:r>
+              <a:rPr lang="en-US" dirty="0"/>
+              <a:t>Run 6</a:t>
+            </a:r>
+          </a:p>
+        </p:txBody>
+      </p:sp>
+      <p:pic>
+        <p:nvPicPr>
+          <p:cNvPr id="5" name="Content Placeholder 4" descr="A graph on a black background&#10;&#10;Description automatically generated">
+            <a:extLst>
+              <a:ext uri="{FF2B5EF4-FFF2-40B4-BE49-F238E27FC236}">
+                <a16:creationId xmlns:a16="http://schemas.microsoft.com/office/drawing/2014/main" id="{0EAA236F-1C0F-E224-134E-60229C86A780}"/>
+              </a:ext>
+            </a:extLst>
+          </p:cNvPr>
+          <p:cNvPicPr>
+            <a:picLocks noGrp="1" noChangeAspect="1"/>
+          </p:cNvPicPr>
+          <p:nvPr>
+            <p:ph idx="1"/>
+          </p:nvPr>
+        </p:nvPicPr>
+        <p:blipFill>
+          <a:blip r:embed="rId2">
+            <a:extLst>
+              <a:ext uri="{28A0092B-C50C-407E-A947-70E740481C1C}">
+                <a14:useLocalDpi xmlns:a14="http://schemas.microsoft.com/office/drawing/2010/main" val="0"/>
+              </a:ext>
+            </a:extLst>
+          </a:blip>
+          <a:stretch>
+            <a:fillRect/>
+          </a:stretch>
+        </p:blipFill>
+        <p:spPr>
+          <a:xfrm>
+            <a:off x="2825751" y="0"/>
+            <a:ext cx="8858250" cy="6863818"/>
+          </a:xfrm>
+        </p:spPr>
+      </p:pic>
+      <p:sp>
+        <p:nvSpPr>
+          <p:cNvPr id="6" name="TextBox 5">
+            <a:extLst>
+              <a:ext uri="{FF2B5EF4-FFF2-40B4-BE49-F238E27FC236}">
+                <a16:creationId xmlns:a16="http://schemas.microsoft.com/office/drawing/2014/main" id="{CEC0F92D-F572-36EF-B193-30FCA6A2021E}"/>
+              </a:ext>
+            </a:extLst>
+          </p:cNvPr>
+          <p:cNvSpPr txBox="1"/>
+          <p:nvPr/>
+        </p:nvSpPr>
+        <p:spPr>
+          <a:xfrm>
+            <a:off x="5619750" y="2508250"/>
+            <a:ext cx="1510926" cy="461665"/>
+          </a:xfrm>
+          <a:prstGeom prst="rect">
+            <a:avLst/>
+          </a:prstGeom>
+          <a:noFill/>
+        </p:spPr>
+        <p:txBody>
+          <a:bodyPr wrap="none" rtlCol="0">
+            <a:spAutoFit/>
+          </a:bodyPr>
+          <a:lstStyle/>
+          <a:p>
+            <a:r>
+              <a:rPr lang="en-US" sz="2400" dirty="0">
+                <a:solidFill>
+                  <a:srgbClr val="FF0000"/>
+                </a:solidFill>
+              </a:rPr>
+              <a:t>Crossing?</a:t>
+            </a:r>
+          </a:p>
+        </p:txBody>
+      </p:sp>
+      <p:cxnSp>
+        <p:nvCxnSpPr>
+          <p:cNvPr id="8" name="Straight Arrow Connector 7">
+            <a:extLst>
+              <a:ext uri="{FF2B5EF4-FFF2-40B4-BE49-F238E27FC236}">
+                <a16:creationId xmlns:a16="http://schemas.microsoft.com/office/drawing/2014/main" id="{26C2B6B3-B309-2529-6D83-34A7FEBE2859}"/>
+              </a:ext>
+            </a:extLst>
+          </p:cNvPr>
+          <p:cNvCxnSpPr/>
+          <p:nvPr/>
+        </p:nvCxnSpPr>
+        <p:spPr>
+          <a:xfrm>
+            <a:off x="6369050" y="3048000"/>
+            <a:ext cx="768350" cy="749300"/>
+          </a:xfrm>
+          <a:prstGeom prst="straightConnector1">
+            <a:avLst/>
+          </a:prstGeom>
+          <a:ln>
+            <a:solidFill>
+              <a:srgbClr val="FF0000"/>
+            </a:solidFill>
+            <a:tailEnd type="triangle"/>
+          </a:ln>
+        </p:spPr>
+        <p:style>
+          <a:lnRef idx="2">
+            <a:schemeClr val="accent1"/>
+          </a:lnRef>
+          <a:fillRef idx="0">
+            <a:schemeClr val="accent1"/>
+          </a:fillRef>
+          <a:effectRef idx="1">
+            <a:schemeClr val="accent1"/>
+          </a:effectRef>
+          <a:fontRef idx="minor">
+            <a:schemeClr val="tx1"/>
+          </a:fontRef>
+        </p:style>
+      </p:cxnSp>
+    </p:spTree>
+    <p:extLst>
+      <p:ext uri="{BB962C8B-B14F-4D97-AF65-F5344CB8AC3E}">
+        <p14:creationId xmlns:p14="http://schemas.microsoft.com/office/powerpoint/2010/main" val="3668932994"/>
+      </p:ext>
+    </p:extLst>
+  </p:cSld>
+  <p:clrMapOvr>
+    <a:masterClrMapping/>
+  </p:clrMapOvr>
+</p:sld>
+</file>
+
+<file path=ppt/slides/slide24.xml><?xml version="1.0" encoding="utf-8"?>
+<p:sld xmlns:a="http://schemas.openxmlformats.org/drawingml/2006/main" xmlns:r="http://schemas.openxmlformats.org/officeDocument/2006/relationships" xmlns:p="http://schemas.openxmlformats.org/presentationml/2006/main">
+  <p:cSld>
+    <p:spTree>
+      <p:nvGrpSpPr>
+        <p:cNvPr id="1" name=""/>
+        <p:cNvGrpSpPr/>
+        <p:nvPr/>
+      </p:nvGrpSpPr>
+      <p:grpSpPr>
+        <a:xfrm>
+          <a:off x="0" y="0"/>
+          <a:ext cx="0" cy="0"/>
+          <a:chOff x="0" y="0"/>
+          <a:chExt cx="0" cy="0"/>
+        </a:xfrm>
+      </p:grpSpPr>
+      <p:sp>
+        <p:nvSpPr>
+          <p:cNvPr id="2" name="Title 1">
+            <a:extLst>
+              <a:ext uri="{FF2B5EF4-FFF2-40B4-BE49-F238E27FC236}">
+                <a16:creationId xmlns:a16="http://schemas.microsoft.com/office/drawing/2014/main" id="{060342FF-6682-438D-E579-43801FBF279E}"/>
+              </a:ext>
+            </a:extLst>
+          </p:cNvPr>
+          <p:cNvSpPr>
+            <a:spLocks noGrp="1"/>
+          </p:cNvSpPr>
+          <p:nvPr>
+            <p:ph type="title"/>
+          </p:nvPr>
+        </p:nvSpPr>
+        <p:spPr/>
+        <p:txBody>
+          <a:bodyPr/>
+          <a:lstStyle/>
+          <a:p>
+            <a:r>
+              <a:rPr lang="en-US" dirty="0"/>
+              <a:t>Run 6</a:t>
+            </a:r>
+          </a:p>
+        </p:txBody>
+      </p:sp>
+      <p:pic>
+        <p:nvPicPr>
+          <p:cNvPr id="5" name="Content Placeholder 4" descr="A screenshot of a graph&#10;&#10;Description automatically generated">
+            <a:extLst>
+              <a:ext uri="{FF2B5EF4-FFF2-40B4-BE49-F238E27FC236}">
+                <a16:creationId xmlns:a16="http://schemas.microsoft.com/office/drawing/2014/main" id="{16DFD9CF-0A4E-75C0-842C-3EEB793C48FB}"/>
+              </a:ext>
+            </a:extLst>
+          </p:cNvPr>
+          <p:cNvPicPr>
+            <a:picLocks noGrp="1" noChangeAspect="1"/>
+          </p:cNvPicPr>
+          <p:nvPr>
+            <p:ph idx="1"/>
+          </p:nvPr>
+        </p:nvPicPr>
+        <p:blipFill>
+          <a:blip r:embed="rId2">
+            <a:extLst>
+              <a:ext uri="{28A0092B-C50C-407E-A947-70E740481C1C}">
+                <a14:useLocalDpi xmlns:a14="http://schemas.microsoft.com/office/drawing/2010/main" val="0"/>
+              </a:ext>
+            </a:extLst>
+          </a:blip>
+          <a:stretch>
+            <a:fillRect/>
+          </a:stretch>
+        </p:blipFill>
+        <p:spPr>
+          <a:xfrm>
+            <a:off x="3848101" y="0"/>
+            <a:ext cx="5124450" cy="6847957"/>
+          </a:xfrm>
+        </p:spPr>
+      </p:pic>
+    </p:spTree>
+    <p:extLst>
+      <p:ext uri="{BB962C8B-B14F-4D97-AF65-F5344CB8AC3E}">
+        <p14:creationId xmlns:p14="http://schemas.microsoft.com/office/powerpoint/2010/main" val="1375891329"/>
+      </p:ext>
+    </p:extLst>
+  </p:cSld>
+  <p:clrMapOvr>
+    <a:masterClrMapping/>
+  </p:clrMapOvr>
+</p:sld>
+</file>
+
+<file path=ppt/slides/slide3.xml><?xml version="1.0" encoding="utf-8"?>
+<p:sld xmlns:a="http://schemas.openxmlformats.org/drawingml/2006/main" xmlns:r="http://schemas.openxmlformats.org/officeDocument/2006/relationships" xmlns:p="http://schemas.openxmlformats.org/presentationml/2006/main">
+  <p:cSld>
+    <p:spTree>
+      <p:nvGrpSpPr>
+        <p:cNvPr id="1" name=""/>
+        <p:cNvGrpSpPr/>
+        <p:nvPr/>
+      </p:nvGrpSpPr>
+      <p:grpSpPr>
+        <a:xfrm>
+          <a:off x="0" y="0"/>
+          <a:ext cx="0" cy="0"/>
+          <a:chOff x="0" y="0"/>
+          <a:chExt cx="0" cy="0"/>
+        </a:xfrm>
+      </p:grpSpPr>
+      <p:sp>
+        <p:nvSpPr>
+          <p:cNvPr id="2" name="Title 1">
+            <a:extLst>
+              <a:ext uri="{FF2B5EF4-FFF2-40B4-BE49-F238E27FC236}">
+                <a16:creationId xmlns:a16="http://schemas.microsoft.com/office/drawing/2014/main" id="{89B55B7C-E959-6E5B-8FF2-2171A00BBA90}"/>
+              </a:ext>
+            </a:extLst>
+          </p:cNvPr>
+          <p:cNvSpPr>
+            <a:spLocks noGrp="1"/>
+          </p:cNvSpPr>
+          <p:nvPr>
+            <p:ph type="title"/>
+          </p:nvPr>
+        </p:nvSpPr>
+        <p:spPr/>
+        <p:txBody>
+          <a:bodyPr/>
+          <a:lstStyle/>
+          <a:p>
+            <a:r>
+              <a:rPr lang="en-US" dirty="0"/>
+              <a:t>Run 1 – no intermediate errors</a:t>
+            </a:r>
+          </a:p>
+        </p:txBody>
+      </p:sp>
+      <mc:AlternateContent xmlns:mc="http://schemas.openxmlformats.org/markup-compatibility/2006">
+        <mc:Choice xmlns:a14="http://schemas.microsoft.com/office/drawing/2010/main" Requires="a14">
           <p:sp>
             <p:nvSpPr>
               <p:cNvPr id="3" name="Content Placeholder 2">
@@ -6011,13 +7405,13 @@
                 <a14:m>
                   <m:oMath xmlns:m="http://schemas.openxmlformats.org/officeDocument/2006/math">
                     <m:r>
-                      <a:rPr lang="en-US" i="1" dirty="0" smtClean="0">
-                        <a:latin typeface="Cambria Math" panose="02040503050406030204" pitchFamily="18" charset="0"/>
-                      </a:rPr>
-                      <m:t>𝐿</m:t>
-                    </m:r>
-                    <m:r>
-                      <a:rPr lang="en-US" i="1" dirty="0" smtClean="0">
+                      <a:rPr lang="en-US" b="1" i="1" dirty="0" smtClean="0">
+                        <a:latin typeface="Cambria Math" panose="02040503050406030204" pitchFamily="18" charset="0"/>
+                      </a:rPr>
+                      <m:t>𝑳</m:t>
+                    </m:r>
+                    <m:r>
+                      <a:rPr lang="en-US" b="1" i="1" dirty="0" smtClean="0">
                         <a:latin typeface="Cambria Math" panose="02040503050406030204" pitchFamily="18" charset="0"/>
                       </a:rPr>
                       <m:t>∈</m:t>
@@ -6026,41 +7420,89 @@
                       <m:rPr>
                         <m:lit/>
                       </m:rPr>
-                      <a:rPr lang="en-US" i="1" dirty="0" smtClean="0">
+                      <a:rPr lang="en-US" b="1" i="1" dirty="0" smtClean="0">
                         <a:latin typeface="Cambria Math" panose="02040503050406030204" pitchFamily="18" charset="0"/>
                       </a:rPr>
                       <m:t>{</m:t>
                     </m:r>
                     <m:r>
-                      <a:rPr lang="en-US" i="1" dirty="0" smtClean="0">
-                        <a:latin typeface="Cambria Math" panose="02040503050406030204" pitchFamily="18" charset="0"/>
-                      </a:rPr>
-                      <m:t>20,40,60,80,100</m:t>
+                      <a:rPr lang="en-US" b="1" i="1" dirty="0" smtClean="0">
+                        <a:latin typeface="Cambria Math" panose="02040503050406030204" pitchFamily="18" charset="0"/>
+                      </a:rPr>
+                      <m:t>𝟐𝟎</m:t>
+                    </m:r>
+                    <m:r>
+                      <a:rPr lang="en-US" b="1" i="1" dirty="0" smtClean="0">
+                        <a:latin typeface="Cambria Math" panose="02040503050406030204" pitchFamily="18" charset="0"/>
+                      </a:rPr>
+                      <m:t>,</m:t>
+                    </m:r>
+                    <m:r>
+                      <a:rPr lang="en-US" b="1" i="1" dirty="0" smtClean="0">
+                        <a:latin typeface="Cambria Math" panose="02040503050406030204" pitchFamily="18" charset="0"/>
+                      </a:rPr>
+                      <m:t>𝟒𝟎</m:t>
+                    </m:r>
+                    <m:r>
+                      <a:rPr lang="en-US" b="1" i="1" dirty="0" smtClean="0">
+                        <a:latin typeface="Cambria Math" panose="02040503050406030204" pitchFamily="18" charset="0"/>
+                      </a:rPr>
+                      <m:t>,</m:t>
+                    </m:r>
+                    <m:r>
+                      <a:rPr lang="en-US" b="1" i="1" dirty="0" smtClean="0">
+                        <a:latin typeface="Cambria Math" panose="02040503050406030204" pitchFamily="18" charset="0"/>
+                      </a:rPr>
+                      <m:t>𝟔𝟎</m:t>
+                    </m:r>
+                    <m:r>
+                      <a:rPr lang="en-US" b="1" i="1" dirty="0" smtClean="0">
+                        <a:latin typeface="Cambria Math" panose="02040503050406030204" pitchFamily="18" charset="0"/>
+                      </a:rPr>
+                      <m:t>,</m:t>
+                    </m:r>
+                    <m:r>
+                      <a:rPr lang="en-US" b="1" i="1" dirty="0" smtClean="0">
+                        <a:latin typeface="Cambria Math" panose="02040503050406030204" pitchFamily="18" charset="0"/>
+                      </a:rPr>
+                      <m:t>𝟖𝟎</m:t>
+                    </m:r>
+                    <m:r>
+                      <a:rPr lang="en-US" b="1" i="1" dirty="0" smtClean="0">
+                        <a:latin typeface="Cambria Math" panose="02040503050406030204" pitchFamily="18" charset="0"/>
+                      </a:rPr>
+                      <m:t>,</m:t>
+                    </m:r>
+                    <m:r>
+                      <a:rPr lang="en-US" b="1" i="1" dirty="0" smtClean="0">
+                        <a:latin typeface="Cambria Math" panose="02040503050406030204" pitchFamily="18" charset="0"/>
+                      </a:rPr>
+                      <m:t>𝟏𝟎𝟎</m:t>
                     </m:r>
                     <m:r>
                       <m:rPr>
                         <m:lit/>
                       </m:rPr>
-                      <a:rPr lang="en-US" i="1" dirty="0" smtClean="0">
+                      <a:rPr lang="en-US" b="1" i="1" dirty="0" smtClean="0">
                         <a:latin typeface="Cambria Math" panose="02040503050406030204" pitchFamily="18" charset="0"/>
                       </a:rPr>
                       <m:t>}</m:t>
                     </m:r>
                   </m:oMath>
                 </a14:m>
-                <a:endParaRPr lang="en-US" dirty="0"/>
+                <a:endParaRPr lang="en-US" b="1" dirty="0"/>
               </a:p>
               <a:p>
                 <a14:m>
                   <m:oMath xmlns:m="http://schemas.openxmlformats.org/officeDocument/2006/math">
                     <m:r>
-                      <a:rPr lang="en-US" i="1" dirty="0" smtClean="0">
-                        <a:latin typeface="Cambria Math" panose="02040503050406030204" pitchFamily="18" charset="0"/>
-                      </a:rPr>
-                      <m:t>𝑐</m:t>
-                    </m:r>
-                    <m:r>
-                      <a:rPr lang="en-US" i="1" dirty="0" smtClean="0">
+                      <a:rPr lang="en-US" b="1" i="1" dirty="0" smtClean="0">
+                        <a:latin typeface="Cambria Math" panose="02040503050406030204" pitchFamily="18" charset="0"/>
+                      </a:rPr>
+                      <m:t>𝒄</m:t>
+                    </m:r>
+                    <m:r>
+                      <a:rPr lang="en-US" b="1" i="1" dirty="0" smtClean="0">
                         <a:latin typeface="Cambria Math" panose="02040503050406030204" pitchFamily="18" charset="0"/>
                       </a:rPr>
                       <m:t>∈</m:t>
@@ -6069,29 +7511,77 @@
                       <m:rPr>
                         <m:lit/>
                       </m:rPr>
-                      <a:rPr lang="en-US" i="1" dirty="0" smtClean="0">
+                      <a:rPr lang="en-US" b="1" i="1" dirty="0" smtClean="0">
                         <a:latin typeface="Cambria Math" panose="02040503050406030204" pitchFamily="18" charset="0"/>
                       </a:rPr>
                       <m:t>{</m:t>
                     </m:r>
                     <m:r>
-                      <a:rPr lang="en-US" i="1" dirty="0" smtClean="0">
-                        <a:latin typeface="Cambria Math" panose="02040503050406030204" pitchFamily="18" charset="0"/>
-                      </a:rPr>
-                      <m:t>2,4,8,16,32</m:t>
+                      <a:rPr lang="en-US" b="1" i="1" dirty="0" smtClean="0">
+                        <a:latin typeface="Cambria Math" panose="02040503050406030204" pitchFamily="18" charset="0"/>
+                      </a:rPr>
+                      <m:t>𝟐</m:t>
+                    </m:r>
+                    <m:r>
+                      <a:rPr lang="en-US" b="1" i="1" dirty="0" smtClean="0">
+                        <a:latin typeface="Cambria Math" panose="02040503050406030204" pitchFamily="18" charset="0"/>
+                      </a:rPr>
+                      <m:t>,</m:t>
+                    </m:r>
+                    <m:r>
+                      <a:rPr lang="en-US" b="1" i="1" dirty="0" smtClean="0">
+                        <a:latin typeface="Cambria Math" panose="02040503050406030204" pitchFamily="18" charset="0"/>
+                      </a:rPr>
+                      <m:t>𝟒</m:t>
+                    </m:r>
+                    <m:r>
+                      <a:rPr lang="en-US" b="1" i="1" dirty="0" smtClean="0">
+                        <a:latin typeface="Cambria Math" panose="02040503050406030204" pitchFamily="18" charset="0"/>
+                      </a:rPr>
+                      <m:t>,</m:t>
+                    </m:r>
+                    <m:r>
+                      <a:rPr lang="en-US" b="1" i="1" dirty="0" smtClean="0">
+                        <a:latin typeface="Cambria Math" panose="02040503050406030204" pitchFamily="18" charset="0"/>
+                      </a:rPr>
+                      <m:t>𝟖</m:t>
+                    </m:r>
+                    <m:r>
+                      <a:rPr lang="en-US" b="1" i="1" dirty="0" smtClean="0">
+                        <a:latin typeface="Cambria Math" panose="02040503050406030204" pitchFamily="18" charset="0"/>
+                      </a:rPr>
+                      <m:t>,</m:t>
+                    </m:r>
+                    <m:r>
+                      <a:rPr lang="en-US" b="1" i="1" dirty="0" smtClean="0">
+                        <a:latin typeface="Cambria Math" panose="02040503050406030204" pitchFamily="18" charset="0"/>
+                      </a:rPr>
+                      <m:t>𝟏𝟔</m:t>
+                    </m:r>
+                    <m:r>
+                      <a:rPr lang="en-US" b="1" i="1" dirty="0" smtClean="0">
+                        <a:latin typeface="Cambria Math" panose="02040503050406030204" pitchFamily="18" charset="0"/>
+                      </a:rPr>
+                      <m:t>,</m:t>
+                    </m:r>
+                    <m:r>
+                      <a:rPr lang="en-US" b="1" i="1" dirty="0" smtClean="0">
+                        <a:latin typeface="Cambria Math" panose="02040503050406030204" pitchFamily="18" charset="0"/>
+                      </a:rPr>
+                      <m:t>𝟑𝟐</m:t>
                     </m:r>
                     <m:r>
                       <m:rPr>
                         <m:lit/>
                       </m:rPr>
-                      <a:rPr lang="en-US" i="1" dirty="0" smtClean="0">
+                      <a:rPr lang="en-US" b="1" i="1" dirty="0" smtClean="0">
                         <a:latin typeface="Cambria Math" panose="02040503050406030204" pitchFamily="18" charset="0"/>
                       </a:rPr>
                       <m:t>}</m:t>
                     </m:r>
                   </m:oMath>
                 </a14:m>
-                <a:endParaRPr lang="en-US" dirty="0"/>
+                <a:endParaRPr lang="en-US" b="1" dirty="0"/>
               </a:p>
               <a:p>
                 <a14:m>
@@ -6225,10 +7715,16 @@
                   <a:t>10000 shots</a:t>
                 </a:r>
               </a:p>
+              <a:p>
+                <a:r>
+                  <a:rPr lang="en-US" dirty="0"/>
+                  <a:t>1 hour, 4 CPUs / task</a:t>
+                </a:r>
+              </a:p>
             </p:txBody>
           </p:sp>
         </mc:Choice>
-        <mc:Fallback xmlns="">
+        <mc:Fallback>
           <p:sp>
             <p:nvSpPr>
               <p:cNvPr id="3" name="Content Placeholder 2">
@@ -6281,171 +7777,6 @@
 </p:sld>
 </file>
 
-<file path=ppt/slides/slide3.xml><?xml version="1.0" encoding="utf-8"?>
-<p:sld xmlns:a="http://schemas.openxmlformats.org/drawingml/2006/main" xmlns:r="http://schemas.openxmlformats.org/officeDocument/2006/relationships" xmlns:p="http://schemas.openxmlformats.org/presentationml/2006/main">
-  <p:cSld>
-    <p:spTree>
-      <p:nvGrpSpPr>
-        <p:cNvPr id="1" name=""/>
-        <p:cNvGrpSpPr/>
-        <p:nvPr/>
-      </p:nvGrpSpPr>
-      <p:grpSpPr>
-        <a:xfrm>
-          <a:off x="0" y="0"/>
-          <a:ext cx="0" cy="0"/>
-          <a:chOff x="0" y="0"/>
-          <a:chExt cx="0" cy="0"/>
-        </a:xfrm>
-      </p:grpSpPr>
-      <p:sp>
-        <p:nvSpPr>
-          <p:cNvPr id="2" name="Title 1">
-            <a:extLst>
-              <a:ext uri="{FF2B5EF4-FFF2-40B4-BE49-F238E27FC236}">
-                <a16:creationId xmlns:a16="http://schemas.microsoft.com/office/drawing/2014/main" id="{D44C0DBF-AC8A-58C6-F6DA-7185F99E7705}"/>
-              </a:ext>
-            </a:extLst>
-          </p:cNvPr>
-          <p:cNvSpPr>
-            <a:spLocks noGrp="1"/>
-          </p:cNvSpPr>
-          <p:nvPr>
-            <p:ph type="title"/>
-          </p:nvPr>
-        </p:nvSpPr>
-        <p:spPr/>
-        <p:txBody>
-          <a:bodyPr/>
-          <a:lstStyle/>
-          <a:p>
-            <a:r>
-              <a:rPr lang="en-US" dirty="0"/>
-              <a:t>Run 1</a:t>
-            </a:r>
-          </a:p>
-        </p:txBody>
-      </p:sp>
-      <p:pic>
-        <p:nvPicPr>
-          <p:cNvPr id="5" name="Content Placeholder 4" descr="A graph of a failure rate&#10;&#10;Description automatically generated">
-            <a:extLst>
-              <a:ext uri="{FF2B5EF4-FFF2-40B4-BE49-F238E27FC236}">
-                <a16:creationId xmlns:a16="http://schemas.microsoft.com/office/drawing/2014/main" id="{B14AD375-3F83-1356-EDFB-E684C8601403}"/>
-              </a:ext>
-            </a:extLst>
-          </p:cNvPr>
-          <p:cNvPicPr>
-            <a:picLocks noGrp="1" noChangeAspect="1"/>
-          </p:cNvPicPr>
-          <p:nvPr>
-            <p:ph idx="1"/>
-          </p:nvPr>
-        </p:nvPicPr>
-        <p:blipFill>
-          <a:blip r:embed="rId2">
-            <a:extLst>
-              <a:ext uri="{28A0092B-C50C-407E-A947-70E740481C1C}">
-                <a14:useLocalDpi xmlns:a14="http://schemas.microsoft.com/office/drawing/2010/main" val="0"/>
-              </a:ext>
-            </a:extLst>
-          </a:blip>
-          <a:stretch>
-            <a:fillRect/>
-          </a:stretch>
-        </p:blipFill>
-        <p:spPr>
-          <a:xfrm>
-            <a:off x="-232088" y="1200932"/>
-            <a:ext cx="4351338" cy="4351338"/>
-          </a:xfrm>
-        </p:spPr>
-      </p:pic>
-      <p:pic>
-        <p:nvPicPr>
-          <p:cNvPr id="7" name="Picture 6" descr="A graph of a graph of a failure rate&#10;&#10;Description automatically generated with medium confidence">
-            <a:extLst>
-              <a:ext uri="{FF2B5EF4-FFF2-40B4-BE49-F238E27FC236}">
-                <a16:creationId xmlns:a16="http://schemas.microsoft.com/office/drawing/2014/main" id="{E2CC82EE-9CB3-D748-F6FF-AEF24504E100}"/>
-              </a:ext>
-            </a:extLst>
-          </p:cNvPr>
-          <p:cNvPicPr>
-            <a:picLocks noChangeAspect="1"/>
-          </p:cNvPicPr>
-          <p:nvPr/>
-        </p:nvPicPr>
-        <p:blipFill>
-          <a:blip r:embed="rId3">
-            <a:extLst>
-              <a:ext uri="{28A0092B-C50C-407E-A947-70E740481C1C}">
-                <a14:useLocalDpi xmlns:a14="http://schemas.microsoft.com/office/drawing/2010/main" val="0"/>
-              </a:ext>
-            </a:extLst>
-          </a:blip>
-          <a:stretch>
-            <a:fillRect/>
-          </a:stretch>
-        </p:blipFill>
-        <p:spPr>
-          <a:xfrm>
-            <a:off x="3979685" y="1027905"/>
-            <a:ext cx="4388757" cy="4388757"/>
-          </a:xfrm>
-          <a:prstGeom prst="rect">
-            <a:avLst/>
-          </a:prstGeom>
-        </p:spPr>
-      </p:pic>
-      <p:pic>
-        <p:nvPicPr>
-          <p:cNvPr id="9" name="Picture 8" descr="A graph of a graph of a failure rate&#10;&#10;Description automatically generated with medium confidence">
-            <a:extLst>
-              <a:ext uri="{FF2B5EF4-FFF2-40B4-BE49-F238E27FC236}">
-                <a16:creationId xmlns:a16="http://schemas.microsoft.com/office/drawing/2014/main" id="{F8A9EEF5-B128-FCD2-F13C-8A87758AAB1A}"/>
-              </a:ext>
-            </a:extLst>
-          </p:cNvPr>
-          <p:cNvPicPr>
-            <a:picLocks noChangeAspect="1"/>
-          </p:cNvPicPr>
-          <p:nvPr/>
-        </p:nvPicPr>
-        <p:blipFill>
-          <a:blip r:embed="rId4">
-            <a:extLst>
-              <a:ext uri="{28A0092B-C50C-407E-A947-70E740481C1C}">
-                <a14:useLocalDpi xmlns:a14="http://schemas.microsoft.com/office/drawing/2010/main" val="0"/>
-              </a:ext>
-            </a:extLst>
-          </a:blip>
-          <a:stretch>
-            <a:fillRect/>
-          </a:stretch>
-        </p:blipFill>
-        <p:spPr>
-          <a:xfrm>
-            <a:off x="8035331" y="1027905"/>
-            <a:ext cx="4388757" cy="4388757"/>
-          </a:xfrm>
-          <a:prstGeom prst="rect">
-            <a:avLst/>
-          </a:prstGeom>
-        </p:spPr>
-      </p:pic>
-    </p:spTree>
-    <p:extLst>
-      <p:ext uri="{BB962C8B-B14F-4D97-AF65-F5344CB8AC3E}">
-        <p14:creationId xmlns:p14="http://schemas.microsoft.com/office/powerpoint/2010/main" val="3914391467"/>
-      </p:ext>
-    </p:extLst>
-  </p:cSld>
-  <p:clrMapOvr>
-    <a:masterClrMapping/>
-  </p:clrMapOvr>
-</p:sld>
-</file>
-
 <file path=ppt/slides/slide4.xml><?xml version="1.0" encoding="utf-8"?>
 <p:sld xmlns:a="http://schemas.openxmlformats.org/drawingml/2006/main" xmlns:r="http://schemas.openxmlformats.org/officeDocument/2006/relationships" xmlns:p="http://schemas.openxmlformats.org/presentationml/2006/main">
   <p:cSld>
@@ -6468,7 +7799,7 @@
           <p:cNvPr id="2" name="Title 1">
             <a:extLst>
               <a:ext uri="{FF2B5EF4-FFF2-40B4-BE49-F238E27FC236}">
-                <a16:creationId xmlns:a16="http://schemas.microsoft.com/office/drawing/2014/main" id="{4C190611-477D-7183-A940-7F5895A6D4BA}"/>
+                <a16:creationId xmlns:a16="http://schemas.microsoft.com/office/drawing/2014/main" id="{D44C0DBF-AC8A-58C6-F6DA-7185F99E7705}"/>
               </a:ext>
             </a:extLst>
           </p:cNvPr>
@@ -6486,13 +7817,178 @@
           <a:p>
             <a:r>
               <a:rPr lang="en-US" dirty="0"/>
-              <a:t>Run 2</a:t>
+              <a:t>Run 1</a:t>
             </a:r>
           </a:p>
         </p:txBody>
       </p:sp>
-      <mc:AlternateContent xmlns:mc="http://schemas.openxmlformats.org/markup-compatibility/2006" xmlns:a14="http://schemas.microsoft.com/office/drawing/2010/main">
-        <mc:Choice Requires="a14">
+      <p:pic>
+        <p:nvPicPr>
+          <p:cNvPr id="8" name="Content Placeholder 7" descr="A screenshot of a graph&#10;&#10;Description automatically generated">
+            <a:extLst>
+              <a:ext uri="{FF2B5EF4-FFF2-40B4-BE49-F238E27FC236}">
+                <a16:creationId xmlns:a16="http://schemas.microsoft.com/office/drawing/2014/main" id="{AE68650A-1938-D6A2-71D6-128425B4AB98}"/>
+              </a:ext>
+            </a:extLst>
+          </p:cNvPr>
+          <p:cNvPicPr>
+            <a:picLocks noGrp="1" noChangeAspect="1"/>
+          </p:cNvPicPr>
+          <p:nvPr>
+            <p:ph idx="1"/>
+          </p:nvPr>
+        </p:nvPicPr>
+        <p:blipFill>
+          <a:blip r:embed="rId2">
+            <a:extLst>
+              <a:ext uri="{28A0092B-C50C-407E-A947-70E740481C1C}">
+                <a14:useLocalDpi xmlns:a14="http://schemas.microsoft.com/office/drawing/2010/main" val="0"/>
+              </a:ext>
+            </a:extLst>
+          </a:blip>
+          <a:stretch>
+            <a:fillRect/>
+          </a:stretch>
+        </p:blipFill>
+        <p:spPr>
+          <a:xfrm>
+            <a:off x="3866896" y="1922725"/>
+            <a:ext cx="3987130" cy="3499407"/>
+          </a:xfrm>
+        </p:spPr>
+      </p:pic>
+      <p:pic>
+        <p:nvPicPr>
+          <p:cNvPr id="11" name="Picture 10" descr="A graph of different colors&#10;&#10;Description automatically generated with medium confidence">
+            <a:extLst>
+              <a:ext uri="{FF2B5EF4-FFF2-40B4-BE49-F238E27FC236}">
+                <a16:creationId xmlns:a16="http://schemas.microsoft.com/office/drawing/2014/main" id="{F5F32B76-763F-6CB0-CF72-541ECEF40054}"/>
+              </a:ext>
+            </a:extLst>
+          </p:cNvPr>
+          <p:cNvPicPr>
+            <a:picLocks noChangeAspect="1"/>
+          </p:cNvPicPr>
+          <p:nvPr/>
+        </p:nvPicPr>
+        <p:blipFill>
+          <a:blip r:embed="rId3">
+            <a:extLst>
+              <a:ext uri="{28A0092B-C50C-407E-A947-70E740481C1C}">
+                <a14:useLocalDpi xmlns:a14="http://schemas.microsoft.com/office/drawing/2010/main" val="0"/>
+              </a:ext>
+            </a:extLst>
+          </a:blip>
+          <a:stretch>
+            <a:fillRect/>
+          </a:stretch>
+        </p:blipFill>
+        <p:spPr>
+          <a:xfrm>
+            <a:off x="0" y="1953207"/>
+            <a:ext cx="3743268" cy="3468925"/>
+          </a:xfrm>
+          <a:prstGeom prst="rect">
+            <a:avLst/>
+          </a:prstGeom>
+        </p:spPr>
+      </p:pic>
+      <p:pic>
+        <p:nvPicPr>
+          <p:cNvPr id="13" name="Picture 12" descr="A graph with different colored squares&#10;&#10;Description automatically generated">
+            <a:extLst>
+              <a:ext uri="{FF2B5EF4-FFF2-40B4-BE49-F238E27FC236}">
+                <a16:creationId xmlns:a16="http://schemas.microsoft.com/office/drawing/2014/main" id="{EF825FE7-1684-55AD-3BD4-2DA54FF4CC7E}"/>
+              </a:ext>
+            </a:extLst>
+          </p:cNvPr>
+          <p:cNvPicPr>
+            <a:picLocks noChangeAspect="1"/>
+          </p:cNvPicPr>
+          <p:nvPr/>
+        </p:nvPicPr>
+        <p:blipFill>
+          <a:blip r:embed="rId4">
+            <a:extLst>
+              <a:ext uri="{28A0092B-C50C-407E-A947-70E740481C1C}">
+                <a14:useLocalDpi xmlns:a14="http://schemas.microsoft.com/office/drawing/2010/main" val="0"/>
+              </a:ext>
+            </a:extLst>
+          </a:blip>
+          <a:stretch>
+            <a:fillRect/>
+          </a:stretch>
+        </p:blipFill>
+        <p:spPr>
+          <a:xfrm>
+            <a:off x="8193451" y="1953207"/>
+            <a:ext cx="3907875" cy="3456732"/>
+          </a:xfrm>
+          <a:prstGeom prst="rect">
+            <a:avLst/>
+          </a:prstGeom>
+        </p:spPr>
+      </p:pic>
+    </p:spTree>
+    <p:extLst>
+      <p:ext uri="{BB962C8B-B14F-4D97-AF65-F5344CB8AC3E}">
+        <p14:creationId xmlns:p14="http://schemas.microsoft.com/office/powerpoint/2010/main" val="3914391467"/>
+      </p:ext>
+    </p:extLst>
+  </p:cSld>
+  <p:clrMapOvr>
+    <a:masterClrMapping/>
+  </p:clrMapOvr>
+</p:sld>
+</file>
+
+<file path=ppt/slides/slide5.xml><?xml version="1.0" encoding="utf-8"?>
+<p:sld xmlns:a="http://schemas.openxmlformats.org/drawingml/2006/main" xmlns:r="http://schemas.openxmlformats.org/officeDocument/2006/relationships" xmlns:p="http://schemas.openxmlformats.org/presentationml/2006/main">
+  <p:cSld>
+    <p:spTree>
+      <p:nvGrpSpPr>
+        <p:cNvPr id="1" name=""/>
+        <p:cNvGrpSpPr/>
+        <p:nvPr/>
+      </p:nvGrpSpPr>
+      <p:grpSpPr>
+        <a:xfrm>
+          <a:off x="0" y="0"/>
+          <a:ext cx="0" cy="0"/>
+          <a:chOff x="0" y="0"/>
+          <a:chExt cx="0" cy="0"/>
+        </a:xfrm>
+      </p:grpSpPr>
+      <p:sp>
+        <p:nvSpPr>
+          <p:cNvPr id="2" name="Title 1">
+            <a:extLst>
+              <a:ext uri="{FF2B5EF4-FFF2-40B4-BE49-F238E27FC236}">
+                <a16:creationId xmlns:a16="http://schemas.microsoft.com/office/drawing/2014/main" id="{4C190611-477D-7183-A940-7F5895A6D4BA}"/>
+              </a:ext>
+            </a:extLst>
+          </p:cNvPr>
+          <p:cNvSpPr>
+            <a:spLocks noGrp="1"/>
+          </p:cNvSpPr>
+          <p:nvPr>
+            <p:ph type="title"/>
+          </p:nvPr>
+        </p:nvSpPr>
+        <p:spPr/>
+        <p:txBody>
+          <a:bodyPr/>
+          <a:lstStyle/>
+          <a:p>
+            <a:r>
+              <a:rPr lang="en-US" dirty="0"/>
+              <a:t>Run 2 – intermediate errors</a:t>
+            </a:r>
+          </a:p>
+        </p:txBody>
+      </p:sp>
+      <mc:AlternateContent xmlns:mc="http://schemas.openxmlformats.org/markup-compatibility/2006">
+        <mc:Choice xmlns:a14="http://schemas.microsoft.com/office/drawing/2010/main" Requires="a14">
           <p:sp>
             <p:nvSpPr>
               <p:cNvPr id="3" name="Content Placeholder 2">
@@ -6517,13 +8013,13 @@
                 <a14:m>
                   <m:oMath xmlns:m="http://schemas.openxmlformats.org/officeDocument/2006/math">
                     <m:r>
-                      <a:rPr lang="en-US" i="1" dirty="0" smtClean="0">
-                        <a:latin typeface="Cambria Math" panose="02040503050406030204" pitchFamily="18" charset="0"/>
-                      </a:rPr>
-                      <m:t>𝐿</m:t>
-                    </m:r>
-                    <m:r>
-                      <a:rPr lang="en-US" i="1" dirty="0" smtClean="0">
+                      <a:rPr lang="en-US" b="1" i="1" dirty="0" smtClean="0">
+                        <a:latin typeface="Cambria Math" panose="02040503050406030204" pitchFamily="18" charset="0"/>
+                      </a:rPr>
+                      <m:t>𝑳</m:t>
+                    </m:r>
+                    <m:r>
+                      <a:rPr lang="en-US" b="1" i="1" dirty="0" smtClean="0">
                         <a:latin typeface="Cambria Math" panose="02040503050406030204" pitchFamily="18" charset="0"/>
                       </a:rPr>
                       <m:t>∈</m:t>
@@ -6532,53 +8028,77 @@
                       <m:rPr>
                         <m:lit/>
                       </m:rPr>
-                      <a:rPr lang="en-US" i="1" dirty="0" smtClean="0">
+                      <a:rPr lang="en-US" b="1" i="1" dirty="0" smtClean="0">
                         <a:latin typeface="Cambria Math" panose="02040503050406030204" pitchFamily="18" charset="0"/>
                       </a:rPr>
                       <m:t>{</m:t>
                     </m:r>
                     <m:r>
-                      <a:rPr lang="en-US" i="1" dirty="0" smtClean="0">
-                        <a:latin typeface="Cambria Math" panose="02040503050406030204" pitchFamily="18" charset="0"/>
-                      </a:rPr>
-                      <m:t>20,40,60,</m:t>
-                    </m:r>
-                    <m:r>
-                      <a:rPr lang="en-US" b="0" i="1" dirty="0" smtClean="0">
-                        <a:latin typeface="Cambria Math" panose="02040503050406030204" pitchFamily="18" charset="0"/>
-                      </a:rPr>
-                      <m:t>…</m:t>
-                    </m:r>
-                    <m:r>
-                      <a:rPr lang="en-US" i="1" dirty="0" smtClean="0">
-                        <a:latin typeface="Cambria Math" panose="02040503050406030204" pitchFamily="18" charset="0"/>
-                      </a:rPr>
-                      <m:t>,200</m:t>
+                      <a:rPr lang="en-US" b="1" i="1" dirty="0" smtClean="0">
+                        <a:latin typeface="Cambria Math" panose="02040503050406030204" pitchFamily="18" charset="0"/>
+                      </a:rPr>
+                      <m:t>𝟐𝟎</m:t>
+                    </m:r>
+                    <m:r>
+                      <a:rPr lang="en-US" b="1" i="1" dirty="0" smtClean="0">
+                        <a:latin typeface="Cambria Math" panose="02040503050406030204" pitchFamily="18" charset="0"/>
+                      </a:rPr>
+                      <m:t>,</m:t>
+                    </m:r>
+                    <m:r>
+                      <a:rPr lang="en-US" b="1" i="1" dirty="0" smtClean="0">
+                        <a:latin typeface="Cambria Math" panose="02040503050406030204" pitchFamily="18" charset="0"/>
+                      </a:rPr>
+                      <m:t>𝟒𝟎</m:t>
+                    </m:r>
+                    <m:r>
+                      <a:rPr lang="en-US" b="1" i="1" dirty="0" smtClean="0">
+                        <a:latin typeface="Cambria Math" panose="02040503050406030204" pitchFamily="18" charset="0"/>
+                      </a:rPr>
+                      <m:t>,</m:t>
+                    </m:r>
+                    <m:r>
+                      <a:rPr lang="en-US" b="1" i="1" dirty="0" smtClean="0">
+                        <a:latin typeface="Cambria Math" panose="02040503050406030204" pitchFamily="18" charset="0"/>
+                      </a:rPr>
+                      <m:t>𝟔𝟎</m:t>
+                    </m:r>
+                    <m:r>
+                      <a:rPr lang="en-US" b="1" i="1" dirty="0" smtClean="0">
+                        <a:latin typeface="Cambria Math" panose="02040503050406030204" pitchFamily="18" charset="0"/>
+                      </a:rPr>
+                      <m:t>,…,</m:t>
+                    </m:r>
+                    <m:r>
+                      <a:rPr lang="en-US" b="1" i="1" dirty="0" smtClean="0">
+                        <a:latin typeface="Cambria Math" panose="02040503050406030204" pitchFamily="18" charset="0"/>
+                      </a:rPr>
+                      <m:t>𝟐𝟎𝟎</m:t>
                     </m:r>
                     <m:r>
                       <m:rPr>
                         <m:lit/>
                       </m:rPr>
-                      <a:rPr lang="en-US" i="1" dirty="0" smtClean="0">
+                      <a:rPr lang="en-US" b="1" i="1" dirty="0" smtClean="0">
                         <a:latin typeface="Cambria Math" panose="02040503050406030204" pitchFamily="18" charset="0"/>
                       </a:rPr>
                       <m:t>}</m:t>
                     </m:r>
                   </m:oMath>
                 </a14:m>
-                <a:endParaRPr lang="en-US" dirty="0"/>
+                <a:endParaRPr lang="en-US" b="1" dirty="0"/>
               </a:p>
               <a:p>
                 <a14:m>
                   <m:oMath xmlns:m="http://schemas.openxmlformats.org/officeDocument/2006/math">
                     <m:r>
-                      <a:rPr lang="en-US" i="1" dirty="0" smtClean="0">
-                        <a:latin typeface="Cambria Math" panose="02040503050406030204" pitchFamily="18" charset="0"/>
-                      </a:rPr>
-                      <m:t>𝑐</m:t>
-                    </m:r>
-                    <m:r>
-                      <a:rPr lang="en-US" i="1" dirty="0" smtClean="0">
+                      <a:rPr lang="en-US" b="1" i="1" dirty="0" smtClean="0">
+                        <a:latin typeface="Cambria Math" panose="02040503050406030204" pitchFamily="18" charset="0"/>
+                      </a:rPr>
+                      <m:t>𝒄</m:t>
+                    </m:r>
+                    <m:r>
+                      <a:rPr lang="en-US" b="1" i="1" dirty="0" smtClean="0">
                         <a:latin typeface="Cambria Math" panose="02040503050406030204" pitchFamily="18" charset="0"/>
                       </a:rPr>
                       <m:t>∈</m:t>
@@ -6587,41 +8107,65 @@
                       <m:rPr>
                         <m:lit/>
                       </m:rPr>
-                      <a:rPr lang="en-US" i="1" dirty="0" smtClean="0">
+                      <a:rPr lang="en-US" b="1" i="1" dirty="0" smtClean="0">
                         <a:latin typeface="Cambria Math" panose="02040503050406030204" pitchFamily="18" charset="0"/>
                       </a:rPr>
                       <m:t>{</m:t>
                     </m:r>
                     <m:r>
-                      <a:rPr lang="en-US" i="1" dirty="0" smtClean="0">
-                        <a:latin typeface="Cambria Math" panose="02040503050406030204" pitchFamily="18" charset="0"/>
-                      </a:rPr>
-                      <m:t>2,4,8,</m:t>
-                    </m:r>
-                    <m:r>
-                      <a:rPr lang="en-US" b="0" i="1" dirty="0" smtClean="0">
-                        <a:latin typeface="Cambria Math" panose="02040503050406030204" pitchFamily="18" charset="0"/>
-                      </a:rPr>
-                      <m:t>…</m:t>
-                    </m:r>
-                    <m:r>
-                      <a:rPr lang="en-US" i="1" dirty="0" smtClean="0">
-                        <a:latin typeface="Cambria Math" panose="02040503050406030204" pitchFamily="18" charset="0"/>
-                      </a:rPr>
-                      <m:t>,64</m:t>
+                      <a:rPr lang="en-US" b="1" i="1" dirty="0" smtClean="0">
+                        <a:latin typeface="Cambria Math" panose="02040503050406030204" pitchFamily="18" charset="0"/>
+                      </a:rPr>
+                      <m:t>𝟐</m:t>
+                    </m:r>
+                    <m:r>
+                      <a:rPr lang="en-US" b="1" i="1" dirty="0" smtClean="0">
+                        <a:latin typeface="Cambria Math" panose="02040503050406030204" pitchFamily="18" charset="0"/>
+                      </a:rPr>
+                      <m:t>,</m:t>
+                    </m:r>
+                    <m:r>
+                      <a:rPr lang="en-US" b="1" i="1" dirty="0" smtClean="0">
+                        <a:latin typeface="Cambria Math" panose="02040503050406030204" pitchFamily="18" charset="0"/>
+                      </a:rPr>
+                      <m:t>𝟒</m:t>
+                    </m:r>
+                    <m:r>
+                      <a:rPr lang="en-US" b="1" i="1" dirty="0" smtClean="0">
+                        <a:latin typeface="Cambria Math" panose="02040503050406030204" pitchFamily="18" charset="0"/>
+                      </a:rPr>
+                      <m:t>,</m:t>
+                    </m:r>
+                    <m:r>
+                      <a:rPr lang="en-US" b="1" i="1" dirty="0" smtClean="0">
+                        <a:latin typeface="Cambria Math" panose="02040503050406030204" pitchFamily="18" charset="0"/>
+                      </a:rPr>
+                      <m:t>𝟖</m:t>
+                    </m:r>
+                    <m:r>
+                      <a:rPr lang="en-US" b="1" i="1" dirty="0" smtClean="0">
+                        <a:latin typeface="Cambria Math" panose="02040503050406030204" pitchFamily="18" charset="0"/>
+                      </a:rPr>
+                      <m:t>,…,</m:t>
+                    </m:r>
+                    <m:r>
+                      <a:rPr lang="en-US" b="1" i="1" dirty="0" smtClean="0">
+                        <a:latin typeface="Cambria Math" panose="02040503050406030204" pitchFamily="18" charset="0"/>
+                      </a:rPr>
+                      <m:t>𝟔𝟒</m:t>
                     </m:r>
                     <m:r>
                       <m:rPr>
                         <m:lit/>
                       </m:rPr>
-                      <a:rPr lang="en-US" i="1" dirty="0" smtClean="0">
+                      <a:rPr lang="en-US" b="1" i="1" dirty="0" smtClean="0">
                         <a:latin typeface="Cambria Math" panose="02040503050406030204" pitchFamily="18" charset="0"/>
                       </a:rPr>
                       <m:t>}</m:t>
                     </m:r>
                   </m:oMath>
                 </a14:m>
-                <a:endParaRPr lang="en-US" dirty="0"/>
+                <a:endParaRPr lang="en-US" b="1" dirty="0"/>
               </a:p>
               <a:p>
                 <a14:m>
@@ -6695,13 +8239,13 @@
               <a:p>
                 <a:r>
                   <a:rPr lang="en-US" dirty="0"/>
-                  <a:t>4 hours, 8 CPUs per task</a:t>
+                  <a:t>4 hours, 8 CPUs / task</a:t>
                 </a:r>
               </a:p>
             </p:txBody>
           </p:sp>
         </mc:Choice>
-        <mc:Fallback xmlns="">
+        <mc:Fallback>
           <p:sp>
             <p:nvSpPr>
               <p:cNvPr id="3" name="Content Placeholder 2">
@@ -6754,135 +8298,6 @@
 </p:sld>
 </file>
 
-<file path=ppt/slides/slide5.xml><?xml version="1.0" encoding="utf-8"?>
-<p:sld xmlns:a="http://schemas.openxmlformats.org/drawingml/2006/main" xmlns:r="http://schemas.openxmlformats.org/officeDocument/2006/relationships" xmlns:p="http://schemas.openxmlformats.org/presentationml/2006/main">
-  <p:cSld>
-    <p:spTree>
-      <p:nvGrpSpPr>
-        <p:cNvPr id="1" name=""/>
-        <p:cNvGrpSpPr/>
-        <p:nvPr/>
-      </p:nvGrpSpPr>
-      <p:grpSpPr>
-        <a:xfrm>
-          <a:off x="0" y="0"/>
-          <a:ext cx="0" cy="0"/>
-          <a:chOff x="0" y="0"/>
-          <a:chExt cx="0" cy="0"/>
-        </a:xfrm>
-      </p:grpSpPr>
-      <p:sp>
-        <p:nvSpPr>
-          <p:cNvPr id="2" name="Title 1">
-            <a:extLst>
-              <a:ext uri="{FF2B5EF4-FFF2-40B4-BE49-F238E27FC236}">
-                <a16:creationId xmlns:a16="http://schemas.microsoft.com/office/drawing/2014/main" id="{D849D6E1-C25D-645A-F29E-61D9CCA0F547}"/>
-              </a:ext>
-            </a:extLst>
-          </p:cNvPr>
-          <p:cNvSpPr>
-            <a:spLocks noGrp="1"/>
-          </p:cNvSpPr>
-          <p:nvPr>
-            <p:ph type="title"/>
-          </p:nvPr>
-        </p:nvSpPr>
-        <p:spPr/>
-        <p:txBody>
-          <a:bodyPr/>
-          <a:lstStyle/>
-          <a:p>
-            <a:r>
-              <a:rPr lang="en-US" dirty="0"/>
-              <a:t>Run 2</a:t>
-            </a:r>
-          </a:p>
-        </p:txBody>
-      </p:sp>
-      <p:pic>
-        <p:nvPicPr>
-          <p:cNvPr id="5" name="Content Placeholder 4" descr="A graph of a failure rate&#10;&#10;Description automatically generated">
-            <a:extLst>
-              <a:ext uri="{FF2B5EF4-FFF2-40B4-BE49-F238E27FC236}">
-                <a16:creationId xmlns:a16="http://schemas.microsoft.com/office/drawing/2014/main" id="{08B411F7-4B3A-F340-7BC5-6E89FBEB5E86}"/>
-              </a:ext>
-            </a:extLst>
-          </p:cNvPr>
-          <p:cNvPicPr>
-            <a:picLocks noGrp="1" noChangeAspect="1"/>
-          </p:cNvPicPr>
-          <p:nvPr>
-            <p:ph idx="1"/>
-          </p:nvPr>
-        </p:nvPicPr>
-        <p:blipFill>
-          <a:blip r:embed="rId2">
-            <a:extLst>
-              <a:ext uri="{28A0092B-C50C-407E-A947-70E740481C1C}">
-                <a14:useLocalDpi xmlns:a14="http://schemas.microsoft.com/office/drawing/2010/main" val="0"/>
-              </a:ext>
-            </a:extLst>
-          </a:blip>
-          <a:stretch>
-            <a:fillRect/>
-          </a:stretch>
-        </p:blipFill>
-        <p:spPr>
-          <a:xfrm>
-            <a:off x="994251" y="1430989"/>
-            <a:ext cx="4351338" cy="4351338"/>
-          </a:xfrm>
-        </p:spPr>
-      </p:pic>
-      <p:pic>
-        <p:nvPicPr>
-          <p:cNvPr id="7" name="Picture 6" descr="A graph of different colors&#10;&#10;Description automatically generated">
-            <a:extLst>
-              <a:ext uri="{FF2B5EF4-FFF2-40B4-BE49-F238E27FC236}">
-                <a16:creationId xmlns:a16="http://schemas.microsoft.com/office/drawing/2014/main" id="{F0DC809E-9301-091A-DF82-2CF390705CBB}"/>
-              </a:ext>
-            </a:extLst>
-          </p:cNvPr>
-          <p:cNvPicPr>
-            <a:picLocks noChangeAspect="1"/>
-          </p:cNvPicPr>
-          <p:nvPr/>
-        </p:nvPicPr>
-        <p:blipFill>
-          <a:blip r:embed="rId3">
-            <a:extLst>
-              <a:ext uri="{28A0092B-C50C-407E-A947-70E740481C1C}">
-                <a14:useLocalDpi xmlns:a14="http://schemas.microsoft.com/office/drawing/2010/main" val="0"/>
-              </a:ext>
-            </a:extLst>
-          </a:blip>
-          <a:stretch>
-            <a:fillRect/>
-          </a:stretch>
-        </p:blipFill>
-        <p:spPr>
-          <a:xfrm>
-            <a:off x="5951802" y="1268310"/>
-            <a:ext cx="4388757" cy="4388757"/>
-          </a:xfrm>
-          <a:prstGeom prst="rect">
-            <a:avLst/>
-          </a:prstGeom>
-        </p:spPr>
-      </p:pic>
-    </p:spTree>
-    <p:extLst>
-      <p:ext uri="{BB962C8B-B14F-4D97-AF65-F5344CB8AC3E}">
-        <p14:creationId xmlns:p14="http://schemas.microsoft.com/office/powerpoint/2010/main" val="4184905224"/>
-      </p:ext>
-    </p:extLst>
-  </p:cSld>
-  <p:clrMapOvr>
-    <a:masterClrMapping/>
-  </p:clrMapOvr>
-</p:sld>
-</file>
-
 <file path=ppt/slides/slide6.xml><?xml version="1.0" encoding="utf-8"?>
 <p:sld xmlns:a="http://schemas.openxmlformats.org/drawingml/2006/main" xmlns:r="http://schemas.openxmlformats.org/officeDocument/2006/relationships" xmlns:p="http://schemas.openxmlformats.org/presentationml/2006/main">
   <p:cSld>
@@ -6905,7 +8320,7 @@
           <p:cNvPr id="2" name="Title 1">
             <a:extLst>
               <a:ext uri="{FF2B5EF4-FFF2-40B4-BE49-F238E27FC236}">
-                <a16:creationId xmlns:a16="http://schemas.microsoft.com/office/drawing/2014/main" id="{B797A52D-8C56-4CC5-48D0-88D222D029E4}"/>
+                <a16:creationId xmlns:a16="http://schemas.microsoft.com/office/drawing/2014/main" id="{D849D6E1-C25D-645A-F29E-61D9CCA0F547}"/>
               </a:ext>
             </a:extLst>
           </p:cNvPr>
@@ -6923,265 +8338,86 @@
           <a:p>
             <a:r>
               <a:rPr lang="en-US" dirty="0"/>
-              <a:t>Run 3</a:t>
+              <a:t>Run 2</a:t>
             </a:r>
           </a:p>
         </p:txBody>
       </p:sp>
-      <mc:AlternateContent xmlns:mc="http://schemas.openxmlformats.org/markup-compatibility/2006" xmlns:a14="http://schemas.microsoft.com/office/drawing/2010/main">
-        <mc:Choice Requires="a14">
-          <p:sp>
-            <p:nvSpPr>
-              <p:cNvPr id="3" name="Content Placeholder 2">
-                <a:extLst>
-                  <a:ext uri="{FF2B5EF4-FFF2-40B4-BE49-F238E27FC236}">
-                    <a16:creationId xmlns:a16="http://schemas.microsoft.com/office/drawing/2014/main" id="{F567ADB7-F744-B166-BEF6-BB2549F8A4D4}"/>
-                  </a:ext>
-                </a:extLst>
-              </p:cNvPr>
-              <p:cNvSpPr>
-                <a:spLocks noGrp="1"/>
-              </p:cNvSpPr>
-              <p:nvPr>
-                <p:ph idx="1"/>
-              </p:nvPr>
-            </p:nvSpPr>
-            <p:spPr/>
-            <p:txBody>
-              <a:bodyPr/>
-              <a:lstStyle/>
-              <a:p>
-                <a14:m>
-                  <m:oMath xmlns:m="http://schemas.openxmlformats.org/officeDocument/2006/math">
-                    <m:r>
-                      <a:rPr lang="en-US" i="1" dirty="0" smtClean="0">
-                        <a:latin typeface="Cambria Math" panose="02040503050406030204" pitchFamily="18" charset="0"/>
-                      </a:rPr>
-                      <m:t>𝐿</m:t>
-                    </m:r>
-                    <m:r>
-                      <a:rPr lang="en-US" i="1" dirty="0" smtClean="0">
-                        <a:latin typeface="Cambria Math" panose="02040503050406030204" pitchFamily="18" charset="0"/>
-                      </a:rPr>
-                      <m:t>∈</m:t>
-                    </m:r>
-                    <m:r>
-                      <m:rPr>
-                        <m:lit/>
-                      </m:rPr>
-                      <a:rPr lang="en-US" i="1" dirty="0" smtClean="0">
-                        <a:latin typeface="Cambria Math" panose="02040503050406030204" pitchFamily="18" charset="0"/>
-                      </a:rPr>
-                      <m:t>{</m:t>
-                    </m:r>
-                    <m:r>
-                      <a:rPr lang="en-US" i="1" dirty="0" smtClean="0">
-                        <a:latin typeface="Cambria Math" panose="02040503050406030204" pitchFamily="18" charset="0"/>
-                      </a:rPr>
-                      <m:t>20,40,60,</m:t>
-                    </m:r>
-                    <m:r>
-                      <a:rPr lang="en-US" b="0" i="1" dirty="0" smtClean="0">
-                        <a:latin typeface="Cambria Math" panose="02040503050406030204" pitchFamily="18" charset="0"/>
-                      </a:rPr>
-                      <m:t>…</m:t>
-                    </m:r>
-                    <m:r>
-                      <a:rPr lang="en-US" i="1" dirty="0" smtClean="0">
-                        <a:latin typeface="Cambria Math" panose="02040503050406030204" pitchFamily="18" charset="0"/>
-                      </a:rPr>
-                      <m:t>,200</m:t>
-                    </m:r>
-                    <m:r>
-                      <m:rPr>
-                        <m:lit/>
-                      </m:rPr>
-                      <a:rPr lang="en-US" i="1" dirty="0" smtClean="0">
-                        <a:latin typeface="Cambria Math" panose="02040503050406030204" pitchFamily="18" charset="0"/>
-                      </a:rPr>
-                      <m:t>}</m:t>
-                    </m:r>
-                  </m:oMath>
-                </a14:m>
-                <a:endParaRPr lang="en-US" dirty="0"/>
-              </a:p>
-              <a:p>
-                <a14:m>
-                  <m:oMath xmlns:m="http://schemas.openxmlformats.org/officeDocument/2006/math">
-                    <m:r>
-                      <a:rPr lang="en-US" i="1" dirty="0" smtClean="0">
-                        <a:latin typeface="Cambria Math" panose="02040503050406030204" pitchFamily="18" charset="0"/>
-                      </a:rPr>
-                      <m:t>𝑐</m:t>
-                    </m:r>
-                    <m:r>
-                      <a:rPr lang="en-US" i="1" dirty="0" smtClean="0">
-                        <a:latin typeface="Cambria Math" panose="02040503050406030204" pitchFamily="18" charset="0"/>
-                      </a:rPr>
-                      <m:t>=16</m:t>
-                    </m:r>
-                  </m:oMath>
-                </a14:m>
-                <a:endParaRPr lang="en-US" dirty="0"/>
-              </a:p>
-              <a:p>
-                <a14:m>
-                  <m:oMath xmlns:m="http://schemas.openxmlformats.org/officeDocument/2006/math">
-                    <m:r>
-                      <a:rPr lang="en-US" i="1" dirty="0" smtClean="0">
-                        <a:latin typeface="Cambria Math" panose="02040503050406030204" pitchFamily="18" charset="0"/>
-                      </a:rPr>
-                      <m:t>𝑇</m:t>
-                    </m:r>
-                    <m:r>
-                      <a:rPr lang="en-US" i="1" dirty="0" smtClean="0">
-                        <a:latin typeface="Cambria Math" panose="02040503050406030204" pitchFamily="18" charset="0"/>
-                      </a:rPr>
-                      <m:t>=</m:t>
-                    </m:r>
-                    <m:r>
-                      <a:rPr lang="en-US" i="1" dirty="0" smtClean="0">
-                        <a:latin typeface="Cambria Math" panose="02040503050406030204" pitchFamily="18" charset="0"/>
-                      </a:rPr>
-                      <m:t>𝐿</m:t>
-                    </m:r>
-                  </m:oMath>
-                </a14:m>
-                <a:endParaRPr lang="en-US" dirty="0"/>
-              </a:p>
-              <a:p>
-                <a14:m>
-                  <m:oMath xmlns:m="http://schemas.openxmlformats.org/officeDocument/2006/math">
-                    <m:r>
-                      <a:rPr lang="en-US" i="1" dirty="0" smtClean="0">
-                        <a:latin typeface="Cambria Math" panose="02040503050406030204" pitchFamily="18" charset="0"/>
-                      </a:rPr>
-                      <m:t>𝑝</m:t>
-                    </m:r>
-                    <m:r>
-                      <a:rPr lang="en-US" i="1" dirty="0" smtClean="0">
-                        <a:latin typeface="Cambria Math" panose="02040503050406030204" pitchFamily="18" charset="0"/>
-                      </a:rPr>
-                      <m:t>∈</m:t>
-                    </m:r>
-                    <m:r>
-                      <m:rPr>
-                        <m:lit/>
-                      </m:rPr>
-                      <a:rPr lang="en-US" i="1" dirty="0" smtClean="0">
-                        <a:latin typeface="Cambria Math" panose="02040503050406030204" pitchFamily="18" charset="0"/>
-                      </a:rPr>
-                      <m:t>{</m:t>
-                    </m:r>
-                    <m:r>
-                      <a:rPr lang="en-US" i="1" dirty="0" smtClean="0">
-                        <a:latin typeface="Cambria Math" panose="02040503050406030204" pitchFamily="18" charset="0"/>
-                      </a:rPr>
-                      <m:t>0.01,0.02,0.03,</m:t>
-                    </m:r>
-                    <m:r>
-                      <a:rPr lang="en-US" b="0" i="1" dirty="0" smtClean="0">
-                        <a:latin typeface="Cambria Math" panose="02040503050406030204" pitchFamily="18" charset="0"/>
-                      </a:rPr>
-                      <m:t>…</m:t>
-                    </m:r>
-                    <m:r>
-                      <a:rPr lang="en-US" i="1" dirty="0" smtClean="0">
-                        <a:latin typeface="Cambria Math" panose="02040503050406030204" pitchFamily="18" charset="0"/>
-                      </a:rPr>
-                      <m:t>,0.05</m:t>
-                    </m:r>
-                    <m:r>
-                      <m:rPr>
-                        <m:lit/>
-                      </m:rPr>
-                      <a:rPr lang="en-US" i="1" dirty="0" smtClean="0">
-                        <a:latin typeface="Cambria Math" panose="02040503050406030204" pitchFamily="18" charset="0"/>
-                      </a:rPr>
-                      <m:t>}</m:t>
-                    </m:r>
-                  </m:oMath>
-                </a14:m>
-                <a:endParaRPr lang="en-US" dirty="0"/>
-              </a:p>
-              <a:p>
-                <a14:m>
-                  <m:oMath xmlns:m="http://schemas.openxmlformats.org/officeDocument/2006/math">
-                    <m:r>
-                      <a:rPr lang="en-US" i="1" dirty="0" smtClean="0">
-                        <a:latin typeface="Cambria Math" panose="02040503050406030204" pitchFamily="18" charset="0"/>
-                      </a:rPr>
-                      <m:t>𝜂</m:t>
-                    </m:r>
-                    <m:r>
-                      <a:rPr lang="en-US" i="1" dirty="0" smtClean="0">
-                        <a:latin typeface="Cambria Math" panose="02040503050406030204" pitchFamily="18" charset="0"/>
-                      </a:rPr>
-                      <m:t>=0.1</m:t>
-                    </m:r>
-                  </m:oMath>
-                </a14:m>
-                <a:endParaRPr lang="en-US" dirty="0"/>
-              </a:p>
-              <a:p>
-                <a:r>
-                  <a:rPr lang="en-US" dirty="0"/>
-                  <a:t>10000 shots</a:t>
-                </a:r>
-              </a:p>
-              <a:p>
-                <a:r>
-                  <a:rPr lang="en-US" dirty="0"/>
-                  <a:t>4 hours, 8 CPUs per task</a:t>
-                </a:r>
-              </a:p>
-            </p:txBody>
-          </p:sp>
-        </mc:Choice>
-        <mc:Fallback xmlns="">
-          <p:sp>
-            <p:nvSpPr>
-              <p:cNvPr id="3" name="Content Placeholder 2">
-                <a:extLst>
-                  <a:ext uri="{FF2B5EF4-FFF2-40B4-BE49-F238E27FC236}">
-                    <a16:creationId xmlns:a16="http://schemas.microsoft.com/office/drawing/2014/main" id="{F567ADB7-F744-B166-BEF6-BB2549F8A4D4}"/>
-                  </a:ext>
-                </a:extLst>
-              </p:cNvPr>
-              <p:cNvSpPr>
-                <a:spLocks noGrp="1" noRot="1" noChangeAspect="1" noMove="1" noResize="1" noEditPoints="1" noAdjustHandles="1" noChangeArrowheads="1" noChangeShapeType="1" noTextEdit="1"/>
-              </p:cNvSpPr>
-              <p:nvPr>
-                <p:ph idx="1"/>
-              </p:nvPr>
-            </p:nvSpPr>
-            <p:spPr>
-              <a:blipFill>
-                <a:blip r:embed="rId2"/>
-                <a:stretch>
-                  <a:fillRect l="-1043"/>
-                </a:stretch>
-              </a:blipFill>
-            </p:spPr>
-            <p:txBody>
-              <a:bodyPr/>
-              <a:lstStyle/>
-              <a:p>
-                <a:r>
-                  <a:rPr lang="en-US">
-                    <a:noFill/>
-                  </a:rPr>
-                  <a:t> </a:t>
-                </a:r>
-              </a:p>
-            </p:txBody>
-          </p:sp>
-        </mc:Fallback>
-      </mc:AlternateContent>
+      <p:pic>
+        <p:nvPicPr>
+          <p:cNvPr id="8" name="Content Placeholder 7" descr="A screenshot of a graph&#10;&#10;Description automatically generated">
+            <a:extLst>
+              <a:ext uri="{FF2B5EF4-FFF2-40B4-BE49-F238E27FC236}">
+                <a16:creationId xmlns:a16="http://schemas.microsoft.com/office/drawing/2014/main" id="{347DB337-A6EB-1754-FBC6-06B3A8522461}"/>
+              </a:ext>
+            </a:extLst>
+          </p:cNvPr>
+          <p:cNvPicPr>
+            <a:picLocks noGrp="1" noChangeAspect="1"/>
+          </p:cNvPicPr>
+          <p:nvPr>
+            <p:ph idx="1"/>
+          </p:nvPr>
+        </p:nvPicPr>
+        <p:blipFill>
+          <a:blip r:embed="rId2">
+            <a:extLst>
+              <a:ext uri="{28A0092B-C50C-407E-A947-70E740481C1C}">
+                <a14:useLocalDpi xmlns:a14="http://schemas.microsoft.com/office/drawing/2010/main" val="0"/>
+              </a:ext>
+            </a:extLst>
+          </a:blip>
+          <a:stretch>
+            <a:fillRect/>
+          </a:stretch>
+        </p:blipFill>
+        <p:spPr>
+          <a:xfrm>
+            <a:off x="44908" y="1407659"/>
+            <a:ext cx="6007778" cy="5267349"/>
+          </a:xfrm>
+        </p:spPr>
+      </p:pic>
+      <p:pic>
+        <p:nvPicPr>
+          <p:cNvPr id="10" name="Picture 9" descr="A graph of different colors&#10;&#10;Description automatically generated">
+            <a:extLst>
+              <a:ext uri="{FF2B5EF4-FFF2-40B4-BE49-F238E27FC236}">
+                <a16:creationId xmlns:a16="http://schemas.microsoft.com/office/drawing/2014/main" id="{2583D5EB-5CF8-B998-1712-74F153986D6E}"/>
+              </a:ext>
+            </a:extLst>
+          </p:cNvPr>
+          <p:cNvPicPr>
+            <a:picLocks noChangeAspect="1"/>
+          </p:cNvPicPr>
+          <p:nvPr/>
+        </p:nvPicPr>
+        <p:blipFill>
+          <a:blip r:embed="rId3">
+            <a:extLst>
+              <a:ext uri="{28A0092B-C50C-407E-A947-70E740481C1C}">
+                <a14:useLocalDpi xmlns:a14="http://schemas.microsoft.com/office/drawing/2010/main" val="0"/>
+              </a:ext>
+            </a:extLst>
+          </a:blip>
+          <a:stretch>
+            <a:fillRect/>
+          </a:stretch>
+        </p:blipFill>
+        <p:spPr>
+          <a:xfrm>
+            <a:off x="6139314" y="1379541"/>
+            <a:ext cx="6007778" cy="5323584"/>
+          </a:xfrm>
+          <a:prstGeom prst="rect">
+            <a:avLst/>
+          </a:prstGeom>
+        </p:spPr>
+      </p:pic>
     </p:spTree>
     <p:extLst>
       <p:ext uri="{BB962C8B-B14F-4D97-AF65-F5344CB8AC3E}">
-        <p14:creationId xmlns:p14="http://schemas.microsoft.com/office/powerpoint/2010/main" val="2235608675"/>
+        <p14:creationId xmlns:p14="http://schemas.microsoft.com/office/powerpoint/2010/main" val="4184905224"/>
       </p:ext>
     </p:extLst>
   </p:cSld>
@@ -7208,74 +8444,440 @@
           <a:chExt cx="0" cy="0"/>
         </a:xfrm>
       </p:grpSpPr>
-      <p:sp>
-        <p:nvSpPr>
-          <p:cNvPr id="2" name="Title 1">
-            <a:extLst>
-              <a:ext uri="{FF2B5EF4-FFF2-40B4-BE49-F238E27FC236}">
-                <a16:creationId xmlns:a16="http://schemas.microsoft.com/office/drawing/2014/main" id="{4EB4DF1A-C184-AB3E-0189-CB6740F6E15E}"/>
-              </a:ext>
-            </a:extLst>
-          </p:cNvPr>
-          <p:cNvSpPr>
-            <a:spLocks noGrp="1"/>
-          </p:cNvSpPr>
-          <p:nvPr>
-            <p:ph type="title"/>
-          </p:nvPr>
-        </p:nvSpPr>
-        <p:spPr/>
-        <p:txBody>
-          <a:bodyPr/>
-          <a:lstStyle/>
-          <a:p>
-            <a:r>
-              <a:rPr lang="en-US" dirty="0"/>
-              <a:t>Run 3</a:t>
-            </a:r>
-          </a:p>
-        </p:txBody>
-      </p:sp>
+      <mc:AlternateContent xmlns:mc="http://schemas.openxmlformats.org/markup-compatibility/2006">
+        <mc:Choice xmlns:a14="http://schemas.microsoft.com/office/drawing/2010/main" Requires="a14">
+          <p:sp>
+            <p:nvSpPr>
+              <p:cNvPr id="2" name="Title 1">
+                <a:extLst>
+                  <a:ext uri="{FF2B5EF4-FFF2-40B4-BE49-F238E27FC236}">
+                    <a16:creationId xmlns:a16="http://schemas.microsoft.com/office/drawing/2014/main" id="{B797A52D-8C56-4CC5-48D0-88D222D029E4}"/>
+                  </a:ext>
+                </a:extLst>
+              </p:cNvPr>
+              <p:cNvSpPr>
+                <a:spLocks noGrp="1"/>
+              </p:cNvSpPr>
+              <p:nvPr>
+                <p:ph type="title"/>
+              </p:nvPr>
+            </p:nvSpPr>
+            <p:spPr/>
+            <p:txBody>
+              <a:bodyPr/>
+              <a:lstStyle/>
+              <a:p>
+                <a:r>
+                  <a:rPr lang="en-US" dirty="0"/>
+                  <a:t>Run 3 – smaller </a:t>
+                </a:r>
+                <a14:m>
+                  <m:oMath xmlns:m="http://schemas.openxmlformats.org/officeDocument/2006/math">
+                    <m:r>
+                      <a:rPr lang="en-US" b="0" i="1" smtClean="0">
+                        <a:latin typeface="Cambria Math" panose="02040503050406030204" pitchFamily="18" charset="0"/>
+                      </a:rPr>
+                      <m:t>𝑝</m:t>
+                    </m:r>
+                  </m:oMath>
+                </a14:m>
+                <a:endParaRPr lang="en-US" dirty="0"/>
+              </a:p>
+            </p:txBody>
+          </p:sp>
+        </mc:Choice>
+        <mc:Fallback>
+          <p:sp>
+            <p:nvSpPr>
+              <p:cNvPr id="2" name="Title 1">
+                <a:extLst>
+                  <a:ext uri="{FF2B5EF4-FFF2-40B4-BE49-F238E27FC236}">
+                    <a16:creationId xmlns:a16="http://schemas.microsoft.com/office/drawing/2014/main" id="{B797A52D-8C56-4CC5-48D0-88D222D029E4}"/>
+                  </a:ext>
+                </a:extLst>
+              </p:cNvPr>
+              <p:cNvSpPr>
+                <a:spLocks noGrp="1" noRot="1" noChangeAspect="1" noMove="1" noResize="1" noEditPoints="1" noAdjustHandles="1" noChangeArrowheads="1" noChangeShapeType="1" noTextEdit="1"/>
+              </p:cNvSpPr>
+              <p:nvPr>
+                <p:ph type="title"/>
+              </p:nvPr>
+            </p:nvSpPr>
+            <p:spPr>
+              <a:blipFill>
+                <a:blip r:embed="rId2"/>
+                <a:stretch>
+                  <a:fillRect l="-2377"/>
+                </a:stretch>
+              </a:blipFill>
+            </p:spPr>
+            <p:txBody>
+              <a:bodyPr/>
+              <a:lstStyle/>
+              <a:p>
+                <a:r>
+                  <a:rPr lang="en-US">
+                    <a:noFill/>
+                  </a:rPr>
+                  <a:t> </a:t>
+                </a:r>
+              </a:p>
+            </p:txBody>
+          </p:sp>
+        </mc:Fallback>
+      </mc:AlternateContent>
+      <mc:AlternateContent xmlns:mc="http://schemas.openxmlformats.org/markup-compatibility/2006">
+        <mc:Choice xmlns:a14="http://schemas.microsoft.com/office/drawing/2010/main" Requires="a14">
+          <p:sp>
+            <p:nvSpPr>
+              <p:cNvPr id="3" name="Content Placeholder 2">
+                <a:extLst>
+                  <a:ext uri="{FF2B5EF4-FFF2-40B4-BE49-F238E27FC236}">
+                    <a16:creationId xmlns:a16="http://schemas.microsoft.com/office/drawing/2014/main" id="{F567ADB7-F744-B166-BEF6-BB2549F8A4D4}"/>
+                  </a:ext>
+                </a:extLst>
+              </p:cNvPr>
+              <p:cNvSpPr>
+                <a:spLocks noGrp="1"/>
+              </p:cNvSpPr>
+              <p:nvPr>
+                <p:ph idx="1"/>
+              </p:nvPr>
+            </p:nvSpPr>
+            <p:spPr/>
+            <p:txBody>
+              <a:bodyPr/>
+              <a:lstStyle/>
+              <a:p>
+                <a14:m>
+                  <m:oMath xmlns:m="http://schemas.openxmlformats.org/officeDocument/2006/math">
+                    <m:r>
+                      <a:rPr lang="en-US" b="1" i="1" dirty="0" smtClean="0">
+                        <a:latin typeface="Cambria Math" panose="02040503050406030204" pitchFamily="18" charset="0"/>
+                      </a:rPr>
+                      <m:t>𝑳</m:t>
+                    </m:r>
+                    <m:r>
+                      <a:rPr lang="en-US" b="1" i="1" dirty="0" smtClean="0">
+                        <a:latin typeface="Cambria Math" panose="02040503050406030204" pitchFamily="18" charset="0"/>
+                      </a:rPr>
+                      <m:t>∈</m:t>
+                    </m:r>
+                    <m:r>
+                      <m:rPr>
+                        <m:lit/>
+                      </m:rPr>
+                      <a:rPr lang="en-US" b="1" i="1" dirty="0" smtClean="0">
+                        <a:latin typeface="Cambria Math" panose="02040503050406030204" pitchFamily="18" charset="0"/>
+                      </a:rPr>
+                      <m:t>{</m:t>
+                    </m:r>
+                    <m:r>
+                      <a:rPr lang="en-US" b="1" i="1" dirty="0" smtClean="0">
+                        <a:latin typeface="Cambria Math" panose="02040503050406030204" pitchFamily="18" charset="0"/>
+                      </a:rPr>
+                      <m:t>𝟐𝟎</m:t>
+                    </m:r>
+                    <m:r>
+                      <a:rPr lang="en-US" b="1" i="1" dirty="0" smtClean="0">
+                        <a:latin typeface="Cambria Math" panose="02040503050406030204" pitchFamily="18" charset="0"/>
+                      </a:rPr>
+                      <m:t>,</m:t>
+                    </m:r>
+                    <m:r>
+                      <a:rPr lang="en-US" b="1" i="1" dirty="0" smtClean="0">
+                        <a:latin typeface="Cambria Math" panose="02040503050406030204" pitchFamily="18" charset="0"/>
+                      </a:rPr>
+                      <m:t>𝟒𝟎</m:t>
+                    </m:r>
+                    <m:r>
+                      <a:rPr lang="en-US" b="1" i="1" dirty="0" smtClean="0">
+                        <a:latin typeface="Cambria Math" panose="02040503050406030204" pitchFamily="18" charset="0"/>
+                      </a:rPr>
+                      <m:t>,</m:t>
+                    </m:r>
+                    <m:r>
+                      <a:rPr lang="en-US" b="1" i="1" dirty="0" smtClean="0">
+                        <a:latin typeface="Cambria Math" panose="02040503050406030204" pitchFamily="18" charset="0"/>
+                      </a:rPr>
+                      <m:t>𝟔𝟎</m:t>
+                    </m:r>
+                    <m:r>
+                      <a:rPr lang="en-US" b="1" i="1" dirty="0" smtClean="0">
+                        <a:latin typeface="Cambria Math" panose="02040503050406030204" pitchFamily="18" charset="0"/>
+                      </a:rPr>
+                      <m:t>,…,</m:t>
+                    </m:r>
+                    <m:r>
+                      <a:rPr lang="en-US" b="1" i="1" dirty="0" smtClean="0">
+                        <a:latin typeface="Cambria Math" panose="02040503050406030204" pitchFamily="18" charset="0"/>
+                      </a:rPr>
+                      <m:t>𝟐𝟎𝟎</m:t>
+                    </m:r>
+                    <m:r>
+                      <m:rPr>
+                        <m:lit/>
+                      </m:rPr>
+                      <a:rPr lang="en-US" b="1" i="1" dirty="0" smtClean="0">
+                        <a:latin typeface="Cambria Math" panose="02040503050406030204" pitchFamily="18" charset="0"/>
+                      </a:rPr>
+                      <m:t>}</m:t>
+                    </m:r>
+                  </m:oMath>
+                </a14:m>
+                <a:endParaRPr lang="en-US" b="1" dirty="0"/>
+              </a:p>
+              <a:p>
+                <a14:m>
+                  <m:oMath xmlns:m="http://schemas.openxmlformats.org/officeDocument/2006/math">
+                    <m:r>
+                      <a:rPr lang="en-US" i="1" dirty="0" smtClean="0">
+                        <a:latin typeface="Cambria Math" panose="02040503050406030204" pitchFamily="18" charset="0"/>
+                      </a:rPr>
+                      <m:t>𝑐</m:t>
+                    </m:r>
+                    <m:r>
+                      <a:rPr lang="en-US" i="1" dirty="0" smtClean="0">
+                        <a:latin typeface="Cambria Math" panose="02040503050406030204" pitchFamily="18" charset="0"/>
+                      </a:rPr>
+                      <m:t>=16</m:t>
+                    </m:r>
+                  </m:oMath>
+                </a14:m>
+                <a:endParaRPr lang="en-US" dirty="0"/>
+              </a:p>
+              <a:p>
+                <a14:m>
+                  <m:oMath xmlns:m="http://schemas.openxmlformats.org/officeDocument/2006/math">
+                    <m:r>
+                      <a:rPr lang="en-US" i="1" dirty="0" smtClean="0">
+                        <a:latin typeface="Cambria Math" panose="02040503050406030204" pitchFamily="18" charset="0"/>
+                      </a:rPr>
+                      <m:t>𝑇</m:t>
+                    </m:r>
+                    <m:r>
+                      <a:rPr lang="en-US" i="1" dirty="0" smtClean="0">
+                        <a:latin typeface="Cambria Math" panose="02040503050406030204" pitchFamily="18" charset="0"/>
+                      </a:rPr>
+                      <m:t>=</m:t>
+                    </m:r>
+                    <m:r>
+                      <a:rPr lang="en-US" i="1" dirty="0" smtClean="0">
+                        <a:latin typeface="Cambria Math" panose="02040503050406030204" pitchFamily="18" charset="0"/>
+                      </a:rPr>
+                      <m:t>𝐿</m:t>
+                    </m:r>
+                  </m:oMath>
+                </a14:m>
+                <a:endParaRPr lang="en-US" dirty="0"/>
+              </a:p>
+              <a:p>
+                <a14:m>
+                  <m:oMath xmlns:m="http://schemas.openxmlformats.org/officeDocument/2006/math">
+                    <m:r>
+                      <a:rPr lang="en-US" b="1" i="1" dirty="0" smtClean="0">
+                        <a:latin typeface="Cambria Math" panose="02040503050406030204" pitchFamily="18" charset="0"/>
+                      </a:rPr>
+                      <m:t>𝒑</m:t>
+                    </m:r>
+                    <m:r>
+                      <a:rPr lang="en-US" b="1" i="1" dirty="0" smtClean="0">
+                        <a:latin typeface="Cambria Math" panose="02040503050406030204" pitchFamily="18" charset="0"/>
+                      </a:rPr>
+                      <m:t>∈</m:t>
+                    </m:r>
+                    <m:r>
+                      <m:rPr>
+                        <m:lit/>
+                      </m:rPr>
+                      <a:rPr lang="en-US" b="1" i="1" dirty="0" smtClean="0">
+                        <a:latin typeface="Cambria Math" panose="02040503050406030204" pitchFamily="18" charset="0"/>
+                      </a:rPr>
+                      <m:t>{</m:t>
+                    </m:r>
+                    <m:r>
+                      <a:rPr lang="en-US" b="1" i="1" dirty="0" smtClean="0">
+                        <a:latin typeface="Cambria Math" panose="02040503050406030204" pitchFamily="18" charset="0"/>
+                      </a:rPr>
+                      <m:t>𝟎</m:t>
+                    </m:r>
+                    <m:r>
+                      <a:rPr lang="en-US" b="1" i="1" dirty="0" smtClean="0">
+                        <a:latin typeface="Cambria Math" panose="02040503050406030204" pitchFamily="18" charset="0"/>
+                      </a:rPr>
+                      <m:t>.</m:t>
+                    </m:r>
+                    <m:r>
+                      <a:rPr lang="en-US" b="1" i="1" dirty="0" smtClean="0">
+                        <a:latin typeface="Cambria Math" panose="02040503050406030204" pitchFamily="18" charset="0"/>
+                      </a:rPr>
+                      <m:t>𝟎𝟏</m:t>
+                    </m:r>
+                    <m:r>
+                      <a:rPr lang="en-US" b="1" i="1" dirty="0" smtClean="0">
+                        <a:latin typeface="Cambria Math" panose="02040503050406030204" pitchFamily="18" charset="0"/>
+                      </a:rPr>
+                      <m:t>,</m:t>
+                    </m:r>
+                    <m:r>
+                      <a:rPr lang="en-US" b="1" i="1" dirty="0" smtClean="0">
+                        <a:latin typeface="Cambria Math" panose="02040503050406030204" pitchFamily="18" charset="0"/>
+                      </a:rPr>
+                      <m:t>𝟎</m:t>
+                    </m:r>
+                    <m:r>
+                      <a:rPr lang="en-US" b="1" i="1" dirty="0" smtClean="0">
+                        <a:latin typeface="Cambria Math" panose="02040503050406030204" pitchFamily="18" charset="0"/>
+                      </a:rPr>
+                      <m:t>.</m:t>
+                    </m:r>
+                    <m:r>
+                      <a:rPr lang="en-US" b="1" i="1" dirty="0" smtClean="0">
+                        <a:latin typeface="Cambria Math" panose="02040503050406030204" pitchFamily="18" charset="0"/>
+                      </a:rPr>
+                      <m:t>𝟎𝟐</m:t>
+                    </m:r>
+                    <m:r>
+                      <a:rPr lang="en-US" b="1" i="1" dirty="0" smtClean="0">
+                        <a:latin typeface="Cambria Math" panose="02040503050406030204" pitchFamily="18" charset="0"/>
+                      </a:rPr>
+                      <m:t>,</m:t>
+                    </m:r>
+                    <m:r>
+                      <a:rPr lang="en-US" b="1" i="1" dirty="0" smtClean="0">
+                        <a:latin typeface="Cambria Math" panose="02040503050406030204" pitchFamily="18" charset="0"/>
+                      </a:rPr>
+                      <m:t>𝟎</m:t>
+                    </m:r>
+                    <m:r>
+                      <a:rPr lang="en-US" b="1" i="1" dirty="0" smtClean="0">
+                        <a:latin typeface="Cambria Math" panose="02040503050406030204" pitchFamily="18" charset="0"/>
+                      </a:rPr>
+                      <m:t>.</m:t>
+                    </m:r>
+                    <m:r>
+                      <a:rPr lang="en-US" b="1" i="1" dirty="0" smtClean="0">
+                        <a:latin typeface="Cambria Math" panose="02040503050406030204" pitchFamily="18" charset="0"/>
+                      </a:rPr>
+                      <m:t>𝟎𝟑</m:t>
+                    </m:r>
+                    <m:r>
+                      <a:rPr lang="en-US" b="1" i="1" dirty="0" smtClean="0">
+                        <a:latin typeface="Cambria Math" panose="02040503050406030204" pitchFamily="18" charset="0"/>
+                      </a:rPr>
+                      <m:t>,…,</m:t>
+                    </m:r>
+                    <m:r>
+                      <a:rPr lang="en-US" b="1" i="1" dirty="0" smtClean="0">
+                        <a:latin typeface="Cambria Math" panose="02040503050406030204" pitchFamily="18" charset="0"/>
+                      </a:rPr>
+                      <m:t>𝟎</m:t>
+                    </m:r>
+                    <m:r>
+                      <a:rPr lang="en-US" b="1" i="1" dirty="0" smtClean="0">
+                        <a:latin typeface="Cambria Math" panose="02040503050406030204" pitchFamily="18" charset="0"/>
+                      </a:rPr>
+                      <m:t>.</m:t>
+                    </m:r>
+                    <m:r>
+                      <a:rPr lang="en-US" b="1" i="1" dirty="0" smtClean="0">
+                        <a:latin typeface="Cambria Math" panose="02040503050406030204" pitchFamily="18" charset="0"/>
+                      </a:rPr>
+                      <m:t>𝟎𝟓</m:t>
+                    </m:r>
+                    <m:r>
+                      <m:rPr>
+                        <m:lit/>
+                      </m:rPr>
+                      <a:rPr lang="en-US" b="1" i="1" dirty="0" smtClean="0">
+                        <a:latin typeface="Cambria Math" panose="02040503050406030204" pitchFamily="18" charset="0"/>
+                      </a:rPr>
+                      <m:t>}</m:t>
+                    </m:r>
+                  </m:oMath>
+                </a14:m>
+                <a:endParaRPr lang="en-US" b="1" dirty="0"/>
+              </a:p>
+              <a:p>
+                <a14:m>
+                  <m:oMath xmlns:m="http://schemas.openxmlformats.org/officeDocument/2006/math">
+                    <m:r>
+                      <a:rPr lang="en-US" i="1" dirty="0" smtClean="0">
+                        <a:latin typeface="Cambria Math" panose="02040503050406030204" pitchFamily="18" charset="0"/>
+                      </a:rPr>
+                      <m:t>𝜂</m:t>
+                    </m:r>
+                    <m:r>
+                      <a:rPr lang="en-US" i="1" dirty="0" smtClean="0">
+                        <a:latin typeface="Cambria Math" panose="02040503050406030204" pitchFamily="18" charset="0"/>
+                      </a:rPr>
+                      <m:t>=0.1</m:t>
+                    </m:r>
+                  </m:oMath>
+                </a14:m>
+                <a:endParaRPr lang="en-US" dirty="0"/>
+              </a:p>
+              <a:p>
+                <a:r>
+                  <a:rPr lang="en-US" dirty="0"/>
+                  <a:t>10000 shots</a:t>
+                </a:r>
+              </a:p>
+              <a:p>
+                <a:r>
+                  <a:rPr lang="en-US" dirty="0"/>
+                  <a:t>4 hours, 8 CPUs / task</a:t>
+                </a:r>
+              </a:p>
+            </p:txBody>
+          </p:sp>
+        </mc:Choice>
+        <mc:Fallback>
+          <p:sp>
+            <p:nvSpPr>
+              <p:cNvPr id="3" name="Content Placeholder 2">
+                <a:extLst>
+                  <a:ext uri="{FF2B5EF4-FFF2-40B4-BE49-F238E27FC236}">
+                    <a16:creationId xmlns:a16="http://schemas.microsoft.com/office/drawing/2014/main" id="{F567ADB7-F744-B166-BEF6-BB2549F8A4D4}"/>
+                  </a:ext>
+                </a:extLst>
+              </p:cNvPr>
+              <p:cNvSpPr>
+                <a:spLocks noGrp="1" noRot="1" noChangeAspect="1" noMove="1" noResize="1" noEditPoints="1" noAdjustHandles="1" noChangeArrowheads="1" noChangeShapeType="1" noTextEdit="1"/>
+              </p:cNvSpPr>
+              <p:nvPr>
+                <p:ph idx="1"/>
+              </p:nvPr>
+            </p:nvSpPr>
+            <p:spPr>
+              <a:blipFill>
+                <a:blip r:embed="rId3"/>
+                <a:stretch>
+                  <a:fillRect l="-1043"/>
+                </a:stretch>
+              </a:blipFill>
+            </p:spPr>
+            <p:txBody>
+              <a:bodyPr/>
+              <a:lstStyle/>
+              <a:p>
+                <a:r>
+                  <a:rPr lang="en-US">
+                    <a:noFill/>
+                  </a:rPr>
+                  <a:t> </a:t>
+                </a:r>
+              </a:p>
+            </p:txBody>
+          </p:sp>
+        </mc:Fallback>
+      </mc:AlternateContent>
       <p:pic>
         <p:nvPicPr>
-          <p:cNvPr id="5" name="Content Placeholder 4" descr="A graph of a graph&#10;&#10;Description automatically generated with medium confidence">
-            <a:extLst>
-              <a:ext uri="{FF2B5EF4-FFF2-40B4-BE49-F238E27FC236}">
-                <a16:creationId xmlns:a16="http://schemas.microsoft.com/office/drawing/2014/main" id="{B775CB5B-377C-90D9-9739-3F5CAAA3946A}"/>
-              </a:ext>
-            </a:extLst>
-          </p:cNvPr>
-          <p:cNvPicPr>
-            <a:picLocks noGrp="1" noChangeAspect="1"/>
-          </p:cNvPicPr>
-          <p:nvPr>
-            <p:ph idx="1"/>
-          </p:nvPr>
-        </p:nvPicPr>
-        <p:blipFill rotWithShape="1">
-          <a:blip r:embed="rId2">
-            <a:extLst>
-              <a:ext uri="{28A0092B-C50C-407E-A947-70E740481C1C}">
-                <a14:useLocalDpi xmlns:a14="http://schemas.microsoft.com/office/drawing/2010/main" val="0"/>
-              </a:ext>
-            </a:extLst>
-          </a:blip>
-          <a:srcRect l="7283" t="11134" r="12715" b="6676"/>
-          <a:stretch/>
-        </p:blipFill>
-        <p:spPr>
-          <a:xfrm>
-            <a:off x="2485725" y="-147420"/>
-            <a:ext cx="6261234" cy="3576420"/>
-          </a:xfrm>
-        </p:spPr>
-      </p:pic>
-      <p:pic>
-        <p:nvPicPr>
-          <p:cNvPr id="7" name="Picture 6" descr="A graph with different colored bars&#10;&#10;Description automatically generated">
-            <a:extLst>
-              <a:ext uri="{FF2B5EF4-FFF2-40B4-BE49-F238E27FC236}">
-                <a16:creationId xmlns:a16="http://schemas.microsoft.com/office/drawing/2014/main" id="{8C1B53F8-F8C7-7A0B-0552-D25E5A7D6B06}"/>
+          <p:cNvPr id="8" name="Picture 7">
+            <a:extLst>
+              <a:ext uri="{FF2B5EF4-FFF2-40B4-BE49-F238E27FC236}">
+                <a16:creationId xmlns:a16="http://schemas.microsoft.com/office/drawing/2014/main" id="{D9A83BB3-7CB0-14C1-9B5F-50EB5A818173}"/>
               </a:ext>
             </a:extLst>
           </p:cNvPr>
@@ -7284,21 +8886,16 @@
           </p:cNvPicPr>
           <p:nvPr/>
         </p:nvPicPr>
-        <p:blipFill rotWithShape="1">
-          <a:blip r:embed="rId3">
-            <a:extLst>
-              <a:ext uri="{28A0092B-C50C-407E-A947-70E740481C1C}">
-                <a14:useLocalDpi xmlns:a14="http://schemas.microsoft.com/office/drawing/2010/main" val="0"/>
-              </a:ext>
-            </a:extLst>
-          </a:blip>
-          <a:srcRect l="7525" t="11601" r="10960" b="6908"/>
-          <a:stretch/>
+        <p:blipFill>
+          <a:blip r:embed="rId4"/>
+          <a:stretch>
+            <a:fillRect/>
+          </a:stretch>
         </p:blipFill>
         <p:spPr>
           <a:xfrm>
-            <a:off x="2444817" y="3392907"/>
-            <a:ext cx="6434488" cy="3576420"/>
+            <a:off x="6096000" y="1197223"/>
+            <a:ext cx="6096000" cy="4718137"/>
           </a:xfrm>
           <a:prstGeom prst="rect">
             <a:avLst/>
@@ -7308,7 +8905,7 @@
     </p:spTree>
     <p:extLst>
       <p:ext uri="{BB962C8B-B14F-4D97-AF65-F5344CB8AC3E}">
-        <p14:creationId xmlns:p14="http://schemas.microsoft.com/office/powerpoint/2010/main" val="3032721207"/>
+        <p14:creationId xmlns:p14="http://schemas.microsoft.com/office/powerpoint/2010/main" val="2235608675"/>
       </p:ext>
     </p:extLst>
   </p:cSld>
@@ -7340,7 +8937,7 @@
           <p:cNvPr id="2" name="Title 1">
             <a:extLst>
               <a:ext uri="{FF2B5EF4-FFF2-40B4-BE49-F238E27FC236}">
-                <a16:creationId xmlns:a16="http://schemas.microsoft.com/office/drawing/2014/main" id="{80846A62-8F15-9E10-5F8E-2A424EB04205}"/>
+                <a16:creationId xmlns:a16="http://schemas.microsoft.com/office/drawing/2014/main" id="{4EB4DF1A-C184-AB3E-0189-CB6740F6E15E}"/>
               </a:ext>
             </a:extLst>
           </p:cNvPr>
@@ -7365,10 +8962,10 @@
       </p:sp>
       <p:pic>
         <p:nvPicPr>
-          <p:cNvPr id="9" name="Content Placeholder 8" descr="A graph of a graph of a failure rate&#10;&#10;Description automatically generated with medium confidence">
-            <a:extLst>
-              <a:ext uri="{FF2B5EF4-FFF2-40B4-BE49-F238E27FC236}">
-                <a16:creationId xmlns:a16="http://schemas.microsoft.com/office/drawing/2014/main" id="{234C2B30-5E64-A2A5-2B8D-4F02F9925041}"/>
+          <p:cNvPr id="8" name="Content Placeholder 7" descr="A screenshot of a computer&#10;&#10;Description automatically generated">
+            <a:extLst>
+              <a:ext uri="{FF2B5EF4-FFF2-40B4-BE49-F238E27FC236}">
+                <a16:creationId xmlns:a16="http://schemas.microsoft.com/office/drawing/2014/main" id="{E6FBBCAE-950C-2160-96AC-87200BD9639B}"/>
               </a:ext>
             </a:extLst>
           </p:cNvPr>
@@ -7393,17 +8990,17 @@
         </p:blipFill>
         <p:spPr>
           <a:xfrm>
-            <a:off x="6340326" y="1292556"/>
-            <a:ext cx="5801784" cy="4351338"/>
+            <a:off x="3171579" y="0"/>
+            <a:ext cx="6194073" cy="3426249"/>
           </a:xfrm>
         </p:spPr>
       </p:pic>
       <p:pic>
         <p:nvPicPr>
-          <p:cNvPr id="13" name="Picture 12" descr="A graph of a failure rate&#10;&#10;Description automatically generated">
-            <a:extLst>
-              <a:ext uri="{FF2B5EF4-FFF2-40B4-BE49-F238E27FC236}">
-                <a16:creationId xmlns:a16="http://schemas.microsoft.com/office/drawing/2014/main" id="{D111AA43-2F67-4AE4-0D60-5F9808142B8B}"/>
+          <p:cNvPr id="10" name="Picture 9" descr="A screen shot of a graph&#10;&#10;Description automatically generated">
+            <a:extLst>
+              <a:ext uri="{FF2B5EF4-FFF2-40B4-BE49-F238E27FC236}">
+                <a16:creationId xmlns:a16="http://schemas.microsoft.com/office/drawing/2014/main" id="{EB857D91-222A-CC0E-6154-A6E92375AD6C}"/>
               </a:ext>
             </a:extLst>
           </p:cNvPr>
@@ -7426,8 +9023,8 @@
         </p:blipFill>
         <p:spPr>
           <a:xfrm>
-            <a:off x="0" y="1292556"/>
-            <a:ext cx="5851676" cy="4388757"/>
+            <a:off x="3171579" y="3426249"/>
+            <a:ext cx="6279424" cy="3426249"/>
           </a:xfrm>
           <a:prstGeom prst="rect">
             <a:avLst/>
@@ -7437,7 +9034,7 @@
     </p:spTree>
     <p:extLst>
       <p:ext uri="{BB962C8B-B14F-4D97-AF65-F5344CB8AC3E}">
-        <p14:creationId xmlns:p14="http://schemas.microsoft.com/office/powerpoint/2010/main" val="3567221388"/>
+        <p14:creationId xmlns:p14="http://schemas.microsoft.com/office/powerpoint/2010/main" val="3032721207"/>
       </p:ext>
     </p:extLst>
   </p:cSld>
@@ -7469,7 +9066,7 @@
           <p:cNvPr id="2" name="Title 1">
             <a:extLst>
               <a:ext uri="{FF2B5EF4-FFF2-40B4-BE49-F238E27FC236}">
-                <a16:creationId xmlns:a16="http://schemas.microsoft.com/office/drawing/2014/main" id="{BFE5DEE6-D7B2-00D6-81E1-D9FEDE243F7C}"/>
+                <a16:creationId xmlns:a16="http://schemas.microsoft.com/office/drawing/2014/main" id="{80846A62-8F15-9E10-5F8E-2A424EB04205}"/>
               </a:ext>
             </a:extLst>
           </p:cNvPr>
@@ -7494,10 +9091,10 @@
       </p:sp>
       <p:pic>
         <p:nvPicPr>
-          <p:cNvPr id="11" name="Content Placeholder 10" descr="A graph of a line&#10;&#10;Description automatically generated with medium confidence">
-            <a:extLst>
-              <a:ext uri="{FF2B5EF4-FFF2-40B4-BE49-F238E27FC236}">
-                <a16:creationId xmlns:a16="http://schemas.microsoft.com/office/drawing/2014/main" id="{11723DD7-583B-165E-B92B-C932975ACD95}"/>
+          <p:cNvPr id="6" name="Content Placeholder 5" descr="A screenshot of a graph&#10;&#10;Description automatically generated">
+            <a:extLst>
+              <a:ext uri="{FF2B5EF4-FFF2-40B4-BE49-F238E27FC236}">
+                <a16:creationId xmlns:a16="http://schemas.microsoft.com/office/drawing/2014/main" id="{D098E4CC-7D9C-CBB4-F21A-5EF28AB825C7}"/>
               </a:ext>
             </a:extLst>
           </p:cNvPr>
@@ -7522,8 +9119,41 @@
         </p:blipFill>
         <p:spPr>
           <a:xfrm>
-            <a:off x="2747433" y="168275"/>
-            <a:ext cx="8432800" cy="6324600"/>
+            <a:off x="6048495" y="1520271"/>
+            <a:ext cx="6095653" cy="4723219"/>
+          </a:xfrm>
+        </p:spPr>
+      </p:pic>
+      <p:pic>
+        <p:nvPicPr>
+          <p:cNvPr id="8" name="Picture 7" descr="A screen shot of a graph&#10;&#10;Description automatically generated">
+            <a:extLst>
+              <a:ext uri="{FF2B5EF4-FFF2-40B4-BE49-F238E27FC236}">
+                <a16:creationId xmlns:a16="http://schemas.microsoft.com/office/drawing/2014/main" id="{A8584BBB-4592-D2C3-D796-D4DA03D53BE4}"/>
+              </a:ext>
+            </a:extLst>
+          </p:cNvPr>
+          <p:cNvPicPr>
+            <a:picLocks noChangeAspect="1"/>
+          </p:cNvPicPr>
+          <p:nvPr/>
+        </p:nvPicPr>
+        <p:blipFill>
+          <a:blip r:embed="rId3">
+            <a:extLst>
+              <a:ext uri="{28A0092B-C50C-407E-A947-70E740481C1C}">
+                <a14:useLocalDpi xmlns:a14="http://schemas.microsoft.com/office/drawing/2010/main" val="0"/>
+              </a:ext>
+            </a:extLst>
+          </a:blip>
+          <a:stretch>
+            <a:fillRect/>
+          </a:stretch>
+        </p:blipFill>
+        <p:spPr>
+          <a:xfrm>
+            <a:off x="0" y="1520272"/>
+            <a:ext cx="6000750" cy="4723219"/>
           </a:xfrm>
           <a:prstGeom prst="rect">
             <a:avLst/>
@@ -7533,7 +9163,7 @@
     </p:spTree>
     <p:extLst>
       <p:ext uri="{BB962C8B-B14F-4D97-AF65-F5344CB8AC3E}">
-        <p14:creationId xmlns:p14="http://schemas.microsoft.com/office/powerpoint/2010/main" val="125608296"/>
+        <p14:creationId xmlns:p14="http://schemas.microsoft.com/office/powerpoint/2010/main" val="3567221388"/>
       </p:ext>
     </p:extLst>
   </p:cSld>

--- a/plots/Plots.pptx
+++ b/plots/Plots.pptx
@@ -29,6 +29,7 @@
     <p:sldId id="278" r:id="rId23"/>
     <p:sldId id="279" r:id="rId24"/>
     <p:sldId id="280" r:id="rId25"/>
+    <p:sldId id="281" r:id="rId26"/>
   </p:sldIdLst>
   <p:sldSz cx="12192000" cy="6858000"/>
   <p:notesSz cx="6858000" cy="9144000"/>
@@ -4426,8 +4427,8 @@
           <a:chExt cx="0" cy="0"/>
         </a:xfrm>
       </p:grpSpPr>
-      <mc:AlternateContent xmlns:mc="http://schemas.openxmlformats.org/markup-compatibility/2006">
-        <mc:Choice xmlns:a14="http://schemas.microsoft.com/office/drawing/2010/main" Requires="a14">
+      <mc:AlternateContent xmlns:mc="http://schemas.openxmlformats.org/markup-compatibility/2006" xmlns:a14="http://schemas.microsoft.com/office/drawing/2010/main">
+        <mc:Choice Requires="a14">
           <p:sp>
             <p:nvSpPr>
               <p:cNvPr id="2" name="Title 1">
@@ -4468,7 +4469,7 @@
             </p:txBody>
           </p:sp>
         </mc:Choice>
-        <mc:Fallback>
+        <mc:Fallback xmlns="">
           <p:sp>
             <p:nvSpPr>
               <p:cNvPr id="2" name="Title 1">
@@ -4508,8 +4509,8 @@
           </p:sp>
         </mc:Fallback>
       </mc:AlternateContent>
-      <mc:AlternateContent xmlns:mc="http://schemas.openxmlformats.org/markup-compatibility/2006">
-        <mc:Choice xmlns:a14="http://schemas.microsoft.com/office/drawing/2010/main" Requires="a14">
+      <mc:AlternateContent xmlns:mc="http://schemas.openxmlformats.org/markup-compatibility/2006" xmlns:a14="http://schemas.microsoft.com/office/drawing/2010/main">
+        <mc:Choice Requires="a14">
           <p:sp>
             <p:nvSpPr>
               <p:cNvPr id="3" name="Content Placeholder 2">
@@ -4857,7 +4858,7 @@
             </p:txBody>
           </p:sp>
         </mc:Choice>
-        <mc:Fallback>
+        <mc:Fallback xmlns="">
           <p:sp>
             <p:nvSpPr>
               <p:cNvPr id="3" name="Content Placeholder 2">
@@ -5437,8 +5438,8 @@
           </a:p>
         </p:txBody>
       </p:sp>
-      <mc:AlternateContent xmlns:mc="http://schemas.openxmlformats.org/markup-compatibility/2006">
-        <mc:Choice xmlns:a14="http://schemas.microsoft.com/office/drawing/2010/main" Requires="a14">
+      <mc:AlternateContent xmlns:mc="http://schemas.openxmlformats.org/markup-compatibility/2006" xmlns:a14="http://schemas.microsoft.com/office/drawing/2010/main">
+        <mc:Choice Requires="a14">
           <p:sp>
             <p:nvSpPr>
               <p:cNvPr id="3" name="Content Placeholder 2">
@@ -5786,7 +5787,7 @@
             </p:txBody>
           </p:sp>
         </mc:Choice>
-        <mc:Fallback>
+        <mc:Fallback xmlns="">
           <p:sp>
             <p:nvSpPr>
               <p:cNvPr id="3" name="Content Placeholder 2">
@@ -6214,6 +6215,18 @@
                       </a:rPr>
                       <m:t>𝑇</m:t>
                     </m:r>
+                    <m:r>
+                      <a:rPr lang="en-US" b="0" i="1" smtClean="0">
+                        <a:latin typeface="Cambria Math" panose="02040503050406030204" pitchFamily="18" charset="0"/>
+                      </a:rPr>
+                      <m:t>=</m:t>
+                    </m:r>
+                    <m:r>
+                      <a:rPr lang="en-US" b="0" i="1" smtClean="0">
+                        <a:latin typeface="Cambria Math" panose="02040503050406030204" pitchFamily="18" charset="0"/>
+                      </a:rPr>
+                      <m:t>𝐿</m:t>
+                    </m:r>
                   </m:oMath>
                 </a14:m>
                 <a:r>
@@ -6228,7 +6241,27 @@
                 </a:pPr>
                 <a:r>
                   <a:rPr lang="en-US" dirty="0"/>
-                  <a:t>Run one step of the </a:t>
+                  <a:t>Run </a:t>
+                </a:r>
+                <a14:m>
+                  <m:oMath xmlns:m="http://schemas.openxmlformats.org/officeDocument/2006/math">
+                    <m:r>
+                      <a:rPr lang="en-US" b="0" i="1" smtClean="0">
+                        <a:latin typeface="Cambria Math" panose="02040503050406030204" pitchFamily="18" charset="0"/>
+                      </a:rPr>
+                      <m:t>𝜏</m:t>
+                    </m:r>
+                    <m:r>
+                      <a:rPr lang="en-US" b="0" i="1" smtClean="0">
+                        <a:latin typeface="Cambria Math" panose="02040503050406030204" pitchFamily="18" charset="0"/>
+                      </a:rPr>
+                      <m:t>=1</m:t>
+                    </m:r>
+                  </m:oMath>
+                </a14:m>
+                <a:r>
+                  <a:rPr lang="en-US" dirty="0"/>
+                  <a:t> steps of the </a:t>
                 </a:r>
                 <a:r>
                   <a:rPr lang="en-US" dirty="0">
@@ -6429,8 +6462,8 @@
           </a:p>
         </p:txBody>
       </p:sp>
-      <mc:AlternateContent xmlns:mc="http://schemas.openxmlformats.org/markup-compatibility/2006">
-        <mc:Choice xmlns:a14="http://schemas.microsoft.com/office/drawing/2010/main" Requires="a14">
+      <mc:AlternateContent xmlns:mc="http://schemas.openxmlformats.org/markup-compatibility/2006" xmlns:a14="http://schemas.microsoft.com/office/drawing/2010/main">
+        <mc:Choice Requires="a14">
           <p:sp>
             <p:nvSpPr>
               <p:cNvPr id="3" name="Content Placeholder 2">
@@ -6726,7 +6759,7 @@
             </p:txBody>
           </p:sp>
         </mc:Choice>
-        <mc:Fallback>
+        <mc:Fallback xmlns="">
           <p:sp>
             <p:nvSpPr>
               <p:cNvPr id="3" name="Content Placeholder 2">
@@ -7161,8 +7194,8 @@
         </p:nvSpPr>
         <p:spPr>
           <a:xfrm>
-            <a:off x="5619750" y="2508250"/>
-            <a:ext cx="1510926" cy="461665"/>
+            <a:off x="4748663" y="2123239"/>
+            <a:ext cx="2815258" cy="830997"/>
           </a:xfrm>
           <a:prstGeom prst="rect">
             <a:avLst/>
@@ -7182,6 +7215,16 @@
                 </a:solidFill>
               </a:rPr>
               <a:t>Crossing?</a:t>
+            </a:r>
+          </a:p>
+          <a:p>
+            <a:r>
+              <a:rPr lang="en-US" sz="2400" dirty="0">
+                <a:solidFill>
+                  <a:srgbClr val="FF0000"/>
+                </a:solidFill>
+              </a:rPr>
+              <a:t>Or effect of small L?</a:t>
             </a:r>
           </a:p>
         </p:txBody>
@@ -7334,6 +7377,311 @@
 </p:sld>
 </file>
 
+<file path=ppt/slides/slide25.xml><?xml version="1.0" encoding="utf-8"?>
+<p:sld xmlns:a="http://schemas.openxmlformats.org/drawingml/2006/main" xmlns:r="http://schemas.openxmlformats.org/officeDocument/2006/relationships" xmlns:p="http://schemas.openxmlformats.org/presentationml/2006/main">
+  <p:cSld>
+    <p:spTree>
+      <p:nvGrpSpPr>
+        <p:cNvPr id="1" name=""/>
+        <p:cNvGrpSpPr/>
+        <p:nvPr/>
+      </p:nvGrpSpPr>
+      <p:grpSpPr>
+        <a:xfrm>
+          <a:off x="0" y="0"/>
+          <a:ext cx="0" cy="0"/>
+          <a:chOff x="0" y="0"/>
+          <a:chExt cx="0" cy="0"/>
+        </a:xfrm>
+      </p:grpSpPr>
+      <p:sp>
+        <p:nvSpPr>
+          <p:cNvPr id="2" name="Title 1">
+            <a:extLst>
+              <a:ext uri="{FF2B5EF4-FFF2-40B4-BE49-F238E27FC236}">
+                <a16:creationId xmlns:a16="http://schemas.microsoft.com/office/drawing/2014/main" id="{F7503490-B962-3F4F-EFAA-2B5007E24588}"/>
+              </a:ext>
+            </a:extLst>
+          </p:cNvPr>
+          <p:cNvSpPr>
+            <a:spLocks noGrp="1"/>
+          </p:cNvSpPr>
+          <p:nvPr>
+            <p:ph type="title"/>
+          </p:nvPr>
+        </p:nvSpPr>
+        <p:spPr/>
+        <p:txBody>
+          <a:bodyPr/>
+          <a:lstStyle/>
+          <a:p>
+            <a:r>
+              <a:rPr lang="en-US" dirty="0"/>
+              <a:t>Run 7</a:t>
+            </a:r>
+          </a:p>
+        </p:txBody>
+      </p:sp>
+      <mc:AlternateContent xmlns:mc="http://schemas.openxmlformats.org/markup-compatibility/2006">
+        <mc:Choice xmlns:a14="http://schemas.microsoft.com/office/drawing/2010/main" Requires="a14">
+          <p:sp>
+            <p:nvSpPr>
+              <p:cNvPr id="4" name="Content Placeholder 2">
+                <a:extLst>
+                  <a:ext uri="{FF2B5EF4-FFF2-40B4-BE49-F238E27FC236}">
+                    <a16:creationId xmlns:a16="http://schemas.microsoft.com/office/drawing/2014/main" id="{762A52ED-5824-0E03-C594-148A5C5E6621}"/>
+                  </a:ext>
+                </a:extLst>
+              </p:cNvPr>
+              <p:cNvSpPr>
+                <a:spLocks noGrp="1"/>
+              </p:cNvSpPr>
+              <p:nvPr>
+                <p:ph idx="1"/>
+              </p:nvPr>
+            </p:nvSpPr>
+            <p:spPr>
+              <a:xfrm>
+                <a:off x="838200" y="1825625"/>
+                <a:ext cx="10515600" cy="4351338"/>
+              </a:xfrm>
+            </p:spPr>
+            <p:txBody>
+              <a:bodyPr/>
+              <a:lstStyle/>
+              <a:p>
+                <a14:m>
+                  <m:oMath xmlns:m="http://schemas.openxmlformats.org/officeDocument/2006/math">
+                    <m:r>
+                      <a:rPr lang="en-US" b="1" i="1" dirty="0" smtClean="0">
+                        <a:latin typeface="Cambria Math" panose="02040503050406030204" pitchFamily="18" charset="0"/>
+                      </a:rPr>
+                      <m:t>𝑳</m:t>
+                    </m:r>
+                    <m:r>
+                      <a:rPr lang="en-US" b="1" i="1" dirty="0" smtClean="0">
+                        <a:latin typeface="Cambria Math" panose="02040503050406030204" pitchFamily="18" charset="0"/>
+                      </a:rPr>
+                      <m:t>∈</m:t>
+                    </m:r>
+                    <m:r>
+                      <m:rPr>
+                        <m:lit/>
+                      </m:rPr>
+                      <a:rPr lang="en-US" b="1" i="1" dirty="0" smtClean="0">
+                        <a:latin typeface="Cambria Math" panose="02040503050406030204" pitchFamily="18" charset="0"/>
+                      </a:rPr>
+                      <m:t>{</m:t>
+                    </m:r>
+                    <m:r>
+                      <a:rPr lang="en-US" b="1" i="1" dirty="0" smtClean="0">
+                        <a:latin typeface="Cambria Math" panose="02040503050406030204" pitchFamily="18" charset="0"/>
+                      </a:rPr>
+                      <m:t>𝟐𝟎</m:t>
+                    </m:r>
+                    <m:r>
+                      <a:rPr lang="en-US" b="1" i="1" dirty="0" smtClean="0">
+                        <a:latin typeface="Cambria Math" panose="02040503050406030204" pitchFamily="18" charset="0"/>
+                      </a:rPr>
+                      <m:t>,</m:t>
+                    </m:r>
+                    <m:r>
+                      <a:rPr lang="en-US" b="1" i="1" dirty="0" smtClean="0">
+                        <a:latin typeface="Cambria Math" panose="02040503050406030204" pitchFamily="18" charset="0"/>
+                      </a:rPr>
+                      <m:t>𝟒𝟎</m:t>
+                    </m:r>
+                    <m:r>
+                      <a:rPr lang="en-US" b="1" i="1" dirty="0" smtClean="0">
+                        <a:latin typeface="Cambria Math" panose="02040503050406030204" pitchFamily="18" charset="0"/>
+                      </a:rPr>
+                      <m:t>,</m:t>
+                    </m:r>
+                    <m:r>
+                      <a:rPr lang="en-US" b="1" i="1" dirty="0" smtClean="0">
+                        <a:latin typeface="Cambria Math" panose="02040503050406030204" pitchFamily="18" charset="0"/>
+                      </a:rPr>
+                      <m:t>𝟔𝟎</m:t>
+                    </m:r>
+                    <m:r>
+                      <a:rPr lang="en-US" b="1" i="1" dirty="0" smtClean="0">
+                        <a:latin typeface="Cambria Math" panose="02040503050406030204" pitchFamily="18" charset="0"/>
+                      </a:rPr>
+                      <m:t>,…,</m:t>
+                    </m:r>
+                    <m:r>
+                      <a:rPr lang="en-US" b="1" i="1" dirty="0" smtClean="0">
+                        <a:latin typeface="Cambria Math" panose="02040503050406030204" pitchFamily="18" charset="0"/>
+                      </a:rPr>
+                      <m:t>𝟏𝟎𝟎</m:t>
+                    </m:r>
+                    <m:r>
+                      <m:rPr>
+                        <m:lit/>
+                      </m:rPr>
+                      <a:rPr lang="en-US" b="1" i="1" dirty="0" smtClean="0">
+                        <a:latin typeface="Cambria Math" panose="02040503050406030204" pitchFamily="18" charset="0"/>
+                      </a:rPr>
+                      <m:t>}</m:t>
+                    </m:r>
+                  </m:oMath>
+                </a14:m>
+                <a:endParaRPr lang="en-US" b="1" dirty="0"/>
+              </a:p>
+              <a:p>
+                <a14:m>
+                  <m:oMath xmlns:m="http://schemas.openxmlformats.org/officeDocument/2006/math">
+                    <m:r>
+                      <a:rPr lang="en-US" i="1" dirty="0" smtClean="0">
+                        <a:latin typeface="Cambria Math" panose="02040503050406030204" pitchFamily="18" charset="0"/>
+                      </a:rPr>
+                      <m:t>𝑐</m:t>
+                    </m:r>
+                    <m:r>
+                      <a:rPr lang="en-US" i="1" dirty="0" smtClean="0">
+                        <a:latin typeface="Cambria Math" panose="02040503050406030204" pitchFamily="18" charset="0"/>
+                      </a:rPr>
+                      <m:t>=16</m:t>
+                    </m:r>
+                  </m:oMath>
+                </a14:m>
+                <a:endParaRPr lang="en-US" dirty="0"/>
+              </a:p>
+              <a:p>
+                <a14:m>
+                  <m:oMath xmlns:m="http://schemas.openxmlformats.org/officeDocument/2006/math">
+                    <m:r>
+                      <a:rPr lang="en-US" i="1" dirty="0" smtClean="0">
+                        <a:latin typeface="Cambria Math" panose="02040503050406030204" pitchFamily="18" charset="0"/>
+                      </a:rPr>
+                      <m:t>𝑇</m:t>
+                    </m:r>
+                    <m:r>
+                      <a:rPr lang="en-US" i="1" dirty="0" smtClean="0">
+                        <a:latin typeface="Cambria Math" panose="02040503050406030204" pitchFamily="18" charset="0"/>
+                      </a:rPr>
+                      <m:t>=</m:t>
+                    </m:r>
+                    <m:r>
+                      <a:rPr lang="en-US" i="1" dirty="0" smtClean="0">
+                        <a:latin typeface="Cambria Math" panose="02040503050406030204" pitchFamily="18" charset="0"/>
+                      </a:rPr>
+                      <m:t>𝐿</m:t>
+                    </m:r>
+                  </m:oMath>
+                </a14:m>
+                <a:endParaRPr lang="en-US" dirty="0"/>
+              </a:p>
+              <a:p>
+                <a14:m>
+                  <m:oMath xmlns:m="http://schemas.openxmlformats.org/officeDocument/2006/math">
+                    <m:r>
+                      <a:rPr lang="en-US" b="0" i="1" dirty="0" smtClean="0">
+                        <a:latin typeface="Cambria Math" panose="02040503050406030204" pitchFamily="18" charset="0"/>
+                      </a:rPr>
+                      <m:t>𝑝</m:t>
+                    </m:r>
+                    <m:r>
+                      <a:rPr lang="en-US" b="0" i="1" dirty="0" smtClean="0">
+                        <a:latin typeface="Cambria Math" panose="02040503050406030204" pitchFamily="18" charset="0"/>
+                      </a:rPr>
+                      <m:t>=0.004</m:t>
+                    </m:r>
+                  </m:oMath>
+                </a14:m>
+                <a:endParaRPr lang="en-US" dirty="0"/>
+              </a:p>
+              <a:p>
+                <a14:m>
+                  <m:oMath xmlns:m="http://schemas.openxmlformats.org/officeDocument/2006/math">
+                    <m:r>
+                      <a:rPr lang="en-US" i="1" dirty="0" smtClean="0">
+                        <a:latin typeface="Cambria Math" panose="02040503050406030204" pitchFamily="18" charset="0"/>
+                      </a:rPr>
+                      <m:t>𝜂</m:t>
+                    </m:r>
+                    <m:r>
+                      <a:rPr lang="en-US" i="1" dirty="0" smtClean="0">
+                        <a:latin typeface="Cambria Math" panose="02040503050406030204" pitchFamily="18" charset="0"/>
+                      </a:rPr>
+                      <m:t>=0.1</m:t>
+                    </m:r>
+                  </m:oMath>
+                </a14:m>
+                <a:endParaRPr lang="en-US" dirty="0"/>
+              </a:p>
+              <a:p>
+                <a:r>
+                  <a:rPr lang="en-US" dirty="0"/>
+                  <a:t>1000000 shots</a:t>
+                </a:r>
+              </a:p>
+              <a:p>
+                <a:r>
+                  <a:rPr lang="en-US" dirty="0"/>
+                  <a:t>2 hours, 8 CPUs / task</a:t>
+                </a:r>
+              </a:p>
+            </p:txBody>
+          </p:sp>
+        </mc:Choice>
+        <mc:Fallback>
+          <p:sp>
+            <p:nvSpPr>
+              <p:cNvPr id="4" name="Content Placeholder 2">
+                <a:extLst>
+                  <a:ext uri="{FF2B5EF4-FFF2-40B4-BE49-F238E27FC236}">
+                    <a16:creationId xmlns:a16="http://schemas.microsoft.com/office/drawing/2014/main" id="{762A52ED-5824-0E03-C594-148A5C5E6621}"/>
+                  </a:ext>
+                </a:extLst>
+              </p:cNvPr>
+              <p:cNvSpPr>
+                <a:spLocks noGrp="1" noRot="1" noChangeAspect="1" noMove="1" noResize="1" noEditPoints="1" noAdjustHandles="1" noChangeArrowheads="1" noChangeShapeType="1" noTextEdit="1"/>
+              </p:cNvSpPr>
+              <p:nvPr>
+                <p:ph idx="1"/>
+              </p:nvPr>
+            </p:nvSpPr>
+            <p:spPr>
+              <a:xfrm>
+                <a:off x="838200" y="1825625"/>
+                <a:ext cx="10515600" cy="4351338"/>
+              </a:xfrm>
+              <a:blipFill>
+                <a:blip r:embed="rId2"/>
+                <a:stretch>
+                  <a:fillRect l="-1043"/>
+                </a:stretch>
+              </a:blipFill>
+            </p:spPr>
+            <p:txBody>
+              <a:bodyPr/>
+              <a:lstStyle/>
+              <a:p>
+                <a:r>
+                  <a:rPr lang="en-US">
+                    <a:noFill/>
+                  </a:rPr>
+                  <a:t> </a:t>
+                </a:r>
+              </a:p>
+            </p:txBody>
+          </p:sp>
+        </mc:Fallback>
+      </mc:AlternateContent>
+    </p:spTree>
+    <p:extLst>
+      <p:ext uri="{BB962C8B-B14F-4D97-AF65-F5344CB8AC3E}">
+        <p14:creationId xmlns:p14="http://schemas.microsoft.com/office/powerpoint/2010/main" val="3066493656"/>
+      </p:ext>
+    </p:extLst>
+  </p:cSld>
+  <p:clrMapOvr>
+    <a:masterClrMapping/>
+  </p:clrMapOvr>
+</p:sld>
+</file>
+
 <file path=ppt/slides/slide3.xml><?xml version="1.0" encoding="utf-8"?>
 <p:sld xmlns:a="http://schemas.openxmlformats.org/drawingml/2006/main" xmlns:r="http://schemas.openxmlformats.org/officeDocument/2006/relationships" xmlns:p="http://schemas.openxmlformats.org/presentationml/2006/main">
   <p:cSld>
@@ -7379,8 +7727,8 @@
           </a:p>
         </p:txBody>
       </p:sp>
-      <mc:AlternateContent xmlns:mc="http://schemas.openxmlformats.org/markup-compatibility/2006">
-        <mc:Choice xmlns:a14="http://schemas.microsoft.com/office/drawing/2010/main" Requires="a14">
+      <mc:AlternateContent xmlns:mc="http://schemas.openxmlformats.org/markup-compatibility/2006" xmlns:a14="http://schemas.microsoft.com/office/drawing/2010/main">
+        <mc:Choice Requires="a14">
           <p:sp>
             <p:nvSpPr>
               <p:cNvPr id="3" name="Content Placeholder 2">
@@ -7724,7 +8072,7 @@
             </p:txBody>
           </p:sp>
         </mc:Choice>
-        <mc:Fallback>
+        <mc:Fallback xmlns="">
           <p:sp>
             <p:nvSpPr>
               <p:cNvPr id="3" name="Content Placeholder 2">
@@ -7987,8 +8335,8 @@
           </a:p>
         </p:txBody>
       </p:sp>
-      <mc:AlternateContent xmlns:mc="http://schemas.openxmlformats.org/markup-compatibility/2006">
-        <mc:Choice xmlns:a14="http://schemas.microsoft.com/office/drawing/2010/main" Requires="a14">
+      <mc:AlternateContent xmlns:mc="http://schemas.openxmlformats.org/markup-compatibility/2006" xmlns:a14="http://schemas.microsoft.com/office/drawing/2010/main">
+        <mc:Choice Requires="a14">
           <p:sp>
             <p:nvSpPr>
               <p:cNvPr id="3" name="Content Placeholder 2">
@@ -8245,7 +8593,7 @@
             </p:txBody>
           </p:sp>
         </mc:Choice>
-        <mc:Fallback>
+        <mc:Fallback xmlns="">
           <p:sp>
             <p:nvSpPr>
               <p:cNvPr id="3" name="Content Placeholder 2">
@@ -8444,8 +8792,8 @@
           <a:chExt cx="0" cy="0"/>
         </a:xfrm>
       </p:grpSpPr>
-      <mc:AlternateContent xmlns:mc="http://schemas.openxmlformats.org/markup-compatibility/2006">
-        <mc:Choice xmlns:a14="http://schemas.microsoft.com/office/drawing/2010/main" Requires="a14">
+      <mc:AlternateContent xmlns:mc="http://schemas.openxmlformats.org/markup-compatibility/2006" xmlns:a14="http://schemas.microsoft.com/office/drawing/2010/main">
+        <mc:Choice Requires="a14">
           <p:sp>
             <p:nvSpPr>
               <p:cNvPr id="2" name="Title 1">
@@ -8486,7 +8834,7 @@
             </p:txBody>
           </p:sp>
         </mc:Choice>
-        <mc:Fallback>
+        <mc:Fallback xmlns="">
           <p:sp>
             <p:nvSpPr>
               <p:cNvPr id="2" name="Title 1">
@@ -8526,8 +8874,8 @@
           </p:sp>
         </mc:Fallback>
       </mc:AlternateContent>
-      <mc:AlternateContent xmlns:mc="http://schemas.openxmlformats.org/markup-compatibility/2006">
-        <mc:Choice xmlns:a14="http://schemas.microsoft.com/office/drawing/2010/main" Requires="a14">
+      <mc:AlternateContent xmlns:mc="http://schemas.openxmlformats.org/markup-compatibility/2006" xmlns:a14="http://schemas.microsoft.com/office/drawing/2010/main">
+        <mc:Choice Requires="a14">
           <p:sp>
             <p:nvSpPr>
               <p:cNvPr id="3" name="Content Placeholder 2">
@@ -8832,7 +9180,7 @@
             </p:txBody>
           </p:sp>
         </mc:Choice>
-        <mc:Fallback>
+        <mc:Fallback xmlns="">
           <p:sp>
             <p:nvSpPr>
               <p:cNvPr id="3" name="Content Placeholder 2">

--- a/plots/Plots.pptx
+++ b/plots/Plots.pptx
@@ -30,6 +30,7 @@
     <p:sldId id="279" r:id="rId24"/>
     <p:sldId id="280" r:id="rId25"/>
     <p:sldId id="281" r:id="rId26"/>
+    <p:sldId id="282" r:id="rId27"/>
   </p:sldIdLst>
   <p:sldSz cx="12192000" cy="6858000"/>
   <p:notesSz cx="6858000" cy="9144000"/>
@@ -6137,8 +6138,8 @@
           </a:p>
         </p:txBody>
       </p:sp>
-      <mc:AlternateContent xmlns:mc="http://schemas.openxmlformats.org/markup-compatibility/2006">
-        <mc:Choice xmlns:a14="http://schemas.microsoft.com/office/drawing/2010/main" Requires="a14">
+      <mc:AlternateContent xmlns:mc="http://schemas.openxmlformats.org/markup-compatibility/2006" xmlns:a14="http://schemas.microsoft.com/office/drawing/2010/main">
+        <mc:Choice Requires="a14">
           <p:sp>
             <p:nvSpPr>
               <p:cNvPr id="3" name="Content Placeholder 2">
@@ -6364,7 +6365,7 @@
             </p:txBody>
           </p:sp>
         </mc:Choice>
-        <mc:Fallback>
+        <mc:Fallback xmlns="">
           <p:sp>
             <p:nvSpPr>
               <p:cNvPr id="3" name="Content Placeholder 2">
@@ -7417,13 +7418,13 @@
           <a:p>
             <a:r>
               <a:rPr lang="en-US" dirty="0"/>
-              <a:t>Run 7</a:t>
+              <a:t>Run 7 – look for below-threshold behavior</a:t>
             </a:r>
           </a:p>
         </p:txBody>
       </p:sp>
-      <mc:AlternateContent xmlns:mc="http://schemas.openxmlformats.org/markup-compatibility/2006">
-        <mc:Choice xmlns:a14="http://schemas.microsoft.com/office/drawing/2010/main" Requires="a14">
+      <mc:AlternateContent xmlns:mc="http://schemas.openxmlformats.org/markup-compatibility/2006" xmlns:a14="http://schemas.microsoft.com/office/drawing/2010/main">
+        <mc:Choice Requires="a14">
           <p:sp>
             <p:nvSpPr>
               <p:cNvPr id="4" name="Content Placeholder 2">
@@ -7625,7 +7626,7 @@
             </p:txBody>
           </p:sp>
         </mc:Choice>
-        <mc:Fallback>
+        <mc:Fallback xmlns="">
           <p:sp>
             <p:nvSpPr>
               <p:cNvPr id="4" name="Content Placeholder 2">
@@ -7669,10 +7670,133 @@
           </p:sp>
         </mc:Fallback>
       </mc:AlternateContent>
+      <p:pic>
+        <p:nvPicPr>
+          <p:cNvPr id="5" name="Picture 4">
+            <a:extLst>
+              <a:ext uri="{FF2B5EF4-FFF2-40B4-BE49-F238E27FC236}">
+                <a16:creationId xmlns:a16="http://schemas.microsoft.com/office/drawing/2014/main" id="{F69F324F-8502-6716-A767-B1B376756B14}"/>
+              </a:ext>
+            </a:extLst>
+          </p:cNvPr>
+          <p:cNvPicPr>
+            <a:picLocks noChangeAspect="1"/>
+          </p:cNvPicPr>
+          <p:nvPr/>
+        </p:nvPicPr>
+        <p:blipFill>
+          <a:blip r:embed="rId3"/>
+          <a:stretch>
+            <a:fillRect/>
+          </a:stretch>
+        </p:blipFill>
+        <p:spPr>
+          <a:xfrm>
+            <a:off x="6449566" y="1813378"/>
+            <a:ext cx="4239217" cy="4077269"/>
+          </a:xfrm>
+          <a:prstGeom prst="rect">
+            <a:avLst/>
+          </a:prstGeom>
+        </p:spPr>
+      </p:pic>
     </p:spTree>
     <p:extLst>
       <p:ext uri="{BB962C8B-B14F-4D97-AF65-F5344CB8AC3E}">
         <p14:creationId xmlns:p14="http://schemas.microsoft.com/office/powerpoint/2010/main" val="3066493656"/>
+      </p:ext>
+    </p:extLst>
+  </p:cSld>
+  <p:clrMapOvr>
+    <a:masterClrMapping/>
+  </p:clrMapOvr>
+</p:sld>
+</file>
+
+<file path=ppt/slides/slide26.xml><?xml version="1.0" encoding="utf-8"?>
+<p:sld xmlns:a="http://schemas.openxmlformats.org/drawingml/2006/main" xmlns:r="http://schemas.openxmlformats.org/officeDocument/2006/relationships" xmlns:p="http://schemas.openxmlformats.org/presentationml/2006/main">
+  <p:cSld>
+    <p:spTree>
+      <p:nvGrpSpPr>
+        <p:cNvPr id="1" name=""/>
+        <p:cNvGrpSpPr/>
+        <p:nvPr/>
+      </p:nvGrpSpPr>
+      <p:grpSpPr>
+        <a:xfrm>
+          <a:off x="0" y="0"/>
+          <a:ext cx="0" cy="0"/>
+          <a:chOff x="0" y="0"/>
+          <a:chExt cx="0" cy="0"/>
+        </a:xfrm>
+      </p:grpSpPr>
+      <p:sp>
+        <p:nvSpPr>
+          <p:cNvPr id="2" name="Title 1">
+            <a:extLst>
+              <a:ext uri="{FF2B5EF4-FFF2-40B4-BE49-F238E27FC236}">
+                <a16:creationId xmlns:a16="http://schemas.microsoft.com/office/drawing/2014/main" id="{54AB760F-A9E0-E2C7-AA15-B8ED7751FB90}"/>
+              </a:ext>
+            </a:extLst>
+          </p:cNvPr>
+          <p:cNvSpPr>
+            <a:spLocks noGrp="1"/>
+          </p:cNvSpPr>
+          <p:nvPr>
+            <p:ph type="title"/>
+          </p:nvPr>
+        </p:nvSpPr>
+        <p:spPr/>
+        <p:txBody>
+          <a:bodyPr/>
+          <a:lstStyle/>
+          <a:p>
+            <a:r>
+              <a:rPr lang="en-US" dirty="0"/>
+              <a:t>Run 7</a:t>
+            </a:r>
+          </a:p>
+        </p:txBody>
+      </p:sp>
+      <p:pic>
+        <p:nvPicPr>
+          <p:cNvPr id="5" name="Content Placeholder 4" descr="A graph on a black background&#10;&#10;Description automatically generated">
+            <a:extLst>
+              <a:ext uri="{FF2B5EF4-FFF2-40B4-BE49-F238E27FC236}">
+                <a16:creationId xmlns:a16="http://schemas.microsoft.com/office/drawing/2014/main" id="{180EB120-24E7-94B0-354C-CFB520B1781D}"/>
+              </a:ext>
+            </a:extLst>
+          </p:cNvPr>
+          <p:cNvPicPr>
+            <a:picLocks noGrp="1" noChangeAspect="1"/>
+          </p:cNvPicPr>
+          <p:nvPr>
+            <p:ph idx="1"/>
+          </p:nvPr>
+        </p:nvPicPr>
+        <p:blipFill>
+          <a:blip r:embed="rId2">
+            <a:extLst>
+              <a:ext uri="{28A0092B-C50C-407E-A947-70E740481C1C}">
+                <a14:useLocalDpi xmlns:a14="http://schemas.microsoft.com/office/drawing/2010/main" val="0"/>
+              </a:ext>
+            </a:extLst>
+          </a:blip>
+          <a:stretch>
+            <a:fillRect/>
+          </a:stretch>
+        </p:blipFill>
+        <p:spPr>
+          <a:xfrm>
+            <a:off x="2790893" y="0"/>
+            <a:ext cx="8750595" cy="6858000"/>
+          </a:xfrm>
+        </p:spPr>
+      </p:pic>
+    </p:spTree>
+    <p:extLst>
+      <p:ext uri="{BB962C8B-B14F-4D97-AF65-F5344CB8AC3E}">
+        <p14:creationId xmlns:p14="http://schemas.microsoft.com/office/powerpoint/2010/main" val="2782192982"/>
       </p:ext>
     </p:extLst>
   </p:cSld>

--- a/plots/Plots.pptx
+++ b/plots/Plots.pptx
@@ -7788,9 +7788,45 @@
         </p:blipFill>
         <p:spPr>
           <a:xfrm>
-            <a:off x="2790893" y="0"/>
-            <a:ext cx="8750595" cy="6858000"/>
+            <a:off x="139700" y="1570821"/>
+            <a:ext cx="5849682" cy="4584502"/>
           </a:xfrm>
+        </p:spPr>
+      </p:pic>
+      <p:pic>
+        <p:nvPicPr>
+          <p:cNvPr id="4" name="Picture 3" descr="A graph with a line going up&#10;&#10;Description automatically generated">
+            <a:extLst>
+              <a:ext uri="{FF2B5EF4-FFF2-40B4-BE49-F238E27FC236}">
+                <a16:creationId xmlns:a16="http://schemas.microsoft.com/office/drawing/2014/main" id="{7D11D1F0-D092-1EA9-D35E-9BFEB59E4645}"/>
+              </a:ext>
+            </a:extLst>
+          </p:cNvPr>
+          <p:cNvPicPr>
+            <a:picLocks noChangeAspect="1"/>
+          </p:cNvPicPr>
+          <p:nvPr/>
+        </p:nvPicPr>
+        <p:blipFill>
+          <a:blip r:embed="rId3">
+            <a:extLst>
+              <a:ext uri="{28A0092B-C50C-407E-A947-70E740481C1C}">
+                <a14:useLocalDpi xmlns:a14="http://schemas.microsoft.com/office/drawing/2010/main" val="0"/>
+              </a:ext>
+            </a:extLst>
+          </a:blip>
+          <a:stretch>
+            <a:fillRect/>
+          </a:stretch>
+        </p:blipFill>
+        <p:spPr>
+          <a:xfrm>
+            <a:off x="6096000" y="1570820"/>
+            <a:ext cx="5956300" cy="4584503"/>
+          </a:xfrm>
+          <a:prstGeom prst="rect">
+            <a:avLst/>
+          </a:prstGeom>
         </p:spPr>
       </p:pic>
     </p:spTree>

--- a/plots/Plots.pptx
+++ b/plots/Plots.pptx
@@ -31,6 +31,7 @@
     <p:sldId id="280" r:id="rId25"/>
     <p:sldId id="281" r:id="rId26"/>
     <p:sldId id="282" r:id="rId27"/>
+    <p:sldId id="283" r:id="rId28"/>
   </p:sldIdLst>
   <p:sldSz cx="12192000" cy="6858000"/>
   <p:notesSz cx="6858000" cy="9144000"/>
@@ -284,7 +285,7 @@
           <a:p>
             <a:fld id="{E4B0A79A-3997-4F54-9D51-15EE0C15CBF2}" type="datetimeFigureOut">
               <a:rPr lang="en-US" smtClean="0"/>
-              <a:t>2024-08-09</a:t>
+              <a:t>2024-08-10</a:t>
             </a:fld>
             <a:endParaRPr lang="en-US"/>
           </a:p>
@@ -482,7 +483,7 @@
           <a:p>
             <a:fld id="{E4B0A79A-3997-4F54-9D51-15EE0C15CBF2}" type="datetimeFigureOut">
               <a:rPr lang="en-US" smtClean="0"/>
-              <a:t>2024-08-09</a:t>
+              <a:t>2024-08-10</a:t>
             </a:fld>
             <a:endParaRPr lang="en-US"/>
           </a:p>
@@ -690,7 +691,7 @@
           <a:p>
             <a:fld id="{E4B0A79A-3997-4F54-9D51-15EE0C15CBF2}" type="datetimeFigureOut">
               <a:rPr lang="en-US" smtClean="0"/>
-              <a:t>2024-08-09</a:t>
+              <a:t>2024-08-10</a:t>
             </a:fld>
             <a:endParaRPr lang="en-US"/>
           </a:p>
@@ -888,7 +889,7 @@
           <a:p>
             <a:fld id="{E4B0A79A-3997-4F54-9D51-15EE0C15CBF2}" type="datetimeFigureOut">
               <a:rPr lang="en-US" smtClean="0"/>
-              <a:t>2024-08-09</a:t>
+              <a:t>2024-08-10</a:t>
             </a:fld>
             <a:endParaRPr lang="en-US"/>
           </a:p>
@@ -1163,7 +1164,7 @@
           <a:p>
             <a:fld id="{E4B0A79A-3997-4F54-9D51-15EE0C15CBF2}" type="datetimeFigureOut">
               <a:rPr lang="en-US" smtClean="0"/>
-              <a:t>2024-08-09</a:t>
+              <a:t>2024-08-10</a:t>
             </a:fld>
             <a:endParaRPr lang="en-US"/>
           </a:p>
@@ -1428,7 +1429,7 @@
           <a:p>
             <a:fld id="{E4B0A79A-3997-4F54-9D51-15EE0C15CBF2}" type="datetimeFigureOut">
               <a:rPr lang="en-US" smtClean="0"/>
-              <a:t>2024-08-09</a:t>
+              <a:t>2024-08-10</a:t>
             </a:fld>
             <a:endParaRPr lang="en-US"/>
           </a:p>
@@ -1840,7 +1841,7 @@
           <a:p>
             <a:fld id="{E4B0A79A-3997-4F54-9D51-15EE0C15CBF2}" type="datetimeFigureOut">
               <a:rPr lang="en-US" smtClean="0"/>
-              <a:t>2024-08-09</a:t>
+              <a:t>2024-08-10</a:t>
             </a:fld>
             <a:endParaRPr lang="en-US"/>
           </a:p>
@@ -1981,7 +1982,7 @@
           <a:p>
             <a:fld id="{E4B0A79A-3997-4F54-9D51-15EE0C15CBF2}" type="datetimeFigureOut">
               <a:rPr lang="en-US" smtClean="0"/>
-              <a:t>2024-08-09</a:t>
+              <a:t>2024-08-10</a:t>
             </a:fld>
             <a:endParaRPr lang="en-US"/>
           </a:p>
@@ -2094,7 +2095,7 @@
           <a:p>
             <a:fld id="{E4B0A79A-3997-4F54-9D51-15EE0C15CBF2}" type="datetimeFigureOut">
               <a:rPr lang="en-US" smtClean="0"/>
-              <a:t>2024-08-09</a:t>
+              <a:t>2024-08-10</a:t>
             </a:fld>
             <a:endParaRPr lang="en-US"/>
           </a:p>
@@ -2405,7 +2406,7 @@
           <a:p>
             <a:fld id="{E4B0A79A-3997-4F54-9D51-15EE0C15CBF2}" type="datetimeFigureOut">
               <a:rPr lang="en-US" smtClean="0"/>
-              <a:t>2024-08-09</a:t>
+              <a:t>2024-08-10</a:t>
             </a:fld>
             <a:endParaRPr lang="en-US"/>
           </a:p>
@@ -2693,7 +2694,7 @@
           <a:p>
             <a:fld id="{E4B0A79A-3997-4F54-9D51-15EE0C15CBF2}" type="datetimeFigureOut">
               <a:rPr lang="en-US" smtClean="0"/>
-              <a:t>2024-08-09</a:t>
+              <a:t>2024-08-10</a:t>
             </a:fld>
             <a:endParaRPr lang="en-US"/>
           </a:p>
@@ -2934,7 +2935,7 @@
           <a:p>
             <a:fld id="{E4B0A79A-3997-4F54-9D51-15EE0C15CBF2}" type="datetimeFigureOut">
               <a:rPr lang="en-US" smtClean="0"/>
-              <a:t>2024-08-09</a:t>
+              <a:t>2024-08-10</a:t>
             </a:fld>
             <a:endParaRPr lang="en-US"/>
           </a:p>
@@ -7842,6 +7843,345 @@
 </p:sld>
 </file>
 
+<file path=ppt/slides/slide27.xml><?xml version="1.0" encoding="utf-8"?>
+<p:sld xmlns:a="http://schemas.openxmlformats.org/drawingml/2006/main" xmlns:r="http://schemas.openxmlformats.org/officeDocument/2006/relationships" xmlns:p="http://schemas.openxmlformats.org/presentationml/2006/main">
+  <p:cSld>
+    <p:spTree>
+      <p:nvGrpSpPr>
+        <p:cNvPr id="1" name=""/>
+        <p:cNvGrpSpPr/>
+        <p:nvPr/>
+      </p:nvGrpSpPr>
+      <p:grpSpPr>
+        <a:xfrm>
+          <a:off x="0" y="0"/>
+          <a:ext cx="0" cy="0"/>
+          <a:chOff x="0" y="0"/>
+          <a:chExt cx="0" cy="0"/>
+        </a:xfrm>
+      </p:grpSpPr>
+      <p:sp>
+        <p:nvSpPr>
+          <p:cNvPr id="2" name="Title 1">
+            <a:extLst>
+              <a:ext uri="{FF2B5EF4-FFF2-40B4-BE49-F238E27FC236}">
+                <a16:creationId xmlns:a16="http://schemas.microsoft.com/office/drawing/2014/main" id="{F7503490-B962-3F4F-EFAA-2B5007E24588}"/>
+              </a:ext>
+            </a:extLst>
+          </p:cNvPr>
+          <p:cNvSpPr>
+            <a:spLocks noGrp="1"/>
+          </p:cNvSpPr>
+          <p:nvPr>
+            <p:ph type="title"/>
+          </p:nvPr>
+        </p:nvSpPr>
+        <p:spPr/>
+        <p:txBody>
+          <a:bodyPr/>
+          <a:lstStyle/>
+          <a:p>
+            <a:r>
+              <a:rPr lang="en-US" dirty="0"/>
+              <a:t>Run 8 – Refine run 7</a:t>
+            </a:r>
+          </a:p>
+        </p:txBody>
+      </p:sp>
+      <mc:AlternateContent xmlns:mc="http://schemas.openxmlformats.org/markup-compatibility/2006">
+        <mc:Choice xmlns:a14="http://schemas.microsoft.com/office/drawing/2010/main" Requires="a14">
+          <p:sp>
+            <p:nvSpPr>
+              <p:cNvPr id="4" name="Content Placeholder 2">
+                <a:extLst>
+                  <a:ext uri="{FF2B5EF4-FFF2-40B4-BE49-F238E27FC236}">
+                    <a16:creationId xmlns:a16="http://schemas.microsoft.com/office/drawing/2014/main" id="{762A52ED-5824-0E03-C594-148A5C5E6621}"/>
+                  </a:ext>
+                </a:extLst>
+              </p:cNvPr>
+              <p:cNvSpPr>
+                <a:spLocks noGrp="1"/>
+              </p:cNvSpPr>
+              <p:nvPr>
+                <p:ph idx="1"/>
+              </p:nvPr>
+            </p:nvSpPr>
+            <p:spPr>
+              <a:xfrm>
+                <a:off x="838200" y="1825625"/>
+                <a:ext cx="10515600" cy="4351338"/>
+              </a:xfrm>
+            </p:spPr>
+            <p:txBody>
+              <a:bodyPr/>
+              <a:lstStyle/>
+              <a:p>
+                <a14:m>
+                  <m:oMath xmlns:m="http://schemas.openxmlformats.org/officeDocument/2006/math">
+                    <m:r>
+                      <a:rPr lang="en-US" b="1" i="1" dirty="0" smtClean="0">
+                        <a:latin typeface="Cambria Math" panose="02040503050406030204" pitchFamily="18" charset="0"/>
+                      </a:rPr>
+                      <m:t>𝑳</m:t>
+                    </m:r>
+                    <m:r>
+                      <a:rPr lang="en-US" b="1" i="1" dirty="0" smtClean="0">
+                        <a:latin typeface="Cambria Math" panose="02040503050406030204" pitchFamily="18" charset="0"/>
+                      </a:rPr>
+                      <m:t>∈</m:t>
+                    </m:r>
+                    <m:r>
+                      <m:rPr>
+                        <m:lit/>
+                      </m:rPr>
+                      <a:rPr lang="en-US" b="1" i="1" dirty="0" smtClean="0">
+                        <a:latin typeface="Cambria Math" panose="02040503050406030204" pitchFamily="18" charset="0"/>
+                      </a:rPr>
+                      <m:t>{</m:t>
+                    </m:r>
+                    <m:r>
+                      <a:rPr lang="en-US" b="1" i="1" dirty="0" smtClean="0">
+                        <a:latin typeface="Cambria Math" panose="02040503050406030204" pitchFamily="18" charset="0"/>
+                      </a:rPr>
+                      <m:t>𝟏𝟎</m:t>
+                    </m:r>
+                    <m:r>
+                      <a:rPr lang="en-US" b="1" i="1" dirty="0" smtClean="0">
+                        <a:latin typeface="Cambria Math" panose="02040503050406030204" pitchFamily="18" charset="0"/>
+                      </a:rPr>
+                      <m:t>,</m:t>
+                    </m:r>
+                    <m:r>
+                      <a:rPr lang="en-US" b="1" i="1" dirty="0" smtClean="0">
+                        <a:latin typeface="Cambria Math" panose="02040503050406030204" pitchFamily="18" charset="0"/>
+                      </a:rPr>
+                      <m:t>𝟐𝟎</m:t>
+                    </m:r>
+                    <m:r>
+                      <a:rPr lang="en-US" b="1" i="1" dirty="0" smtClean="0">
+                        <a:latin typeface="Cambria Math" panose="02040503050406030204" pitchFamily="18" charset="0"/>
+                      </a:rPr>
+                      <m:t>,</m:t>
+                    </m:r>
+                    <m:r>
+                      <a:rPr lang="en-US" b="1" i="1" dirty="0" smtClean="0">
+                        <a:latin typeface="Cambria Math" panose="02040503050406030204" pitchFamily="18" charset="0"/>
+                      </a:rPr>
+                      <m:t>𝟑𝟎</m:t>
+                    </m:r>
+                    <m:r>
+                      <a:rPr lang="en-US" b="1" i="1" dirty="0" smtClean="0">
+                        <a:latin typeface="Cambria Math" panose="02040503050406030204" pitchFamily="18" charset="0"/>
+                      </a:rPr>
+                      <m:t>,…,</m:t>
+                    </m:r>
+                    <m:r>
+                      <a:rPr lang="en-US" b="1" i="1" dirty="0" smtClean="0">
+                        <a:latin typeface="Cambria Math" panose="02040503050406030204" pitchFamily="18" charset="0"/>
+                      </a:rPr>
+                      <m:t>𝟏𝟎𝟎</m:t>
+                    </m:r>
+                    <m:r>
+                      <m:rPr>
+                        <m:lit/>
+                      </m:rPr>
+                      <a:rPr lang="en-US" b="1" i="1" dirty="0" smtClean="0">
+                        <a:latin typeface="Cambria Math" panose="02040503050406030204" pitchFamily="18" charset="0"/>
+                      </a:rPr>
+                      <m:t>}</m:t>
+                    </m:r>
+                  </m:oMath>
+                </a14:m>
+                <a:endParaRPr lang="en-US" b="1" dirty="0"/>
+              </a:p>
+              <a:p>
+                <a14:m>
+                  <m:oMath xmlns:m="http://schemas.openxmlformats.org/officeDocument/2006/math">
+                    <m:r>
+                      <a:rPr lang="en-US" i="1" dirty="0" smtClean="0">
+                        <a:latin typeface="Cambria Math" panose="02040503050406030204" pitchFamily="18" charset="0"/>
+                      </a:rPr>
+                      <m:t>𝑐</m:t>
+                    </m:r>
+                    <m:r>
+                      <a:rPr lang="en-US" i="1" dirty="0" smtClean="0">
+                        <a:latin typeface="Cambria Math" panose="02040503050406030204" pitchFamily="18" charset="0"/>
+                      </a:rPr>
+                      <m:t>=16</m:t>
+                    </m:r>
+                  </m:oMath>
+                </a14:m>
+                <a:endParaRPr lang="en-US" dirty="0"/>
+              </a:p>
+              <a:p>
+                <a14:m>
+                  <m:oMath xmlns:m="http://schemas.openxmlformats.org/officeDocument/2006/math">
+                    <m:r>
+                      <a:rPr lang="en-US" i="1" dirty="0" smtClean="0">
+                        <a:latin typeface="Cambria Math" panose="02040503050406030204" pitchFamily="18" charset="0"/>
+                      </a:rPr>
+                      <m:t>𝑇</m:t>
+                    </m:r>
+                    <m:r>
+                      <a:rPr lang="en-US" i="1" dirty="0" smtClean="0">
+                        <a:latin typeface="Cambria Math" panose="02040503050406030204" pitchFamily="18" charset="0"/>
+                      </a:rPr>
+                      <m:t>=</m:t>
+                    </m:r>
+                    <m:r>
+                      <a:rPr lang="en-US" i="1" dirty="0" smtClean="0">
+                        <a:latin typeface="Cambria Math" panose="02040503050406030204" pitchFamily="18" charset="0"/>
+                      </a:rPr>
+                      <m:t>𝐿</m:t>
+                    </m:r>
+                  </m:oMath>
+                </a14:m>
+                <a:endParaRPr lang="en-US" dirty="0"/>
+              </a:p>
+              <a:p>
+                <a14:m>
+                  <m:oMath xmlns:m="http://schemas.openxmlformats.org/officeDocument/2006/math">
+                    <m:r>
+                      <a:rPr lang="en-US" b="0" i="1" dirty="0" smtClean="0">
+                        <a:latin typeface="Cambria Math" panose="02040503050406030204" pitchFamily="18" charset="0"/>
+                      </a:rPr>
+                      <m:t>𝑝</m:t>
+                    </m:r>
+                    <m:r>
+                      <a:rPr lang="en-US" b="0" i="1" dirty="0" smtClean="0">
+                        <a:latin typeface="Cambria Math" panose="02040503050406030204" pitchFamily="18" charset="0"/>
+                      </a:rPr>
+                      <m:t>=0.004</m:t>
+                    </m:r>
+                  </m:oMath>
+                </a14:m>
+                <a:endParaRPr lang="en-US" dirty="0"/>
+              </a:p>
+              <a:p>
+                <a14:m>
+                  <m:oMath xmlns:m="http://schemas.openxmlformats.org/officeDocument/2006/math">
+                    <m:r>
+                      <a:rPr lang="en-US" i="1" dirty="0" smtClean="0">
+                        <a:latin typeface="Cambria Math" panose="02040503050406030204" pitchFamily="18" charset="0"/>
+                      </a:rPr>
+                      <m:t>𝜂</m:t>
+                    </m:r>
+                    <m:r>
+                      <a:rPr lang="en-US" i="1" dirty="0" smtClean="0">
+                        <a:latin typeface="Cambria Math" panose="02040503050406030204" pitchFamily="18" charset="0"/>
+                      </a:rPr>
+                      <m:t>=0.1</m:t>
+                    </m:r>
+                  </m:oMath>
+                </a14:m>
+                <a:endParaRPr lang="en-US" dirty="0"/>
+              </a:p>
+              <a:p>
+                <a14:m>
+                  <m:oMath xmlns:m="http://schemas.openxmlformats.org/officeDocument/2006/math">
+                    <m:sSup>
+                      <m:sSupPr>
+                        <m:ctrlPr>
+                          <a:rPr lang="en-US" b="0" i="1" smtClean="0">
+                            <a:latin typeface="Cambria Math" panose="02040503050406030204" pitchFamily="18" charset="0"/>
+                          </a:rPr>
+                        </m:ctrlPr>
+                      </m:sSupPr>
+                      <m:e>
+                        <m:r>
+                          <a:rPr lang="en-US" b="0" i="1" smtClean="0">
+                            <a:latin typeface="Cambria Math" panose="02040503050406030204" pitchFamily="18" charset="0"/>
+                          </a:rPr>
+                          <m:t>10</m:t>
+                        </m:r>
+                      </m:e>
+                      <m:sup>
+                        <m:r>
+                          <a:rPr lang="en-US" b="0" i="1" smtClean="0">
+                            <a:latin typeface="Cambria Math" panose="02040503050406030204" pitchFamily="18" charset="0"/>
+                          </a:rPr>
+                          <m:t>7</m:t>
+                        </m:r>
+                      </m:sup>
+                    </m:sSup>
+                  </m:oMath>
+                </a14:m>
+                <a:r>
+                  <a:rPr lang="en-US" dirty="0"/>
+                  <a:t> </a:t>
+                </a:r>
+                <a:r>
+                  <a:rPr lang="en-US"/>
+                  <a:t>shots (100000 x 100)</a:t>
+                </a:r>
+                <a:endParaRPr lang="en-US" dirty="0"/>
+              </a:p>
+              <a:p>
+                <a:r>
+                  <a:rPr lang="en-US" dirty="0"/>
+                  <a:t>2 hours, 10 CPUs / task</a:t>
+                </a:r>
+              </a:p>
+            </p:txBody>
+          </p:sp>
+        </mc:Choice>
+        <mc:Fallback>
+          <p:sp>
+            <p:nvSpPr>
+              <p:cNvPr id="4" name="Content Placeholder 2">
+                <a:extLst>
+                  <a:ext uri="{FF2B5EF4-FFF2-40B4-BE49-F238E27FC236}">
+                    <a16:creationId xmlns:a16="http://schemas.microsoft.com/office/drawing/2014/main" id="{762A52ED-5824-0E03-C594-148A5C5E6621}"/>
+                  </a:ext>
+                </a:extLst>
+              </p:cNvPr>
+              <p:cNvSpPr>
+                <a:spLocks noGrp="1" noRot="1" noChangeAspect="1" noMove="1" noResize="1" noEditPoints="1" noAdjustHandles="1" noChangeArrowheads="1" noChangeShapeType="1" noTextEdit="1"/>
+              </p:cNvSpPr>
+              <p:nvPr>
+                <p:ph idx="1"/>
+              </p:nvPr>
+            </p:nvSpPr>
+            <p:spPr>
+              <a:xfrm>
+                <a:off x="838200" y="1825625"/>
+                <a:ext cx="10515600" cy="4351338"/>
+              </a:xfrm>
+              <a:blipFill>
+                <a:blip r:embed="rId2"/>
+                <a:stretch>
+                  <a:fillRect l="-1043"/>
+                </a:stretch>
+              </a:blipFill>
+            </p:spPr>
+            <p:txBody>
+              <a:bodyPr/>
+              <a:lstStyle/>
+              <a:p>
+                <a:r>
+                  <a:rPr lang="en-US">
+                    <a:noFill/>
+                  </a:rPr>
+                  <a:t> </a:t>
+                </a:r>
+              </a:p>
+            </p:txBody>
+          </p:sp>
+        </mc:Fallback>
+      </mc:AlternateContent>
+    </p:spTree>
+    <p:extLst>
+      <p:ext uri="{BB962C8B-B14F-4D97-AF65-F5344CB8AC3E}">
+        <p14:creationId xmlns:p14="http://schemas.microsoft.com/office/powerpoint/2010/main" val="982017315"/>
+      </p:ext>
+    </p:extLst>
+  </p:cSld>
+  <p:clrMapOvr>
+    <a:masterClrMapping/>
+  </p:clrMapOvr>
+</p:sld>
+</file>
+
 <file path=ppt/slides/slide3.xml><?xml version="1.0" encoding="utf-8"?>
 <p:sld xmlns:a="http://schemas.openxmlformats.org/drawingml/2006/main" xmlns:r="http://schemas.openxmlformats.org/officeDocument/2006/relationships" xmlns:p="http://schemas.openxmlformats.org/presentationml/2006/main">
   <p:cSld>

--- a/plots/Plots.pptx
+++ b/plots/Plots.pptx
@@ -32,6 +32,7 @@
     <p:sldId id="281" r:id="rId26"/>
     <p:sldId id="282" r:id="rId27"/>
     <p:sldId id="283" r:id="rId28"/>
+    <p:sldId id="284" r:id="rId29"/>
   </p:sldIdLst>
   <p:sldSz cx="12192000" cy="6858000"/>
   <p:notesSz cx="6858000" cy="9144000"/>
@@ -7888,8 +7889,8 @@
           </a:p>
         </p:txBody>
       </p:sp>
-      <mc:AlternateContent xmlns:mc="http://schemas.openxmlformats.org/markup-compatibility/2006">
-        <mc:Choice xmlns:a14="http://schemas.microsoft.com/office/drawing/2010/main" Requires="a14">
+      <mc:AlternateContent xmlns:mc="http://schemas.openxmlformats.org/markup-compatibility/2006" xmlns:a14="http://schemas.microsoft.com/office/drawing/2010/main">
+        <mc:Choice Requires="a14">
           <p:sp>
             <p:nvSpPr>
               <p:cNvPr id="4" name="Content Placeholder 2">
@@ -8125,7 +8126,7 @@
             </p:txBody>
           </p:sp>
         </mc:Choice>
-        <mc:Fallback>
+        <mc:Fallback xmlns="">
           <p:sp>
             <p:nvSpPr>
               <p:cNvPr id="4" name="Content Placeholder 2">
@@ -8169,10 +8170,169 @@
           </p:sp>
         </mc:Fallback>
       </mc:AlternateContent>
+      <p:pic>
+        <p:nvPicPr>
+          <p:cNvPr id="5" name="Picture 4">
+            <a:extLst>
+              <a:ext uri="{FF2B5EF4-FFF2-40B4-BE49-F238E27FC236}">
+                <a16:creationId xmlns:a16="http://schemas.microsoft.com/office/drawing/2014/main" id="{57005818-3985-A45C-A05B-9EB5AE17315B}"/>
+              </a:ext>
+            </a:extLst>
+          </p:cNvPr>
+          <p:cNvPicPr>
+            <a:picLocks noChangeAspect="1"/>
+          </p:cNvPicPr>
+          <p:nvPr/>
+        </p:nvPicPr>
+        <p:blipFill>
+          <a:blip r:embed="rId3"/>
+          <a:stretch>
+            <a:fillRect/>
+          </a:stretch>
+        </p:blipFill>
+        <p:spPr>
+          <a:xfrm>
+            <a:off x="7464502" y="0"/>
+            <a:ext cx="3678080" cy="6858000"/>
+          </a:xfrm>
+          <a:prstGeom prst="rect">
+            <a:avLst/>
+          </a:prstGeom>
+        </p:spPr>
+      </p:pic>
     </p:spTree>
     <p:extLst>
       <p:ext uri="{BB962C8B-B14F-4D97-AF65-F5344CB8AC3E}">
         <p14:creationId xmlns:p14="http://schemas.microsoft.com/office/powerpoint/2010/main" val="982017315"/>
+      </p:ext>
+    </p:extLst>
+  </p:cSld>
+  <p:clrMapOvr>
+    <a:masterClrMapping/>
+  </p:clrMapOvr>
+</p:sld>
+</file>
+
+<file path=ppt/slides/slide28.xml><?xml version="1.0" encoding="utf-8"?>
+<p:sld xmlns:a="http://schemas.openxmlformats.org/drawingml/2006/main" xmlns:r="http://schemas.openxmlformats.org/officeDocument/2006/relationships" xmlns:p="http://schemas.openxmlformats.org/presentationml/2006/main">
+  <p:cSld>
+    <p:spTree>
+      <p:nvGrpSpPr>
+        <p:cNvPr id="1" name=""/>
+        <p:cNvGrpSpPr/>
+        <p:nvPr/>
+      </p:nvGrpSpPr>
+      <p:grpSpPr>
+        <a:xfrm>
+          <a:off x="0" y="0"/>
+          <a:ext cx="0" cy="0"/>
+          <a:chOff x="0" y="0"/>
+          <a:chExt cx="0" cy="0"/>
+        </a:xfrm>
+      </p:grpSpPr>
+      <p:sp>
+        <p:nvSpPr>
+          <p:cNvPr id="2" name="Title 1">
+            <a:extLst>
+              <a:ext uri="{FF2B5EF4-FFF2-40B4-BE49-F238E27FC236}">
+                <a16:creationId xmlns:a16="http://schemas.microsoft.com/office/drawing/2014/main" id="{FF85E4CE-23FB-799C-B915-E74252397220}"/>
+              </a:ext>
+            </a:extLst>
+          </p:cNvPr>
+          <p:cNvSpPr>
+            <a:spLocks noGrp="1"/>
+          </p:cNvSpPr>
+          <p:nvPr>
+            <p:ph type="title"/>
+          </p:nvPr>
+        </p:nvSpPr>
+        <p:spPr/>
+        <p:txBody>
+          <a:bodyPr/>
+          <a:lstStyle/>
+          <a:p>
+            <a:r>
+              <a:rPr lang="en-US" dirty="0"/>
+              <a:t>Run 8</a:t>
+            </a:r>
+          </a:p>
+        </p:txBody>
+      </p:sp>
+      <p:pic>
+        <p:nvPicPr>
+          <p:cNvPr id="5" name="Content Placeholder 4" descr="A graph with a blue line&#10;&#10;Description automatically generated">
+            <a:extLst>
+              <a:ext uri="{FF2B5EF4-FFF2-40B4-BE49-F238E27FC236}">
+                <a16:creationId xmlns:a16="http://schemas.microsoft.com/office/drawing/2014/main" id="{C733761B-217E-2220-E992-F93B00A35BDC}"/>
+              </a:ext>
+            </a:extLst>
+          </p:cNvPr>
+          <p:cNvPicPr>
+            <a:picLocks noGrp="1" noChangeAspect="1"/>
+          </p:cNvPicPr>
+          <p:nvPr>
+            <p:ph idx="1"/>
+          </p:nvPr>
+        </p:nvPicPr>
+        <p:blipFill>
+          <a:blip r:embed="rId2">
+            <a:extLst>
+              <a:ext uri="{28A0092B-C50C-407E-A947-70E740481C1C}">
+                <a14:useLocalDpi xmlns:a14="http://schemas.microsoft.com/office/drawing/2010/main" val="0"/>
+              </a:ext>
+            </a:extLst>
+          </a:blip>
+          <a:stretch>
+            <a:fillRect/>
+          </a:stretch>
+        </p:blipFill>
+        <p:spPr>
+          <a:xfrm>
+            <a:off x="6096000" y="1690688"/>
+            <a:ext cx="6015879" cy="4630360"/>
+          </a:xfrm>
+        </p:spPr>
+      </p:pic>
+      <p:pic>
+        <p:nvPicPr>
+          <p:cNvPr id="7" name="Picture 6" descr="A graph with a line&#10;&#10;Description automatically generated">
+            <a:extLst>
+              <a:ext uri="{FF2B5EF4-FFF2-40B4-BE49-F238E27FC236}">
+                <a16:creationId xmlns:a16="http://schemas.microsoft.com/office/drawing/2014/main" id="{B2A29EF6-46B7-DD0C-1559-1BF8A8A96F82}"/>
+              </a:ext>
+            </a:extLst>
+          </p:cNvPr>
+          <p:cNvPicPr>
+            <a:picLocks noChangeAspect="1"/>
+          </p:cNvPicPr>
+          <p:nvPr/>
+        </p:nvPicPr>
+        <p:blipFill>
+          <a:blip r:embed="rId3">
+            <a:extLst>
+              <a:ext uri="{28A0092B-C50C-407E-A947-70E740481C1C}">
+                <a14:useLocalDpi xmlns:a14="http://schemas.microsoft.com/office/drawing/2010/main" val="0"/>
+              </a:ext>
+            </a:extLst>
+          </a:blip>
+          <a:stretch>
+            <a:fillRect/>
+          </a:stretch>
+        </p:blipFill>
+        <p:spPr>
+          <a:xfrm>
+            <a:off x="0" y="1690688"/>
+            <a:ext cx="5908196" cy="4630360"/>
+          </a:xfrm>
+          <a:prstGeom prst="rect">
+            <a:avLst/>
+          </a:prstGeom>
+        </p:spPr>
+      </p:pic>
+    </p:spTree>
+    <p:extLst>
+      <p:ext uri="{BB962C8B-B14F-4D97-AF65-F5344CB8AC3E}">
+        <p14:creationId xmlns:p14="http://schemas.microsoft.com/office/powerpoint/2010/main" val="2171981974"/>
       </p:ext>
     </p:extLst>
   </p:cSld>

--- a/plots/Plots.pptx
+++ b/plots/Plots.pptx
@@ -33,6 +33,7 @@
     <p:sldId id="282" r:id="rId27"/>
     <p:sldId id="283" r:id="rId28"/>
     <p:sldId id="284" r:id="rId29"/>
+    <p:sldId id="285" r:id="rId30"/>
   </p:sldIdLst>
   <p:sldSz cx="12192000" cy="6858000"/>
   <p:notesSz cx="6858000" cy="9144000"/>
@@ -8342,6 +8343,417 @@
 </p:sld>
 </file>
 
+<file path=ppt/slides/slide29.xml><?xml version="1.0" encoding="utf-8"?>
+<p:sld xmlns:a="http://schemas.openxmlformats.org/drawingml/2006/main" xmlns:r="http://schemas.openxmlformats.org/officeDocument/2006/relationships" xmlns:p="http://schemas.openxmlformats.org/presentationml/2006/main">
+  <p:cSld>
+    <p:spTree>
+      <p:nvGrpSpPr>
+        <p:cNvPr id="1" name=""/>
+        <p:cNvGrpSpPr/>
+        <p:nvPr/>
+      </p:nvGrpSpPr>
+      <p:grpSpPr>
+        <a:xfrm>
+          <a:off x="0" y="0"/>
+          <a:ext cx="0" cy="0"/>
+          <a:chOff x="0" y="0"/>
+          <a:chExt cx="0" cy="0"/>
+        </a:xfrm>
+      </p:grpSpPr>
+      <p:sp>
+        <p:nvSpPr>
+          <p:cNvPr id="2" name="Title 1">
+            <a:extLst>
+              <a:ext uri="{FF2B5EF4-FFF2-40B4-BE49-F238E27FC236}">
+                <a16:creationId xmlns:a16="http://schemas.microsoft.com/office/drawing/2014/main" id="{B797A52D-8C56-4CC5-48D0-88D222D029E4}"/>
+              </a:ext>
+            </a:extLst>
+          </p:cNvPr>
+          <p:cNvSpPr>
+            <a:spLocks noGrp="1"/>
+          </p:cNvSpPr>
+          <p:nvPr>
+            <p:ph type="title"/>
+          </p:nvPr>
+        </p:nvSpPr>
+        <p:spPr/>
+        <p:txBody>
+          <a:bodyPr/>
+          <a:lstStyle/>
+          <a:p>
+            <a:r>
+              <a:rPr lang="en-US" dirty="0"/>
+              <a:t>Run 9 – look for crossing</a:t>
+            </a:r>
+          </a:p>
+        </p:txBody>
+      </p:sp>
+      <mc:AlternateContent xmlns:mc="http://schemas.openxmlformats.org/markup-compatibility/2006">
+        <mc:Choice xmlns:a14="http://schemas.microsoft.com/office/drawing/2010/main" Requires="a14">
+          <p:sp>
+            <p:nvSpPr>
+              <p:cNvPr id="3" name="Content Placeholder 2">
+                <a:extLst>
+                  <a:ext uri="{FF2B5EF4-FFF2-40B4-BE49-F238E27FC236}">
+                    <a16:creationId xmlns:a16="http://schemas.microsoft.com/office/drawing/2014/main" id="{F567ADB7-F744-B166-BEF6-BB2549F8A4D4}"/>
+                  </a:ext>
+                </a:extLst>
+              </p:cNvPr>
+              <p:cNvSpPr>
+                <a:spLocks noGrp="1"/>
+              </p:cNvSpPr>
+              <p:nvPr>
+                <p:ph idx="1"/>
+              </p:nvPr>
+            </p:nvSpPr>
+            <p:spPr/>
+            <p:txBody>
+              <a:bodyPr/>
+              <a:lstStyle/>
+              <a:p>
+                <a14:m>
+                  <m:oMath xmlns:m="http://schemas.openxmlformats.org/officeDocument/2006/math">
+                    <m:r>
+                      <a:rPr lang="en-US" b="1" i="1" dirty="0" smtClean="0">
+                        <a:latin typeface="Cambria Math" panose="02040503050406030204" pitchFamily="18" charset="0"/>
+                      </a:rPr>
+                      <m:t>𝑳</m:t>
+                    </m:r>
+                    <m:r>
+                      <a:rPr lang="en-US" b="1" i="1" dirty="0" smtClean="0">
+                        <a:latin typeface="Cambria Math" panose="02040503050406030204" pitchFamily="18" charset="0"/>
+                      </a:rPr>
+                      <m:t>∈</m:t>
+                    </m:r>
+                    <m:r>
+                      <m:rPr>
+                        <m:lit/>
+                      </m:rPr>
+                      <a:rPr lang="en-US" b="1" i="1" dirty="0" smtClean="0">
+                        <a:latin typeface="Cambria Math" panose="02040503050406030204" pitchFamily="18" charset="0"/>
+                      </a:rPr>
+                      <m:t>{</m:t>
+                    </m:r>
+                    <m:r>
+                      <a:rPr lang="en-US" b="1" i="1" dirty="0" smtClean="0">
+                        <a:latin typeface="Cambria Math" panose="02040503050406030204" pitchFamily="18" charset="0"/>
+                      </a:rPr>
+                      <m:t>𝟐𝟎</m:t>
+                    </m:r>
+                    <m:r>
+                      <a:rPr lang="en-US" b="1" i="1" dirty="0" smtClean="0">
+                        <a:latin typeface="Cambria Math" panose="02040503050406030204" pitchFamily="18" charset="0"/>
+                      </a:rPr>
+                      <m:t>,</m:t>
+                    </m:r>
+                    <m:r>
+                      <a:rPr lang="en-US" b="1" i="1" dirty="0" smtClean="0">
+                        <a:latin typeface="Cambria Math" panose="02040503050406030204" pitchFamily="18" charset="0"/>
+                      </a:rPr>
+                      <m:t>𝟒𝟎</m:t>
+                    </m:r>
+                    <m:r>
+                      <a:rPr lang="en-US" b="1" i="1" dirty="0" smtClean="0">
+                        <a:latin typeface="Cambria Math" panose="02040503050406030204" pitchFamily="18" charset="0"/>
+                      </a:rPr>
+                      <m:t>,</m:t>
+                    </m:r>
+                    <m:r>
+                      <a:rPr lang="en-US" b="1" i="1" dirty="0" smtClean="0">
+                        <a:latin typeface="Cambria Math" panose="02040503050406030204" pitchFamily="18" charset="0"/>
+                      </a:rPr>
+                      <m:t>𝟔𝟎</m:t>
+                    </m:r>
+                    <m:r>
+                      <a:rPr lang="en-US" b="1" i="1" dirty="0" smtClean="0">
+                        <a:latin typeface="Cambria Math" panose="02040503050406030204" pitchFamily="18" charset="0"/>
+                      </a:rPr>
+                      <m:t>,…,</m:t>
+                    </m:r>
+                    <m:r>
+                      <a:rPr lang="en-US" b="1" i="1" dirty="0" smtClean="0">
+                        <a:latin typeface="Cambria Math" panose="02040503050406030204" pitchFamily="18" charset="0"/>
+                      </a:rPr>
+                      <m:t>𝟏𝟎𝟎</m:t>
+                    </m:r>
+                    <m:r>
+                      <m:rPr>
+                        <m:lit/>
+                      </m:rPr>
+                      <a:rPr lang="en-US" b="1" i="1" dirty="0" smtClean="0">
+                        <a:latin typeface="Cambria Math" panose="02040503050406030204" pitchFamily="18" charset="0"/>
+                      </a:rPr>
+                      <m:t>}</m:t>
+                    </m:r>
+                  </m:oMath>
+                </a14:m>
+                <a:endParaRPr lang="en-US" b="1" dirty="0"/>
+              </a:p>
+              <a:p>
+                <a14:m>
+                  <m:oMath xmlns:m="http://schemas.openxmlformats.org/officeDocument/2006/math">
+                    <m:r>
+                      <a:rPr lang="en-US" i="1" dirty="0" smtClean="0">
+                        <a:latin typeface="Cambria Math" panose="02040503050406030204" pitchFamily="18" charset="0"/>
+                      </a:rPr>
+                      <m:t>𝑐</m:t>
+                    </m:r>
+                    <m:r>
+                      <a:rPr lang="en-US" i="1" dirty="0" smtClean="0">
+                        <a:latin typeface="Cambria Math" panose="02040503050406030204" pitchFamily="18" charset="0"/>
+                      </a:rPr>
+                      <m:t>=16</m:t>
+                    </m:r>
+                  </m:oMath>
+                </a14:m>
+                <a:endParaRPr lang="en-US" dirty="0"/>
+              </a:p>
+              <a:p>
+                <a14:m>
+                  <m:oMath xmlns:m="http://schemas.openxmlformats.org/officeDocument/2006/math">
+                    <m:r>
+                      <a:rPr lang="en-US" i="1" dirty="0" smtClean="0">
+                        <a:latin typeface="Cambria Math" panose="02040503050406030204" pitchFamily="18" charset="0"/>
+                      </a:rPr>
+                      <m:t>𝑇</m:t>
+                    </m:r>
+                    <m:r>
+                      <a:rPr lang="en-US" i="1" dirty="0" smtClean="0">
+                        <a:latin typeface="Cambria Math" panose="02040503050406030204" pitchFamily="18" charset="0"/>
+                      </a:rPr>
+                      <m:t>=</m:t>
+                    </m:r>
+                    <m:r>
+                      <a:rPr lang="en-US" i="1" dirty="0" smtClean="0">
+                        <a:latin typeface="Cambria Math" panose="02040503050406030204" pitchFamily="18" charset="0"/>
+                      </a:rPr>
+                      <m:t>𝐿</m:t>
+                    </m:r>
+                  </m:oMath>
+                </a14:m>
+                <a:endParaRPr lang="en-US" dirty="0"/>
+              </a:p>
+              <a:p>
+                <a14:m>
+                  <m:oMath xmlns:m="http://schemas.openxmlformats.org/officeDocument/2006/math">
+                    <m:r>
+                      <a:rPr lang="en-US" b="1" i="1" dirty="0" smtClean="0">
+                        <a:latin typeface="Cambria Math" panose="02040503050406030204" pitchFamily="18" charset="0"/>
+                      </a:rPr>
+                      <m:t>𝒑</m:t>
+                    </m:r>
+                    <m:r>
+                      <a:rPr lang="en-US" b="1" i="1" dirty="0" smtClean="0">
+                        <a:latin typeface="Cambria Math" panose="02040503050406030204" pitchFamily="18" charset="0"/>
+                      </a:rPr>
+                      <m:t>∈{</m:t>
+                    </m:r>
+                    <m:r>
+                      <a:rPr lang="en-US" b="1" i="1" dirty="0" smtClean="0">
+                        <a:latin typeface="Cambria Math" panose="02040503050406030204" pitchFamily="18" charset="0"/>
+                      </a:rPr>
+                      <m:t>𝟎</m:t>
+                    </m:r>
+                    <m:r>
+                      <a:rPr lang="en-US" b="1" i="1" dirty="0" smtClean="0">
+                        <a:latin typeface="Cambria Math" panose="02040503050406030204" pitchFamily="18" charset="0"/>
+                      </a:rPr>
+                      <m:t>.</m:t>
+                    </m:r>
+                    <m:r>
+                      <a:rPr lang="en-US" b="1" i="1" dirty="0" smtClean="0">
+                        <a:latin typeface="Cambria Math" panose="02040503050406030204" pitchFamily="18" charset="0"/>
+                      </a:rPr>
+                      <m:t>𝟎𝟎𝟒𝟎</m:t>
+                    </m:r>
+                    <m:r>
+                      <a:rPr lang="en-US" b="1" i="1" dirty="0" smtClean="0">
+                        <a:latin typeface="Cambria Math" panose="02040503050406030204" pitchFamily="18" charset="0"/>
+                      </a:rPr>
+                      <m:t>,</m:t>
+                    </m:r>
+                    <m:r>
+                      <a:rPr lang="en-US" b="1" i="1" dirty="0" smtClean="0">
+                        <a:latin typeface="Cambria Math" panose="02040503050406030204" pitchFamily="18" charset="0"/>
+                      </a:rPr>
+                      <m:t>𝟎</m:t>
+                    </m:r>
+                    <m:r>
+                      <a:rPr lang="en-US" b="1" i="1" dirty="0" smtClean="0">
+                        <a:latin typeface="Cambria Math" panose="02040503050406030204" pitchFamily="18" charset="0"/>
+                      </a:rPr>
+                      <m:t>.</m:t>
+                    </m:r>
+                    <m:r>
+                      <a:rPr lang="en-US" b="1" i="1" dirty="0" smtClean="0">
+                        <a:latin typeface="Cambria Math" panose="02040503050406030204" pitchFamily="18" charset="0"/>
+                      </a:rPr>
+                      <m:t>𝟎𝟎𝟒𝟏</m:t>
+                    </m:r>
+                    <m:r>
+                      <a:rPr lang="en-US" b="1" i="1" dirty="0" smtClean="0">
+                        <a:latin typeface="Cambria Math" panose="02040503050406030204" pitchFamily="18" charset="0"/>
+                      </a:rPr>
+                      <m:t>,</m:t>
+                    </m:r>
+                    <m:r>
+                      <a:rPr lang="en-US" b="1" i="1" dirty="0" smtClean="0">
+                        <a:latin typeface="Cambria Math" panose="02040503050406030204" pitchFamily="18" charset="0"/>
+                      </a:rPr>
+                      <m:t>𝟎</m:t>
+                    </m:r>
+                    <m:r>
+                      <a:rPr lang="en-US" b="1" i="1" dirty="0" smtClean="0">
+                        <a:latin typeface="Cambria Math" panose="02040503050406030204" pitchFamily="18" charset="0"/>
+                      </a:rPr>
+                      <m:t>.</m:t>
+                    </m:r>
+                    <m:r>
+                      <a:rPr lang="en-US" b="1" i="1" dirty="0" smtClean="0">
+                        <a:latin typeface="Cambria Math" panose="02040503050406030204" pitchFamily="18" charset="0"/>
+                      </a:rPr>
+                      <m:t>𝟎𝟎𝟒𝟐</m:t>
+                    </m:r>
+                    <m:r>
+                      <a:rPr lang="en-US" b="1" i="1" dirty="0" smtClean="0">
+                        <a:latin typeface="Cambria Math" panose="02040503050406030204" pitchFamily="18" charset="0"/>
+                      </a:rPr>
+                      <m:t>,…,</m:t>
+                    </m:r>
+                    <m:r>
+                      <a:rPr lang="en-US" b="1" i="1" dirty="0" smtClean="0">
+                        <a:latin typeface="Cambria Math" panose="02040503050406030204" pitchFamily="18" charset="0"/>
+                      </a:rPr>
+                      <m:t>𝟎</m:t>
+                    </m:r>
+                    <m:r>
+                      <a:rPr lang="en-US" b="1" i="1" dirty="0" smtClean="0">
+                        <a:latin typeface="Cambria Math" panose="02040503050406030204" pitchFamily="18" charset="0"/>
+                      </a:rPr>
+                      <m:t>.</m:t>
+                    </m:r>
+                    <m:r>
+                      <a:rPr lang="en-US" b="1" i="1" dirty="0" smtClean="0">
+                        <a:latin typeface="Cambria Math" panose="02040503050406030204" pitchFamily="18" charset="0"/>
+                      </a:rPr>
+                      <m:t>𝟎𝟎𝟓𝟗</m:t>
+                    </m:r>
+                    <m:r>
+                      <m:rPr>
+                        <m:lit/>
+                      </m:rPr>
+                      <a:rPr lang="en-US" b="1" i="1" dirty="0" smtClean="0">
+                        <a:latin typeface="Cambria Math" panose="02040503050406030204" pitchFamily="18" charset="0"/>
+                      </a:rPr>
+                      <m:t>}</m:t>
+                    </m:r>
+                  </m:oMath>
+                </a14:m>
+                <a:endParaRPr lang="en-US" b="1" dirty="0"/>
+              </a:p>
+              <a:p>
+                <a14:m>
+                  <m:oMath xmlns:m="http://schemas.openxmlformats.org/officeDocument/2006/math">
+                    <m:r>
+                      <a:rPr lang="en-US" i="1" dirty="0" smtClean="0">
+                        <a:latin typeface="Cambria Math" panose="02040503050406030204" pitchFamily="18" charset="0"/>
+                      </a:rPr>
+                      <m:t>𝜂</m:t>
+                    </m:r>
+                    <m:r>
+                      <a:rPr lang="en-US" i="1" dirty="0" smtClean="0">
+                        <a:latin typeface="Cambria Math" panose="02040503050406030204" pitchFamily="18" charset="0"/>
+                      </a:rPr>
+                      <m:t>=0.1</m:t>
+                    </m:r>
+                  </m:oMath>
+                </a14:m>
+                <a:endParaRPr lang="en-US" dirty="0"/>
+              </a:p>
+              <a:p>
+                <a:r>
+                  <a:rPr lang="en-US" dirty="0"/>
+                  <a:t>1000000 shots (100000 x 10)</a:t>
+                </a:r>
+              </a:p>
+              <a:p>
+                <a:r>
+                  <a:rPr lang="en-US" dirty="0"/>
+                  <a:t>3</a:t>
+                </a:r>
+                <a:r>
+                  <a:rPr lang="en-US"/>
+                  <a:t> </a:t>
+                </a:r>
+                <a:r>
+                  <a:rPr lang="en-US" dirty="0"/>
+                  <a:t>hours</a:t>
+                </a:r>
+                <a:r>
+                  <a:rPr lang="en-US"/>
+                  <a:t>, 10 </a:t>
+                </a:r>
+                <a:r>
+                  <a:rPr lang="en-US" dirty="0"/>
+                  <a:t>CPUs / task</a:t>
+                </a:r>
+              </a:p>
+            </p:txBody>
+          </p:sp>
+        </mc:Choice>
+        <mc:Fallback>
+          <p:sp>
+            <p:nvSpPr>
+              <p:cNvPr id="3" name="Content Placeholder 2">
+                <a:extLst>
+                  <a:ext uri="{FF2B5EF4-FFF2-40B4-BE49-F238E27FC236}">
+                    <a16:creationId xmlns:a16="http://schemas.microsoft.com/office/drawing/2014/main" id="{F567ADB7-F744-B166-BEF6-BB2549F8A4D4}"/>
+                  </a:ext>
+                </a:extLst>
+              </p:cNvPr>
+              <p:cNvSpPr>
+                <a:spLocks noGrp="1" noRot="1" noChangeAspect="1" noMove="1" noResize="1" noEditPoints="1" noAdjustHandles="1" noChangeArrowheads="1" noChangeShapeType="1" noTextEdit="1"/>
+              </p:cNvSpPr>
+              <p:nvPr>
+                <p:ph idx="1"/>
+              </p:nvPr>
+            </p:nvSpPr>
+            <p:spPr>
+              <a:blipFill>
+                <a:blip r:embed="rId2"/>
+                <a:stretch>
+                  <a:fillRect l="-1043"/>
+                </a:stretch>
+              </a:blipFill>
+            </p:spPr>
+            <p:txBody>
+              <a:bodyPr/>
+              <a:lstStyle/>
+              <a:p>
+                <a:r>
+                  <a:rPr lang="en-US">
+                    <a:noFill/>
+                  </a:rPr>
+                  <a:t> </a:t>
+                </a:r>
+              </a:p>
+            </p:txBody>
+          </p:sp>
+        </mc:Fallback>
+      </mc:AlternateContent>
+    </p:spTree>
+    <p:extLst>
+      <p:ext uri="{BB962C8B-B14F-4D97-AF65-F5344CB8AC3E}">
+        <p14:creationId xmlns:p14="http://schemas.microsoft.com/office/powerpoint/2010/main" val="4214416622"/>
+      </p:ext>
+    </p:extLst>
+  </p:cSld>
+  <p:clrMapOvr>
+    <a:masterClrMapping/>
+  </p:clrMapOvr>
+</p:sld>
+</file>
+
 <file path=ppt/slides/slide3.xml><?xml version="1.0" encoding="utf-8"?>
 <p:sld xmlns:a="http://schemas.openxmlformats.org/drawingml/2006/main" xmlns:r="http://schemas.openxmlformats.org/officeDocument/2006/relationships" xmlns:p="http://schemas.openxmlformats.org/presentationml/2006/main">
   <p:cSld>

--- a/plots/Plots.pptx
+++ b/plots/Plots.pptx
@@ -34,6 +34,8 @@
     <p:sldId id="283" r:id="rId28"/>
     <p:sldId id="284" r:id="rId29"/>
     <p:sldId id="285" r:id="rId30"/>
+    <p:sldId id="286" r:id="rId31"/>
+    <p:sldId id="287" r:id="rId32"/>
   </p:sldIdLst>
   <p:sldSz cx="12192000" cy="6858000"/>
   <p:notesSz cx="6858000" cy="9144000"/>
@@ -287,7 +289,7 @@
           <a:p>
             <a:fld id="{E4B0A79A-3997-4F54-9D51-15EE0C15CBF2}" type="datetimeFigureOut">
               <a:rPr lang="en-US" smtClean="0"/>
-              <a:t>2024-08-10</a:t>
+              <a:t>2024-08-11</a:t>
             </a:fld>
             <a:endParaRPr lang="en-US"/>
           </a:p>
@@ -485,7 +487,7 @@
           <a:p>
             <a:fld id="{E4B0A79A-3997-4F54-9D51-15EE0C15CBF2}" type="datetimeFigureOut">
               <a:rPr lang="en-US" smtClean="0"/>
-              <a:t>2024-08-10</a:t>
+              <a:t>2024-08-11</a:t>
             </a:fld>
             <a:endParaRPr lang="en-US"/>
           </a:p>
@@ -693,7 +695,7 @@
           <a:p>
             <a:fld id="{E4B0A79A-3997-4F54-9D51-15EE0C15CBF2}" type="datetimeFigureOut">
               <a:rPr lang="en-US" smtClean="0"/>
-              <a:t>2024-08-10</a:t>
+              <a:t>2024-08-11</a:t>
             </a:fld>
             <a:endParaRPr lang="en-US"/>
           </a:p>
@@ -891,7 +893,7 @@
           <a:p>
             <a:fld id="{E4B0A79A-3997-4F54-9D51-15EE0C15CBF2}" type="datetimeFigureOut">
               <a:rPr lang="en-US" smtClean="0"/>
-              <a:t>2024-08-10</a:t>
+              <a:t>2024-08-11</a:t>
             </a:fld>
             <a:endParaRPr lang="en-US"/>
           </a:p>
@@ -1166,7 +1168,7 @@
           <a:p>
             <a:fld id="{E4B0A79A-3997-4F54-9D51-15EE0C15CBF2}" type="datetimeFigureOut">
               <a:rPr lang="en-US" smtClean="0"/>
-              <a:t>2024-08-10</a:t>
+              <a:t>2024-08-11</a:t>
             </a:fld>
             <a:endParaRPr lang="en-US"/>
           </a:p>
@@ -1431,7 +1433,7 @@
           <a:p>
             <a:fld id="{E4B0A79A-3997-4F54-9D51-15EE0C15CBF2}" type="datetimeFigureOut">
               <a:rPr lang="en-US" smtClean="0"/>
-              <a:t>2024-08-10</a:t>
+              <a:t>2024-08-11</a:t>
             </a:fld>
             <a:endParaRPr lang="en-US"/>
           </a:p>
@@ -1843,7 +1845,7 @@
           <a:p>
             <a:fld id="{E4B0A79A-3997-4F54-9D51-15EE0C15CBF2}" type="datetimeFigureOut">
               <a:rPr lang="en-US" smtClean="0"/>
-              <a:t>2024-08-10</a:t>
+              <a:t>2024-08-11</a:t>
             </a:fld>
             <a:endParaRPr lang="en-US"/>
           </a:p>
@@ -1984,7 +1986,7 @@
           <a:p>
             <a:fld id="{E4B0A79A-3997-4F54-9D51-15EE0C15CBF2}" type="datetimeFigureOut">
               <a:rPr lang="en-US" smtClean="0"/>
-              <a:t>2024-08-10</a:t>
+              <a:t>2024-08-11</a:t>
             </a:fld>
             <a:endParaRPr lang="en-US"/>
           </a:p>
@@ -2097,7 +2099,7 @@
           <a:p>
             <a:fld id="{E4B0A79A-3997-4F54-9D51-15EE0C15CBF2}" type="datetimeFigureOut">
               <a:rPr lang="en-US" smtClean="0"/>
-              <a:t>2024-08-10</a:t>
+              <a:t>2024-08-11</a:t>
             </a:fld>
             <a:endParaRPr lang="en-US"/>
           </a:p>
@@ -2408,7 +2410,7 @@
           <a:p>
             <a:fld id="{E4B0A79A-3997-4F54-9D51-15EE0C15CBF2}" type="datetimeFigureOut">
               <a:rPr lang="en-US" smtClean="0"/>
-              <a:t>2024-08-10</a:t>
+              <a:t>2024-08-11</a:t>
             </a:fld>
             <a:endParaRPr lang="en-US"/>
           </a:p>
@@ -2696,7 +2698,7 @@
           <a:p>
             <a:fld id="{E4B0A79A-3997-4F54-9D51-15EE0C15CBF2}" type="datetimeFigureOut">
               <a:rPr lang="en-US" smtClean="0"/>
-              <a:t>2024-08-10</a:t>
+              <a:t>2024-08-11</a:t>
             </a:fld>
             <a:endParaRPr lang="en-US"/>
           </a:p>
@@ -2937,7 +2939,7 @@
           <a:p>
             <a:fld id="{E4B0A79A-3997-4F54-9D51-15EE0C15CBF2}" type="datetimeFigureOut">
               <a:rPr lang="en-US" smtClean="0"/>
-              <a:t>2024-08-10</a:t>
+              <a:t>2024-08-11</a:t>
             </a:fld>
             <a:endParaRPr lang="en-US"/>
           </a:p>
@@ -8411,6 +8413,7 @@
               <a:bodyPr/>
               <a:lstStyle/>
               <a:p>
+                <a:pPr/>
                 <a14:m>
                   <m:oMath xmlns:m="http://schemas.openxmlformats.org/officeDocument/2006/math">
                     <m:r>
@@ -8490,6 +8493,7 @@
                 <a:endParaRPr lang="en-US" b="1" dirty="0"/>
               </a:p>
               <a:p>
+                <a:pPr/>
                 <a14:m>
                   <m:oMath xmlns:m="http://schemas.openxmlformats.org/officeDocument/2006/math">
                     <m:r>
@@ -8509,6 +8513,7 @@
                 <a:endParaRPr lang="en-US" dirty="0"/>
               </a:p>
               <a:p>
+                <a:pPr/>
                 <a14:m>
                   <m:oMath xmlns:m="http://schemas.openxmlformats.org/officeDocument/2006/math">
                     <m:r>
@@ -8534,6 +8539,7 @@
                 <a:endParaRPr lang="en-US" dirty="0"/>
               </a:p>
               <a:p>
+                <a:pPr/>
                 <a14:m>
                   <m:oMath xmlns:m="http://schemas.openxmlformats.org/officeDocument/2006/math">
                     <m:r>
@@ -8652,6 +8658,7 @@
                 <a:endParaRPr lang="en-US" b="1" dirty="0"/>
               </a:p>
               <a:p>
+                <a:pPr/>
                 <a14:m>
                   <m:oMath xmlns:m="http://schemas.openxmlformats.org/officeDocument/2006/math">
                     <m:r>
@@ -8741,6 +8748,36 @@
           </p:sp>
         </mc:Fallback>
       </mc:AlternateContent>
+      <p:pic>
+        <p:nvPicPr>
+          <p:cNvPr id="5" name="Picture 4">
+            <a:extLst>
+              <a:ext uri="{FF2B5EF4-FFF2-40B4-BE49-F238E27FC236}">
+                <a16:creationId xmlns:a16="http://schemas.microsoft.com/office/drawing/2014/main" id="{332646D8-5D91-8BD4-B692-EDBB6F3D47E3}"/>
+              </a:ext>
+            </a:extLst>
+          </p:cNvPr>
+          <p:cNvPicPr>
+            <a:picLocks noChangeAspect="1"/>
+          </p:cNvPicPr>
+          <p:nvPr/>
+        </p:nvPicPr>
+        <p:blipFill>
+          <a:blip r:embed="rId3"/>
+          <a:stretch>
+            <a:fillRect/>
+          </a:stretch>
+        </p:blipFill>
+        <p:spPr>
+          <a:xfrm>
+            <a:off x="7802434" y="1027906"/>
+            <a:ext cx="4239217" cy="4077269"/>
+          </a:xfrm>
+          <a:prstGeom prst="rect">
+            <a:avLst/>
+          </a:prstGeom>
+        </p:spPr>
+      </p:pic>
     </p:spTree>
     <p:extLst>
       <p:ext uri="{BB962C8B-B14F-4D97-AF65-F5344CB8AC3E}">
@@ -9188,6 +9225,228 @@
     <p:extLst>
       <p:ext uri="{BB962C8B-B14F-4D97-AF65-F5344CB8AC3E}">
         <p14:creationId xmlns:p14="http://schemas.microsoft.com/office/powerpoint/2010/main" val="1989427699"/>
+      </p:ext>
+    </p:extLst>
+  </p:cSld>
+  <p:clrMapOvr>
+    <a:masterClrMapping/>
+  </p:clrMapOvr>
+</p:sld>
+</file>
+
+<file path=ppt/slides/slide30.xml><?xml version="1.0" encoding="utf-8"?>
+<p:sld xmlns:a="http://schemas.openxmlformats.org/drawingml/2006/main" xmlns:r="http://schemas.openxmlformats.org/officeDocument/2006/relationships" xmlns:p="http://schemas.openxmlformats.org/presentationml/2006/main">
+  <p:cSld>
+    <p:spTree>
+      <p:nvGrpSpPr>
+        <p:cNvPr id="1" name=""/>
+        <p:cNvGrpSpPr/>
+        <p:nvPr/>
+      </p:nvGrpSpPr>
+      <p:grpSpPr>
+        <a:xfrm>
+          <a:off x="0" y="0"/>
+          <a:ext cx="0" cy="0"/>
+          <a:chOff x="0" y="0"/>
+          <a:chExt cx="0" cy="0"/>
+        </a:xfrm>
+      </p:grpSpPr>
+      <p:sp>
+        <p:nvSpPr>
+          <p:cNvPr id="2" name="Title 1">
+            <a:extLst>
+              <a:ext uri="{FF2B5EF4-FFF2-40B4-BE49-F238E27FC236}">
+                <a16:creationId xmlns:a16="http://schemas.microsoft.com/office/drawing/2014/main" id="{BCEACA82-CB64-1FFE-E493-F51AAB8C3EB7}"/>
+              </a:ext>
+            </a:extLst>
+          </p:cNvPr>
+          <p:cNvSpPr>
+            <a:spLocks noGrp="1"/>
+          </p:cNvSpPr>
+          <p:nvPr>
+            <p:ph type="title"/>
+          </p:nvPr>
+        </p:nvSpPr>
+        <p:spPr/>
+        <p:txBody>
+          <a:bodyPr/>
+          <a:lstStyle/>
+          <a:p>
+            <a:r>
+              <a:rPr lang="en-US" dirty="0"/>
+              <a:t>Run 9</a:t>
+            </a:r>
+          </a:p>
+        </p:txBody>
+      </p:sp>
+      <p:pic>
+        <p:nvPicPr>
+          <p:cNvPr id="5" name="Content Placeholder 4" descr="A black and purple square&#10;&#10;Description automatically generated">
+            <a:extLst>
+              <a:ext uri="{FF2B5EF4-FFF2-40B4-BE49-F238E27FC236}">
+                <a16:creationId xmlns:a16="http://schemas.microsoft.com/office/drawing/2014/main" id="{753A2137-9AA5-6EA9-EB15-C4B394773E1B}"/>
+              </a:ext>
+            </a:extLst>
+          </p:cNvPr>
+          <p:cNvPicPr>
+            <a:picLocks noGrp="1" noChangeAspect="1"/>
+          </p:cNvPicPr>
+          <p:nvPr>
+            <p:ph idx="1"/>
+          </p:nvPr>
+        </p:nvPicPr>
+        <p:blipFill>
+          <a:blip r:embed="rId2">
+            <a:extLst>
+              <a:ext uri="{28A0092B-C50C-407E-A947-70E740481C1C}">
+                <a14:useLocalDpi xmlns:a14="http://schemas.microsoft.com/office/drawing/2010/main" val="0"/>
+              </a:ext>
+            </a:extLst>
+          </a:blip>
+          <a:stretch>
+            <a:fillRect/>
+          </a:stretch>
+        </p:blipFill>
+        <p:spPr>
+          <a:xfrm>
+            <a:off x="14461" y="2069624"/>
+            <a:ext cx="12177539" cy="3392712"/>
+          </a:xfrm>
+        </p:spPr>
+      </p:pic>
+    </p:spTree>
+    <p:extLst>
+      <p:ext uri="{BB962C8B-B14F-4D97-AF65-F5344CB8AC3E}">
+        <p14:creationId xmlns:p14="http://schemas.microsoft.com/office/powerpoint/2010/main" val="2334191883"/>
+      </p:ext>
+    </p:extLst>
+  </p:cSld>
+  <p:clrMapOvr>
+    <a:masterClrMapping/>
+  </p:clrMapOvr>
+</p:sld>
+</file>
+
+<file path=ppt/slides/slide31.xml><?xml version="1.0" encoding="utf-8"?>
+<p:sld xmlns:a="http://schemas.openxmlformats.org/drawingml/2006/main" xmlns:r="http://schemas.openxmlformats.org/officeDocument/2006/relationships" xmlns:p="http://schemas.openxmlformats.org/presentationml/2006/main">
+  <p:cSld>
+    <p:spTree>
+      <p:nvGrpSpPr>
+        <p:cNvPr id="1" name=""/>
+        <p:cNvGrpSpPr/>
+        <p:nvPr/>
+      </p:nvGrpSpPr>
+      <p:grpSpPr>
+        <a:xfrm>
+          <a:off x="0" y="0"/>
+          <a:ext cx="0" cy="0"/>
+          <a:chOff x="0" y="0"/>
+          <a:chExt cx="0" cy="0"/>
+        </a:xfrm>
+      </p:grpSpPr>
+      <p:sp>
+        <p:nvSpPr>
+          <p:cNvPr id="2" name="Title 1">
+            <a:extLst>
+              <a:ext uri="{FF2B5EF4-FFF2-40B4-BE49-F238E27FC236}">
+                <a16:creationId xmlns:a16="http://schemas.microsoft.com/office/drawing/2014/main" id="{6FBD204E-5F79-5675-EB92-454D21C18F51}"/>
+              </a:ext>
+            </a:extLst>
+          </p:cNvPr>
+          <p:cNvSpPr>
+            <a:spLocks noGrp="1"/>
+          </p:cNvSpPr>
+          <p:nvPr>
+            <p:ph type="title"/>
+          </p:nvPr>
+        </p:nvSpPr>
+        <p:spPr/>
+        <p:txBody>
+          <a:bodyPr/>
+          <a:lstStyle/>
+          <a:p>
+            <a:r>
+              <a:rPr lang="en-US" dirty="0"/>
+              <a:t>Run 9</a:t>
+            </a:r>
+          </a:p>
+        </p:txBody>
+      </p:sp>
+      <p:pic>
+        <p:nvPicPr>
+          <p:cNvPr id="5" name="Content Placeholder 4" descr="A graph on a black background&#10;&#10;Description automatically generated">
+            <a:extLst>
+              <a:ext uri="{FF2B5EF4-FFF2-40B4-BE49-F238E27FC236}">
+                <a16:creationId xmlns:a16="http://schemas.microsoft.com/office/drawing/2014/main" id="{3DEDCEC0-8F7D-2CBF-2886-E8D9C984A4B9}"/>
+              </a:ext>
+            </a:extLst>
+          </p:cNvPr>
+          <p:cNvPicPr>
+            <a:picLocks noGrp="1" noChangeAspect="1"/>
+          </p:cNvPicPr>
+          <p:nvPr>
+            <p:ph idx="1"/>
+          </p:nvPr>
+        </p:nvPicPr>
+        <p:blipFill>
+          <a:blip r:embed="rId2">
+            <a:extLst>
+              <a:ext uri="{28A0092B-C50C-407E-A947-70E740481C1C}">
+                <a14:useLocalDpi xmlns:a14="http://schemas.microsoft.com/office/drawing/2010/main" val="0"/>
+              </a:ext>
+            </a:extLst>
+          </a:blip>
+          <a:stretch>
+            <a:fillRect/>
+          </a:stretch>
+        </p:blipFill>
+        <p:spPr>
+          <a:xfrm>
+            <a:off x="6145096" y="1613685"/>
+            <a:ext cx="6046904" cy="4668672"/>
+          </a:xfrm>
+        </p:spPr>
+      </p:pic>
+      <p:pic>
+        <p:nvPicPr>
+          <p:cNvPr id="7" name="Picture 6" descr="A graph on a black background&#10;&#10;Description automatically generated">
+            <a:extLst>
+              <a:ext uri="{FF2B5EF4-FFF2-40B4-BE49-F238E27FC236}">
+                <a16:creationId xmlns:a16="http://schemas.microsoft.com/office/drawing/2014/main" id="{DD31CFB6-5CA0-2F70-2AC9-E19FF25AFAE4}"/>
+              </a:ext>
+            </a:extLst>
+          </p:cNvPr>
+          <p:cNvPicPr>
+            <a:picLocks noChangeAspect="1"/>
+          </p:cNvPicPr>
+          <p:nvPr/>
+        </p:nvPicPr>
+        <p:blipFill>
+          <a:blip r:embed="rId3">
+            <a:extLst>
+              <a:ext uri="{28A0092B-C50C-407E-A947-70E740481C1C}">
+                <a14:useLocalDpi xmlns:a14="http://schemas.microsoft.com/office/drawing/2010/main" val="0"/>
+              </a:ext>
+            </a:extLst>
+          </a:blip>
+          <a:stretch>
+            <a:fillRect/>
+          </a:stretch>
+        </p:blipFill>
+        <p:spPr>
+          <a:xfrm>
+            <a:off x="0" y="1613686"/>
+            <a:ext cx="6032472" cy="4668671"/>
+          </a:xfrm>
+          <a:prstGeom prst="rect">
+            <a:avLst/>
+          </a:prstGeom>
+        </p:spPr>
+      </p:pic>
+    </p:spTree>
+    <p:extLst>
+      <p:ext uri="{BB962C8B-B14F-4D97-AF65-F5344CB8AC3E}">
+        <p14:creationId xmlns:p14="http://schemas.microsoft.com/office/powerpoint/2010/main" val="1179906992"/>
       </p:ext>
     </p:extLst>
   </p:cSld>

--- a/plots/Plots.pptx
+++ b/plots/Plots.pptx
@@ -36,6 +36,8 @@
     <p:sldId id="285" r:id="rId30"/>
     <p:sldId id="286" r:id="rId31"/>
     <p:sldId id="287" r:id="rId32"/>
+    <p:sldId id="288" r:id="rId33"/>
+    <p:sldId id="289" r:id="rId34"/>
   </p:sldIdLst>
   <p:sldSz cx="12192000" cy="6858000"/>
   <p:notesSz cx="6858000" cy="9144000"/>
@@ -289,7 +291,7 @@
           <a:p>
             <a:fld id="{E4B0A79A-3997-4F54-9D51-15EE0C15CBF2}" type="datetimeFigureOut">
               <a:rPr lang="en-US" smtClean="0"/>
-              <a:t>2024-08-11</a:t>
+              <a:t>2024-08-12</a:t>
             </a:fld>
             <a:endParaRPr lang="en-US"/>
           </a:p>
@@ -487,7 +489,7 @@
           <a:p>
             <a:fld id="{E4B0A79A-3997-4F54-9D51-15EE0C15CBF2}" type="datetimeFigureOut">
               <a:rPr lang="en-US" smtClean="0"/>
-              <a:t>2024-08-11</a:t>
+              <a:t>2024-08-12</a:t>
             </a:fld>
             <a:endParaRPr lang="en-US"/>
           </a:p>
@@ -695,7 +697,7 @@
           <a:p>
             <a:fld id="{E4B0A79A-3997-4F54-9D51-15EE0C15CBF2}" type="datetimeFigureOut">
               <a:rPr lang="en-US" smtClean="0"/>
-              <a:t>2024-08-11</a:t>
+              <a:t>2024-08-12</a:t>
             </a:fld>
             <a:endParaRPr lang="en-US"/>
           </a:p>
@@ -893,7 +895,7 @@
           <a:p>
             <a:fld id="{E4B0A79A-3997-4F54-9D51-15EE0C15CBF2}" type="datetimeFigureOut">
               <a:rPr lang="en-US" smtClean="0"/>
-              <a:t>2024-08-11</a:t>
+              <a:t>2024-08-12</a:t>
             </a:fld>
             <a:endParaRPr lang="en-US"/>
           </a:p>
@@ -1168,7 +1170,7 @@
           <a:p>
             <a:fld id="{E4B0A79A-3997-4F54-9D51-15EE0C15CBF2}" type="datetimeFigureOut">
               <a:rPr lang="en-US" smtClean="0"/>
-              <a:t>2024-08-11</a:t>
+              <a:t>2024-08-12</a:t>
             </a:fld>
             <a:endParaRPr lang="en-US"/>
           </a:p>
@@ -1433,7 +1435,7 @@
           <a:p>
             <a:fld id="{E4B0A79A-3997-4F54-9D51-15EE0C15CBF2}" type="datetimeFigureOut">
               <a:rPr lang="en-US" smtClean="0"/>
-              <a:t>2024-08-11</a:t>
+              <a:t>2024-08-12</a:t>
             </a:fld>
             <a:endParaRPr lang="en-US"/>
           </a:p>
@@ -1845,7 +1847,7 @@
           <a:p>
             <a:fld id="{E4B0A79A-3997-4F54-9D51-15EE0C15CBF2}" type="datetimeFigureOut">
               <a:rPr lang="en-US" smtClean="0"/>
-              <a:t>2024-08-11</a:t>
+              <a:t>2024-08-12</a:t>
             </a:fld>
             <a:endParaRPr lang="en-US"/>
           </a:p>
@@ -1986,7 +1988,7 @@
           <a:p>
             <a:fld id="{E4B0A79A-3997-4F54-9D51-15EE0C15CBF2}" type="datetimeFigureOut">
               <a:rPr lang="en-US" smtClean="0"/>
-              <a:t>2024-08-11</a:t>
+              <a:t>2024-08-12</a:t>
             </a:fld>
             <a:endParaRPr lang="en-US"/>
           </a:p>
@@ -2099,7 +2101,7 @@
           <a:p>
             <a:fld id="{E4B0A79A-3997-4F54-9D51-15EE0C15CBF2}" type="datetimeFigureOut">
               <a:rPr lang="en-US" smtClean="0"/>
-              <a:t>2024-08-11</a:t>
+              <a:t>2024-08-12</a:t>
             </a:fld>
             <a:endParaRPr lang="en-US"/>
           </a:p>
@@ -2410,7 +2412,7 @@
           <a:p>
             <a:fld id="{E4B0A79A-3997-4F54-9D51-15EE0C15CBF2}" type="datetimeFigureOut">
               <a:rPr lang="en-US" smtClean="0"/>
-              <a:t>2024-08-11</a:t>
+              <a:t>2024-08-12</a:t>
             </a:fld>
             <a:endParaRPr lang="en-US"/>
           </a:p>
@@ -2698,7 +2700,7 @@
           <a:p>
             <a:fld id="{E4B0A79A-3997-4F54-9D51-15EE0C15CBF2}" type="datetimeFigureOut">
               <a:rPr lang="en-US" smtClean="0"/>
-              <a:t>2024-08-11</a:t>
+              <a:t>2024-08-12</a:t>
             </a:fld>
             <a:endParaRPr lang="en-US"/>
           </a:p>
@@ -2939,7 +2941,7 @@
           <a:p>
             <a:fld id="{E4B0A79A-3997-4F54-9D51-15EE0C15CBF2}" type="datetimeFigureOut">
               <a:rPr lang="en-US" smtClean="0"/>
-              <a:t>2024-08-11</a:t>
+              <a:t>2024-08-12</a:t>
             </a:fld>
             <a:endParaRPr lang="en-US"/>
           </a:p>
@@ -8390,8 +8392,8 @@
           </a:p>
         </p:txBody>
       </p:sp>
-      <mc:AlternateContent xmlns:mc="http://schemas.openxmlformats.org/markup-compatibility/2006">
-        <mc:Choice xmlns:a14="http://schemas.microsoft.com/office/drawing/2010/main" Requires="a14">
+      <mc:AlternateContent xmlns:mc="http://schemas.openxmlformats.org/markup-compatibility/2006" xmlns:a14="http://schemas.microsoft.com/office/drawing/2010/main">
+        <mc:Choice Requires="a14">
           <p:sp>
             <p:nvSpPr>
               <p:cNvPr id="3" name="Content Placeholder 2">
@@ -8413,7 +8415,6 @@
               <a:bodyPr/>
               <a:lstStyle/>
               <a:p>
-                <a:pPr/>
                 <a14:m>
                   <m:oMath xmlns:m="http://schemas.openxmlformats.org/officeDocument/2006/math">
                     <m:r>
@@ -8493,7 +8494,6 @@
                 <a:endParaRPr lang="en-US" b="1" dirty="0"/>
               </a:p>
               <a:p>
-                <a:pPr/>
                 <a14:m>
                   <m:oMath xmlns:m="http://schemas.openxmlformats.org/officeDocument/2006/math">
                     <m:r>
@@ -8513,7 +8513,6 @@
                 <a:endParaRPr lang="en-US" dirty="0"/>
               </a:p>
               <a:p>
-                <a:pPr/>
                 <a14:m>
                   <m:oMath xmlns:m="http://schemas.openxmlformats.org/officeDocument/2006/math">
                     <m:r>
@@ -8539,7 +8538,6 @@
                 <a:endParaRPr lang="en-US" dirty="0"/>
               </a:p>
               <a:p>
-                <a:pPr/>
                 <a14:m>
                   <m:oMath xmlns:m="http://schemas.openxmlformats.org/officeDocument/2006/math">
                     <m:r>
@@ -8658,7 +8656,6 @@
                 <a:endParaRPr lang="en-US" b="1" dirty="0"/>
               </a:p>
               <a:p>
-                <a:pPr/>
                 <a14:m>
                   <m:oMath xmlns:m="http://schemas.openxmlformats.org/officeDocument/2006/math">
                     <m:r>
@@ -8708,7 +8705,7 @@
             </p:txBody>
           </p:sp>
         </mc:Choice>
-        <mc:Fallback>
+        <mc:Fallback xmlns="">
           <p:sp>
             <p:nvSpPr>
               <p:cNvPr id="3" name="Content Placeholder 2">
@@ -9447,6 +9444,735 @@
     <p:extLst>
       <p:ext uri="{BB962C8B-B14F-4D97-AF65-F5344CB8AC3E}">
         <p14:creationId xmlns:p14="http://schemas.microsoft.com/office/powerpoint/2010/main" val="1179906992"/>
+      </p:ext>
+    </p:extLst>
+  </p:cSld>
+  <p:clrMapOvr>
+    <a:masterClrMapping/>
+  </p:clrMapOvr>
+</p:sld>
+</file>
+
+<file path=ppt/slides/slide32.xml><?xml version="1.0" encoding="utf-8"?>
+<p:sld xmlns:a="http://schemas.openxmlformats.org/drawingml/2006/main" xmlns:r="http://schemas.openxmlformats.org/officeDocument/2006/relationships" xmlns:p="http://schemas.openxmlformats.org/presentationml/2006/main">
+  <p:cSld>
+    <p:spTree>
+      <p:nvGrpSpPr>
+        <p:cNvPr id="1" name=""/>
+        <p:cNvGrpSpPr/>
+        <p:nvPr/>
+      </p:nvGrpSpPr>
+      <p:grpSpPr>
+        <a:xfrm>
+          <a:off x="0" y="0"/>
+          <a:ext cx="0" cy="0"/>
+          <a:chOff x="0" y="0"/>
+          <a:chExt cx="0" cy="0"/>
+        </a:xfrm>
+      </p:grpSpPr>
+      <p:sp>
+        <p:nvSpPr>
+          <p:cNvPr id="2" name="Title 1">
+            <a:extLst>
+              <a:ext uri="{FF2B5EF4-FFF2-40B4-BE49-F238E27FC236}">
+                <a16:creationId xmlns:a16="http://schemas.microsoft.com/office/drawing/2014/main" id="{F7503490-B962-3F4F-EFAA-2B5007E24588}"/>
+              </a:ext>
+            </a:extLst>
+          </p:cNvPr>
+          <p:cNvSpPr>
+            <a:spLocks noGrp="1"/>
+          </p:cNvSpPr>
+          <p:nvPr>
+            <p:ph type="title"/>
+          </p:nvPr>
+        </p:nvSpPr>
+        <p:spPr/>
+        <p:txBody>
+          <a:bodyPr/>
+          <a:lstStyle/>
+          <a:p>
+            <a:r>
+              <a:rPr lang="en-US" dirty="0"/>
+              <a:t>Run 10 – extend run 8</a:t>
+            </a:r>
+          </a:p>
+        </p:txBody>
+      </p:sp>
+      <mc:AlternateContent xmlns:mc="http://schemas.openxmlformats.org/markup-compatibility/2006">
+        <mc:Choice xmlns:a14="http://schemas.microsoft.com/office/drawing/2010/main" Requires="a14">
+          <p:sp>
+            <p:nvSpPr>
+              <p:cNvPr id="4" name="Content Placeholder 2">
+                <a:extLst>
+                  <a:ext uri="{FF2B5EF4-FFF2-40B4-BE49-F238E27FC236}">
+                    <a16:creationId xmlns:a16="http://schemas.microsoft.com/office/drawing/2014/main" id="{762A52ED-5824-0E03-C594-148A5C5E6621}"/>
+                  </a:ext>
+                </a:extLst>
+              </p:cNvPr>
+              <p:cNvSpPr>
+                <a:spLocks noGrp="1"/>
+              </p:cNvSpPr>
+              <p:nvPr>
+                <p:ph idx="1"/>
+              </p:nvPr>
+            </p:nvSpPr>
+            <p:spPr>
+              <a:xfrm>
+                <a:off x="838200" y="1825625"/>
+                <a:ext cx="10515600" cy="4351338"/>
+              </a:xfrm>
+            </p:spPr>
+            <p:txBody>
+              <a:bodyPr/>
+              <a:lstStyle/>
+              <a:p>
+                <a14:m>
+                  <m:oMath xmlns:m="http://schemas.openxmlformats.org/officeDocument/2006/math">
+                    <m:r>
+                      <a:rPr lang="en-US" b="1" i="1" dirty="0" smtClean="0">
+                        <a:latin typeface="Cambria Math" panose="02040503050406030204" pitchFamily="18" charset="0"/>
+                      </a:rPr>
+                      <m:t>𝑳</m:t>
+                    </m:r>
+                    <m:r>
+                      <a:rPr lang="en-US" b="1" i="1" dirty="0" smtClean="0">
+                        <a:latin typeface="Cambria Math" panose="02040503050406030204" pitchFamily="18" charset="0"/>
+                      </a:rPr>
+                      <m:t>∈</m:t>
+                    </m:r>
+                    <m:r>
+                      <m:rPr>
+                        <m:lit/>
+                      </m:rPr>
+                      <a:rPr lang="en-US" b="1" i="1" dirty="0" smtClean="0">
+                        <a:latin typeface="Cambria Math" panose="02040503050406030204" pitchFamily="18" charset="0"/>
+                      </a:rPr>
+                      <m:t>{</m:t>
+                    </m:r>
+                    <m:r>
+                      <a:rPr lang="en-US" b="1" i="1" dirty="0" smtClean="0">
+                        <a:latin typeface="Cambria Math" panose="02040503050406030204" pitchFamily="18" charset="0"/>
+                      </a:rPr>
+                      <m:t>𝟏𝟏𝟎</m:t>
+                    </m:r>
+                    <m:r>
+                      <a:rPr lang="en-US" b="1" i="1" dirty="0" smtClean="0">
+                        <a:latin typeface="Cambria Math" panose="02040503050406030204" pitchFamily="18" charset="0"/>
+                      </a:rPr>
+                      <m:t>,</m:t>
+                    </m:r>
+                    <m:r>
+                      <a:rPr lang="en-US" b="1" i="1" dirty="0" smtClean="0">
+                        <a:latin typeface="Cambria Math" panose="02040503050406030204" pitchFamily="18" charset="0"/>
+                      </a:rPr>
+                      <m:t>𝟏𝟐𝟎</m:t>
+                    </m:r>
+                    <m:r>
+                      <a:rPr lang="en-US" b="1" i="1" dirty="0" smtClean="0">
+                        <a:latin typeface="Cambria Math" panose="02040503050406030204" pitchFamily="18" charset="0"/>
+                      </a:rPr>
+                      <m:t>,</m:t>
+                    </m:r>
+                    <m:r>
+                      <a:rPr lang="en-US" b="1" i="1" dirty="0" smtClean="0">
+                        <a:latin typeface="Cambria Math" panose="02040503050406030204" pitchFamily="18" charset="0"/>
+                      </a:rPr>
+                      <m:t>𝟏𝟑𝟎</m:t>
+                    </m:r>
+                    <m:r>
+                      <a:rPr lang="en-US" b="1" i="1" dirty="0" smtClean="0">
+                        <a:latin typeface="Cambria Math" panose="02040503050406030204" pitchFamily="18" charset="0"/>
+                      </a:rPr>
+                      <m:t>,…,</m:t>
+                    </m:r>
+                    <m:r>
+                      <a:rPr lang="en-US" b="1" i="1" dirty="0" smtClean="0">
+                        <a:latin typeface="Cambria Math" panose="02040503050406030204" pitchFamily="18" charset="0"/>
+                      </a:rPr>
+                      <m:t>𝟐𝟎𝟎</m:t>
+                    </m:r>
+                    <m:r>
+                      <m:rPr>
+                        <m:lit/>
+                      </m:rPr>
+                      <a:rPr lang="en-US" b="1" i="1" dirty="0" smtClean="0">
+                        <a:latin typeface="Cambria Math" panose="02040503050406030204" pitchFamily="18" charset="0"/>
+                      </a:rPr>
+                      <m:t>}</m:t>
+                    </m:r>
+                  </m:oMath>
+                </a14:m>
+                <a:endParaRPr lang="en-US" b="1" dirty="0"/>
+              </a:p>
+              <a:p>
+                <a14:m>
+                  <m:oMath xmlns:m="http://schemas.openxmlformats.org/officeDocument/2006/math">
+                    <m:r>
+                      <a:rPr lang="en-US" i="1" dirty="0" smtClean="0">
+                        <a:latin typeface="Cambria Math" panose="02040503050406030204" pitchFamily="18" charset="0"/>
+                      </a:rPr>
+                      <m:t>𝑐</m:t>
+                    </m:r>
+                    <m:r>
+                      <a:rPr lang="en-US" i="1" dirty="0" smtClean="0">
+                        <a:latin typeface="Cambria Math" panose="02040503050406030204" pitchFamily="18" charset="0"/>
+                      </a:rPr>
+                      <m:t>=16</m:t>
+                    </m:r>
+                  </m:oMath>
+                </a14:m>
+                <a:endParaRPr lang="en-US" dirty="0"/>
+              </a:p>
+              <a:p>
+                <a14:m>
+                  <m:oMath xmlns:m="http://schemas.openxmlformats.org/officeDocument/2006/math">
+                    <m:r>
+                      <a:rPr lang="en-US" i="1" dirty="0" smtClean="0">
+                        <a:latin typeface="Cambria Math" panose="02040503050406030204" pitchFamily="18" charset="0"/>
+                      </a:rPr>
+                      <m:t>𝑇</m:t>
+                    </m:r>
+                    <m:r>
+                      <a:rPr lang="en-US" i="1" dirty="0" smtClean="0">
+                        <a:latin typeface="Cambria Math" panose="02040503050406030204" pitchFamily="18" charset="0"/>
+                      </a:rPr>
+                      <m:t>=</m:t>
+                    </m:r>
+                    <m:r>
+                      <a:rPr lang="en-US" i="1" dirty="0" smtClean="0">
+                        <a:latin typeface="Cambria Math" panose="02040503050406030204" pitchFamily="18" charset="0"/>
+                      </a:rPr>
+                      <m:t>𝐿</m:t>
+                    </m:r>
+                  </m:oMath>
+                </a14:m>
+                <a:endParaRPr lang="en-US" dirty="0"/>
+              </a:p>
+              <a:p>
+                <a14:m>
+                  <m:oMath xmlns:m="http://schemas.openxmlformats.org/officeDocument/2006/math">
+                    <m:r>
+                      <a:rPr lang="en-US" b="0" i="1" dirty="0" smtClean="0">
+                        <a:latin typeface="Cambria Math" panose="02040503050406030204" pitchFamily="18" charset="0"/>
+                      </a:rPr>
+                      <m:t>𝑝</m:t>
+                    </m:r>
+                    <m:r>
+                      <a:rPr lang="en-US" b="0" i="1" dirty="0" smtClean="0">
+                        <a:latin typeface="Cambria Math" panose="02040503050406030204" pitchFamily="18" charset="0"/>
+                      </a:rPr>
+                      <m:t>=0.004</m:t>
+                    </m:r>
+                  </m:oMath>
+                </a14:m>
+                <a:endParaRPr lang="en-US" dirty="0"/>
+              </a:p>
+              <a:p>
+                <a14:m>
+                  <m:oMath xmlns:m="http://schemas.openxmlformats.org/officeDocument/2006/math">
+                    <m:r>
+                      <a:rPr lang="en-US" i="1" dirty="0" smtClean="0">
+                        <a:latin typeface="Cambria Math" panose="02040503050406030204" pitchFamily="18" charset="0"/>
+                      </a:rPr>
+                      <m:t>𝜂</m:t>
+                    </m:r>
+                    <m:r>
+                      <a:rPr lang="en-US" i="1" dirty="0" smtClean="0">
+                        <a:latin typeface="Cambria Math" panose="02040503050406030204" pitchFamily="18" charset="0"/>
+                      </a:rPr>
+                      <m:t>=0.1</m:t>
+                    </m:r>
+                  </m:oMath>
+                </a14:m>
+                <a:endParaRPr lang="en-US" dirty="0"/>
+              </a:p>
+              <a:p>
+                <a14:m>
+                  <m:oMath xmlns:m="http://schemas.openxmlformats.org/officeDocument/2006/math">
+                    <m:sSup>
+                      <m:sSupPr>
+                        <m:ctrlPr>
+                          <a:rPr lang="en-US" b="0" i="1" smtClean="0">
+                            <a:latin typeface="Cambria Math" panose="02040503050406030204" pitchFamily="18" charset="0"/>
+                          </a:rPr>
+                        </m:ctrlPr>
+                      </m:sSupPr>
+                      <m:e>
+                        <m:r>
+                          <a:rPr lang="en-US" b="0" i="1" smtClean="0">
+                            <a:latin typeface="Cambria Math" panose="02040503050406030204" pitchFamily="18" charset="0"/>
+                          </a:rPr>
+                          <m:t>10</m:t>
+                        </m:r>
+                      </m:e>
+                      <m:sup>
+                        <m:r>
+                          <a:rPr lang="en-US" b="0" i="1" smtClean="0">
+                            <a:latin typeface="Cambria Math" panose="02040503050406030204" pitchFamily="18" charset="0"/>
+                          </a:rPr>
+                          <m:t>7</m:t>
+                        </m:r>
+                      </m:sup>
+                    </m:sSup>
+                  </m:oMath>
+                </a14:m>
+                <a:r>
+                  <a:rPr lang="en-US" dirty="0"/>
+                  <a:t> shots (100000 x 100)</a:t>
+                </a:r>
+              </a:p>
+              <a:p>
+                <a:r>
+                  <a:rPr lang="en-US" dirty="0"/>
+                  <a:t>4 hours, 10 CPUs / task</a:t>
+                </a:r>
+              </a:p>
+            </p:txBody>
+          </p:sp>
+        </mc:Choice>
+        <mc:Fallback>
+          <p:sp>
+            <p:nvSpPr>
+              <p:cNvPr id="4" name="Content Placeholder 2">
+                <a:extLst>
+                  <a:ext uri="{FF2B5EF4-FFF2-40B4-BE49-F238E27FC236}">
+                    <a16:creationId xmlns:a16="http://schemas.microsoft.com/office/drawing/2014/main" id="{762A52ED-5824-0E03-C594-148A5C5E6621}"/>
+                  </a:ext>
+                </a:extLst>
+              </p:cNvPr>
+              <p:cNvSpPr>
+                <a:spLocks noGrp="1" noRot="1" noChangeAspect="1" noMove="1" noResize="1" noEditPoints="1" noAdjustHandles="1" noChangeArrowheads="1" noChangeShapeType="1" noTextEdit="1"/>
+              </p:cNvSpPr>
+              <p:nvPr>
+                <p:ph idx="1"/>
+              </p:nvPr>
+            </p:nvSpPr>
+            <p:spPr>
+              <a:xfrm>
+                <a:off x="838200" y="1825625"/>
+                <a:ext cx="10515600" cy="4351338"/>
+              </a:xfrm>
+              <a:blipFill>
+                <a:blip r:embed="rId2"/>
+                <a:stretch>
+                  <a:fillRect l="-1043"/>
+                </a:stretch>
+              </a:blipFill>
+            </p:spPr>
+            <p:txBody>
+              <a:bodyPr/>
+              <a:lstStyle/>
+              <a:p>
+                <a:r>
+                  <a:rPr lang="en-US">
+                    <a:noFill/>
+                  </a:rPr>
+                  <a:t> </a:t>
+                </a:r>
+              </a:p>
+            </p:txBody>
+          </p:sp>
+        </mc:Fallback>
+      </mc:AlternateContent>
+    </p:spTree>
+    <p:extLst>
+      <p:ext uri="{BB962C8B-B14F-4D97-AF65-F5344CB8AC3E}">
+        <p14:creationId xmlns:p14="http://schemas.microsoft.com/office/powerpoint/2010/main" val="2759465199"/>
+      </p:ext>
+    </p:extLst>
+  </p:cSld>
+  <p:clrMapOvr>
+    <a:masterClrMapping/>
+  </p:clrMapOvr>
+</p:sld>
+</file>
+
+<file path=ppt/slides/slide33.xml><?xml version="1.0" encoding="utf-8"?>
+<p:sld xmlns:a="http://schemas.openxmlformats.org/drawingml/2006/main" xmlns:r="http://schemas.openxmlformats.org/officeDocument/2006/relationships" xmlns:p="http://schemas.openxmlformats.org/presentationml/2006/main">
+  <p:cSld>
+    <p:spTree>
+      <p:nvGrpSpPr>
+        <p:cNvPr id="1" name=""/>
+        <p:cNvGrpSpPr/>
+        <p:nvPr/>
+      </p:nvGrpSpPr>
+      <p:grpSpPr>
+        <a:xfrm>
+          <a:off x="0" y="0"/>
+          <a:ext cx="0" cy="0"/>
+          <a:chOff x="0" y="0"/>
+          <a:chExt cx="0" cy="0"/>
+        </a:xfrm>
+      </p:grpSpPr>
+      <p:sp>
+        <p:nvSpPr>
+          <p:cNvPr id="2" name="Title 1">
+            <a:extLst>
+              <a:ext uri="{FF2B5EF4-FFF2-40B4-BE49-F238E27FC236}">
+                <a16:creationId xmlns:a16="http://schemas.microsoft.com/office/drawing/2014/main" id="{B797A52D-8C56-4CC5-48D0-88D222D029E4}"/>
+              </a:ext>
+            </a:extLst>
+          </p:cNvPr>
+          <p:cNvSpPr>
+            <a:spLocks noGrp="1"/>
+          </p:cNvSpPr>
+          <p:nvPr>
+            <p:ph type="title"/>
+          </p:nvPr>
+        </p:nvSpPr>
+        <p:spPr/>
+        <p:txBody>
+          <a:bodyPr/>
+          <a:lstStyle/>
+          <a:p>
+            <a:r>
+              <a:rPr lang="en-US" dirty="0"/>
+              <a:t>Run 11 – steady state</a:t>
+            </a:r>
+          </a:p>
+        </p:txBody>
+      </p:sp>
+      <mc:AlternateContent xmlns:mc="http://schemas.openxmlformats.org/markup-compatibility/2006">
+        <mc:Choice xmlns:a14="http://schemas.microsoft.com/office/drawing/2010/main" Requires="a14">
+          <p:sp>
+            <p:nvSpPr>
+              <p:cNvPr id="3" name="Content Placeholder 2">
+                <a:extLst>
+                  <a:ext uri="{FF2B5EF4-FFF2-40B4-BE49-F238E27FC236}">
+                    <a16:creationId xmlns:a16="http://schemas.microsoft.com/office/drawing/2014/main" id="{F567ADB7-F744-B166-BEF6-BB2549F8A4D4}"/>
+                  </a:ext>
+                </a:extLst>
+              </p:cNvPr>
+              <p:cNvSpPr>
+                <a:spLocks noGrp="1"/>
+              </p:cNvSpPr>
+              <p:nvPr>
+                <p:ph idx="1"/>
+              </p:nvPr>
+            </p:nvSpPr>
+            <p:spPr/>
+            <p:txBody>
+              <a:bodyPr/>
+              <a:lstStyle/>
+              <a:p>
+                <a14:m>
+                  <m:oMath xmlns:m="http://schemas.openxmlformats.org/officeDocument/2006/math">
+                    <m:r>
+                      <a:rPr lang="en-US" b="1" i="1" dirty="0" smtClean="0">
+                        <a:latin typeface="Cambria Math" panose="02040503050406030204" pitchFamily="18" charset="0"/>
+                      </a:rPr>
+                      <m:t>𝑳</m:t>
+                    </m:r>
+                    <m:r>
+                      <a:rPr lang="en-US" b="1" i="1" dirty="0" smtClean="0">
+                        <a:latin typeface="Cambria Math" panose="02040503050406030204" pitchFamily="18" charset="0"/>
+                      </a:rPr>
+                      <m:t>∈</m:t>
+                    </m:r>
+                    <m:r>
+                      <m:rPr>
+                        <m:lit/>
+                      </m:rPr>
+                      <a:rPr lang="en-US" b="1" i="1" dirty="0" smtClean="0">
+                        <a:latin typeface="Cambria Math" panose="02040503050406030204" pitchFamily="18" charset="0"/>
+                      </a:rPr>
+                      <m:t>{</m:t>
+                    </m:r>
+                    <m:r>
+                      <a:rPr lang="en-US" b="1" i="1" dirty="0" smtClean="0">
+                        <a:latin typeface="Cambria Math" panose="02040503050406030204" pitchFamily="18" charset="0"/>
+                      </a:rPr>
+                      <m:t>𝟐𝟎</m:t>
+                    </m:r>
+                    <m:r>
+                      <a:rPr lang="en-US" b="1" i="1" dirty="0" smtClean="0">
+                        <a:latin typeface="Cambria Math" panose="02040503050406030204" pitchFamily="18" charset="0"/>
+                      </a:rPr>
+                      <m:t>,</m:t>
+                    </m:r>
+                    <m:r>
+                      <a:rPr lang="en-US" b="1" i="1" dirty="0" smtClean="0">
+                        <a:latin typeface="Cambria Math" panose="02040503050406030204" pitchFamily="18" charset="0"/>
+                      </a:rPr>
+                      <m:t>𝟒𝟎</m:t>
+                    </m:r>
+                    <m:r>
+                      <a:rPr lang="en-US" b="1" i="1" dirty="0" smtClean="0">
+                        <a:latin typeface="Cambria Math" panose="02040503050406030204" pitchFamily="18" charset="0"/>
+                      </a:rPr>
+                      <m:t>,</m:t>
+                    </m:r>
+                    <m:r>
+                      <a:rPr lang="en-US" b="1" i="1" dirty="0" smtClean="0">
+                        <a:latin typeface="Cambria Math" panose="02040503050406030204" pitchFamily="18" charset="0"/>
+                      </a:rPr>
+                      <m:t>𝟔𝟎</m:t>
+                    </m:r>
+                    <m:r>
+                      <a:rPr lang="en-US" b="1" i="1" dirty="0" smtClean="0">
+                        <a:latin typeface="Cambria Math" panose="02040503050406030204" pitchFamily="18" charset="0"/>
+                      </a:rPr>
+                      <m:t>,…,</m:t>
+                    </m:r>
+                    <m:r>
+                      <a:rPr lang="en-US" b="1" i="1" dirty="0" smtClean="0">
+                        <a:latin typeface="Cambria Math" panose="02040503050406030204" pitchFamily="18" charset="0"/>
+                      </a:rPr>
+                      <m:t>𝟏𝟎𝟎</m:t>
+                    </m:r>
+                    <m:r>
+                      <m:rPr>
+                        <m:lit/>
+                      </m:rPr>
+                      <a:rPr lang="en-US" b="1" i="1" dirty="0" smtClean="0">
+                        <a:latin typeface="Cambria Math" panose="02040503050406030204" pitchFamily="18" charset="0"/>
+                      </a:rPr>
+                      <m:t>}</m:t>
+                    </m:r>
+                  </m:oMath>
+                </a14:m>
+                <a:endParaRPr lang="en-US" b="1" dirty="0"/>
+              </a:p>
+              <a:p>
+                <a14:m>
+                  <m:oMath xmlns:m="http://schemas.openxmlformats.org/officeDocument/2006/math">
+                    <m:r>
+                      <a:rPr lang="en-US" i="1" dirty="0" smtClean="0">
+                        <a:latin typeface="Cambria Math" panose="02040503050406030204" pitchFamily="18" charset="0"/>
+                      </a:rPr>
+                      <m:t>𝑐</m:t>
+                    </m:r>
+                    <m:r>
+                      <a:rPr lang="en-US" i="1" dirty="0" smtClean="0">
+                        <a:latin typeface="Cambria Math" panose="02040503050406030204" pitchFamily="18" charset="0"/>
+                      </a:rPr>
+                      <m:t>=16</m:t>
+                    </m:r>
+                  </m:oMath>
+                </a14:m>
+                <a:endParaRPr lang="en-US" dirty="0"/>
+              </a:p>
+              <a:p>
+                <a14:m>
+                  <m:oMath xmlns:m="http://schemas.openxmlformats.org/officeDocument/2006/math">
+                    <m:r>
+                      <a:rPr lang="en-US" i="1" dirty="0" smtClean="0">
+                        <a:latin typeface="Cambria Math" panose="02040503050406030204" pitchFamily="18" charset="0"/>
+                      </a:rPr>
+                      <m:t>𝑇</m:t>
+                    </m:r>
+                    <m:r>
+                      <a:rPr lang="en-US" i="1" dirty="0" smtClean="0">
+                        <a:latin typeface="Cambria Math" panose="02040503050406030204" pitchFamily="18" charset="0"/>
+                      </a:rPr>
+                      <m:t>=5</m:t>
+                    </m:r>
+                    <m:r>
+                      <a:rPr lang="en-US" i="1" dirty="0" smtClean="0">
+                        <a:latin typeface="Cambria Math" panose="02040503050406030204" pitchFamily="18" charset="0"/>
+                      </a:rPr>
+                      <m:t>𝐿</m:t>
+                    </m:r>
+                  </m:oMath>
+                </a14:m>
+                <a:endParaRPr lang="en-US" dirty="0"/>
+              </a:p>
+              <a:p>
+                <a14:m>
+                  <m:oMath xmlns:m="http://schemas.openxmlformats.org/officeDocument/2006/math">
+                    <m:r>
+                      <a:rPr lang="en-US" b="1" i="1" dirty="0" smtClean="0">
+                        <a:latin typeface="Cambria Math" panose="02040503050406030204" pitchFamily="18" charset="0"/>
+                      </a:rPr>
+                      <m:t>𝒑</m:t>
+                    </m:r>
+                    <m:r>
+                      <a:rPr lang="en-US" b="1" i="1" dirty="0" smtClean="0">
+                        <a:latin typeface="Cambria Math" panose="02040503050406030204" pitchFamily="18" charset="0"/>
+                      </a:rPr>
+                      <m:t>∈{</m:t>
+                    </m:r>
+                    <m:r>
+                      <a:rPr lang="en-US" b="1" i="1" dirty="0" smtClean="0">
+                        <a:latin typeface="Cambria Math" panose="02040503050406030204" pitchFamily="18" charset="0"/>
+                      </a:rPr>
+                      <m:t>𝟎</m:t>
+                    </m:r>
+                    <m:r>
+                      <a:rPr lang="en-US" b="1" i="1" dirty="0" smtClean="0">
+                        <a:latin typeface="Cambria Math" panose="02040503050406030204" pitchFamily="18" charset="0"/>
+                      </a:rPr>
+                      <m:t>.</m:t>
+                    </m:r>
+                    <m:r>
+                      <a:rPr lang="en-US" b="1" i="1" dirty="0" smtClean="0">
+                        <a:latin typeface="Cambria Math" panose="02040503050406030204" pitchFamily="18" charset="0"/>
+                      </a:rPr>
+                      <m:t>𝟎𝟎𝟒𝟎</m:t>
+                    </m:r>
+                    <m:r>
+                      <a:rPr lang="en-US" b="1" i="1" dirty="0" smtClean="0">
+                        <a:latin typeface="Cambria Math" panose="02040503050406030204" pitchFamily="18" charset="0"/>
+                      </a:rPr>
+                      <m:t>,</m:t>
+                    </m:r>
+                    <m:r>
+                      <a:rPr lang="en-US" b="1" i="1" dirty="0" smtClean="0">
+                        <a:latin typeface="Cambria Math" panose="02040503050406030204" pitchFamily="18" charset="0"/>
+                      </a:rPr>
+                      <m:t>𝟎</m:t>
+                    </m:r>
+                    <m:r>
+                      <a:rPr lang="en-US" b="1" i="1" dirty="0" smtClean="0">
+                        <a:latin typeface="Cambria Math" panose="02040503050406030204" pitchFamily="18" charset="0"/>
+                      </a:rPr>
+                      <m:t>.</m:t>
+                    </m:r>
+                    <m:r>
+                      <a:rPr lang="en-US" b="1" i="1" dirty="0" smtClean="0">
+                        <a:latin typeface="Cambria Math" panose="02040503050406030204" pitchFamily="18" charset="0"/>
+                      </a:rPr>
+                      <m:t>𝟎𝟎𝟒𝟏</m:t>
+                    </m:r>
+                    <m:r>
+                      <a:rPr lang="en-US" b="1" i="1" dirty="0" smtClean="0">
+                        <a:latin typeface="Cambria Math" panose="02040503050406030204" pitchFamily="18" charset="0"/>
+                      </a:rPr>
+                      <m:t>,</m:t>
+                    </m:r>
+                    <m:r>
+                      <a:rPr lang="en-US" b="1" i="1" dirty="0" smtClean="0">
+                        <a:latin typeface="Cambria Math" panose="02040503050406030204" pitchFamily="18" charset="0"/>
+                      </a:rPr>
+                      <m:t>𝟎</m:t>
+                    </m:r>
+                    <m:r>
+                      <a:rPr lang="en-US" b="1" i="1" dirty="0" smtClean="0">
+                        <a:latin typeface="Cambria Math" panose="02040503050406030204" pitchFamily="18" charset="0"/>
+                      </a:rPr>
+                      <m:t>.</m:t>
+                    </m:r>
+                    <m:r>
+                      <a:rPr lang="en-US" b="1" i="1" dirty="0" smtClean="0">
+                        <a:latin typeface="Cambria Math" panose="02040503050406030204" pitchFamily="18" charset="0"/>
+                      </a:rPr>
+                      <m:t>𝟎𝟎𝟒𝟐</m:t>
+                    </m:r>
+                    <m:r>
+                      <a:rPr lang="en-US" b="1" i="1" dirty="0" smtClean="0">
+                        <a:latin typeface="Cambria Math" panose="02040503050406030204" pitchFamily="18" charset="0"/>
+                      </a:rPr>
+                      <m:t>,…,</m:t>
+                    </m:r>
+                    <m:r>
+                      <a:rPr lang="en-US" b="1" i="1" dirty="0" smtClean="0">
+                        <a:latin typeface="Cambria Math" panose="02040503050406030204" pitchFamily="18" charset="0"/>
+                      </a:rPr>
+                      <m:t>𝟎</m:t>
+                    </m:r>
+                    <m:r>
+                      <a:rPr lang="en-US" b="1" i="1" dirty="0" smtClean="0">
+                        <a:latin typeface="Cambria Math" panose="02040503050406030204" pitchFamily="18" charset="0"/>
+                      </a:rPr>
+                      <m:t>.</m:t>
+                    </m:r>
+                    <m:r>
+                      <a:rPr lang="en-US" b="1" i="1" dirty="0" smtClean="0">
+                        <a:latin typeface="Cambria Math" panose="02040503050406030204" pitchFamily="18" charset="0"/>
+                      </a:rPr>
+                      <m:t>𝟎𝟎𝟓𝟗</m:t>
+                    </m:r>
+                    <m:r>
+                      <m:rPr>
+                        <m:lit/>
+                      </m:rPr>
+                      <a:rPr lang="en-US" b="1" i="1" dirty="0" smtClean="0">
+                        <a:latin typeface="Cambria Math" panose="02040503050406030204" pitchFamily="18" charset="0"/>
+                      </a:rPr>
+                      <m:t>}</m:t>
+                    </m:r>
+                  </m:oMath>
+                </a14:m>
+                <a:endParaRPr lang="en-US" b="1" dirty="0"/>
+              </a:p>
+              <a:p>
+                <a14:m>
+                  <m:oMath xmlns:m="http://schemas.openxmlformats.org/officeDocument/2006/math">
+                    <m:r>
+                      <a:rPr lang="en-US" i="1" dirty="0" smtClean="0">
+                        <a:latin typeface="Cambria Math" panose="02040503050406030204" pitchFamily="18" charset="0"/>
+                      </a:rPr>
+                      <m:t>𝜂</m:t>
+                    </m:r>
+                    <m:r>
+                      <a:rPr lang="en-US" i="1" dirty="0" smtClean="0">
+                        <a:latin typeface="Cambria Math" panose="02040503050406030204" pitchFamily="18" charset="0"/>
+                      </a:rPr>
+                      <m:t>=0.1</m:t>
+                    </m:r>
+                  </m:oMath>
+                </a14:m>
+                <a:endParaRPr lang="en-US" dirty="0"/>
+              </a:p>
+              <a:p>
+                <a:r>
+                  <a:rPr lang="en-US" dirty="0"/>
+                  <a:t>1000000 shots (100000 x 10)</a:t>
+                </a:r>
+              </a:p>
+              <a:p>
+                <a:r>
+                  <a:rPr lang="en-US" dirty="0"/>
+                  <a:t>3 hours, 10 CPUs / task</a:t>
+                </a:r>
+              </a:p>
+            </p:txBody>
+          </p:sp>
+        </mc:Choice>
+        <mc:Fallback>
+          <p:sp>
+            <p:nvSpPr>
+              <p:cNvPr id="3" name="Content Placeholder 2">
+                <a:extLst>
+                  <a:ext uri="{FF2B5EF4-FFF2-40B4-BE49-F238E27FC236}">
+                    <a16:creationId xmlns:a16="http://schemas.microsoft.com/office/drawing/2014/main" id="{F567ADB7-F744-B166-BEF6-BB2549F8A4D4}"/>
+                  </a:ext>
+                </a:extLst>
+              </p:cNvPr>
+              <p:cNvSpPr>
+                <a:spLocks noGrp="1" noRot="1" noChangeAspect="1" noMove="1" noResize="1" noEditPoints="1" noAdjustHandles="1" noChangeArrowheads="1" noChangeShapeType="1" noTextEdit="1"/>
+              </p:cNvSpPr>
+              <p:nvPr>
+                <p:ph idx="1"/>
+              </p:nvPr>
+            </p:nvSpPr>
+            <p:spPr>
+              <a:blipFill>
+                <a:blip r:embed="rId2"/>
+                <a:stretch>
+                  <a:fillRect l="-1043"/>
+                </a:stretch>
+              </a:blipFill>
+            </p:spPr>
+            <p:txBody>
+              <a:bodyPr/>
+              <a:lstStyle/>
+              <a:p>
+                <a:r>
+                  <a:rPr lang="en-US">
+                    <a:noFill/>
+                  </a:rPr>
+                  <a:t> </a:t>
+                </a:r>
+              </a:p>
+            </p:txBody>
+          </p:sp>
+        </mc:Fallback>
+      </mc:AlternateContent>
+    </p:spTree>
+    <p:extLst>
+      <p:ext uri="{BB962C8B-B14F-4D97-AF65-F5344CB8AC3E}">
+        <p14:creationId xmlns:p14="http://schemas.microsoft.com/office/powerpoint/2010/main" val="642214071"/>
       </p:ext>
     </p:extLst>
   </p:cSld>

--- a/plots/Plots.pptx
+++ b/plots/Plots.pptx
@@ -38,6 +38,7 @@
     <p:sldId id="287" r:id="rId32"/>
     <p:sldId id="288" r:id="rId33"/>
     <p:sldId id="289" r:id="rId34"/>
+    <p:sldId id="290" r:id="rId35"/>
   </p:sldIdLst>
   <p:sldSz cx="12192000" cy="6858000"/>
   <p:notesSz cx="6858000" cy="9144000"/>
@@ -291,7 +292,7 @@
           <a:p>
             <a:fld id="{E4B0A79A-3997-4F54-9D51-15EE0C15CBF2}" type="datetimeFigureOut">
               <a:rPr lang="en-US" smtClean="0"/>
-              <a:t>2024-08-12</a:t>
+              <a:t>2024-08-28</a:t>
             </a:fld>
             <a:endParaRPr lang="en-US"/>
           </a:p>
@@ -489,7 +490,7 @@
           <a:p>
             <a:fld id="{E4B0A79A-3997-4F54-9D51-15EE0C15CBF2}" type="datetimeFigureOut">
               <a:rPr lang="en-US" smtClean="0"/>
-              <a:t>2024-08-12</a:t>
+              <a:t>2024-08-28</a:t>
             </a:fld>
             <a:endParaRPr lang="en-US"/>
           </a:p>
@@ -697,7 +698,7 @@
           <a:p>
             <a:fld id="{E4B0A79A-3997-4F54-9D51-15EE0C15CBF2}" type="datetimeFigureOut">
               <a:rPr lang="en-US" smtClean="0"/>
-              <a:t>2024-08-12</a:t>
+              <a:t>2024-08-28</a:t>
             </a:fld>
             <a:endParaRPr lang="en-US"/>
           </a:p>
@@ -895,7 +896,7 @@
           <a:p>
             <a:fld id="{E4B0A79A-3997-4F54-9D51-15EE0C15CBF2}" type="datetimeFigureOut">
               <a:rPr lang="en-US" smtClean="0"/>
-              <a:t>2024-08-12</a:t>
+              <a:t>2024-08-28</a:t>
             </a:fld>
             <a:endParaRPr lang="en-US"/>
           </a:p>
@@ -1170,7 +1171,7 @@
           <a:p>
             <a:fld id="{E4B0A79A-3997-4F54-9D51-15EE0C15CBF2}" type="datetimeFigureOut">
               <a:rPr lang="en-US" smtClean="0"/>
-              <a:t>2024-08-12</a:t>
+              <a:t>2024-08-28</a:t>
             </a:fld>
             <a:endParaRPr lang="en-US"/>
           </a:p>
@@ -1435,7 +1436,7 @@
           <a:p>
             <a:fld id="{E4B0A79A-3997-4F54-9D51-15EE0C15CBF2}" type="datetimeFigureOut">
               <a:rPr lang="en-US" smtClean="0"/>
-              <a:t>2024-08-12</a:t>
+              <a:t>2024-08-28</a:t>
             </a:fld>
             <a:endParaRPr lang="en-US"/>
           </a:p>
@@ -1847,7 +1848,7 @@
           <a:p>
             <a:fld id="{E4B0A79A-3997-4F54-9D51-15EE0C15CBF2}" type="datetimeFigureOut">
               <a:rPr lang="en-US" smtClean="0"/>
-              <a:t>2024-08-12</a:t>
+              <a:t>2024-08-28</a:t>
             </a:fld>
             <a:endParaRPr lang="en-US"/>
           </a:p>
@@ -1988,7 +1989,7 @@
           <a:p>
             <a:fld id="{E4B0A79A-3997-4F54-9D51-15EE0C15CBF2}" type="datetimeFigureOut">
               <a:rPr lang="en-US" smtClean="0"/>
-              <a:t>2024-08-12</a:t>
+              <a:t>2024-08-28</a:t>
             </a:fld>
             <a:endParaRPr lang="en-US"/>
           </a:p>
@@ -2101,7 +2102,7 @@
           <a:p>
             <a:fld id="{E4B0A79A-3997-4F54-9D51-15EE0C15CBF2}" type="datetimeFigureOut">
               <a:rPr lang="en-US" smtClean="0"/>
-              <a:t>2024-08-12</a:t>
+              <a:t>2024-08-28</a:t>
             </a:fld>
             <a:endParaRPr lang="en-US"/>
           </a:p>
@@ -2412,7 +2413,7 @@
           <a:p>
             <a:fld id="{E4B0A79A-3997-4F54-9D51-15EE0C15CBF2}" type="datetimeFigureOut">
               <a:rPr lang="en-US" smtClean="0"/>
-              <a:t>2024-08-12</a:t>
+              <a:t>2024-08-28</a:t>
             </a:fld>
             <a:endParaRPr lang="en-US"/>
           </a:p>
@@ -2700,7 +2701,7 @@
           <a:p>
             <a:fld id="{E4B0A79A-3997-4F54-9D51-15EE0C15CBF2}" type="datetimeFigureOut">
               <a:rPr lang="en-US" smtClean="0"/>
-              <a:t>2024-08-12</a:t>
+              <a:t>2024-08-28</a:t>
             </a:fld>
             <a:endParaRPr lang="en-US"/>
           </a:p>
@@ -2941,7 +2942,7 @@
           <a:p>
             <a:fld id="{E4B0A79A-3997-4F54-9D51-15EE0C15CBF2}" type="datetimeFigureOut">
               <a:rPr lang="en-US" smtClean="0"/>
-              <a:t>2024-08-12</a:t>
+              <a:t>2024-08-28</a:t>
             </a:fld>
             <a:endParaRPr lang="en-US"/>
           </a:p>
@@ -9475,7 +9476,7 @@
           <p:cNvPr id="2" name="Title 1">
             <a:extLst>
               <a:ext uri="{FF2B5EF4-FFF2-40B4-BE49-F238E27FC236}">
-                <a16:creationId xmlns:a16="http://schemas.microsoft.com/office/drawing/2014/main" id="{F7503490-B962-3F4F-EFAA-2B5007E24588}"/>
+                <a16:creationId xmlns:a16="http://schemas.microsoft.com/office/drawing/2014/main" id="{B797A52D-8C56-4CC5-48D0-88D222D029E4}"/>
               </a:ext>
             </a:extLst>
           </p:cNvPr>
@@ -9493,341 +9494,7 @@
           <a:p>
             <a:r>
               <a:rPr lang="en-US" dirty="0"/>
-              <a:t>Run 10 – extend run 8</a:t>
-            </a:r>
-          </a:p>
-        </p:txBody>
-      </p:sp>
-      <mc:AlternateContent xmlns:mc="http://schemas.openxmlformats.org/markup-compatibility/2006">
-        <mc:Choice xmlns:a14="http://schemas.microsoft.com/office/drawing/2010/main" Requires="a14">
-          <p:sp>
-            <p:nvSpPr>
-              <p:cNvPr id="4" name="Content Placeholder 2">
-                <a:extLst>
-                  <a:ext uri="{FF2B5EF4-FFF2-40B4-BE49-F238E27FC236}">
-                    <a16:creationId xmlns:a16="http://schemas.microsoft.com/office/drawing/2014/main" id="{762A52ED-5824-0E03-C594-148A5C5E6621}"/>
-                  </a:ext>
-                </a:extLst>
-              </p:cNvPr>
-              <p:cNvSpPr>
-                <a:spLocks noGrp="1"/>
-              </p:cNvSpPr>
-              <p:nvPr>
-                <p:ph idx="1"/>
-              </p:nvPr>
-            </p:nvSpPr>
-            <p:spPr>
-              <a:xfrm>
-                <a:off x="838200" y="1825625"/>
-                <a:ext cx="10515600" cy="4351338"/>
-              </a:xfrm>
-            </p:spPr>
-            <p:txBody>
-              <a:bodyPr/>
-              <a:lstStyle/>
-              <a:p>
-                <a14:m>
-                  <m:oMath xmlns:m="http://schemas.openxmlformats.org/officeDocument/2006/math">
-                    <m:r>
-                      <a:rPr lang="en-US" b="1" i="1" dirty="0" smtClean="0">
-                        <a:latin typeface="Cambria Math" panose="02040503050406030204" pitchFamily="18" charset="0"/>
-                      </a:rPr>
-                      <m:t>𝑳</m:t>
-                    </m:r>
-                    <m:r>
-                      <a:rPr lang="en-US" b="1" i="1" dirty="0" smtClean="0">
-                        <a:latin typeface="Cambria Math" panose="02040503050406030204" pitchFamily="18" charset="0"/>
-                      </a:rPr>
-                      <m:t>∈</m:t>
-                    </m:r>
-                    <m:r>
-                      <m:rPr>
-                        <m:lit/>
-                      </m:rPr>
-                      <a:rPr lang="en-US" b="1" i="1" dirty="0" smtClean="0">
-                        <a:latin typeface="Cambria Math" panose="02040503050406030204" pitchFamily="18" charset="0"/>
-                      </a:rPr>
-                      <m:t>{</m:t>
-                    </m:r>
-                    <m:r>
-                      <a:rPr lang="en-US" b="1" i="1" dirty="0" smtClean="0">
-                        <a:latin typeface="Cambria Math" panose="02040503050406030204" pitchFamily="18" charset="0"/>
-                      </a:rPr>
-                      <m:t>𝟏𝟏𝟎</m:t>
-                    </m:r>
-                    <m:r>
-                      <a:rPr lang="en-US" b="1" i="1" dirty="0" smtClean="0">
-                        <a:latin typeface="Cambria Math" panose="02040503050406030204" pitchFamily="18" charset="0"/>
-                      </a:rPr>
-                      <m:t>,</m:t>
-                    </m:r>
-                    <m:r>
-                      <a:rPr lang="en-US" b="1" i="1" dirty="0" smtClean="0">
-                        <a:latin typeface="Cambria Math" panose="02040503050406030204" pitchFamily="18" charset="0"/>
-                      </a:rPr>
-                      <m:t>𝟏𝟐𝟎</m:t>
-                    </m:r>
-                    <m:r>
-                      <a:rPr lang="en-US" b="1" i="1" dirty="0" smtClean="0">
-                        <a:latin typeface="Cambria Math" panose="02040503050406030204" pitchFamily="18" charset="0"/>
-                      </a:rPr>
-                      <m:t>,</m:t>
-                    </m:r>
-                    <m:r>
-                      <a:rPr lang="en-US" b="1" i="1" dirty="0" smtClean="0">
-                        <a:latin typeface="Cambria Math" panose="02040503050406030204" pitchFamily="18" charset="0"/>
-                      </a:rPr>
-                      <m:t>𝟏𝟑𝟎</m:t>
-                    </m:r>
-                    <m:r>
-                      <a:rPr lang="en-US" b="1" i="1" dirty="0" smtClean="0">
-                        <a:latin typeface="Cambria Math" panose="02040503050406030204" pitchFamily="18" charset="0"/>
-                      </a:rPr>
-                      <m:t>,…,</m:t>
-                    </m:r>
-                    <m:r>
-                      <a:rPr lang="en-US" b="1" i="1" dirty="0" smtClean="0">
-                        <a:latin typeface="Cambria Math" panose="02040503050406030204" pitchFamily="18" charset="0"/>
-                      </a:rPr>
-                      <m:t>𝟐𝟎𝟎</m:t>
-                    </m:r>
-                    <m:r>
-                      <m:rPr>
-                        <m:lit/>
-                      </m:rPr>
-                      <a:rPr lang="en-US" b="1" i="1" dirty="0" smtClean="0">
-                        <a:latin typeface="Cambria Math" panose="02040503050406030204" pitchFamily="18" charset="0"/>
-                      </a:rPr>
-                      <m:t>}</m:t>
-                    </m:r>
-                  </m:oMath>
-                </a14:m>
-                <a:endParaRPr lang="en-US" b="1" dirty="0"/>
-              </a:p>
-              <a:p>
-                <a14:m>
-                  <m:oMath xmlns:m="http://schemas.openxmlformats.org/officeDocument/2006/math">
-                    <m:r>
-                      <a:rPr lang="en-US" i="1" dirty="0" smtClean="0">
-                        <a:latin typeface="Cambria Math" panose="02040503050406030204" pitchFamily="18" charset="0"/>
-                      </a:rPr>
-                      <m:t>𝑐</m:t>
-                    </m:r>
-                    <m:r>
-                      <a:rPr lang="en-US" i="1" dirty="0" smtClean="0">
-                        <a:latin typeface="Cambria Math" panose="02040503050406030204" pitchFamily="18" charset="0"/>
-                      </a:rPr>
-                      <m:t>=16</m:t>
-                    </m:r>
-                  </m:oMath>
-                </a14:m>
-                <a:endParaRPr lang="en-US" dirty="0"/>
-              </a:p>
-              <a:p>
-                <a14:m>
-                  <m:oMath xmlns:m="http://schemas.openxmlformats.org/officeDocument/2006/math">
-                    <m:r>
-                      <a:rPr lang="en-US" i="1" dirty="0" smtClean="0">
-                        <a:latin typeface="Cambria Math" panose="02040503050406030204" pitchFamily="18" charset="0"/>
-                      </a:rPr>
-                      <m:t>𝑇</m:t>
-                    </m:r>
-                    <m:r>
-                      <a:rPr lang="en-US" i="1" dirty="0" smtClean="0">
-                        <a:latin typeface="Cambria Math" panose="02040503050406030204" pitchFamily="18" charset="0"/>
-                      </a:rPr>
-                      <m:t>=</m:t>
-                    </m:r>
-                    <m:r>
-                      <a:rPr lang="en-US" i="1" dirty="0" smtClean="0">
-                        <a:latin typeface="Cambria Math" panose="02040503050406030204" pitchFamily="18" charset="0"/>
-                      </a:rPr>
-                      <m:t>𝐿</m:t>
-                    </m:r>
-                  </m:oMath>
-                </a14:m>
-                <a:endParaRPr lang="en-US" dirty="0"/>
-              </a:p>
-              <a:p>
-                <a14:m>
-                  <m:oMath xmlns:m="http://schemas.openxmlformats.org/officeDocument/2006/math">
-                    <m:r>
-                      <a:rPr lang="en-US" b="0" i="1" dirty="0" smtClean="0">
-                        <a:latin typeface="Cambria Math" panose="02040503050406030204" pitchFamily="18" charset="0"/>
-                      </a:rPr>
-                      <m:t>𝑝</m:t>
-                    </m:r>
-                    <m:r>
-                      <a:rPr lang="en-US" b="0" i="1" dirty="0" smtClean="0">
-                        <a:latin typeface="Cambria Math" panose="02040503050406030204" pitchFamily="18" charset="0"/>
-                      </a:rPr>
-                      <m:t>=0.004</m:t>
-                    </m:r>
-                  </m:oMath>
-                </a14:m>
-                <a:endParaRPr lang="en-US" dirty="0"/>
-              </a:p>
-              <a:p>
-                <a14:m>
-                  <m:oMath xmlns:m="http://schemas.openxmlformats.org/officeDocument/2006/math">
-                    <m:r>
-                      <a:rPr lang="en-US" i="1" dirty="0" smtClean="0">
-                        <a:latin typeface="Cambria Math" panose="02040503050406030204" pitchFamily="18" charset="0"/>
-                      </a:rPr>
-                      <m:t>𝜂</m:t>
-                    </m:r>
-                    <m:r>
-                      <a:rPr lang="en-US" i="1" dirty="0" smtClean="0">
-                        <a:latin typeface="Cambria Math" panose="02040503050406030204" pitchFamily="18" charset="0"/>
-                      </a:rPr>
-                      <m:t>=0.1</m:t>
-                    </m:r>
-                  </m:oMath>
-                </a14:m>
-                <a:endParaRPr lang="en-US" dirty="0"/>
-              </a:p>
-              <a:p>
-                <a14:m>
-                  <m:oMath xmlns:m="http://schemas.openxmlformats.org/officeDocument/2006/math">
-                    <m:sSup>
-                      <m:sSupPr>
-                        <m:ctrlPr>
-                          <a:rPr lang="en-US" b="0" i="1" smtClean="0">
-                            <a:latin typeface="Cambria Math" panose="02040503050406030204" pitchFamily="18" charset="0"/>
-                          </a:rPr>
-                        </m:ctrlPr>
-                      </m:sSupPr>
-                      <m:e>
-                        <m:r>
-                          <a:rPr lang="en-US" b="0" i="1" smtClean="0">
-                            <a:latin typeface="Cambria Math" panose="02040503050406030204" pitchFamily="18" charset="0"/>
-                          </a:rPr>
-                          <m:t>10</m:t>
-                        </m:r>
-                      </m:e>
-                      <m:sup>
-                        <m:r>
-                          <a:rPr lang="en-US" b="0" i="1" smtClean="0">
-                            <a:latin typeface="Cambria Math" panose="02040503050406030204" pitchFamily="18" charset="0"/>
-                          </a:rPr>
-                          <m:t>7</m:t>
-                        </m:r>
-                      </m:sup>
-                    </m:sSup>
-                  </m:oMath>
-                </a14:m>
-                <a:r>
-                  <a:rPr lang="en-US" dirty="0"/>
-                  <a:t> shots (100000 x 100)</a:t>
-                </a:r>
-              </a:p>
-              <a:p>
-                <a:r>
-                  <a:rPr lang="en-US" dirty="0"/>
-                  <a:t>4 hours, 10 CPUs / task</a:t>
-                </a:r>
-              </a:p>
-            </p:txBody>
-          </p:sp>
-        </mc:Choice>
-        <mc:Fallback>
-          <p:sp>
-            <p:nvSpPr>
-              <p:cNvPr id="4" name="Content Placeholder 2">
-                <a:extLst>
-                  <a:ext uri="{FF2B5EF4-FFF2-40B4-BE49-F238E27FC236}">
-                    <a16:creationId xmlns:a16="http://schemas.microsoft.com/office/drawing/2014/main" id="{762A52ED-5824-0E03-C594-148A5C5E6621}"/>
-                  </a:ext>
-                </a:extLst>
-              </p:cNvPr>
-              <p:cNvSpPr>
-                <a:spLocks noGrp="1" noRot="1" noChangeAspect="1" noMove="1" noResize="1" noEditPoints="1" noAdjustHandles="1" noChangeArrowheads="1" noChangeShapeType="1" noTextEdit="1"/>
-              </p:cNvSpPr>
-              <p:nvPr>
-                <p:ph idx="1"/>
-              </p:nvPr>
-            </p:nvSpPr>
-            <p:spPr>
-              <a:xfrm>
-                <a:off x="838200" y="1825625"/>
-                <a:ext cx="10515600" cy="4351338"/>
-              </a:xfrm>
-              <a:blipFill>
-                <a:blip r:embed="rId2"/>
-                <a:stretch>
-                  <a:fillRect l="-1043"/>
-                </a:stretch>
-              </a:blipFill>
-            </p:spPr>
-            <p:txBody>
-              <a:bodyPr/>
-              <a:lstStyle/>
-              <a:p>
-                <a:r>
-                  <a:rPr lang="en-US">
-                    <a:noFill/>
-                  </a:rPr>
-                  <a:t> </a:t>
-                </a:r>
-              </a:p>
-            </p:txBody>
-          </p:sp>
-        </mc:Fallback>
-      </mc:AlternateContent>
-    </p:spTree>
-    <p:extLst>
-      <p:ext uri="{BB962C8B-B14F-4D97-AF65-F5344CB8AC3E}">
-        <p14:creationId xmlns:p14="http://schemas.microsoft.com/office/powerpoint/2010/main" val="2759465199"/>
-      </p:ext>
-    </p:extLst>
-  </p:cSld>
-  <p:clrMapOvr>
-    <a:masterClrMapping/>
-  </p:clrMapOvr>
-</p:sld>
-</file>
-
-<file path=ppt/slides/slide33.xml><?xml version="1.0" encoding="utf-8"?>
-<p:sld xmlns:a="http://schemas.openxmlformats.org/drawingml/2006/main" xmlns:r="http://schemas.openxmlformats.org/officeDocument/2006/relationships" xmlns:p="http://schemas.openxmlformats.org/presentationml/2006/main">
-  <p:cSld>
-    <p:spTree>
-      <p:nvGrpSpPr>
-        <p:cNvPr id="1" name=""/>
-        <p:cNvGrpSpPr/>
-        <p:nvPr/>
-      </p:nvGrpSpPr>
-      <p:grpSpPr>
-        <a:xfrm>
-          <a:off x="0" y="0"/>
-          <a:ext cx="0" cy="0"/>
-          <a:chOff x="0" y="0"/>
-          <a:chExt cx="0" cy="0"/>
-        </a:xfrm>
-      </p:grpSpPr>
-      <p:sp>
-        <p:nvSpPr>
-          <p:cNvPr id="2" name="Title 1">
-            <a:extLst>
-              <a:ext uri="{FF2B5EF4-FFF2-40B4-BE49-F238E27FC236}">
-                <a16:creationId xmlns:a16="http://schemas.microsoft.com/office/drawing/2014/main" id="{B797A52D-8C56-4CC5-48D0-88D222D029E4}"/>
-              </a:ext>
-            </a:extLst>
-          </p:cNvPr>
-          <p:cNvSpPr>
-            <a:spLocks noGrp="1"/>
-          </p:cNvSpPr>
-          <p:nvPr>
-            <p:ph type="title"/>
-          </p:nvPr>
-        </p:nvSpPr>
-        <p:spPr/>
-        <p:txBody>
-          <a:bodyPr/>
-          <a:lstStyle/>
-          <a:p>
-            <a:r>
-              <a:rPr lang="en-US" dirty="0"/>
-              <a:t>Run 11 – steady state</a:t>
+              <a:t>Run 10 – more crossing</a:t>
             </a:r>
           </a:p>
         </p:txBody>
@@ -9882,7 +9549,7 @@
                       <a:rPr lang="en-US" b="1" i="1" dirty="0" smtClean="0">
                         <a:latin typeface="Cambria Math" panose="02040503050406030204" pitchFamily="18" charset="0"/>
                       </a:rPr>
-                      <m:t>𝟐𝟎</m:t>
+                      <m:t>𝟏𝟎𝟎</m:t>
                     </m:r>
                     <m:r>
                       <a:rPr lang="en-US" b="1" i="1" dirty="0" smtClean="0">
@@ -9894,7 +9561,7 @@
                       <a:rPr lang="en-US" b="1" i="1" dirty="0" smtClean="0">
                         <a:latin typeface="Cambria Math" panose="02040503050406030204" pitchFamily="18" charset="0"/>
                       </a:rPr>
-                      <m:t>𝟒𝟎</m:t>
+                      <m:t>𝟐𝟎𝟎</m:t>
                     </m:r>
                     <m:r>
                       <a:rPr lang="en-US" b="1" i="1" dirty="0" smtClean="0">
@@ -9906,7 +9573,7 @@
                       <a:rPr lang="en-US" b="1" i="1" dirty="0" smtClean="0">
                         <a:latin typeface="Cambria Math" panose="02040503050406030204" pitchFamily="18" charset="0"/>
                       </a:rPr>
-                      <m:t>𝟔𝟎</m:t>
+                      <m:t>𝟑𝟎𝟎</m:t>
                     </m:r>
                     <m:r>
                       <a:rPr lang="en-US" b="1" i="1" dirty="0" smtClean="0">
@@ -9918,7 +9585,7 @@
                       <a:rPr lang="en-US" b="1" i="1" dirty="0" smtClean="0">
                         <a:latin typeface="Cambria Math" panose="02040503050406030204" pitchFamily="18" charset="0"/>
                       </a:rPr>
-                      <m:t>𝟏𝟎𝟎</m:t>
+                      <m:t>𝟓𝟎𝟎</m:t>
                     </m:r>
                     <m:r>
                       <m:rPr>
@@ -9965,7 +9632,7 @@
                       <a:rPr lang="en-US" i="1" dirty="0" smtClean="0">
                         <a:latin typeface="Cambria Math" panose="02040503050406030204" pitchFamily="18" charset="0"/>
                       </a:rPr>
-                      <m:t>=5</m:t>
+                      <m:t>=</m:t>
                     </m:r>
                     <m:r>
                       <a:rPr lang="en-US" i="1" dirty="0" smtClean="0">
@@ -10008,7 +9675,7 @@
                       <a:rPr lang="en-US" b="1" i="1" dirty="0" smtClean="0">
                         <a:latin typeface="Cambria Math" panose="02040503050406030204" pitchFamily="18" charset="0"/>
                       </a:rPr>
-                      <m:t>𝟎𝟎𝟒𝟎</m:t>
+                      <m:t>𝟎𝟎𝟑𝟓</m:t>
                     </m:r>
                     <m:r>
                       <a:rPr lang="en-US" b="1" i="1" dirty="0" smtClean="0">
@@ -10032,7 +9699,7 @@
                       <a:rPr lang="en-US" b="1" i="1" dirty="0" smtClean="0">
                         <a:latin typeface="Cambria Math" panose="02040503050406030204" pitchFamily="18" charset="0"/>
                       </a:rPr>
-                      <m:t>𝟎𝟎𝟒𝟏</m:t>
+                      <m:t>𝟎𝟎𝟑𝟔</m:t>
                     </m:r>
                     <m:r>
                       <a:rPr lang="en-US" b="1" i="1" dirty="0" smtClean="0">
@@ -10056,7 +9723,7 @@
                       <a:rPr lang="en-US" b="1" i="1" dirty="0" smtClean="0">
                         <a:latin typeface="Cambria Math" panose="02040503050406030204" pitchFamily="18" charset="0"/>
                       </a:rPr>
-                      <m:t>𝟎𝟎𝟒𝟐</m:t>
+                      <m:t>𝟎𝟎𝟑𝟕</m:t>
                     </m:r>
                     <m:r>
                       <a:rPr lang="en-US" b="1" i="1" dirty="0" smtClean="0">
@@ -10080,7 +9747,7 @@
                       <a:rPr lang="en-US" b="1" i="1" dirty="0" smtClean="0">
                         <a:latin typeface="Cambria Math" panose="02040503050406030204" pitchFamily="18" charset="0"/>
                       </a:rPr>
-                      <m:t>𝟎𝟎𝟓𝟗</m:t>
+                      <m:t>𝟎𝟎𝟒𝟓</m:t>
                     </m:r>
                     <m:r>
                       <m:rPr>
@@ -10117,13 +9784,7 @@
               <a:p>
                 <a:r>
                   <a:rPr lang="en-US" dirty="0"/>
-                  <a:t>1000000 shots (100000 x 10)</a:t>
-                </a:r>
-              </a:p>
-              <a:p>
-                <a:r>
-                  <a:rPr lang="en-US" dirty="0"/>
-                  <a:t>3 hours, 10 CPUs / task</a:t>
+                  <a:t>1.5 hours, 1 GPU / task</a:t>
                 </a:r>
               </a:p>
             </p:txBody>
@@ -10172,7 +9833,229 @@
     </p:spTree>
     <p:extLst>
       <p:ext uri="{BB962C8B-B14F-4D97-AF65-F5344CB8AC3E}">
-        <p14:creationId xmlns:p14="http://schemas.microsoft.com/office/powerpoint/2010/main" val="642214071"/>
+        <p14:creationId xmlns:p14="http://schemas.microsoft.com/office/powerpoint/2010/main" val="3169378733"/>
+      </p:ext>
+    </p:extLst>
+  </p:cSld>
+  <p:clrMapOvr>
+    <a:masterClrMapping/>
+  </p:clrMapOvr>
+</p:sld>
+</file>
+
+<file path=ppt/slides/slide33.xml><?xml version="1.0" encoding="utf-8"?>
+<p:sld xmlns:a="http://schemas.openxmlformats.org/drawingml/2006/main" xmlns:r="http://schemas.openxmlformats.org/officeDocument/2006/relationships" xmlns:p="http://schemas.openxmlformats.org/presentationml/2006/main">
+  <p:cSld>
+    <p:spTree>
+      <p:nvGrpSpPr>
+        <p:cNvPr id="1" name=""/>
+        <p:cNvGrpSpPr/>
+        <p:nvPr/>
+      </p:nvGrpSpPr>
+      <p:grpSpPr>
+        <a:xfrm>
+          <a:off x="0" y="0"/>
+          <a:ext cx="0" cy="0"/>
+          <a:chOff x="0" y="0"/>
+          <a:chExt cx="0" cy="0"/>
+        </a:xfrm>
+      </p:grpSpPr>
+      <p:sp>
+        <p:nvSpPr>
+          <p:cNvPr id="2" name="Title 1">
+            <a:extLst>
+              <a:ext uri="{FF2B5EF4-FFF2-40B4-BE49-F238E27FC236}">
+                <a16:creationId xmlns:a16="http://schemas.microsoft.com/office/drawing/2014/main" id="{3085FDCC-E89F-0FB8-707F-8E33B855DAAF}"/>
+              </a:ext>
+            </a:extLst>
+          </p:cNvPr>
+          <p:cNvSpPr>
+            <a:spLocks noGrp="1"/>
+          </p:cNvSpPr>
+          <p:nvPr>
+            <p:ph type="title"/>
+          </p:nvPr>
+        </p:nvSpPr>
+        <p:spPr/>
+        <p:txBody>
+          <a:bodyPr/>
+          <a:lstStyle/>
+          <a:p>
+            <a:r>
+              <a:rPr lang="en-US" dirty="0"/>
+              <a:t>Run 10</a:t>
+            </a:r>
+          </a:p>
+        </p:txBody>
+      </p:sp>
+      <p:pic>
+        <p:nvPicPr>
+          <p:cNvPr id="9" name="Content Placeholder 8" descr="A black background with a blue and white square&#10;&#10;Description automatically generated with medium confidence">
+            <a:extLst>
+              <a:ext uri="{FF2B5EF4-FFF2-40B4-BE49-F238E27FC236}">
+                <a16:creationId xmlns:a16="http://schemas.microsoft.com/office/drawing/2014/main" id="{2EDA4C49-A0B8-C971-8690-4801323E9D59}"/>
+              </a:ext>
+            </a:extLst>
+          </p:cNvPr>
+          <p:cNvPicPr>
+            <a:picLocks noGrp="1" noChangeAspect="1"/>
+          </p:cNvPicPr>
+          <p:nvPr>
+            <p:ph idx="1"/>
+          </p:nvPr>
+        </p:nvPicPr>
+        <p:blipFill>
+          <a:blip r:embed="rId2">
+            <a:extLst>
+              <a:ext uri="{28A0092B-C50C-407E-A947-70E740481C1C}">
+                <a14:useLocalDpi xmlns:a14="http://schemas.microsoft.com/office/drawing/2010/main" val="0"/>
+              </a:ext>
+            </a:extLst>
+          </a:blip>
+          <a:stretch>
+            <a:fillRect/>
+          </a:stretch>
+        </p:blipFill>
+        <p:spPr>
+          <a:xfrm>
+            <a:off x="29887" y="1069065"/>
+            <a:ext cx="12132225" cy="5706344"/>
+          </a:xfrm>
+        </p:spPr>
+      </p:pic>
+    </p:spTree>
+    <p:extLst>
+      <p:ext uri="{BB962C8B-B14F-4D97-AF65-F5344CB8AC3E}">
+        <p14:creationId xmlns:p14="http://schemas.microsoft.com/office/powerpoint/2010/main" val="433462647"/>
+      </p:ext>
+    </p:extLst>
+  </p:cSld>
+  <p:clrMapOvr>
+    <a:masterClrMapping/>
+  </p:clrMapOvr>
+</p:sld>
+</file>
+
+<file path=ppt/slides/slide34.xml><?xml version="1.0" encoding="utf-8"?>
+<p:sld xmlns:a="http://schemas.openxmlformats.org/drawingml/2006/main" xmlns:r="http://schemas.openxmlformats.org/officeDocument/2006/relationships" xmlns:p="http://schemas.openxmlformats.org/presentationml/2006/main">
+  <p:cSld>
+    <p:spTree>
+      <p:nvGrpSpPr>
+        <p:cNvPr id="1" name=""/>
+        <p:cNvGrpSpPr/>
+        <p:nvPr/>
+      </p:nvGrpSpPr>
+      <p:grpSpPr>
+        <a:xfrm>
+          <a:off x="0" y="0"/>
+          <a:ext cx="0" cy="0"/>
+          <a:chOff x="0" y="0"/>
+          <a:chExt cx="0" cy="0"/>
+        </a:xfrm>
+      </p:grpSpPr>
+      <p:sp>
+        <p:nvSpPr>
+          <p:cNvPr id="2" name="Title 1">
+            <a:extLst>
+              <a:ext uri="{FF2B5EF4-FFF2-40B4-BE49-F238E27FC236}">
+                <a16:creationId xmlns:a16="http://schemas.microsoft.com/office/drawing/2014/main" id="{936B4CCF-2D0E-D01D-E8FB-D888682A2CA1}"/>
+              </a:ext>
+            </a:extLst>
+          </p:cNvPr>
+          <p:cNvSpPr>
+            <a:spLocks noGrp="1"/>
+          </p:cNvSpPr>
+          <p:nvPr>
+            <p:ph type="title"/>
+          </p:nvPr>
+        </p:nvSpPr>
+        <p:spPr/>
+        <p:txBody>
+          <a:bodyPr/>
+          <a:lstStyle/>
+          <a:p>
+            <a:r>
+              <a:rPr lang="en-US" dirty="0"/>
+              <a:t>Run 10</a:t>
+            </a:r>
+          </a:p>
+        </p:txBody>
+      </p:sp>
+      <p:pic>
+        <p:nvPicPr>
+          <p:cNvPr id="5" name="Content Placeholder 4" descr="A graph of different colored lines&#10;&#10;Description automatically generated">
+            <a:extLst>
+              <a:ext uri="{FF2B5EF4-FFF2-40B4-BE49-F238E27FC236}">
+                <a16:creationId xmlns:a16="http://schemas.microsoft.com/office/drawing/2014/main" id="{9FD2219D-0DD0-F812-B9A0-FF8098ABBCB5}"/>
+              </a:ext>
+            </a:extLst>
+          </p:cNvPr>
+          <p:cNvPicPr>
+            <a:picLocks noGrp="1" noChangeAspect="1"/>
+          </p:cNvPicPr>
+          <p:nvPr>
+            <p:ph idx="1"/>
+          </p:nvPr>
+        </p:nvPicPr>
+        <p:blipFill>
+          <a:blip r:embed="rId2">
+            <a:extLst>
+              <a:ext uri="{28A0092B-C50C-407E-A947-70E740481C1C}">
+                <a14:useLocalDpi xmlns:a14="http://schemas.microsoft.com/office/drawing/2010/main" val="0"/>
+              </a:ext>
+            </a:extLst>
+          </a:blip>
+          <a:stretch>
+            <a:fillRect/>
+          </a:stretch>
+        </p:blipFill>
+        <p:spPr>
+          <a:xfrm>
+            <a:off x="6044665" y="1517434"/>
+            <a:ext cx="6131430" cy="4678108"/>
+          </a:xfrm>
+        </p:spPr>
+      </p:pic>
+      <p:pic>
+        <p:nvPicPr>
+          <p:cNvPr id="7" name="Picture 6" descr="A graph on a black background&#10;&#10;Description automatically generated">
+            <a:extLst>
+              <a:ext uri="{FF2B5EF4-FFF2-40B4-BE49-F238E27FC236}">
+                <a16:creationId xmlns:a16="http://schemas.microsoft.com/office/drawing/2014/main" id="{E6532344-3100-4207-66C5-006C940598E3}"/>
+              </a:ext>
+            </a:extLst>
+          </p:cNvPr>
+          <p:cNvPicPr>
+            <a:picLocks noChangeAspect="1"/>
+          </p:cNvPicPr>
+          <p:nvPr/>
+        </p:nvPicPr>
+        <p:blipFill>
+          <a:blip r:embed="rId3">
+            <a:extLst>
+              <a:ext uri="{28A0092B-C50C-407E-A947-70E740481C1C}">
+                <a14:useLocalDpi xmlns:a14="http://schemas.microsoft.com/office/drawing/2010/main" val="0"/>
+              </a:ext>
+            </a:extLst>
+          </a:blip>
+          <a:stretch>
+            <a:fillRect/>
+          </a:stretch>
+        </p:blipFill>
+        <p:spPr>
+          <a:xfrm>
+            <a:off x="0" y="1517434"/>
+            <a:ext cx="6044665" cy="4678108"/>
+          </a:xfrm>
+          <a:prstGeom prst="rect">
+            <a:avLst/>
+          </a:prstGeom>
+        </p:spPr>
+      </p:pic>
+    </p:spTree>
+    <p:extLst>
+      <p:ext uri="{BB962C8B-B14F-4D97-AF65-F5344CB8AC3E}">
+        <p14:creationId xmlns:p14="http://schemas.microsoft.com/office/powerpoint/2010/main" val="2898255887"/>
       </p:ext>
     </p:extLst>
   </p:cSld>

--- a/plots/Plots.pptx
+++ b/plots/Plots.pptx
@@ -39,6 +39,9 @@
     <p:sldId id="288" r:id="rId33"/>
     <p:sldId id="289" r:id="rId34"/>
     <p:sldId id="290" r:id="rId35"/>
+    <p:sldId id="291" r:id="rId36"/>
+    <p:sldId id="293" r:id="rId37"/>
+    <p:sldId id="292" r:id="rId38"/>
   </p:sldIdLst>
   <p:sldSz cx="12192000" cy="6858000"/>
   <p:notesSz cx="6858000" cy="9144000"/>
@@ -292,7 +295,7 @@
           <a:p>
             <a:fld id="{E4B0A79A-3997-4F54-9D51-15EE0C15CBF2}" type="datetimeFigureOut">
               <a:rPr lang="en-US" smtClean="0"/>
-              <a:t>2024-08-28</a:t>
+              <a:t>2024-08-29</a:t>
             </a:fld>
             <a:endParaRPr lang="en-US"/>
           </a:p>
@@ -490,7 +493,7 @@
           <a:p>
             <a:fld id="{E4B0A79A-3997-4F54-9D51-15EE0C15CBF2}" type="datetimeFigureOut">
               <a:rPr lang="en-US" smtClean="0"/>
-              <a:t>2024-08-28</a:t>
+              <a:t>2024-08-29</a:t>
             </a:fld>
             <a:endParaRPr lang="en-US"/>
           </a:p>
@@ -698,7 +701,7 @@
           <a:p>
             <a:fld id="{E4B0A79A-3997-4F54-9D51-15EE0C15CBF2}" type="datetimeFigureOut">
               <a:rPr lang="en-US" smtClean="0"/>
-              <a:t>2024-08-28</a:t>
+              <a:t>2024-08-29</a:t>
             </a:fld>
             <a:endParaRPr lang="en-US"/>
           </a:p>
@@ -896,7 +899,7 @@
           <a:p>
             <a:fld id="{E4B0A79A-3997-4F54-9D51-15EE0C15CBF2}" type="datetimeFigureOut">
               <a:rPr lang="en-US" smtClean="0"/>
-              <a:t>2024-08-28</a:t>
+              <a:t>2024-08-29</a:t>
             </a:fld>
             <a:endParaRPr lang="en-US"/>
           </a:p>
@@ -1171,7 +1174,7 @@
           <a:p>
             <a:fld id="{E4B0A79A-3997-4F54-9D51-15EE0C15CBF2}" type="datetimeFigureOut">
               <a:rPr lang="en-US" smtClean="0"/>
-              <a:t>2024-08-28</a:t>
+              <a:t>2024-08-29</a:t>
             </a:fld>
             <a:endParaRPr lang="en-US"/>
           </a:p>
@@ -1436,7 +1439,7 @@
           <a:p>
             <a:fld id="{E4B0A79A-3997-4F54-9D51-15EE0C15CBF2}" type="datetimeFigureOut">
               <a:rPr lang="en-US" smtClean="0"/>
-              <a:t>2024-08-28</a:t>
+              <a:t>2024-08-29</a:t>
             </a:fld>
             <a:endParaRPr lang="en-US"/>
           </a:p>
@@ -1848,7 +1851,7 @@
           <a:p>
             <a:fld id="{E4B0A79A-3997-4F54-9D51-15EE0C15CBF2}" type="datetimeFigureOut">
               <a:rPr lang="en-US" smtClean="0"/>
-              <a:t>2024-08-28</a:t>
+              <a:t>2024-08-29</a:t>
             </a:fld>
             <a:endParaRPr lang="en-US"/>
           </a:p>
@@ -1989,7 +1992,7 @@
           <a:p>
             <a:fld id="{E4B0A79A-3997-4F54-9D51-15EE0C15CBF2}" type="datetimeFigureOut">
               <a:rPr lang="en-US" smtClean="0"/>
-              <a:t>2024-08-28</a:t>
+              <a:t>2024-08-29</a:t>
             </a:fld>
             <a:endParaRPr lang="en-US"/>
           </a:p>
@@ -2102,7 +2105,7 @@
           <a:p>
             <a:fld id="{E4B0A79A-3997-4F54-9D51-15EE0C15CBF2}" type="datetimeFigureOut">
               <a:rPr lang="en-US" smtClean="0"/>
-              <a:t>2024-08-28</a:t>
+              <a:t>2024-08-29</a:t>
             </a:fld>
             <a:endParaRPr lang="en-US"/>
           </a:p>
@@ -2413,7 +2416,7 @@
           <a:p>
             <a:fld id="{E4B0A79A-3997-4F54-9D51-15EE0C15CBF2}" type="datetimeFigureOut">
               <a:rPr lang="en-US" smtClean="0"/>
-              <a:t>2024-08-28</a:t>
+              <a:t>2024-08-29</a:t>
             </a:fld>
             <a:endParaRPr lang="en-US"/>
           </a:p>
@@ -2701,7 +2704,7 @@
           <a:p>
             <a:fld id="{E4B0A79A-3997-4F54-9D51-15EE0C15CBF2}" type="datetimeFigureOut">
               <a:rPr lang="en-US" smtClean="0"/>
-              <a:t>2024-08-28</a:t>
+              <a:t>2024-08-29</a:t>
             </a:fld>
             <a:endParaRPr lang="en-US"/>
           </a:p>
@@ -2942,7 +2945,7 @@
           <a:p>
             <a:fld id="{E4B0A79A-3997-4F54-9D51-15EE0C15CBF2}" type="datetimeFigureOut">
               <a:rPr lang="en-US" smtClean="0"/>
-              <a:t>2024-08-28</a:t>
+              <a:t>2024-08-29</a:t>
             </a:fld>
             <a:endParaRPr lang="en-US"/>
           </a:p>
@@ -9499,8 +9502,8 @@
           </a:p>
         </p:txBody>
       </p:sp>
-      <mc:AlternateContent xmlns:mc="http://schemas.openxmlformats.org/markup-compatibility/2006">
-        <mc:Choice xmlns:a14="http://schemas.microsoft.com/office/drawing/2010/main" Requires="a14">
+      <mc:AlternateContent xmlns:mc="http://schemas.openxmlformats.org/markup-compatibility/2006" xmlns:a14="http://schemas.microsoft.com/office/drawing/2010/main">
+        <mc:Choice Requires="a14">
           <p:sp>
             <p:nvSpPr>
               <p:cNvPr id="3" name="Content Placeholder 2">
@@ -9790,7 +9793,7 @@
             </p:txBody>
           </p:sp>
         </mc:Choice>
-        <mc:Fallback>
+        <mc:Fallback xmlns="">
           <p:sp>
             <p:nvSpPr>
               <p:cNvPr id="3" name="Content Placeholder 2">
@@ -10056,6 +10059,832 @@
     <p:extLst>
       <p:ext uri="{BB962C8B-B14F-4D97-AF65-F5344CB8AC3E}">
         <p14:creationId xmlns:p14="http://schemas.microsoft.com/office/powerpoint/2010/main" val="2898255887"/>
+      </p:ext>
+    </p:extLst>
+  </p:cSld>
+  <p:clrMapOvr>
+    <a:masterClrMapping/>
+  </p:clrMapOvr>
+</p:sld>
+</file>
+
+<file path=ppt/slides/slide35.xml><?xml version="1.0" encoding="utf-8"?>
+<p:sld xmlns:a="http://schemas.openxmlformats.org/drawingml/2006/main" xmlns:r="http://schemas.openxmlformats.org/officeDocument/2006/relationships" xmlns:p="http://schemas.openxmlformats.org/presentationml/2006/main">
+  <p:cSld>
+    <p:spTree>
+      <p:nvGrpSpPr>
+        <p:cNvPr id="1" name=""/>
+        <p:cNvGrpSpPr/>
+        <p:nvPr/>
+      </p:nvGrpSpPr>
+      <p:grpSpPr>
+        <a:xfrm>
+          <a:off x="0" y="0"/>
+          <a:ext cx="0" cy="0"/>
+          <a:chOff x="0" y="0"/>
+          <a:chExt cx="0" cy="0"/>
+        </a:xfrm>
+      </p:grpSpPr>
+      <p:sp>
+        <p:nvSpPr>
+          <p:cNvPr id="2" name="Title 1">
+            <a:extLst>
+              <a:ext uri="{FF2B5EF4-FFF2-40B4-BE49-F238E27FC236}">
+                <a16:creationId xmlns:a16="http://schemas.microsoft.com/office/drawing/2014/main" id="{B797A52D-8C56-4CC5-48D0-88D222D029E4}"/>
+              </a:ext>
+            </a:extLst>
+          </p:cNvPr>
+          <p:cNvSpPr>
+            <a:spLocks noGrp="1"/>
+          </p:cNvSpPr>
+          <p:nvPr>
+            <p:ph type="title"/>
+          </p:nvPr>
+        </p:nvSpPr>
+        <p:spPr/>
+        <p:txBody>
+          <a:bodyPr/>
+          <a:lstStyle/>
+          <a:p>
+            <a:r>
+              <a:rPr lang="en-US" dirty="0"/>
+              <a:t>Run 11</a:t>
+            </a:r>
+          </a:p>
+        </p:txBody>
+      </p:sp>
+      <mc:AlternateContent xmlns:mc="http://schemas.openxmlformats.org/markup-compatibility/2006">
+        <mc:Choice xmlns:a14="http://schemas.microsoft.com/office/drawing/2010/main" Requires="a14">
+          <p:sp>
+            <p:nvSpPr>
+              <p:cNvPr id="3" name="Content Placeholder 2">
+                <a:extLst>
+                  <a:ext uri="{FF2B5EF4-FFF2-40B4-BE49-F238E27FC236}">
+                    <a16:creationId xmlns:a16="http://schemas.microsoft.com/office/drawing/2014/main" id="{F567ADB7-F744-B166-BEF6-BB2549F8A4D4}"/>
+                  </a:ext>
+                </a:extLst>
+              </p:cNvPr>
+              <p:cNvSpPr>
+                <a:spLocks noGrp="1"/>
+              </p:cNvSpPr>
+              <p:nvPr>
+                <p:ph idx="1"/>
+              </p:nvPr>
+            </p:nvSpPr>
+            <p:spPr/>
+            <p:txBody>
+              <a:bodyPr/>
+              <a:lstStyle/>
+              <a:p>
+                <a14:m>
+                  <m:oMath xmlns:m="http://schemas.openxmlformats.org/officeDocument/2006/math">
+                    <m:r>
+                      <a:rPr lang="en-US" b="1" i="1" dirty="0" smtClean="0">
+                        <a:latin typeface="Cambria Math" panose="02040503050406030204" pitchFamily="18" charset="0"/>
+                      </a:rPr>
+                      <m:t>𝑳</m:t>
+                    </m:r>
+                    <m:r>
+                      <a:rPr lang="en-US" b="1" i="1" dirty="0" smtClean="0">
+                        <a:latin typeface="Cambria Math" panose="02040503050406030204" pitchFamily="18" charset="0"/>
+                      </a:rPr>
+                      <m:t>∈</m:t>
+                    </m:r>
+                    <m:r>
+                      <m:rPr>
+                        <m:lit/>
+                      </m:rPr>
+                      <a:rPr lang="en-US" b="1" i="1" dirty="0" smtClean="0">
+                        <a:latin typeface="Cambria Math" panose="02040503050406030204" pitchFamily="18" charset="0"/>
+                      </a:rPr>
+                      <m:t>{</m:t>
+                    </m:r>
+                    <m:r>
+                      <a:rPr lang="en-US" b="1" i="1" dirty="0" smtClean="0">
+                        <a:latin typeface="Cambria Math" panose="02040503050406030204" pitchFamily="18" charset="0"/>
+                      </a:rPr>
+                      <m:t>𝟏𝟎𝟎</m:t>
+                    </m:r>
+                    <m:r>
+                      <a:rPr lang="en-US" b="1" i="1" dirty="0" smtClean="0">
+                        <a:latin typeface="Cambria Math" panose="02040503050406030204" pitchFamily="18" charset="0"/>
+                      </a:rPr>
+                      <m:t>,</m:t>
+                    </m:r>
+                    <m:r>
+                      <a:rPr lang="en-US" b="1" i="1" dirty="0" smtClean="0">
+                        <a:latin typeface="Cambria Math" panose="02040503050406030204" pitchFamily="18" charset="0"/>
+                      </a:rPr>
+                      <m:t>𝟐𝟎𝟎</m:t>
+                    </m:r>
+                    <m:r>
+                      <a:rPr lang="en-US" b="1" i="1" dirty="0" smtClean="0">
+                        <a:latin typeface="Cambria Math" panose="02040503050406030204" pitchFamily="18" charset="0"/>
+                      </a:rPr>
+                      <m:t>,</m:t>
+                    </m:r>
+                    <m:r>
+                      <a:rPr lang="en-US" b="1" i="1" dirty="0" smtClean="0">
+                        <a:latin typeface="Cambria Math" panose="02040503050406030204" pitchFamily="18" charset="0"/>
+                      </a:rPr>
+                      <m:t>𝟑𝟎𝟎</m:t>
+                    </m:r>
+                    <m:r>
+                      <a:rPr lang="en-US" b="1" i="1" dirty="0" smtClean="0">
+                        <a:latin typeface="Cambria Math" panose="02040503050406030204" pitchFamily="18" charset="0"/>
+                      </a:rPr>
+                      <m:t>,…,</m:t>
+                    </m:r>
+                    <m:r>
+                      <a:rPr lang="en-US" b="1" i="1" dirty="0" smtClean="0">
+                        <a:latin typeface="Cambria Math" panose="02040503050406030204" pitchFamily="18" charset="0"/>
+                      </a:rPr>
+                      <m:t>𝟓𝟎𝟎</m:t>
+                    </m:r>
+                    <m:r>
+                      <m:rPr>
+                        <m:lit/>
+                      </m:rPr>
+                      <a:rPr lang="en-US" b="1" i="1" dirty="0" smtClean="0">
+                        <a:latin typeface="Cambria Math" panose="02040503050406030204" pitchFamily="18" charset="0"/>
+                      </a:rPr>
+                      <m:t>}</m:t>
+                    </m:r>
+                  </m:oMath>
+                </a14:m>
+                <a:endParaRPr lang="en-US" b="1" dirty="0"/>
+              </a:p>
+              <a:p>
+                <a14:m>
+                  <m:oMath xmlns:m="http://schemas.openxmlformats.org/officeDocument/2006/math">
+                    <m:r>
+                      <a:rPr lang="en-US" i="1" dirty="0" smtClean="0">
+                        <a:latin typeface="Cambria Math" panose="02040503050406030204" pitchFamily="18" charset="0"/>
+                      </a:rPr>
+                      <m:t>𝑐</m:t>
+                    </m:r>
+                    <m:r>
+                      <a:rPr lang="en-US" i="1" dirty="0" smtClean="0">
+                        <a:latin typeface="Cambria Math" panose="02040503050406030204" pitchFamily="18" charset="0"/>
+                      </a:rPr>
+                      <m:t>=16</m:t>
+                    </m:r>
+                  </m:oMath>
+                </a14:m>
+                <a:endParaRPr lang="en-US" dirty="0"/>
+              </a:p>
+              <a:p>
+                <a14:m>
+                  <m:oMath xmlns:m="http://schemas.openxmlformats.org/officeDocument/2006/math">
+                    <m:r>
+                      <a:rPr lang="en-US" i="1" dirty="0" smtClean="0">
+                        <a:latin typeface="Cambria Math" panose="02040503050406030204" pitchFamily="18" charset="0"/>
+                      </a:rPr>
+                      <m:t>𝑇</m:t>
+                    </m:r>
+                    <m:r>
+                      <a:rPr lang="en-US" i="1" dirty="0" smtClean="0">
+                        <a:latin typeface="Cambria Math" panose="02040503050406030204" pitchFamily="18" charset="0"/>
+                      </a:rPr>
+                      <m:t>=</m:t>
+                    </m:r>
+                    <m:r>
+                      <a:rPr lang="en-US" i="1" dirty="0" smtClean="0">
+                        <a:latin typeface="Cambria Math" panose="02040503050406030204" pitchFamily="18" charset="0"/>
+                      </a:rPr>
+                      <m:t>𝐿</m:t>
+                    </m:r>
+                  </m:oMath>
+                </a14:m>
+                <a:endParaRPr lang="en-US" dirty="0"/>
+              </a:p>
+              <a:p>
+                <a14:m>
+                  <m:oMath xmlns:m="http://schemas.openxmlformats.org/officeDocument/2006/math">
+                    <m:r>
+                      <a:rPr lang="en-US" b="1" i="1" dirty="0" smtClean="0">
+                        <a:latin typeface="Cambria Math" panose="02040503050406030204" pitchFamily="18" charset="0"/>
+                      </a:rPr>
+                      <m:t>𝒑</m:t>
+                    </m:r>
+                    <m:r>
+                      <a:rPr lang="en-US" b="1" i="1" dirty="0" smtClean="0">
+                        <a:latin typeface="Cambria Math" panose="02040503050406030204" pitchFamily="18" charset="0"/>
+                      </a:rPr>
+                      <m:t>=</m:t>
+                    </m:r>
+                    <m:r>
+                      <a:rPr lang="en-US" b="1" i="1" dirty="0" smtClean="0">
+                        <a:latin typeface="Cambria Math" panose="02040503050406030204" pitchFamily="18" charset="0"/>
+                      </a:rPr>
+                      <m:t>𝟎</m:t>
+                    </m:r>
+                    <m:r>
+                      <a:rPr lang="en-US" b="1" i="1" dirty="0" smtClean="0">
+                        <a:latin typeface="Cambria Math" panose="02040503050406030204" pitchFamily="18" charset="0"/>
+                      </a:rPr>
+                      <m:t>.</m:t>
+                    </m:r>
+                    <m:r>
+                      <a:rPr lang="en-US" b="1" i="1" dirty="0" smtClean="0">
+                        <a:latin typeface="Cambria Math" panose="02040503050406030204" pitchFamily="18" charset="0"/>
+                      </a:rPr>
+                      <m:t>𝟎𝟎𝟑𝟓</m:t>
+                    </m:r>
+                  </m:oMath>
+                </a14:m>
+                <a:endParaRPr lang="en-US" b="1" dirty="0"/>
+              </a:p>
+              <a:p>
+                <a14:m>
+                  <m:oMath xmlns:m="http://schemas.openxmlformats.org/officeDocument/2006/math">
+                    <m:r>
+                      <a:rPr lang="en-US" i="1" dirty="0" smtClean="0">
+                        <a:latin typeface="Cambria Math" panose="02040503050406030204" pitchFamily="18" charset="0"/>
+                      </a:rPr>
+                      <m:t>𝜂</m:t>
+                    </m:r>
+                    <m:r>
+                      <a:rPr lang="en-US" i="1" dirty="0" smtClean="0">
+                        <a:latin typeface="Cambria Math" panose="02040503050406030204" pitchFamily="18" charset="0"/>
+                      </a:rPr>
+                      <m:t>=0.1</m:t>
+                    </m:r>
+                  </m:oMath>
+                </a14:m>
+                <a:endParaRPr lang="en-US" dirty="0"/>
+              </a:p>
+              <a:p>
+                <a:r>
+                  <a:rPr lang="en-US" dirty="0"/>
+                  <a:t>1.5 hours, 1 GPU / task</a:t>
+                </a:r>
+              </a:p>
+            </p:txBody>
+          </p:sp>
+        </mc:Choice>
+        <mc:Fallback>
+          <p:sp>
+            <p:nvSpPr>
+              <p:cNvPr id="3" name="Content Placeholder 2">
+                <a:extLst>
+                  <a:ext uri="{FF2B5EF4-FFF2-40B4-BE49-F238E27FC236}">
+                    <a16:creationId xmlns:a16="http://schemas.microsoft.com/office/drawing/2014/main" id="{F567ADB7-F744-B166-BEF6-BB2549F8A4D4}"/>
+                  </a:ext>
+                </a:extLst>
+              </p:cNvPr>
+              <p:cNvSpPr>
+                <a:spLocks noGrp="1" noRot="1" noChangeAspect="1" noMove="1" noResize="1" noEditPoints="1" noAdjustHandles="1" noChangeArrowheads="1" noChangeShapeType="1" noTextEdit="1"/>
+              </p:cNvSpPr>
+              <p:nvPr>
+                <p:ph idx="1"/>
+              </p:nvPr>
+            </p:nvSpPr>
+            <p:spPr>
+              <a:blipFill>
+                <a:blip r:embed="rId2"/>
+                <a:stretch>
+                  <a:fillRect l="-1043"/>
+                </a:stretch>
+              </a:blipFill>
+            </p:spPr>
+            <p:txBody>
+              <a:bodyPr/>
+              <a:lstStyle/>
+              <a:p>
+                <a:r>
+                  <a:rPr lang="en-US">
+                    <a:noFill/>
+                  </a:rPr>
+                  <a:t> </a:t>
+                </a:r>
+              </a:p>
+            </p:txBody>
+          </p:sp>
+        </mc:Fallback>
+      </mc:AlternateContent>
+    </p:spTree>
+    <p:extLst>
+      <p:ext uri="{BB962C8B-B14F-4D97-AF65-F5344CB8AC3E}">
+        <p14:creationId xmlns:p14="http://schemas.microsoft.com/office/powerpoint/2010/main" val="3181837282"/>
+      </p:ext>
+    </p:extLst>
+  </p:cSld>
+  <p:clrMapOvr>
+    <a:masterClrMapping/>
+  </p:clrMapOvr>
+</p:sld>
+</file>
+
+<file path=ppt/slides/slide36.xml><?xml version="1.0" encoding="utf-8"?>
+<p:sld xmlns:a="http://schemas.openxmlformats.org/drawingml/2006/main" xmlns:r="http://schemas.openxmlformats.org/officeDocument/2006/relationships" xmlns:p="http://schemas.openxmlformats.org/presentationml/2006/main">
+  <p:cSld>
+    <p:spTree>
+      <p:nvGrpSpPr>
+        <p:cNvPr id="1" name=""/>
+        <p:cNvGrpSpPr/>
+        <p:nvPr/>
+      </p:nvGrpSpPr>
+      <p:grpSpPr>
+        <a:xfrm>
+          <a:off x="0" y="0"/>
+          <a:ext cx="0" cy="0"/>
+          <a:chOff x="0" y="0"/>
+          <a:chExt cx="0" cy="0"/>
+        </a:xfrm>
+      </p:grpSpPr>
+      <p:sp>
+        <p:nvSpPr>
+          <p:cNvPr id="2" name="Title 1">
+            <a:extLst>
+              <a:ext uri="{FF2B5EF4-FFF2-40B4-BE49-F238E27FC236}">
+                <a16:creationId xmlns:a16="http://schemas.microsoft.com/office/drawing/2014/main" id="{22A558BB-BEFF-6DDF-AC55-D34E490005FC}"/>
+              </a:ext>
+            </a:extLst>
+          </p:cNvPr>
+          <p:cNvSpPr>
+            <a:spLocks noGrp="1"/>
+          </p:cNvSpPr>
+          <p:nvPr>
+            <p:ph type="title"/>
+          </p:nvPr>
+        </p:nvSpPr>
+        <p:spPr/>
+        <p:txBody>
+          <a:bodyPr/>
+          <a:lstStyle/>
+          <a:p>
+            <a:r>
+              <a:rPr lang="en-US" dirty="0"/>
+              <a:t>Run 11</a:t>
+            </a:r>
+          </a:p>
+        </p:txBody>
+      </p:sp>
+      <p:pic>
+        <p:nvPicPr>
+          <p:cNvPr id="5" name="Content Placeholder 4" descr="A screen shot of a graph&#10;&#10;Description automatically generated">
+            <a:extLst>
+              <a:ext uri="{FF2B5EF4-FFF2-40B4-BE49-F238E27FC236}">
+                <a16:creationId xmlns:a16="http://schemas.microsoft.com/office/drawing/2014/main" id="{80ABE1E1-B71B-032B-D44E-F2C7E23C4377}"/>
+              </a:ext>
+            </a:extLst>
+          </p:cNvPr>
+          <p:cNvPicPr>
+            <a:picLocks noGrp="1" noChangeAspect="1"/>
+          </p:cNvPicPr>
+          <p:nvPr>
+            <p:ph idx="1"/>
+          </p:nvPr>
+        </p:nvPicPr>
+        <p:blipFill>
+          <a:blip r:embed="rId2">
+            <a:extLst>
+              <a:ext uri="{28A0092B-C50C-407E-A947-70E740481C1C}">
+                <a14:useLocalDpi xmlns:a14="http://schemas.microsoft.com/office/drawing/2010/main" val="0"/>
+              </a:ext>
+            </a:extLst>
+          </a:blip>
+          <a:stretch>
+            <a:fillRect/>
+          </a:stretch>
+        </p:blipFill>
+        <p:spPr>
+          <a:xfrm>
+            <a:off x="6001747" y="1452835"/>
+            <a:ext cx="6190253" cy="4708388"/>
+          </a:xfrm>
+        </p:spPr>
+      </p:pic>
+      <p:pic>
+        <p:nvPicPr>
+          <p:cNvPr id="7" name="Picture 6" descr="A graph of a triangle&#10;&#10;Description automatically generated">
+            <a:extLst>
+              <a:ext uri="{FF2B5EF4-FFF2-40B4-BE49-F238E27FC236}">
+                <a16:creationId xmlns:a16="http://schemas.microsoft.com/office/drawing/2014/main" id="{E751FDBA-4A2C-8C88-462F-36E861369F4E}"/>
+              </a:ext>
+            </a:extLst>
+          </p:cNvPr>
+          <p:cNvPicPr>
+            <a:picLocks noChangeAspect="1"/>
+          </p:cNvPicPr>
+          <p:nvPr/>
+        </p:nvPicPr>
+        <p:blipFill>
+          <a:blip r:embed="rId3">
+            <a:extLst>
+              <a:ext uri="{28A0092B-C50C-407E-A947-70E740481C1C}">
+                <a14:useLocalDpi xmlns:a14="http://schemas.microsoft.com/office/drawing/2010/main" val="0"/>
+              </a:ext>
+            </a:extLst>
+          </a:blip>
+          <a:stretch>
+            <a:fillRect/>
+          </a:stretch>
+        </p:blipFill>
+        <p:spPr>
+          <a:xfrm>
+            <a:off x="72189" y="1510587"/>
+            <a:ext cx="5861761" cy="4708389"/>
+          </a:xfrm>
+          <a:prstGeom prst="rect">
+            <a:avLst/>
+          </a:prstGeom>
+        </p:spPr>
+      </p:pic>
+    </p:spTree>
+    <p:extLst>
+      <p:ext uri="{BB962C8B-B14F-4D97-AF65-F5344CB8AC3E}">
+        <p14:creationId xmlns:p14="http://schemas.microsoft.com/office/powerpoint/2010/main" val="562643231"/>
+      </p:ext>
+    </p:extLst>
+  </p:cSld>
+  <p:clrMapOvr>
+    <a:masterClrMapping/>
+  </p:clrMapOvr>
+</p:sld>
+</file>
+
+<file path=ppt/slides/slide37.xml><?xml version="1.0" encoding="utf-8"?>
+<p:sld xmlns:a="http://schemas.openxmlformats.org/drawingml/2006/main" xmlns:r="http://schemas.openxmlformats.org/officeDocument/2006/relationships" xmlns:p="http://schemas.openxmlformats.org/presentationml/2006/main">
+  <p:cSld>
+    <p:spTree>
+      <p:nvGrpSpPr>
+        <p:cNvPr id="1" name=""/>
+        <p:cNvGrpSpPr/>
+        <p:nvPr/>
+      </p:nvGrpSpPr>
+      <p:grpSpPr>
+        <a:xfrm>
+          <a:off x="0" y="0"/>
+          <a:ext cx="0" cy="0"/>
+          <a:chOff x="0" y="0"/>
+          <a:chExt cx="0" cy="0"/>
+        </a:xfrm>
+      </p:grpSpPr>
+      <p:sp>
+        <p:nvSpPr>
+          <p:cNvPr id="2" name="Title 1">
+            <a:extLst>
+              <a:ext uri="{FF2B5EF4-FFF2-40B4-BE49-F238E27FC236}">
+                <a16:creationId xmlns:a16="http://schemas.microsoft.com/office/drawing/2014/main" id="{B797A52D-8C56-4CC5-48D0-88D222D029E4}"/>
+              </a:ext>
+            </a:extLst>
+          </p:cNvPr>
+          <p:cNvSpPr>
+            <a:spLocks noGrp="1"/>
+          </p:cNvSpPr>
+          <p:nvPr>
+            <p:ph type="title"/>
+          </p:nvPr>
+        </p:nvSpPr>
+        <p:spPr/>
+        <p:txBody>
+          <a:bodyPr/>
+          <a:lstStyle/>
+          <a:p>
+            <a:r>
+              <a:rPr lang="en-US" dirty="0"/>
+              <a:t>Run 12</a:t>
+            </a:r>
+          </a:p>
+        </p:txBody>
+      </p:sp>
+      <mc:AlternateContent xmlns:mc="http://schemas.openxmlformats.org/markup-compatibility/2006">
+        <mc:Choice xmlns:a14="http://schemas.microsoft.com/office/drawing/2010/main" Requires="a14">
+          <p:sp>
+            <p:nvSpPr>
+              <p:cNvPr id="3" name="Content Placeholder 2">
+                <a:extLst>
+                  <a:ext uri="{FF2B5EF4-FFF2-40B4-BE49-F238E27FC236}">
+                    <a16:creationId xmlns:a16="http://schemas.microsoft.com/office/drawing/2014/main" id="{F567ADB7-F744-B166-BEF6-BB2549F8A4D4}"/>
+                  </a:ext>
+                </a:extLst>
+              </p:cNvPr>
+              <p:cNvSpPr>
+                <a:spLocks noGrp="1"/>
+              </p:cNvSpPr>
+              <p:nvPr>
+                <p:ph idx="1"/>
+              </p:nvPr>
+            </p:nvSpPr>
+            <p:spPr/>
+            <p:txBody>
+              <a:bodyPr/>
+              <a:lstStyle/>
+              <a:p>
+                <a14:m>
+                  <m:oMath xmlns:m="http://schemas.openxmlformats.org/officeDocument/2006/math">
+                    <m:r>
+                      <a:rPr lang="en-US" b="1" i="1" dirty="0" smtClean="0">
+                        <a:latin typeface="Cambria Math" panose="02040503050406030204" pitchFamily="18" charset="0"/>
+                      </a:rPr>
+                      <m:t>𝑳</m:t>
+                    </m:r>
+                    <m:r>
+                      <a:rPr lang="en-US" b="1" i="1" dirty="0" smtClean="0">
+                        <a:latin typeface="Cambria Math" panose="02040503050406030204" pitchFamily="18" charset="0"/>
+                      </a:rPr>
+                      <m:t>∈</m:t>
+                    </m:r>
+                    <m:r>
+                      <m:rPr>
+                        <m:lit/>
+                      </m:rPr>
+                      <a:rPr lang="en-US" b="1" i="1" dirty="0" smtClean="0">
+                        <a:latin typeface="Cambria Math" panose="02040503050406030204" pitchFamily="18" charset="0"/>
+                      </a:rPr>
+                      <m:t>{</m:t>
+                    </m:r>
+                    <m:r>
+                      <a:rPr lang="en-US" b="1" i="1" dirty="0" smtClean="0">
+                        <a:latin typeface="Cambria Math" panose="02040503050406030204" pitchFamily="18" charset="0"/>
+                      </a:rPr>
+                      <m:t>𝟏𝟎𝟎</m:t>
+                    </m:r>
+                    <m:r>
+                      <a:rPr lang="en-US" b="1" i="1" dirty="0" smtClean="0">
+                        <a:latin typeface="Cambria Math" panose="02040503050406030204" pitchFamily="18" charset="0"/>
+                      </a:rPr>
+                      <m:t>,</m:t>
+                    </m:r>
+                    <m:r>
+                      <a:rPr lang="en-US" b="1" i="1" dirty="0" smtClean="0">
+                        <a:latin typeface="Cambria Math" panose="02040503050406030204" pitchFamily="18" charset="0"/>
+                      </a:rPr>
+                      <m:t>𝟐𝟎𝟎</m:t>
+                    </m:r>
+                    <m:r>
+                      <a:rPr lang="en-US" b="1" i="1" dirty="0" smtClean="0">
+                        <a:latin typeface="Cambria Math" panose="02040503050406030204" pitchFamily="18" charset="0"/>
+                      </a:rPr>
+                      <m:t>,</m:t>
+                    </m:r>
+                    <m:r>
+                      <a:rPr lang="en-US" b="1" i="1" dirty="0" smtClean="0">
+                        <a:latin typeface="Cambria Math" panose="02040503050406030204" pitchFamily="18" charset="0"/>
+                      </a:rPr>
+                      <m:t>𝟑𝟎𝟎</m:t>
+                    </m:r>
+                    <m:r>
+                      <a:rPr lang="en-US" b="1" i="1" dirty="0" smtClean="0">
+                        <a:latin typeface="Cambria Math" panose="02040503050406030204" pitchFamily="18" charset="0"/>
+                      </a:rPr>
+                      <m:t>,…,</m:t>
+                    </m:r>
+                    <m:r>
+                      <a:rPr lang="en-US" b="1" i="1" dirty="0" smtClean="0">
+                        <a:latin typeface="Cambria Math" panose="02040503050406030204" pitchFamily="18" charset="0"/>
+                      </a:rPr>
+                      <m:t>𝟓𝟎𝟎</m:t>
+                    </m:r>
+                    <m:r>
+                      <m:rPr>
+                        <m:lit/>
+                      </m:rPr>
+                      <a:rPr lang="en-US" b="1" i="1" dirty="0" smtClean="0">
+                        <a:latin typeface="Cambria Math" panose="02040503050406030204" pitchFamily="18" charset="0"/>
+                      </a:rPr>
+                      <m:t>}</m:t>
+                    </m:r>
+                  </m:oMath>
+                </a14:m>
+                <a:endParaRPr lang="en-US" b="1" dirty="0"/>
+              </a:p>
+              <a:p>
+                <a14:m>
+                  <m:oMath xmlns:m="http://schemas.openxmlformats.org/officeDocument/2006/math">
+                    <m:r>
+                      <a:rPr lang="en-US" i="1" dirty="0" smtClean="0">
+                        <a:latin typeface="Cambria Math" panose="02040503050406030204" pitchFamily="18" charset="0"/>
+                      </a:rPr>
+                      <m:t>𝑐</m:t>
+                    </m:r>
+                    <m:r>
+                      <a:rPr lang="en-US" i="1" dirty="0" smtClean="0">
+                        <a:latin typeface="Cambria Math" panose="02040503050406030204" pitchFamily="18" charset="0"/>
+                      </a:rPr>
+                      <m:t>=16</m:t>
+                    </m:r>
+                  </m:oMath>
+                </a14:m>
+                <a:endParaRPr lang="en-US" dirty="0"/>
+              </a:p>
+              <a:p>
+                <a14:m>
+                  <m:oMath xmlns:m="http://schemas.openxmlformats.org/officeDocument/2006/math">
+                    <m:r>
+                      <a:rPr lang="en-US" i="1" dirty="0" smtClean="0">
+                        <a:latin typeface="Cambria Math" panose="02040503050406030204" pitchFamily="18" charset="0"/>
+                      </a:rPr>
+                      <m:t>𝑇</m:t>
+                    </m:r>
+                    <m:r>
+                      <a:rPr lang="en-US" i="1" dirty="0" smtClean="0">
+                        <a:latin typeface="Cambria Math" panose="02040503050406030204" pitchFamily="18" charset="0"/>
+                      </a:rPr>
+                      <m:t>=</m:t>
+                    </m:r>
+                    <m:r>
+                      <a:rPr lang="en-US" i="1" dirty="0" smtClean="0">
+                        <a:latin typeface="Cambria Math" panose="02040503050406030204" pitchFamily="18" charset="0"/>
+                      </a:rPr>
+                      <m:t>𝐿</m:t>
+                    </m:r>
+                  </m:oMath>
+                </a14:m>
+                <a:endParaRPr lang="en-US" dirty="0"/>
+              </a:p>
+              <a:p>
+                <a14:m>
+                  <m:oMath xmlns:m="http://schemas.openxmlformats.org/officeDocument/2006/math">
+                    <m:r>
+                      <a:rPr lang="en-US" b="1" i="1" dirty="0" smtClean="0">
+                        <a:latin typeface="Cambria Math" panose="02040503050406030204" pitchFamily="18" charset="0"/>
+                      </a:rPr>
+                      <m:t>𝒑</m:t>
+                    </m:r>
+                    <m:r>
+                      <a:rPr lang="en-US" b="1" i="1" dirty="0" smtClean="0">
+                        <a:latin typeface="Cambria Math" panose="02040503050406030204" pitchFamily="18" charset="0"/>
+                      </a:rPr>
+                      <m:t>∈{</m:t>
+                    </m:r>
+                    <m:r>
+                      <a:rPr lang="en-US" b="1" i="1" dirty="0" smtClean="0">
+                        <a:latin typeface="Cambria Math" panose="02040503050406030204" pitchFamily="18" charset="0"/>
+                      </a:rPr>
+                      <m:t>𝟎</m:t>
+                    </m:r>
+                    <m:r>
+                      <a:rPr lang="en-US" b="1" i="1" dirty="0" smtClean="0">
+                        <a:latin typeface="Cambria Math" panose="02040503050406030204" pitchFamily="18" charset="0"/>
+                      </a:rPr>
+                      <m:t>.</m:t>
+                    </m:r>
+                    <m:r>
+                      <a:rPr lang="en-US" b="1" i="1" dirty="0" smtClean="0">
+                        <a:latin typeface="Cambria Math" panose="02040503050406030204" pitchFamily="18" charset="0"/>
+                      </a:rPr>
+                      <m:t>𝟎𝟎𝟑𝟓</m:t>
+                    </m:r>
+                    <m:r>
+                      <a:rPr lang="en-US" b="1" i="1" dirty="0" smtClean="0">
+                        <a:latin typeface="Cambria Math" panose="02040503050406030204" pitchFamily="18" charset="0"/>
+                      </a:rPr>
+                      <m:t>,</m:t>
+                    </m:r>
+                    <m:r>
+                      <a:rPr lang="en-US" b="1" i="1" dirty="0" smtClean="0">
+                        <a:latin typeface="Cambria Math" panose="02040503050406030204" pitchFamily="18" charset="0"/>
+                      </a:rPr>
+                      <m:t>𝟎</m:t>
+                    </m:r>
+                    <m:r>
+                      <a:rPr lang="en-US" b="1" i="1" dirty="0" smtClean="0">
+                        <a:latin typeface="Cambria Math" panose="02040503050406030204" pitchFamily="18" charset="0"/>
+                      </a:rPr>
+                      <m:t>.</m:t>
+                    </m:r>
+                    <m:r>
+                      <a:rPr lang="en-US" b="1" i="1" dirty="0" smtClean="0">
+                        <a:latin typeface="Cambria Math" panose="02040503050406030204" pitchFamily="18" charset="0"/>
+                      </a:rPr>
+                      <m:t>𝟎𝟎𝟑𝟔</m:t>
+                    </m:r>
+                    <m:r>
+                      <a:rPr lang="en-US" b="1" i="1" dirty="0" smtClean="0">
+                        <a:latin typeface="Cambria Math" panose="02040503050406030204" pitchFamily="18" charset="0"/>
+                      </a:rPr>
+                      <m:t>,</m:t>
+                    </m:r>
+                    <m:r>
+                      <a:rPr lang="en-US" b="1" i="1" dirty="0" smtClean="0">
+                        <a:latin typeface="Cambria Math" panose="02040503050406030204" pitchFamily="18" charset="0"/>
+                      </a:rPr>
+                      <m:t>𝟎</m:t>
+                    </m:r>
+                    <m:r>
+                      <a:rPr lang="en-US" b="1" i="1" dirty="0" smtClean="0">
+                        <a:latin typeface="Cambria Math" panose="02040503050406030204" pitchFamily="18" charset="0"/>
+                      </a:rPr>
+                      <m:t>.</m:t>
+                    </m:r>
+                    <m:r>
+                      <a:rPr lang="en-US" b="1" i="1" dirty="0" smtClean="0">
+                        <a:latin typeface="Cambria Math" panose="02040503050406030204" pitchFamily="18" charset="0"/>
+                      </a:rPr>
+                      <m:t>𝟎𝟎𝟑𝟕</m:t>
+                    </m:r>
+                    <m:r>
+                      <a:rPr lang="en-US" b="1" i="1" dirty="0" smtClean="0">
+                        <a:latin typeface="Cambria Math" panose="02040503050406030204" pitchFamily="18" charset="0"/>
+                      </a:rPr>
+                      <m:t>,…,</m:t>
+                    </m:r>
+                    <m:r>
+                      <a:rPr lang="en-US" b="1" i="1" dirty="0" smtClean="0">
+                        <a:latin typeface="Cambria Math" panose="02040503050406030204" pitchFamily="18" charset="0"/>
+                      </a:rPr>
+                      <m:t>𝟎</m:t>
+                    </m:r>
+                    <m:r>
+                      <a:rPr lang="en-US" b="1" i="1" dirty="0" smtClean="0">
+                        <a:latin typeface="Cambria Math" panose="02040503050406030204" pitchFamily="18" charset="0"/>
+                      </a:rPr>
+                      <m:t>.</m:t>
+                    </m:r>
+                    <m:r>
+                      <a:rPr lang="en-US" b="1" i="1" dirty="0" smtClean="0">
+                        <a:latin typeface="Cambria Math" panose="02040503050406030204" pitchFamily="18" charset="0"/>
+                      </a:rPr>
+                      <m:t>𝟎𝟎𝟒𝟓</m:t>
+                    </m:r>
+                    <m:r>
+                      <m:rPr>
+                        <m:lit/>
+                      </m:rPr>
+                      <a:rPr lang="en-US" b="1" i="1" dirty="0" smtClean="0">
+                        <a:latin typeface="Cambria Math" panose="02040503050406030204" pitchFamily="18" charset="0"/>
+                      </a:rPr>
+                      <m:t>}</m:t>
+                    </m:r>
+                  </m:oMath>
+                </a14:m>
+                <a:endParaRPr lang="en-US" b="1" dirty="0"/>
+              </a:p>
+              <a:p>
+                <a14:m>
+                  <m:oMath xmlns:m="http://schemas.openxmlformats.org/officeDocument/2006/math">
+                    <m:r>
+                      <a:rPr lang="en-US" i="1" dirty="0" smtClean="0">
+                        <a:latin typeface="Cambria Math" panose="02040503050406030204" pitchFamily="18" charset="0"/>
+                      </a:rPr>
+                      <m:t>𝜂</m:t>
+                    </m:r>
+                    <m:r>
+                      <a:rPr lang="en-US" i="1" dirty="0" smtClean="0">
+                        <a:latin typeface="Cambria Math" panose="02040503050406030204" pitchFamily="18" charset="0"/>
+                      </a:rPr>
+                      <m:t>=0.1</m:t>
+                    </m:r>
+                  </m:oMath>
+                </a14:m>
+                <a:endParaRPr lang="en-US" dirty="0"/>
+              </a:p>
+              <a:p>
+                <a:r>
+                  <a:rPr lang="en-US" dirty="0"/>
+                  <a:t>12 hours, 1 GPU / task</a:t>
+                </a:r>
+              </a:p>
+            </p:txBody>
+          </p:sp>
+        </mc:Choice>
+        <mc:Fallback>
+          <p:sp>
+            <p:nvSpPr>
+              <p:cNvPr id="3" name="Content Placeholder 2">
+                <a:extLst>
+                  <a:ext uri="{FF2B5EF4-FFF2-40B4-BE49-F238E27FC236}">
+                    <a16:creationId xmlns:a16="http://schemas.microsoft.com/office/drawing/2014/main" id="{F567ADB7-F744-B166-BEF6-BB2549F8A4D4}"/>
+                  </a:ext>
+                </a:extLst>
+              </p:cNvPr>
+              <p:cNvSpPr>
+                <a:spLocks noGrp="1" noRot="1" noChangeAspect="1" noMove="1" noResize="1" noEditPoints="1" noAdjustHandles="1" noChangeArrowheads="1" noChangeShapeType="1" noTextEdit="1"/>
+              </p:cNvSpPr>
+              <p:nvPr>
+                <p:ph idx="1"/>
+              </p:nvPr>
+            </p:nvSpPr>
+            <p:spPr>
+              <a:blipFill>
+                <a:blip r:embed="rId2"/>
+                <a:stretch>
+                  <a:fillRect l="-1043"/>
+                </a:stretch>
+              </a:blipFill>
+            </p:spPr>
+            <p:txBody>
+              <a:bodyPr/>
+              <a:lstStyle/>
+              <a:p>
+                <a:r>
+                  <a:rPr lang="en-US">
+                    <a:noFill/>
+                  </a:rPr>
+                  <a:t> </a:t>
+                </a:r>
+              </a:p>
+            </p:txBody>
+          </p:sp>
+        </mc:Fallback>
+      </mc:AlternateContent>
+    </p:spTree>
+    <p:extLst>
+      <p:ext uri="{BB962C8B-B14F-4D97-AF65-F5344CB8AC3E}">
+        <p14:creationId xmlns:p14="http://schemas.microsoft.com/office/powerpoint/2010/main" val="2481858239"/>
       </p:ext>
     </p:extLst>
   </p:cSld>

--- a/plots/Plots.pptx
+++ b/plots/Plots.pptx
@@ -42,6 +42,8 @@
     <p:sldId id="291" r:id="rId36"/>
     <p:sldId id="293" r:id="rId37"/>
     <p:sldId id="292" r:id="rId38"/>
+    <p:sldId id="294" r:id="rId39"/>
+    <p:sldId id="295" r:id="rId40"/>
   </p:sldIdLst>
   <p:sldSz cx="12192000" cy="6858000"/>
   <p:notesSz cx="6858000" cy="9144000"/>
@@ -295,7 +297,7 @@
           <a:p>
             <a:fld id="{E4B0A79A-3997-4F54-9D51-15EE0C15CBF2}" type="datetimeFigureOut">
               <a:rPr lang="en-US" smtClean="0"/>
-              <a:t>2024-08-29</a:t>
+              <a:t>2024-08-30</a:t>
             </a:fld>
             <a:endParaRPr lang="en-US"/>
           </a:p>
@@ -493,7 +495,7 @@
           <a:p>
             <a:fld id="{E4B0A79A-3997-4F54-9D51-15EE0C15CBF2}" type="datetimeFigureOut">
               <a:rPr lang="en-US" smtClean="0"/>
-              <a:t>2024-08-29</a:t>
+              <a:t>2024-08-30</a:t>
             </a:fld>
             <a:endParaRPr lang="en-US"/>
           </a:p>
@@ -701,7 +703,7 @@
           <a:p>
             <a:fld id="{E4B0A79A-3997-4F54-9D51-15EE0C15CBF2}" type="datetimeFigureOut">
               <a:rPr lang="en-US" smtClean="0"/>
-              <a:t>2024-08-29</a:t>
+              <a:t>2024-08-30</a:t>
             </a:fld>
             <a:endParaRPr lang="en-US"/>
           </a:p>
@@ -899,7 +901,7 @@
           <a:p>
             <a:fld id="{E4B0A79A-3997-4F54-9D51-15EE0C15CBF2}" type="datetimeFigureOut">
               <a:rPr lang="en-US" smtClean="0"/>
-              <a:t>2024-08-29</a:t>
+              <a:t>2024-08-30</a:t>
             </a:fld>
             <a:endParaRPr lang="en-US"/>
           </a:p>
@@ -1174,7 +1176,7 @@
           <a:p>
             <a:fld id="{E4B0A79A-3997-4F54-9D51-15EE0C15CBF2}" type="datetimeFigureOut">
               <a:rPr lang="en-US" smtClean="0"/>
-              <a:t>2024-08-29</a:t>
+              <a:t>2024-08-30</a:t>
             </a:fld>
             <a:endParaRPr lang="en-US"/>
           </a:p>
@@ -1439,7 +1441,7 @@
           <a:p>
             <a:fld id="{E4B0A79A-3997-4F54-9D51-15EE0C15CBF2}" type="datetimeFigureOut">
               <a:rPr lang="en-US" smtClean="0"/>
-              <a:t>2024-08-29</a:t>
+              <a:t>2024-08-30</a:t>
             </a:fld>
             <a:endParaRPr lang="en-US"/>
           </a:p>
@@ -1851,7 +1853,7 @@
           <a:p>
             <a:fld id="{E4B0A79A-3997-4F54-9D51-15EE0C15CBF2}" type="datetimeFigureOut">
               <a:rPr lang="en-US" smtClean="0"/>
-              <a:t>2024-08-29</a:t>
+              <a:t>2024-08-30</a:t>
             </a:fld>
             <a:endParaRPr lang="en-US"/>
           </a:p>
@@ -1992,7 +1994,7 @@
           <a:p>
             <a:fld id="{E4B0A79A-3997-4F54-9D51-15EE0C15CBF2}" type="datetimeFigureOut">
               <a:rPr lang="en-US" smtClean="0"/>
-              <a:t>2024-08-29</a:t>
+              <a:t>2024-08-30</a:t>
             </a:fld>
             <a:endParaRPr lang="en-US"/>
           </a:p>
@@ -2105,7 +2107,7 @@
           <a:p>
             <a:fld id="{E4B0A79A-3997-4F54-9D51-15EE0C15CBF2}" type="datetimeFigureOut">
               <a:rPr lang="en-US" smtClean="0"/>
-              <a:t>2024-08-29</a:t>
+              <a:t>2024-08-30</a:t>
             </a:fld>
             <a:endParaRPr lang="en-US"/>
           </a:p>
@@ -2416,7 +2418,7 @@
           <a:p>
             <a:fld id="{E4B0A79A-3997-4F54-9D51-15EE0C15CBF2}" type="datetimeFigureOut">
               <a:rPr lang="en-US" smtClean="0"/>
-              <a:t>2024-08-29</a:t>
+              <a:t>2024-08-30</a:t>
             </a:fld>
             <a:endParaRPr lang="en-US"/>
           </a:p>
@@ -2704,7 +2706,7 @@
           <a:p>
             <a:fld id="{E4B0A79A-3997-4F54-9D51-15EE0C15CBF2}" type="datetimeFigureOut">
               <a:rPr lang="en-US" smtClean="0"/>
-              <a:t>2024-08-29</a:t>
+              <a:t>2024-08-30</a:t>
             </a:fld>
             <a:endParaRPr lang="en-US"/>
           </a:p>
@@ -2945,7 +2947,7 @@
           <a:p>
             <a:fld id="{E4B0A79A-3997-4F54-9D51-15EE0C15CBF2}" type="datetimeFigureOut">
               <a:rPr lang="en-US" smtClean="0"/>
-              <a:t>2024-08-29</a:t>
+              <a:t>2024-08-30</a:t>
             </a:fld>
             <a:endParaRPr lang="en-US"/>
           </a:p>
@@ -10113,8 +10115,8 @@
           </a:p>
         </p:txBody>
       </p:sp>
-      <mc:AlternateContent xmlns:mc="http://schemas.openxmlformats.org/markup-compatibility/2006">
-        <mc:Choice xmlns:a14="http://schemas.microsoft.com/office/drawing/2010/main" Requires="a14">
+      <mc:AlternateContent xmlns:mc="http://schemas.openxmlformats.org/markup-compatibility/2006" xmlns:a14="http://schemas.microsoft.com/office/drawing/2010/main">
+        <mc:Choice Requires="a14">
           <p:sp>
             <p:nvSpPr>
               <p:cNvPr id="3" name="Content Placeholder 2">
@@ -10323,7 +10325,7 @@
             </p:txBody>
           </p:sp>
         </mc:Choice>
-        <mc:Fallback>
+        <mc:Fallback xmlns="">
           <p:sp>
             <p:nvSpPr>
               <p:cNvPr id="3" name="Content Placeholder 2">
@@ -10550,8 +10552,8 @@
           </a:p>
         </p:txBody>
       </p:sp>
-      <mc:AlternateContent xmlns:mc="http://schemas.openxmlformats.org/markup-compatibility/2006">
-        <mc:Choice xmlns:a14="http://schemas.microsoft.com/office/drawing/2010/main" Requires="a14">
+      <mc:AlternateContent xmlns:mc="http://schemas.openxmlformats.org/markup-compatibility/2006" xmlns:a14="http://schemas.microsoft.com/office/drawing/2010/main">
+        <mc:Choice Requires="a14">
           <p:sp>
             <p:nvSpPr>
               <p:cNvPr id="3" name="Content Placeholder 2">
@@ -10841,7 +10843,7 @@
             </p:txBody>
           </p:sp>
         </mc:Choice>
-        <mc:Fallback>
+        <mc:Fallback xmlns="">
           <p:sp>
             <p:nvSpPr>
               <p:cNvPr id="3" name="Content Placeholder 2">
@@ -10885,6 +10887,228 @@
     <p:extLst>
       <p:ext uri="{BB962C8B-B14F-4D97-AF65-F5344CB8AC3E}">
         <p14:creationId xmlns:p14="http://schemas.microsoft.com/office/powerpoint/2010/main" val="2481858239"/>
+      </p:ext>
+    </p:extLst>
+  </p:cSld>
+  <p:clrMapOvr>
+    <a:masterClrMapping/>
+  </p:clrMapOvr>
+</p:sld>
+</file>
+
+<file path=ppt/slides/slide38.xml><?xml version="1.0" encoding="utf-8"?>
+<p:sld xmlns:a="http://schemas.openxmlformats.org/drawingml/2006/main" xmlns:r="http://schemas.openxmlformats.org/officeDocument/2006/relationships" xmlns:p="http://schemas.openxmlformats.org/presentationml/2006/main">
+  <p:cSld>
+    <p:spTree>
+      <p:nvGrpSpPr>
+        <p:cNvPr id="1" name=""/>
+        <p:cNvGrpSpPr/>
+        <p:nvPr/>
+      </p:nvGrpSpPr>
+      <p:grpSpPr>
+        <a:xfrm>
+          <a:off x="0" y="0"/>
+          <a:ext cx="0" cy="0"/>
+          <a:chOff x="0" y="0"/>
+          <a:chExt cx="0" cy="0"/>
+        </a:xfrm>
+      </p:grpSpPr>
+      <p:sp>
+        <p:nvSpPr>
+          <p:cNvPr id="2" name="Title 1">
+            <a:extLst>
+              <a:ext uri="{FF2B5EF4-FFF2-40B4-BE49-F238E27FC236}">
+                <a16:creationId xmlns:a16="http://schemas.microsoft.com/office/drawing/2014/main" id="{4CE77D96-7A9E-0D82-6001-4C7F5A63E9E5}"/>
+              </a:ext>
+            </a:extLst>
+          </p:cNvPr>
+          <p:cNvSpPr>
+            <a:spLocks noGrp="1"/>
+          </p:cNvSpPr>
+          <p:nvPr>
+            <p:ph type="title"/>
+          </p:nvPr>
+        </p:nvSpPr>
+        <p:spPr/>
+        <p:txBody>
+          <a:bodyPr/>
+          <a:lstStyle/>
+          <a:p>
+            <a:r>
+              <a:rPr lang="en-US" dirty="0"/>
+              <a:t>Run 12</a:t>
+            </a:r>
+          </a:p>
+        </p:txBody>
+      </p:sp>
+      <p:pic>
+        <p:nvPicPr>
+          <p:cNvPr id="5" name="Content Placeholder 4" descr="A screenshot of a computer&#10;&#10;Description automatically generated">
+            <a:extLst>
+              <a:ext uri="{FF2B5EF4-FFF2-40B4-BE49-F238E27FC236}">
+                <a16:creationId xmlns:a16="http://schemas.microsoft.com/office/drawing/2014/main" id="{3BBCFF1D-15EF-B3A9-EE3D-5A4BEE5331EA}"/>
+              </a:ext>
+            </a:extLst>
+          </p:cNvPr>
+          <p:cNvPicPr>
+            <a:picLocks noGrp="1" noChangeAspect="1"/>
+          </p:cNvPicPr>
+          <p:nvPr>
+            <p:ph idx="1"/>
+          </p:nvPr>
+        </p:nvPicPr>
+        <p:blipFill>
+          <a:blip r:embed="rId2">
+            <a:extLst>
+              <a:ext uri="{28A0092B-C50C-407E-A947-70E740481C1C}">
+                <a14:useLocalDpi xmlns:a14="http://schemas.microsoft.com/office/drawing/2010/main" val="0"/>
+              </a:ext>
+            </a:extLst>
+          </a:blip>
+          <a:stretch>
+            <a:fillRect/>
+          </a:stretch>
+        </p:blipFill>
+        <p:spPr>
+          <a:xfrm>
+            <a:off x="0" y="1098248"/>
+            <a:ext cx="12186432" cy="5686010"/>
+          </a:xfrm>
+        </p:spPr>
+      </p:pic>
+    </p:spTree>
+    <p:extLst>
+      <p:ext uri="{BB962C8B-B14F-4D97-AF65-F5344CB8AC3E}">
+        <p14:creationId xmlns:p14="http://schemas.microsoft.com/office/powerpoint/2010/main" val="2271009722"/>
+      </p:ext>
+    </p:extLst>
+  </p:cSld>
+  <p:clrMapOvr>
+    <a:masterClrMapping/>
+  </p:clrMapOvr>
+</p:sld>
+</file>
+
+<file path=ppt/slides/slide39.xml><?xml version="1.0" encoding="utf-8"?>
+<p:sld xmlns:a="http://schemas.openxmlformats.org/drawingml/2006/main" xmlns:r="http://schemas.openxmlformats.org/officeDocument/2006/relationships" xmlns:p="http://schemas.openxmlformats.org/presentationml/2006/main">
+  <p:cSld>
+    <p:spTree>
+      <p:nvGrpSpPr>
+        <p:cNvPr id="1" name=""/>
+        <p:cNvGrpSpPr/>
+        <p:nvPr/>
+      </p:nvGrpSpPr>
+      <p:grpSpPr>
+        <a:xfrm>
+          <a:off x="0" y="0"/>
+          <a:ext cx="0" cy="0"/>
+          <a:chOff x="0" y="0"/>
+          <a:chExt cx="0" cy="0"/>
+        </a:xfrm>
+      </p:grpSpPr>
+      <p:sp>
+        <p:nvSpPr>
+          <p:cNvPr id="2" name="Title 1">
+            <a:extLst>
+              <a:ext uri="{FF2B5EF4-FFF2-40B4-BE49-F238E27FC236}">
+                <a16:creationId xmlns:a16="http://schemas.microsoft.com/office/drawing/2014/main" id="{CEA9BCDC-88ED-9064-00E5-53F40BD6DC8E}"/>
+              </a:ext>
+            </a:extLst>
+          </p:cNvPr>
+          <p:cNvSpPr>
+            <a:spLocks noGrp="1"/>
+          </p:cNvSpPr>
+          <p:nvPr>
+            <p:ph type="title"/>
+          </p:nvPr>
+        </p:nvSpPr>
+        <p:spPr/>
+        <p:txBody>
+          <a:bodyPr/>
+          <a:lstStyle/>
+          <a:p>
+            <a:r>
+              <a:rPr lang="en-US" dirty="0"/>
+              <a:t>Run 12</a:t>
+            </a:r>
+          </a:p>
+        </p:txBody>
+      </p:sp>
+      <p:pic>
+        <p:nvPicPr>
+          <p:cNvPr id="5" name="Content Placeholder 4" descr="A graph of different colored lines&#10;&#10;Description automatically generated">
+            <a:extLst>
+              <a:ext uri="{FF2B5EF4-FFF2-40B4-BE49-F238E27FC236}">
+                <a16:creationId xmlns:a16="http://schemas.microsoft.com/office/drawing/2014/main" id="{55D56776-CCC2-5E42-83D3-304E82BAB742}"/>
+              </a:ext>
+            </a:extLst>
+          </p:cNvPr>
+          <p:cNvPicPr>
+            <a:picLocks noGrp="1" noChangeAspect="1"/>
+          </p:cNvPicPr>
+          <p:nvPr>
+            <p:ph idx="1"/>
+          </p:nvPr>
+        </p:nvPicPr>
+        <p:blipFill>
+          <a:blip r:embed="rId2">
+            <a:extLst>
+              <a:ext uri="{28A0092B-C50C-407E-A947-70E740481C1C}">
+                <a14:useLocalDpi xmlns:a14="http://schemas.microsoft.com/office/drawing/2010/main" val="0"/>
+              </a:ext>
+            </a:extLst>
+          </a:blip>
+          <a:stretch>
+            <a:fillRect/>
+          </a:stretch>
+        </p:blipFill>
+        <p:spPr>
+          <a:xfrm>
+            <a:off x="6096000" y="1604061"/>
+            <a:ext cx="6081623" cy="4654670"/>
+          </a:xfrm>
+        </p:spPr>
+      </p:pic>
+      <p:pic>
+        <p:nvPicPr>
+          <p:cNvPr id="7" name="Picture 6" descr="A graph on a black background&#10;&#10;Description automatically generated">
+            <a:extLst>
+              <a:ext uri="{FF2B5EF4-FFF2-40B4-BE49-F238E27FC236}">
+                <a16:creationId xmlns:a16="http://schemas.microsoft.com/office/drawing/2014/main" id="{DBDC7198-E0F9-B9EB-E402-13469977FA32}"/>
+              </a:ext>
+            </a:extLst>
+          </p:cNvPr>
+          <p:cNvPicPr>
+            <a:picLocks noChangeAspect="1"/>
+          </p:cNvPicPr>
+          <p:nvPr/>
+        </p:nvPicPr>
+        <p:blipFill>
+          <a:blip r:embed="rId3">
+            <a:extLst>
+              <a:ext uri="{28A0092B-C50C-407E-A947-70E740481C1C}">
+                <a14:useLocalDpi xmlns:a14="http://schemas.microsoft.com/office/drawing/2010/main" val="0"/>
+              </a:ext>
+            </a:extLst>
+          </a:blip>
+          <a:stretch>
+            <a:fillRect/>
+          </a:stretch>
+        </p:blipFill>
+        <p:spPr>
+          <a:xfrm>
+            <a:off x="0" y="1604061"/>
+            <a:ext cx="6096000" cy="4654670"/>
+          </a:xfrm>
+          <a:prstGeom prst="rect">
+            <a:avLst/>
+          </a:prstGeom>
+        </p:spPr>
+      </p:pic>
+    </p:spTree>
+    <p:extLst>
+      <p:ext uri="{BB962C8B-B14F-4D97-AF65-F5344CB8AC3E}">
+        <p14:creationId xmlns:p14="http://schemas.microsoft.com/office/powerpoint/2010/main" val="4285886293"/>
       </p:ext>
     </p:extLst>
   </p:cSld>

--- a/plots/Plots.pptx
+++ b/plots/Plots.pptx
@@ -44,6 +44,7 @@
     <p:sldId id="292" r:id="rId38"/>
     <p:sldId id="294" r:id="rId39"/>
     <p:sldId id="295" r:id="rId40"/>
+    <p:sldId id="296" r:id="rId41"/>
   </p:sldIdLst>
   <p:sldSz cx="12192000" cy="6858000"/>
   <p:notesSz cx="6858000" cy="9144000"/>
@@ -11283,6 +11284,99 @@
 </p:sld>
 </file>
 
+<file path=ppt/slides/slide40.xml><?xml version="1.0" encoding="utf-8"?>
+<p:sld xmlns:a="http://schemas.openxmlformats.org/drawingml/2006/main" xmlns:r="http://schemas.openxmlformats.org/officeDocument/2006/relationships" xmlns:p="http://schemas.openxmlformats.org/presentationml/2006/main">
+  <p:cSld>
+    <p:spTree>
+      <p:nvGrpSpPr>
+        <p:cNvPr id="1" name=""/>
+        <p:cNvGrpSpPr/>
+        <p:nvPr/>
+      </p:nvGrpSpPr>
+      <p:grpSpPr>
+        <a:xfrm>
+          <a:off x="0" y="0"/>
+          <a:ext cx="0" cy="0"/>
+          <a:chOff x="0" y="0"/>
+          <a:chExt cx="0" cy="0"/>
+        </a:xfrm>
+      </p:grpSpPr>
+      <p:sp>
+        <p:nvSpPr>
+          <p:cNvPr id="2" name="Title 1">
+            <a:extLst>
+              <a:ext uri="{FF2B5EF4-FFF2-40B4-BE49-F238E27FC236}">
+                <a16:creationId xmlns:a16="http://schemas.microsoft.com/office/drawing/2014/main" id="{A013011C-684B-42DC-D6AC-A570AE6C01CB}"/>
+              </a:ext>
+            </a:extLst>
+          </p:cNvPr>
+          <p:cNvSpPr>
+            <a:spLocks noGrp="1"/>
+          </p:cNvSpPr>
+          <p:nvPr>
+            <p:ph type="title"/>
+          </p:nvPr>
+        </p:nvSpPr>
+        <p:spPr/>
+        <p:txBody>
+          <a:bodyPr/>
+          <a:lstStyle/>
+          <a:p>
+            <a:r>
+              <a:rPr lang="en-US" dirty="0"/>
+              <a:t>Run 12</a:t>
+            </a:r>
+          </a:p>
+        </p:txBody>
+      </p:sp>
+      <p:pic>
+        <p:nvPicPr>
+          <p:cNvPr id="5" name="Content Placeholder 4" descr="A screenshot of a computer&#10;&#10;Description automatically generated">
+            <a:extLst>
+              <a:ext uri="{FF2B5EF4-FFF2-40B4-BE49-F238E27FC236}">
+                <a16:creationId xmlns:a16="http://schemas.microsoft.com/office/drawing/2014/main" id="{71D7E684-DA89-A819-ED03-43990665E23F}"/>
+              </a:ext>
+            </a:extLst>
+          </p:cNvPr>
+          <p:cNvPicPr>
+            <a:picLocks noGrp="1" noChangeAspect="1"/>
+          </p:cNvPicPr>
+          <p:nvPr>
+            <p:ph idx="1"/>
+          </p:nvPr>
+        </p:nvPicPr>
+        <p:blipFill>
+          <a:blip r:embed="rId2">
+            <a:extLst>
+              <a:ext uri="{28A0092B-C50C-407E-A947-70E740481C1C}">
+                <a14:useLocalDpi xmlns:a14="http://schemas.microsoft.com/office/drawing/2010/main" val="0"/>
+              </a:ext>
+            </a:extLst>
+          </a:blip>
+          <a:stretch>
+            <a:fillRect/>
+          </a:stretch>
+        </p:blipFill>
+        <p:spPr>
+          <a:xfrm>
+            <a:off x="2825015" y="0"/>
+            <a:ext cx="9073415" cy="6851354"/>
+          </a:xfrm>
+        </p:spPr>
+      </p:pic>
+    </p:spTree>
+    <p:extLst>
+      <p:ext uri="{BB962C8B-B14F-4D97-AF65-F5344CB8AC3E}">
+        <p14:creationId xmlns:p14="http://schemas.microsoft.com/office/powerpoint/2010/main" val="3770027817"/>
+      </p:ext>
+    </p:extLst>
+  </p:cSld>
+  <p:clrMapOvr>
+    <a:masterClrMapping/>
+  </p:clrMapOvr>
+</p:sld>
+</file>
+
 <file path=ppt/slides/slide5.xml><?xml version="1.0" encoding="utf-8"?>
 <p:sld xmlns:a="http://schemas.openxmlformats.org/drawingml/2006/main" xmlns:r="http://schemas.openxmlformats.org/officeDocument/2006/relationships" xmlns:p="http://schemas.openxmlformats.org/presentationml/2006/main">
   <p:cSld>

--- a/plots/Plots.pptx
+++ b/plots/Plots.pptx
@@ -45,6 +45,9 @@
     <p:sldId id="294" r:id="rId39"/>
     <p:sldId id="295" r:id="rId40"/>
     <p:sldId id="296" r:id="rId41"/>
+    <p:sldId id="297" r:id="rId42"/>
+    <p:sldId id="298" r:id="rId43"/>
+    <p:sldId id="299" r:id="rId44"/>
   </p:sldIdLst>
   <p:sldSz cx="12192000" cy="6858000"/>
   <p:notesSz cx="6858000" cy="9144000"/>
@@ -298,7 +301,7 @@
           <a:p>
             <a:fld id="{E4B0A79A-3997-4F54-9D51-15EE0C15CBF2}" type="datetimeFigureOut">
               <a:rPr lang="en-US" smtClean="0"/>
-              <a:t>2024-08-30</a:t>
+              <a:t>2024-09-02</a:t>
             </a:fld>
             <a:endParaRPr lang="en-US"/>
           </a:p>
@@ -496,7 +499,7 @@
           <a:p>
             <a:fld id="{E4B0A79A-3997-4F54-9D51-15EE0C15CBF2}" type="datetimeFigureOut">
               <a:rPr lang="en-US" smtClean="0"/>
-              <a:t>2024-08-30</a:t>
+              <a:t>2024-09-02</a:t>
             </a:fld>
             <a:endParaRPr lang="en-US"/>
           </a:p>
@@ -704,7 +707,7 @@
           <a:p>
             <a:fld id="{E4B0A79A-3997-4F54-9D51-15EE0C15CBF2}" type="datetimeFigureOut">
               <a:rPr lang="en-US" smtClean="0"/>
-              <a:t>2024-08-30</a:t>
+              <a:t>2024-09-02</a:t>
             </a:fld>
             <a:endParaRPr lang="en-US"/>
           </a:p>
@@ -902,7 +905,7 @@
           <a:p>
             <a:fld id="{E4B0A79A-3997-4F54-9D51-15EE0C15CBF2}" type="datetimeFigureOut">
               <a:rPr lang="en-US" smtClean="0"/>
-              <a:t>2024-08-30</a:t>
+              <a:t>2024-09-02</a:t>
             </a:fld>
             <a:endParaRPr lang="en-US"/>
           </a:p>
@@ -1177,7 +1180,7 @@
           <a:p>
             <a:fld id="{E4B0A79A-3997-4F54-9D51-15EE0C15CBF2}" type="datetimeFigureOut">
               <a:rPr lang="en-US" smtClean="0"/>
-              <a:t>2024-08-30</a:t>
+              <a:t>2024-09-02</a:t>
             </a:fld>
             <a:endParaRPr lang="en-US"/>
           </a:p>
@@ -1442,7 +1445,7 @@
           <a:p>
             <a:fld id="{E4B0A79A-3997-4F54-9D51-15EE0C15CBF2}" type="datetimeFigureOut">
               <a:rPr lang="en-US" smtClean="0"/>
-              <a:t>2024-08-30</a:t>
+              <a:t>2024-09-02</a:t>
             </a:fld>
             <a:endParaRPr lang="en-US"/>
           </a:p>
@@ -1854,7 +1857,7 @@
           <a:p>
             <a:fld id="{E4B0A79A-3997-4F54-9D51-15EE0C15CBF2}" type="datetimeFigureOut">
               <a:rPr lang="en-US" smtClean="0"/>
-              <a:t>2024-08-30</a:t>
+              <a:t>2024-09-02</a:t>
             </a:fld>
             <a:endParaRPr lang="en-US"/>
           </a:p>
@@ -1995,7 +1998,7 @@
           <a:p>
             <a:fld id="{E4B0A79A-3997-4F54-9D51-15EE0C15CBF2}" type="datetimeFigureOut">
               <a:rPr lang="en-US" smtClean="0"/>
-              <a:t>2024-08-30</a:t>
+              <a:t>2024-09-02</a:t>
             </a:fld>
             <a:endParaRPr lang="en-US"/>
           </a:p>
@@ -2108,7 +2111,7 @@
           <a:p>
             <a:fld id="{E4B0A79A-3997-4F54-9D51-15EE0C15CBF2}" type="datetimeFigureOut">
               <a:rPr lang="en-US" smtClean="0"/>
-              <a:t>2024-08-30</a:t>
+              <a:t>2024-09-02</a:t>
             </a:fld>
             <a:endParaRPr lang="en-US"/>
           </a:p>
@@ -2419,7 +2422,7 @@
           <a:p>
             <a:fld id="{E4B0A79A-3997-4F54-9D51-15EE0C15CBF2}" type="datetimeFigureOut">
               <a:rPr lang="en-US" smtClean="0"/>
-              <a:t>2024-08-30</a:t>
+              <a:t>2024-09-02</a:t>
             </a:fld>
             <a:endParaRPr lang="en-US"/>
           </a:p>
@@ -2707,7 +2710,7 @@
           <a:p>
             <a:fld id="{E4B0A79A-3997-4F54-9D51-15EE0C15CBF2}" type="datetimeFigureOut">
               <a:rPr lang="en-US" smtClean="0"/>
-              <a:t>2024-08-30</a:t>
+              <a:t>2024-09-02</a:t>
             </a:fld>
             <a:endParaRPr lang="en-US"/>
           </a:p>
@@ -2948,7 +2951,7 @@
           <a:p>
             <a:fld id="{E4B0A79A-3997-4F54-9D51-15EE0C15CBF2}" type="datetimeFigureOut">
               <a:rPr lang="en-US" smtClean="0"/>
-              <a:t>2024-08-30</a:t>
+              <a:t>2024-09-02</a:t>
             </a:fld>
             <a:endParaRPr lang="en-US"/>
           </a:p>
@@ -11377,6 +11380,617 @@
 </p:sld>
 </file>
 
+<file path=ppt/slides/slide41.xml><?xml version="1.0" encoding="utf-8"?>
+<p:sld xmlns:a="http://schemas.openxmlformats.org/drawingml/2006/main" xmlns:r="http://schemas.openxmlformats.org/officeDocument/2006/relationships" xmlns:p="http://schemas.openxmlformats.org/presentationml/2006/main">
+  <p:cSld>
+    <p:spTree>
+      <p:nvGrpSpPr>
+        <p:cNvPr id="1" name=""/>
+        <p:cNvGrpSpPr/>
+        <p:nvPr/>
+      </p:nvGrpSpPr>
+      <p:grpSpPr>
+        <a:xfrm>
+          <a:off x="0" y="0"/>
+          <a:ext cx="0" cy="0"/>
+          <a:chOff x="0" y="0"/>
+          <a:chExt cx="0" cy="0"/>
+        </a:xfrm>
+      </p:grpSpPr>
+      <p:sp>
+        <p:nvSpPr>
+          <p:cNvPr id="2" name="Title 1">
+            <a:extLst>
+              <a:ext uri="{FF2B5EF4-FFF2-40B4-BE49-F238E27FC236}">
+                <a16:creationId xmlns:a16="http://schemas.microsoft.com/office/drawing/2014/main" id="{B797A52D-8C56-4CC5-48D0-88D222D029E4}"/>
+              </a:ext>
+            </a:extLst>
+          </p:cNvPr>
+          <p:cNvSpPr>
+            <a:spLocks noGrp="1"/>
+          </p:cNvSpPr>
+          <p:nvPr>
+            <p:ph type="title"/>
+          </p:nvPr>
+        </p:nvSpPr>
+        <p:spPr/>
+        <p:txBody>
+          <a:bodyPr/>
+          <a:lstStyle/>
+          <a:p>
+            <a:r>
+              <a:rPr lang="en-US" dirty="0"/>
+              <a:t>Run 13</a:t>
+            </a:r>
+          </a:p>
+        </p:txBody>
+      </p:sp>
+      <mc:AlternateContent xmlns:mc="http://schemas.openxmlformats.org/markup-compatibility/2006">
+        <mc:Choice xmlns:a14="http://schemas.microsoft.com/office/drawing/2010/main" Requires="a14">
+          <p:sp>
+            <p:nvSpPr>
+              <p:cNvPr id="3" name="Content Placeholder 2">
+                <a:extLst>
+                  <a:ext uri="{FF2B5EF4-FFF2-40B4-BE49-F238E27FC236}">
+                    <a16:creationId xmlns:a16="http://schemas.microsoft.com/office/drawing/2014/main" id="{F567ADB7-F744-B166-BEF6-BB2549F8A4D4}"/>
+                  </a:ext>
+                </a:extLst>
+              </p:cNvPr>
+              <p:cNvSpPr>
+                <a:spLocks noGrp="1"/>
+              </p:cNvSpPr>
+              <p:nvPr>
+                <p:ph idx="1"/>
+              </p:nvPr>
+            </p:nvSpPr>
+            <p:spPr/>
+            <p:txBody>
+              <a:bodyPr/>
+              <a:lstStyle/>
+              <a:p>
+                <a14:m>
+                  <m:oMath xmlns:m="http://schemas.openxmlformats.org/officeDocument/2006/math">
+                    <m:r>
+                      <a:rPr lang="en-US" b="1" i="1" dirty="0" smtClean="0">
+                        <a:latin typeface="Cambria Math" panose="02040503050406030204" pitchFamily="18" charset="0"/>
+                      </a:rPr>
+                      <m:t>𝑳</m:t>
+                    </m:r>
+                    <m:r>
+                      <a:rPr lang="en-US" b="1" i="1" dirty="0" smtClean="0">
+                        <a:latin typeface="Cambria Math" panose="02040503050406030204" pitchFamily="18" charset="0"/>
+                      </a:rPr>
+                      <m:t>∈</m:t>
+                    </m:r>
+                    <m:r>
+                      <m:rPr>
+                        <m:lit/>
+                      </m:rPr>
+                      <a:rPr lang="en-US" b="1" i="1" dirty="0" smtClean="0">
+                        <a:latin typeface="Cambria Math" panose="02040503050406030204" pitchFamily="18" charset="0"/>
+                      </a:rPr>
+                      <m:t>{</m:t>
+                    </m:r>
+                    <m:r>
+                      <a:rPr lang="en-US" b="1" i="1" dirty="0" smtClean="0">
+                        <a:latin typeface="Cambria Math" panose="02040503050406030204" pitchFamily="18" charset="0"/>
+                      </a:rPr>
+                      <m:t>𝟓𝟎</m:t>
+                    </m:r>
+                    <m:r>
+                      <a:rPr lang="en-US" b="1" i="1" dirty="0" smtClean="0">
+                        <a:latin typeface="Cambria Math" panose="02040503050406030204" pitchFamily="18" charset="0"/>
+                      </a:rPr>
+                      <m:t>, </m:t>
+                    </m:r>
+                    <m:r>
+                      <a:rPr lang="en-US" b="1" i="1" dirty="0" smtClean="0">
+                        <a:latin typeface="Cambria Math" panose="02040503050406030204" pitchFamily="18" charset="0"/>
+                      </a:rPr>
+                      <m:t>𝟏𝟎𝟎</m:t>
+                    </m:r>
+                    <m:r>
+                      <a:rPr lang="en-US" b="1" i="1" dirty="0" smtClean="0">
+                        <a:latin typeface="Cambria Math" panose="02040503050406030204" pitchFamily="18" charset="0"/>
+                      </a:rPr>
+                      <m:t>, </m:t>
+                    </m:r>
+                    <m:r>
+                      <a:rPr lang="en-US" b="1" i="1" dirty="0" smtClean="0">
+                        <a:latin typeface="Cambria Math" panose="02040503050406030204" pitchFamily="18" charset="0"/>
+                      </a:rPr>
+                      <m:t>𝟏𝟓𝟎</m:t>
+                    </m:r>
+                    <m:r>
+                      <a:rPr lang="en-US" b="1" i="1" dirty="0" smtClean="0">
+                        <a:latin typeface="Cambria Math" panose="02040503050406030204" pitchFamily="18" charset="0"/>
+                      </a:rPr>
+                      <m:t>, …, </m:t>
+                    </m:r>
+                    <m:r>
+                      <a:rPr lang="en-US" b="1" i="1" dirty="0" smtClean="0">
+                        <a:latin typeface="Cambria Math" panose="02040503050406030204" pitchFamily="18" charset="0"/>
+                      </a:rPr>
+                      <m:t>𝟐𝟓𝟎</m:t>
+                    </m:r>
+                    <m:r>
+                      <m:rPr>
+                        <m:lit/>
+                      </m:rPr>
+                      <a:rPr lang="en-US" b="1" i="1" dirty="0" smtClean="0">
+                        <a:latin typeface="Cambria Math" panose="02040503050406030204" pitchFamily="18" charset="0"/>
+                      </a:rPr>
+                      <m:t>}</m:t>
+                    </m:r>
+                  </m:oMath>
+                </a14:m>
+                <a:endParaRPr lang="en-US" b="1" dirty="0"/>
+              </a:p>
+              <a:p>
+                <a14:m>
+                  <m:oMath xmlns:m="http://schemas.openxmlformats.org/officeDocument/2006/math">
+                    <m:r>
+                      <a:rPr lang="en-US" i="1" dirty="0" smtClean="0">
+                        <a:latin typeface="Cambria Math" panose="02040503050406030204" pitchFamily="18" charset="0"/>
+                      </a:rPr>
+                      <m:t>𝑐</m:t>
+                    </m:r>
+                    <m:r>
+                      <a:rPr lang="en-US" i="1" dirty="0" smtClean="0">
+                        <a:latin typeface="Cambria Math" panose="02040503050406030204" pitchFamily="18" charset="0"/>
+                      </a:rPr>
+                      <m:t>=16</m:t>
+                    </m:r>
+                  </m:oMath>
+                </a14:m>
+                <a:endParaRPr lang="en-US" dirty="0"/>
+              </a:p>
+              <a:p>
+                <a14:m>
+                  <m:oMath xmlns:m="http://schemas.openxmlformats.org/officeDocument/2006/math">
+                    <m:r>
+                      <a:rPr lang="en-US" i="1" dirty="0" smtClean="0">
+                        <a:latin typeface="Cambria Math" panose="02040503050406030204" pitchFamily="18" charset="0"/>
+                      </a:rPr>
+                      <m:t>𝑇</m:t>
+                    </m:r>
+                    <m:r>
+                      <a:rPr lang="en-US" i="1" dirty="0" smtClean="0">
+                        <a:latin typeface="Cambria Math" panose="02040503050406030204" pitchFamily="18" charset="0"/>
+                      </a:rPr>
+                      <m:t>=</m:t>
+                    </m:r>
+                    <m:r>
+                      <a:rPr lang="en-US" i="1" dirty="0" smtClean="0">
+                        <a:latin typeface="Cambria Math" panose="02040503050406030204" pitchFamily="18" charset="0"/>
+                      </a:rPr>
+                      <m:t>𝐿</m:t>
+                    </m:r>
+                  </m:oMath>
+                </a14:m>
+                <a:endParaRPr lang="en-US" dirty="0"/>
+              </a:p>
+              <a:p>
+                <a14:m>
+                  <m:oMath xmlns:m="http://schemas.openxmlformats.org/officeDocument/2006/math">
+                    <m:r>
+                      <a:rPr lang="en-US" b="1" i="1" dirty="0" smtClean="0">
+                        <a:latin typeface="Cambria Math" panose="02040503050406030204" pitchFamily="18" charset="0"/>
+                      </a:rPr>
+                      <m:t>𝒑</m:t>
+                    </m:r>
+                    <m:r>
+                      <a:rPr lang="en-US" b="1" i="1" dirty="0" smtClean="0">
+                        <a:latin typeface="Cambria Math" panose="02040503050406030204" pitchFamily="18" charset="0"/>
+                      </a:rPr>
+                      <m:t>∈{</m:t>
+                    </m:r>
+                    <m:r>
+                      <a:rPr lang="en-US" b="1" i="1" dirty="0" smtClean="0">
+                        <a:latin typeface="Cambria Math" panose="02040503050406030204" pitchFamily="18" charset="0"/>
+                      </a:rPr>
+                      <m:t>𝟎</m:t>
+                    </m:r>
+                    <m:r>
+                      <a:rPr lang="en-US" b="1" i="1" dirty="0" smtClean="0">
+                        <a:latin typeface="Cambria Math" panose="02040503050406030204" pitchFamily="18" charset="0"/>
+                      </a:rPr>
+                      <m:t>.</m:t>
+                    </m:r>
+                    <m:r>
+                      <a:rPr lang="en-US" b="1" i="1" dirty="0" smtClean="0">
+                        <a:latin typeface="Cambria Math" panose="02040503050406030204" pitchFamily="18" charset="0"/>
+                      </a:rPr>
+                      <m:t>𝟎𝟎𝟒𝟎𝟎</m:t>
+                    </m:r>
+                    <m:r>
+                      <a:rPr lang="en-US" b="1" i="1" dirty="0" smtClean="0">
+                        <a:latin typeface="Cambria Math" panose="02040503050406030204" pitchFamily="18" charset="0"/>
+                      </a:rPr>
+                      <m:t>,</m:t>
+                    </m:r>
+                    <m:r>
+                      <a:rPr lang="en-US" b="1" i="1" dirty="0" smtClean="0">
+                        <a:latin typeface="Cambria Math" panose="02040503050406030204" pitchFamily="18" charset="0"/>
+                      </a:rPr>
+                      <m:t>𝟎</m:t>
+                    </m:r>
+                    <m:r>
+                      <a:rPr lang="en-US" b="1" i="1" dirty="0" smtClean="0">
+                        <a:latin typeface="Cambria Math" panose="02040503050406030204" pitchFamily="18" charset="0"/>
+                      </a:rPr>
+                      <m:t>.</m:t>
+                    </m:r>
+                    <m:r>
+                      <a:rPr lang="en-US" b="1" i="1" dirty="0" smtClean="0">
+                        <a:latin typeface="Cambria Math" panose="02040503050406030204" pitchFamily="18" charset="0"/>
+                      </a:rPr>
+                      <m:t>𝟎𝟎𝟒𝟎𝟏</m:t>
+                    </m:r>
+                    <m:r>
+                      <a:rPr lang="en-US" b="1" i="1" dirty="0" smtClean="0">
+                        <a:latin typeface="Cambria Math" panose="02040503050406030204" pitchFamily="18" charset="0"/>
+                      </a:rPr>
+                      <m:t>,</m:t>
+                    </m:r>
+                    <m:r>
+                      <a:rPr lang="en-US" b="1" i="1" dirty="0" smtClean="0">
+                        <a:latin typeface="Cambria Math" panose="02040503050406030204" pitchFamily="18" charset="0"/>
+                      </a:rPr>
+                      <m:t>𝟎</m:t>
+                    </m:r>
+                    <m:r>
+                      <a:rPr lang="en-US" b="1" i="1" dirty="0" smtClean="0">
+                        <a:latin typeface="Cambria Math" panose="02040503050406030204" pitchFamily="18" charset="0"/>
+                      </a:rPr>
+                      <m:t>.</m:t>
+                    </m:r>
+                    <m:r>
+                      <a:rPr lang="en-US" b="1" i="1" dirty="0" smtClean="0">
+                        <a:latin typeface="Cambria Math" panose="02040503050406030204" pitchFamily="18" charset="0"/>
+                      </a:rPr>
+                      <m:t>𝟎𝟎𝟒𝟎𝟐</m:t>
+                    </m:r>
+                    <m:r>
+                      <a:rPr lang="en-US" b="1" i="1" dirty="0" smtClean="0">
+                        <a:latin typeface="Cambria Math" panose="02040503050406030204" pitchFamily="18" charset="0"/>
+                      </a:rPr>
+                      <m:t>,…,</m:t>
+                    </m:r>
+                    <m:r>
+                      <a:rPr lang="en-US" b="1" i="1" dirty="0" smtClean="0">
+                        <a:latin typeface="Cambria Math" panose="02040503050406030204" pitchFamily="18" charset="0"/>
+                      </a:rPr>
+                      <m:t>𝟎</m:t>
+                    </m:r>
+                    <m:r>
+                      <a:rPr lang="en-US" b="1" i="1" dirty="0" smtClean="0">
+                        <a:latin typeface="Cambria Math" panose="02040503050406030204" pitchFamily="18" charset="0"/>
+                      </a:rPr>
+                      <m:t>.</m:t>
+                    </m:r>
+                    <m:r>
+                      <a:rPr lang="en-US" b="1" i="1" dirty="0" smtClean="0">
+                        <a:latin typeface="Cambria Math" panose="02040503050406030204" pitchFamily="18" charset="0"/>
+                      </a:rPr>
+                      <m:t>𝟎𝟎𝟒𝟏𝟗</m:t>
+                    </m:r>
+                    <m:r>
+                      <m:rPr>
+                        <m:lit/>
+                      </m:rPr>
+                      <a:rPr lang="en-US" b="1" i="1" dirty="0" smtClean="0">
+                        <a:latin typeface="Cambria Math" panose="02040503050406030204" pitchFamily="18" charset="0"/>
+                      </a:rPr>
+                      <m:t>}</m:t>
+                    </m:r>
+                  </m:oMath>
+                </a14:m>
+                <a:endParaRPr lang="en-US" b="1" dirty="0"/>
+              </a:p>
+              <a:p>
+                <a14:m>
+                  <m:oMath xmlns:m="http://schemas.openxmlformats.org/officeDocument/2006/math">
+                    <m:r>
+                      <a:rPr lang="en-US" i="1" dirty="0" smtClean="0">
+                        <a:latin typeface="Cambria Math" panose="02040503050406030204" pitchFamily="18" charset="0"/>
+                      </a:rPr>
+                      <m:t>𝜂</m:t>
+                    </m:r>
+                    <m:r>
+                      <a:rPr lang="en-US" i="1" dirty="0" smtClean="0">
+                        <a:latin typeface="Cambria Math" panose="02040503050406030204" pitchFamily="18" charset="0"/>
+                      </a:rPr>
+                      <m:t>=0.1</m:t>
+                    </m:r>
+                  </m:oMath>
+                </a14:m>
+                <a:endParaRPr lang="en-US" dirty="0"/>
+              </a:p>
+              <a:p>
+                <a:r>
+                  <a:rPr lang="en-US" dirty="0"/>
+                  <a:t>12 hours x 10, 1 GPU / task</a:t>
+                </a:r>
+              </a:p>
+            </p:txBody>
+          </p:sp>
+        </mc:Choice>
+        <mc:Fallback>
+          <p:sp>
+            <p:nvSpPr>
+              <p:cNvPr id="3" name="Content Placeholder 2">
+                <a:extLst>
+                  <a:ext uri="{FF2B5EF4-FFF2-40B4-BE49-F238E27FC236}">
+                    <a16:creationId xmlns:a16="http://schemas.microsoft.com/office/drawing/2014/main" id="{F567ADB7-F744-B166-BEF6-BB2549F8A4D4}"/>
+                  </a:ext>
+                </a:extLst>
+              </p:cNvPr>
+              <p:cNvSpPr>
+                <a:spLocks noGrp="1" noRot="1" noChangeAspect="1" noMove="1" noResize="1" noEditPoints="1" noAdjustHandles="1" noChangeArrowheads="1" noChangeShapeType="1" noTextEdit="1"/>
+              </p:cNvSpPr>
+              <p:nvPr>
+                <p:ph idx="1"/>
+              </p:nvPr>
+            </p:nvSpPr>
+            <p:spPr>
+              <a:blipFill>
+                <a:blip r:embed="rId2"/>
+                <a:stretch>
+                  <a:fillRect l="-1043"/>
+                </a:stretch>
+              </a:blipFill>
+            </p:spPr>
+            <p:txBody>
+              <a:bodyPr/>
+              <a:lstStyle/>
+              <a:p>
+                <a:r>
+                  <a:rPr lang="en-US">
+                    <a:noFill/>
+                  </a:rPr>
+                  <a:t> </a:t>
+                </a:r>
+              </a:p>
+            </p:txBody>
+          </p:sp>
+        </mc:Fallback>
+      </mc:AlternateContent>
+    </p:spTree>
+    <p:extLst>
+      <p:ext uri="{BB962C8B-B14F-4D97-AF65-F5344CB8AC3E}">
+        <p14:creationId xmlns:p14="http://schemas.microsoft.com/office/powerpoint/2010/main" val="3117434292"/>
+      </p:ext>
+    </p:extLst>
+  </p:cSld>
+  <p:clrMapOvr>
+    <a:masterClrMapping/>
+  </p:clrMapOvr>
+</p:sld>
+</file>
+
+<file path=ppt/slides/slide42.xml><?xml version="1.0" encoding="utf-8"?>
+<p:sld xmlns:a="http://schemas.openxmlformats.org/drawingml/2006/main" xmlns:r="http://schemas.openxmlformats.org/officeDocument/2006/relationships" xmlns:p="http://schemas.openxmlformats.org/presentationml/2006/main">
+  <p:cSld>
+    <p:spTree>
+      <p:nvGrpSpPr>
+        <p:cNvPr id="1" name=""/>
+        <p:cNvGrpSpPr/>
+        <p:nvPr/>
+      </p:nvGrpSpPr>
+      <p:grpSpPr>
+        <a:xfrm>
+          <a:off x="0" y="0"/>
+          <a:ext cx="0" cy="0"/>
+          <a:chOff x="0" y="0"/>
+          <a:chExt cx="0" cy="0"/>
+        </a:xfrm>
+      </p:grpSpPr>
+      <p:sp>
+        <p:nvSpPr>
+          <p:cNvPr id="2" name="Title 1">
+            <a:extLst>
+              <a:ext uri="{FF2B5EF4-FFF2-40B4-BE49-F238E27FC236}">
+                <a16:creationId xmlns:a16="http://schemas.microsoft.com/office/drawing/2014/main" id="{B7203A3C-CAA9-71FB-9124-C235662153F9}"/>
+              </a:ext>
+            </a:extLst>
+          </p:cNvPr>
+          <p:cNvSpPr>
+            <a:spLocks noGrp="1"/>
+          </p:cNvSpPr>
+          <p:nvPr>
+            <p:ph type="title"/>
+          </p:nvPr>
+        </p:nvSpPr>
+        <p:spPr/>
+        <p:txBody>
+          <a:bodyPr/>
+          <a:lstStyle/>
+          <a:p>
+            <a:r>
+              <a:rPr lang="en-US" dirty="0"/>
+              <a:t>Run 13</a:t>
+            </a:r>
+          </a:p>
+        </p:txBody>
+      </p:sp>
+      <p:pic>
+        <p:nvPicPr>
+          <p:cNvPr id="5" name="Content Placeholder 4" descr="A screenshot of a computer screen&#10;&#10;Description automatically generated">
+            <a:extLst>
+              <a:ext uri="{FF2B5EF4-FFF2-40B4-BE49-F238E27FC236}">
+                <a16:creationId xmlns:a16="http://schemas.microsoft.com/office/drawing/2014/main" id="{606A2921-6602-177A-5CF4-E7EB245A400D}"/>
+              </a:ext>
+            </a:extLst>
+          </p:cNvPr>
+          <p:cNvPicPr>
+            <a:picLocks noGrp="1" noChangeAspect="1"/>
+          </p:cNvPicPr>
+          <p:nvPr>
+            <p:ph idx="1"/>
+          </p:nvPr>
+        </p:nvPicPr>
+        <p:blipFill>
+          <a:blip r:embed="rId2">
+            <a:extLst>
+              <a:ext uri="{28A0092B-C50C-407E-A947-70E740481C1C}">
+                <a14:useLocalDpi xmlns:a14="http://schemas.microsoft.com/office/drawing/2010/main" val="0"/>
+              </a:ext>
+            </a:extLst>
+          </a:blip>
+          <a:stretch>
+            <a:fillRect/>
+          </a:stretch>
+        </p:blipFill>
+        <p:spPr>
+          <a:xfrm>
+            <a:off x="0" y="2087427"/>
+            <a:ext cx="12144462" cy="3297907"/>
+          </a:xfrm>
+        </p:spPr>
+      </p:pic>
+    </p:spTree>
+    <p:extLst>
+      <p:ext uri="{BB962C8B-B14F-4D97-AF65-F5344CB8AC3E}">
+        <p14:creationId xmlns:p14="http://schemas.microsoft.com/office/powerpoint/2010/main" val="2661753421"/>
+      </p:ext>
+    </p:extLst>
+  </p:cSld>
+  <p:clrMapOvr>
+    <a:masterClrMapping/>
+  </p:clrMapOvr>
+</p:sld>
+</file>
+
+<file path=ppt/slides/slide43.xml><?xml version="1.0" encoding="utf-8"?>
+<p:sld xmlns:a="http://schemas.openxmlformats.org/drawingml/2006/main" xmlns:r="http://schemas.openxmlformats.org/officeDocument/2006/relationships" xmlns:p="http://schemas.openxmlformats.org/presentationml/2006/main">
+  <p:cSld>
+    <p:spTree>
+      <p:nvGrpSpPr>
+        <p:cNvPr id="1" name=""/>
+        <p:cNvGrpSpPr/>
+        <p:nvPr/>
+      </p:nvGrpSpPr>
+      <p:grpSpPr>
+        <a:xfrm>
+          <a:off x="0" y="0"/>
+          <a:ext cx="0" cy="0"/>
+          <a:chOff x="0" y="0"/>
+          <a:chExt cx="0" cy="0"/>
+        </a:xfrm>
+      </p:grpSpPr>
+      <p:sp>
+        <p:nvSpPr>
+          <p:cNvPr id="2" name="Title 1">
+            <a:extLst>
+              <a:ext uri="{FF2B5EF4-FFF2-40B4-BE49-F238E27FC236}">
+                <a16:creationId xmlns:a16="http://schemas.microsoft.com/office/drawing/2014/main" id="{B2BBFA49-E701-78D7-DBDE-518274627A56}"/>
+              </a:ext>
+            </a:extLst>
+          </p:cNvPr>
+          <p:cNvSpPr>
+            <a:spLocks noGrp="1"/>
+          </p:cNvSpPr>
+          <p:nvPr>
+            <p:ph type="title"/>
+          </p:nvPr>
+        </p:nvSpPr>
+        <p:spPr/>
+        <p:txBody>
+          <a:bodyPr/>
+          <a:lstStyle/>
+          <a:p>
+            <a:r>
+              <a:rPr lang="en-US" dirty="0"/>
+              <a:t>Run 13</a:t>
+            </a:r>
+          </a:p>
+        </p:txBody>
+      </p:sp>
+      <p:pic>
+        <p:nvPicPr>
+          <p:cNvPr id="5" name="Content Placeholder 4" descr="A graph of different colored lines&#10;&#10;Description automatically generated">
+            <a:extLst>
+              <a:ext uri="{FF2B5EF4-FFF2-40B4-BE49-F238E27FC236}">
+                <a16:creationId xmlns:a16="http://schemas.microsoft.com/office/drawing/2014/main" id="{DF5965D8-6FE5-A62E-6672-A6FD0309CC10}"/>
+              </a:ext>
+            </a:extLst>
+          </p:cNvPr>
+          <p:cNvPicPr>
+            <a:picLocks noGrp="1" noChangeAspect="1"/>
+          </p:cNvPicPr>
+          <p:nvPr>
+            <p:ph idx="1"/>
+          </p:nvPr>
+        </p:nvPicPr>
+        <p:blipFill>
+          <a:blip r:embed="rId2">
+            <a:extLst>
+              <a:ext uri="{28A0092B-C50C-407E-A947-70E740481C1C}">
+                <a14:useLocalDpi xmlns:a14="http://schemas.microsoft.com/office/drawing/2010/main" val="0"/>
+              </a:ext>
+            </a:extLst>
+          </a:blip>
+          <a:stretch>
+            <a:fillRect/>
+          </a:stretch>
+        </p:blipFill>
+        <p:spPr>
+          <a:xfrm>
+            <a:off x="-4593" y="1522216"/>
+            <a:ext cx="5939242" cy="4681265"/>
+          </a:xfrm>
+        </p:spPr>
+      </p:pic>
+      <p:pic>
+        <p:nvPicPr>
+          <p:cNvPr id="7" name="Picture 6" descr="A graph of different colored lines&#10;&#10;Description automatically generated">
+            <a:extLst>
+              <a:ext uri="{FF2B5EF4-FFF2-40B4-BE49-F238E27FC236}">
+                <a16:creationId xmlns:a16="http://schemas.microsoft.com/office/drawing/2014/main" id="{4535A5AE-4C43-7F14-B4B6-C559DBFE8644}"/>
+              </a:ext>
+            </a:extLst>
+          </p:cNvPr>
+          <p:cNvPicPr>
+            <a:picLocks noChangeAspect="1"/>
+          </p:cNvPicPr>
+          <p:nvPr/>
+        </p:nvPicPr>
+        <p:blipFill>
+          <a:blip r:embed="rId3">
+            <a:extLst>
+              <a:ext uri="{28A0092B-C50C-407E-A947-70E740481C1C}">
+                <a14:useLocalDpi xmlns:a14="http://schemas.microsoft.com/office/drawing/2010/main" val="0"/>
+              </a:ext>
+            </a:extLst>
+          </a:blip>
+          <a:stretch>
+            <a:fillRect/>
+          </a:stretch>
+        </p:blipFill>
+        <p:spPr>
+          <a:xfrm>
+            <a:off x="5934649" y="1522215"/>
+            <a:ext cx="6257351" cy="4681265"/>
+          </a:xfrm>
+          <a:prstGeom prst="rect">
+            <a:avLst/>
+          </a:prstGeom>
+        </p:spPr>
+      </p:pic>
+    </p:spTree>
+    <p:extLst>
+      <p:ext uri="{BB962C8B-B14F-4D97-AF65-F5344CB8AC3E}">
+        <p14:creationId xmlns:p14="http://schemas.microsoft.com/office/powerpoint/2010/main" val="532840563"/>
+      </p:ext>
+    </p:extLst>
+  </p:cSld>
+  <p:clrMapOvr>
+    <a:masterClrMapping/>
+  </p:clrMapOvr>
+</p:sld>
+</file>
+
 <file path=ppt/slides/slide5.xml><?xml version="1.0" encoding="utf-8"?>
 <p:sld xmlns:a="http://schemas.openxmlformats.org/drawingml/2006/main" xmlns:r="http://schemas.openxmlformats.org/officeDocument/2006/relationships" xmlns:p="http://schemas.openxmlformats.org/presentationml/2006/main">
   <p:cSld>
